--- a/remote/fig/fig.pptx
+++ b/remote/fig/fig.pptx
@@ -7,7 +7,12 @@
   <p:sldIdLst>
     <p:sldId id="259" r:id="rId2"/>
     <p:sldId id="270" r:id="rId3"/>
-    <p:sldId id="269" r:id="rId4"/>
+    <p:sldId id="271" r:id="rId4"/>
+    <p:sldId id="273" r:id="rId5"/>
+    <p:sldId id="274" r:id="rId6"/>
+    <p:sldId id="272" r:id="rId7"/>
+    <p:sldId id="275" r:id="rId8"/>
+    <p:sldId id="269" r:id="rId9"/>
   </p:sldIdLst>
   <p:sldSz cx="9144000" cy="6858000" type="screen4x3"/>
   <p:notesSz cx="6858000" cy="9144000"/>
@@ -3422,6 +3427,9324 @@
           <p:cNvPr id="2" name="楕円 4">
             <a:extLst>
               <a:ext uri="{FF2B5EF4-FFF2-40B4-BE49-F238E27FC236}">
+                <a16:creationId xmlns:a16="http://schemas.microsoft.com/office/drawing/2014/main" id="{286231D7-0E5B-403A-A5D6-4D1B357F8A50}"/>
+              </a:ext>
+            </a:extLst>
+          </p:cNvPr>
+          <p:cNvSpPr/>
+          <p:nvPr/>
+        </p:nvSpPr>
+        <p:spPr>
+          <a:xfrm>
+            <a:off x="1475656" y="2492896"/>
+            <a:ext cx="288032" cy="288032"/>
+          </a:xfrm>
+          <a:prstGeom prst="ellipse">
+            <a:avLst/>
+          </a:prstGeom>
+          <a:solidFill>
+            <a:srgbClr val="011893"/>
+          </a:solidFill>
+          <a:ln>
+            <a:solidFill>
+              <a:schemeClr val="tx1"/>
+            </a:solidFill>
+          </a:ln>
+        </p:spPr>
+        <p:style>
+          <a:lnRef idx="2">
+            <a:schemeClr val="accent1">
+              <a:shade val="50000"/>
+            </a:schemeClr>
+          </a:lnRef>
+          <a:fillRef idx="1">
+            <a:schemeClr val="accent1"/>
+          </a:fillRef>
+          <a:effectRef idx="0">
+            <a:schemeClr val="accent1"/>
+          </a:effectRef>
+          <a:fontRef idx="minor">
+            <a:schemeClr val="lt1"/>
+          </a:fontRef>
+        </p:style>
+        <p:txBody>
+          <a:bodyPr rtlCol="0" anchor="ctr"/>
+          <a:lstStyle/>
+          <a:p>
+            <a:pPr algn="ctr"/>
+            <a:endParaRPr kumimoji="1" lang="ja-JP" altLang="en-US"/>
+          </a:p>
+        </p:txBody>
+      </p:sp>
+      <p:sp>
+        <p:nvSpPr>
+          <p:cNvPr id="3" name="四角形: 1 つの角を切り取り 1 つの角を丸める 2">
+            <a:extLst>
+              <a:ext uri="{FF2B5EF4-FFF2-40B4-BE49-F238E27FC236}">
+                <a16:creationId xmlns:a16="http://schemas.microsoft.com/office/drawing/2014/main" id="{9F6AF034-54F1-4AD1-8C1E-03AE6DE3B5EF}"/>
+              </a:ext>
+            </a:extLst>
+          </p:cNvPr>
+          <p:cNvSpPr/>
+          <p:nvPr/>
+        </p:nvSpPr>
+        <p:spPr>
+          <a:xfrm>
+            <a:off x="2483768" y="1772816"/>
+            <a:ext cx="1152128" cy="338336"/>
+          </a:xfrm>
+          <a:prstGeom prst="snipRoundRect">
+            <a:avLst>
+              <a:gd name="adj1" fmla="val 16667"/>
+              <a:gd name="adj2" fmla="val 35924"/>
+            </a:avLst>
+          </a:prstGeom>
+          <a:solidFill>
+            <a:schemeClr val="accent6">
+              <a:lumMod val="20000"/>
+              <a:lumOff val="80000"/>
+            </a:schemeClr>
+          </a:solidFill>
+          <a:ln>
+            <a:solidFill>
+              <a:schemeClr val="tx1"/>
+            </a:solidFill>
+          </a:ln>
+        </p:spPr>
+        <p:style>
+          <a:lnRef idx="2">
+            <a:schemeClr val="accent1">
+              <a:shade val="50000"/>
+            </a:schemeClr>
+          </a:lnRef>
+          <a:fillRef idx="1">
+            <a:schemeClr val="accent1"/>
+          </a:fillRef>
+          <a:effectRef idx="0">
+            <a:schemeClr val="accent1"/>
+          </a:effectRef>
+          <a:fontRef idx="minor">
+            <a:schemeClr val="lt1"/>
+          </a:fontRef>
+        </p:style>
+        <p:txBody>
+          <a:bodyPr rtlCol="0" anchor="ctr"/>
+          <a:lstStyle/>
+          <a:p>
+            <a:pPr algn="ctr"/>
+            <a:r>
+              <a:rPr kumimoji="1" lang="en-US" altLang="ja-JP">
+                <a:solidFill>
+                  <a:sysClr val="windowText" lastClr="000000"/>
+                </a:solidFill>
+                <a:latin typeface="Consolas" panose="020B0609020204030204" pitchFamily="49" charset="0"/>
+              </a:rPr>
+              <a:t>main</a:t>
+            </a:r>
+            <a:endParaRPr kumimoji="1" lang="ja-JP" altLang="en-US">
+              <a:solidFill>
+                <a:sysClr val="windowText" lastClr="000000"/>
+              </a:solidFill>
+              <a:latin typeface="Consolas" panose="020B0609020204030204" pitchFamily="49" charset="0"/>
+            </a:endParaRPr>
+          </a:p>
+        </p:txBody>
+      </p:sp>
+      <p:cxnSp>
+        <p:nvCxnSpPr>
+          <p:cNvPr id="4" name="直線矢印コネクタ 3">
+            <a:extLst>
+              <a:ext uri="{FF2B5EF4-FFF2-40B4-BE49-F238E27FC236}">
+                <a16:creationId xmlns:a16="http://schemas.microsoft.com/office/drawing/2014/main" id="{FA18B7F2-6DDB-417D-A22D-708F95513FF1}"/>
+              </a:ext>
+            </a:extLst>
+          </p:cNvPr>
+          <p:cNvCxnSpPr>
+            <a:cxnSpLocks/>
+            <a:stCxn id="3" idx="1"/>
+          </p:cNvCxnSpPr>
+          <p:nvPr/>
+        </p:nvCxnSpPr>
+        <p:spPr>
+          <a:xfrm>
+            <a:off x="3059832" y="2111152"/>
+            <a:ext cx="0" cy="381744"/>
+          </a:xfrm>
+          <a:prstGeom prst="straightConnector1">
+            <a:avLst/>
+          </a:prstGeom>
+          <a:ln w="12700">
+            <a:solidFill>
+              <a:schemeClr val="tx1"/>
+            </a:solidFill>
+            <a:tailEnd type="triangle"/>
+          </a:ln>
+        </p:spPr>
+        <p:style>
+          <a:lnRef idx="1">
+            <a:schemeClr val="accent1"/>
+          </a:lnRef>
+          <a:fillRef idx="0">
+            <a:schemeClr val="accent1"/>
+          </a:fillRef>
+          <a:effectRef idx="0">
+            <a:schemeClr val="accent1"/>
+          </a:effectRef>
+          <a:fontRef idx="minor">
+            <a:schemeClr val="tx1"/>
+          </a:fontRef>
+        </p:style>
+      </p:cxnSp>
+      <p:sp>
+        <p:nvSpPr>
+          <p:cNvPr id="5" name="楕円 4">
+            <a:extLst>
+              <a:ext uri="{FF2B5EF4-FFF2-40B4-BE49-F238E27FC236}">
+                <a16:creationId xmlns:a16="http://schemas.microsoft.com/office/drawing/2014/main" id="{37848E05-8C41-427B-81F0-73BDB9D24473}"/>
+              </a:ext>
+            </a:extLst>
+          </p:cNvPr>
+          <p:cNvSpPr/>
+          <p:nvPr/>
+        </p:nvSpPr>
+        <p:spPr>
+          <a:xfrm>
+            <a:off x="755576" y="2492896"/>
+            <a:ext cx="288032" cy="288032"/>
+          </a:xfrm>
+          <a:prstGeom prst="ellipse">
+            <a:avLst/>
+          </a:prstGeom>
+          <a:solidFill>
+            <a:srgbClr val="011893"/>
+          </a:solidFill>
+          <a:ln>
+            <a:solidFill>
+              <a:schemeClr val="tx1"/>
+            </a:solidFill>
+          </a:ln>
+        </p:spPr>
+        <p:style>
+          <a:lnRef idx="2">
+            <a:schemeClr val="accent1">
+              <a:shade val="50000"/>
+            </a:schemeClr>
+          </a:lnRef>
+          <a:fillRef idx="1">
+            <a:schemeClr val="accent1"/>
+          </a:fillRef>
+          <a:effectRef idx="0">
+            <a:schemeClr val="accent1"/>
+          </a:effectRef>
+          <a:fontRef idx="minor">
+            <a:schemeClr val="lt1"/>
+          </a:fontRef>
+        </p:style>
+        <p:txBody>
+          <a:bodyPr rtlCol="0" anchor="ctr"/>
+          <a:lstStyle/>
+          <a:p>
+            <a:pPr algn="ctr"/>
+            <a:endParaRPr kumimoji="1" lang="ja-JP" altLang="en-US"/>
+          </a:p>
+        </p:txBody>
+      </p:sp>
+      <p:cxnSp>
+        <p:nvCxnSpPr>
+          <p:cNvPr id="6" name="直線コネクタ 5">
+            <a:extLst>
+              <a:ext uri="{FF2B5EF4-FFF2-40B4-BE49-F238E27FC236}">
+                <a16:creationId xmlns:a16="http://schemas.microsoft.com/office/drawing/2014/main" id="{775B145B-DF4B-499F-8931-7F1332A20CB9}"/>
+              </a:ext>
+            </a:extLst>
+          </p:cNvPr>
+          <p:cNvCxnSpPr>
+            <a:cxnSpLocks/>
+            <a:stCxn id="5" idx="6"/>
+          </p:cNvCxnSpPr>
+          <p:nvPr/>
+        </p:nvCxnSpPr>
+        <p:spPr>
+          <a:xfrm>
+            <a:off x="1043608" y="2636912"/>
+            <a:ext cx="432048" cy="0"/>
+          </a:xfrm>
+          <a:prstGeom prst="line">
+            <a:avLst/>
+          </a:prstGeom>
+          <a:ln w="57150">
+            <a:solidFill>
+              <a:schemeClr val="tx1"/>
+            </a:solidFill>
+            <a:headEnd type="none" w="med" len="med"/>
+            <a:tailEnd type="none" w="med" len="med"/>
+          </a:ln>
+        </p:spPr>
+        <p:style>
+          <a:lnRef idx="1">
+            <a:schemeClr val="accent1"/>
+          </a:lnRef>
+          <a:fillRef idx="0">
+            <a:schemeClr val="accent1"/>
+          </a:fillRef>
+          <a:effectRef idx="0">
+            <a:schemeClr val="accent1"/>
+          </a:effectRef>
+          <a:fontRef idx="minor">
+            <a:schemeClr val="tx1"/>
+          </a:fontRef>
+        </p:style>
+      </p:cxnSp>
+      <p:sp>
+        <p:nvSpPr>
+          <p:cNvPr id="7" name="楕円 4">
+            <a:extLst>
+              <a:ext uri="{FF2B5EF4-FFF2-40B4-BE49-F238E27FC236}">
+                <a16:creationId xmlns:a16="http://schemas.microsoft.com/office/drawing/2014/main" id="{05754FD2-E451-4362-9B4E-94E45048C88F}"/>
+              </a:ext>
+            </a:extLst>
+          </p:cNvPr>
+          <p:cNvSpPr/>
+          <p:nvPr/>
+        </p:nvSpPr>
+        <p:spPr>
+          <a:xfrm>
+            <a:off x="2195736" y="2492896"/>
+            <a:ext cx="288032" cy="288032"/>
+          </a:xfrm>
+          <a:prstGeom prst="ellipse">
+            <a:avLst/>
+          </a:prstGeom>
+          <a:solidFill>
+            <a:srgbClr val="011893"/>
+          </a:solidFill>
+          <a:ln>
+            <a:solidFill>
+              <a:schemeClr val="tx1"/>
+            </a:solidFill>
+          </a:ln>
+        </p:spPr>
+        <p:style>
+          <a:lnRef idx="2">
+            <a:schemeClr val="accent1">
+              <a:shade val="50000"/>
+            </a:schemeClr>
+          </a:lnRef>
+          <a:fillRef idx="1">
+            <a:schemeClr val="accent1"/>
+          </a:fillRef>
+          <a:effectRef idx="0">
+            <a:schemeClr val="accent1"/>
+          </a:effectRef>
+          <a:fontRef idx="minor">
+            <a:schemeClr val="lt1"/>
+          </a:fontRef>
+        </p:style>
+        <p:txBody>
+          <a:bodyPr rtlCol="0" anchor="ctr"/>
+          <a:lstStyle/>
+          <a:p>
+            <a:pPr algn="ctr"/>
+            <a:endParaRPr kumimoji="1" lang="ja-JP" altLang="en-US"/>
+          </a:p>
+        </p:txBody>
+      </p:sp>
+      <p:cxnSp>
+        <p:nvCxnSpPr>
+          <p:cNvPr id="8" name="直線コネクタ 7">
+            <a:extLst>
+              <a:ext uri="{FF2B5EF4-FFF2-40B4-BE49-F238E27FC236}">
+                <a16:creationId xmlns:a16="http://schemas.microsoft.com/office/drawing/2014/main" id="{19B0B138-A2CE-4DF2-AB92-D3912411716E}"/>
+              </a:ext>
+            </a:extLst>
+          </p:cNvPr>
+          <p:cNvCxnSpPr>
+            <a:cxnSpLocks/>
+          </p:cNvCxnSpPr>
+          <p:nvPr/>
+        </p:nvCxnSpPr>
+        <p:spPr>
+          <a:xfrm>
+            <a:off x="1763688" y="2636912"/>
+            <a:ext cx="432048" cy="0"/>
+          </a:xfrm>
+          <a:prstGeom prst="line">
+            <a:avLst/>
+          </a:prstGeom>
+          <a:ln w="57150">
+            <a:solidFill>
+              <a:schemeClr val="tx1"/>
+            </a:solidFill>
+            <a:headEnd type="none" w="med" len="med"/>
+            <a:tailEnd type="none" w="med" len="med"/>
+          </a:ln>
+        </p:spPr>
+        <p:style>
+          <a:lnRef idx="1">
+            <a:schemeClr val="accent1"/>
+          </a:lnRef>
+          <a:fillRef idx="0">
+            <a:schemeClr val="accent1"/>
+          </a:fillRef>
+          <a:effectRef idx="0">
+            <a:schemeClr val="accent1"/>
+          </a:effectRef>
+          <a:fontRef idx="minor">
+            <a:schemeClr val="tx1"/>
+          </a:fontRef>
+        </p:style>
+      </p:cxnSp>
+      <p:sp>
+        <p:nvSpPr>
+          <p:cNvPr id="9" name="楕円 4">
+            <a:extLst>
+              <a:ext uri="{FF2B5EF4-FFF2-40B4-BE49-F238E27FC236}">
+                <a16:creationId xmlns:a16="http://schemas.microsoft.com/office/drawing/2014/main" id="{A9641172-AEE3-4F51-BFEE-B2A44A514EBE}"/>
+              </a:ext>
+            </a:extLst>
+          </p:cNvPr>
+          <p:cNvSpPr/>
+          <p:nvPr/>
+        </p:nvSpPr>
+        <p:spPr>
+          <a:xfrm>
+            <a:off x="2915816" y="2492896"/>
+            <a:ext cx="288032" cy="288032"/>
+          </a:xfrm>
+          <a:prstGeom prst="ellipse">
+            <a:avLst/>
+          </a:prstGeom>
+          <a:solidFill>
+            <a:srgbClr val="011893"/>
+          </a:solidFill>
+          <a:ln>
+            <a:solidFill>
+              <a:schemeClr val="tx1"/>
+            </a:solidFill>
+          </a:ln>
+        </p:spPr>
+        <p:style>
+          <a:lnRef idx="2">
+            <a:schemeClr val="accent1">
+              <a:shade val="50000"/>
+            </a:schemeClr>
+          </a:lnRef>
+          <a:fillRef idx="1">
+            <a:schemeClr val="accent1"/>
+          </a:fillRef>
+          <a:effectRef idx="0">
+            <a:schemeClr val="accent1"/>
+          </a:effectRef>
+          <a:fontRef idx="minor">
+            <a:schemeClr val="lt1"/>
+          </a:fontRef>
+        </p:style>
+        <p:txBody>
+          <a:bodyPr rtlCol="0" anchor="ctr"/>
+          <a:lstStyle/>
+          <a:p>
+            <a:pPr algn="ctr"/>
+            <a:endParaRPr kumimoji="1" lang="ja-JP" altLang="en-US"/>
+          </a:p>
+        </p:txBody>
+      </p:sp>
+      <p:cxnSp>
+        <p:nvCxnSpPr>
+          <p:cNvPr id="10" name="直線コネクタ 9">
+            <a:extLst>
+              <a:ext uri="{FF2B5EF4-FFF2-40B4-BE49-F238E27FC236}">
+                <a16:creationId xmlns:a16="http://schemas.microsoft.com/office/drawing/2014/main" id="{F83FD918-0CD8-44A5-A9B3-76856F157413}"/>
+              </a:ext>
+            </a:extLst>
+          </p:cNvPr>
+          <p:cNvCxnSpPr>
+            <a:cxnSpLocks/>
+          </p:cNvCxnSpPr>
+          <p:nvPr/>
+        </p:nvCxnSpPr>
+        <p:spPr>
+          <a:xfrm>
+            <a:off x="2483768" y="2636912"/>
+            <a:ext cx="432048" cy="0"/>
+          </a:xfrm>
+          <a:prstGeom prst="line">
+            <a:avLst/>
+          </a:prstGeom>
+          <a:ln w="57150">
+            <a:solidFill>
+              <a:schemeClr val="tx1"/>
+            </a:solidFill>
+            <a:headEnd type="none" w="med" len="med"/>
+            <a:tailEnd type="none" w="med" len="med"/>
+          </a:ln>
+        </p:spPr>
+        <p:style>
+          <a:lnRef idx="1">
+            <a:schemeClr val="accent1"/>
+          </a:lnRef>
+          <a:fillRef idx="0">
+            <a:schemeClr val="accent1"/>
+          </a:fillRef>
+          <a:effectRef idx="0">
+            <a:schemeClr val="accent1"/>
+          </a:effectRef>
+          <a:fontRef idx="minor">
+            <a:schemeClr val="tx1"/>
+          </a:fontRef>
+        </p:style>
+      </p:cxnSp>
+      <p:sp>
+        <p:nvSpPr>
+          <p:cNvPr id="12" name="四角形: 角を丸くする 11">
+            <a:extLst>
+              <a:ext uri="{FF2B5EF4-FFF2-40B4-BE49-F238E27FC236}">
+                <a16:creationId xmlns:a16="http://schemas.microsoft.com/office/drawing/2014/main" id="{74F8C807-F55A-45ED-BC2B-69981DD76E5C}"/>
+              </a:ext>
+            </a:extLst>
+          </p:cNvPr>
+          <p:cNvSpPr/>
+          <p:nvPr/>
+        </p:nvSpPr>
+        <p:spPr>
+          <a:xfrm>
+            <a:off x="611560" y="1556792"/>
+            <a:ext cx="3384376" cy="1440160"/>
+          </a:xfrm>
+          <a:prstGeom prst="roundRect">
+            <a:avLst/>
+          </a:prstGeom>
+          <a:noFill/>
+          <a:ln w="28575">
+            <a:solidFill>
+              <a:schemeClr val="tx1"/>
+            </a:solidFill>
+            <a:prstDash val="dash"/>
+          </a:ln>
+        </p:spPr>
+        <p:style>
+          <a:lnRef idx="2">
+            <a:schemeClr val="accent1">
+              <a:shade val="50000"/>
+            </a:schemeClr>
+          </a:lnRef>
+          <a:fillRef idx="1">
+            <a:schemeClr val="accent1"/>
+          </a:fillRef>
+          <a:effectRef idx="0">
+            <a:schemeClr val="accent1"/>
+          </a:effectRef>
+          <a:fontRef idx="minor">
+            <a:schemeClr val="lt1"/>
+          </a:fontRef>
+        </p:style>
+        <p:txBody>
+          <a:bodyPr rtlCol="0" anchor="ctr"/>
+          <a:lstStyle/>
+          <a:p>
+            <a:pPr algn="ctr"/>
+            <a:endParaRPr kumimoji="1" lang="ja-JP" altLang="en-US"/>
+          </a:p>
+        </p:txBody>
+      </p:sp>
+      <p:sp>
+        <p:nvSpPr>
+          <p:cNvPr id="13" name="テキスト ボックス 12">
+            <a:extLst>
+              <a:ext uri="{FF2B5EF4-FFF2-40B4-BE49-F238E27FC236}">
+                <a16:creationId xmlns:a16="http://schemas.microsoft.com/office/drawing/2014/main" id="{D1C0357E-3AE8-4370-8962-BA7F01DF4232}"/>
+              </a:ext>
+            </a:extLst>
+          </p:cNvPr>
+          <p:cNvSpPr txBox="1"/>
+          <p:nvPr/>
+        </p:nvSpPr>
+        <p:spPr>
+          <a:xfrm>
+            <a:off x="1331640" y="980728"/>
+            <a:ext cx="2262158" cy="369332"/>
+          </a:xfrm>
+          <a:prstGeom prst="rect">
+            <a:avLst/>
+          </a:prstGeom>
+          <a:noFill/>
+        </p:spPr>
+        <p:txBody>
+          <a:bodyPr wrap="none" rtlCol="0">
+            <a:spAutoFit/>
+          </a:bodyPr>
+          <a:lstStyle/>
+          <a:p>
+            <a:pPr algn="ctr"/>
+            <a:r>
+              <a:rPr lang="ja-JP" altLang="en-US" dirty="0"/>
+              <a:t>リモートリポジトリ</a:t>
+            </a:r>
+            <a:endParaRPr kumimoji="1" lang="en-US" altLang="ja-JP" dirty="0"/>
+          </a:p>
+        </p:txBody>
+      </p:sp>
+      <p:pic>
+        <p:nvPicPr>
+          <p:cNvPr id="14" name="図 13">
+            <a:extLst>
+              <a:ext uri="{FF2B5EF4-FFF2-40B4-BE49-F238E27FC236}">
+                <a16:creationId xmlns:a16="http://schemas.microsoft.com/office/drawing/2014/main" id="{520B1079-552B-44D4-8BC6-854DB8DAA59B}"/>
+              </a:ext>
+            </a:extLst>
+          </p:cNvPr>
+          <p:cNvPicPr>
+            <a:picLocks noChangeAspect="1"/>
+          </p:cNvPicPr>
+          <p:nvPr/>
+        </p:nvPicPr>
+        <p:blipFill>
+          <a:blip r:embed="rId2">
+            <a:extLst>
+              <a:ext uri="{28A0092B-C50C-407E-A947-70E740481C1C}">
+                <a14:useLocalDpi xmlns:a14="http://schemas.microsoft.com/office/drawing/2010/main" val="0"/>
+              </a:ext>
+            </a:extLst>
+          </a:blip>
+          <a:stretch>
+            <a:fillRect/>
+          </a:stretch>
+        </p:blipFill>
+        <p:spPr>
+          <a:xfrm>
+            <a:off x="611560" y="836712"/>
+            <a:ext cx="609600" cy="609600"/>
+          </a:xfrm>
+          <a:prstGeom prst="rect">
+            <a:avLst/>
+          </a:prstGeom>
+        </p:spPr>
+      </p:pic>
+      <p:sp>
+        <p:nvSpPr>
+          <p:cNvPr id="15" name="楕円 4">
+            <a:extLst>
+              <a:ext uri="{FF2B5EF4-FFF2-40B4-BE49-F238E27FC236}">
+                <a16:creationId xmlns:a16="http://schemas.microsoft.com/office/drawing/2014/main" id="{77918908-432D-4EDE-8868-B2039696EC24}"/>
+              </a:ext>
+            </a:extLst>
+          </p:cNvPr>
+          <p:cNvSpPr/>
+          <p:nvPr/>
+        </p:nvSpPr>
+        <p:spPr>
+          <a:xfrm>
+            <a:off x="1691680" y="5661248"/>
+            <a:ext cx="288032" cy="288032"/>
+          </a:xfrm>
+          <a:prstGeom prst="ellipse">
+            <a:avLst/>
+          </a:prstGeom>
+          <a:solidFill>
+            <a:srgbClr val="011893"/>
+          </a:solidFill>
+          <a:ln>
+            <a:solidFill>
+              <a:schemeClr val="tx1"/>
+            </a:solidFill>
+          </a:ln>
+        </p:spPr>
+        <p:style>
+          <a:lnRef idx="2">
+            <a:schemeClr val="accent1">
+              <a:shade val="50000"/>
+            </a:schemeClr>
+          </a:lnRef>
+          <a:fillRef idx="1">
+            <a:schemeClr val="accent1"/>
+          </a:fillRef>
+          <a:effectRef idx="0">
+            <a:schemeClr val="accent1"/>
+          </a:effectRef>
+          <a:fontRef idx="minor">
+            <a:schemeClr val="lt1"/>
+          </a:fontRef>
+        </p:style>
+        <p:txBody>
+          <a:bodyPr rtlCol="0" anchor="ctr"/>
+          <a:lstStyle/>
+          <a:p>
+            <a:pPr algn="ctr"/>
+            <a:endParaRPr kumimoji="1" lang="ja-JP" altLang="en-US"/>
+          </a:p>
+        </p:txBody>
+      </p:sp>
+      <p:sp>
+        <p:nvSpPr>
+          <p:cNvPr id="16" name="四角形: 1 つの角を切り取り 1 つの角を丸める 15">
+            <a:extLst>
+              <a:ext uri="{FF2B5EF4-FFF2-40B4-BE49-F238E27FC236}">
+                <a16:creationId xmlns:a16="http://schemas.microsoft.com/office/drawing/2014/main" id="{5076E96D-EF5F-49D5-B4C1-854F2C722005}"/>
+              </a:ext>
+            </a:extLst>
+          </p:cNvPr>
+          <p:cNvSpPr/>
+          <p:nvPr/>
+        </p:nvSpPr>
+        <p:spPr>
+          <a:xfrm>
+            <a:off x="2699792" y="4941168"/>
+            <a:ext cx="1152128" cy="338336"/>
+          </a:xfrm>
+          <a:prstGeom prst="snipRoundRect">
+            <a:avLst>
+              <a:gd name="adj1" fmla="val 16667"/>
+              <a:gd name="adj2" fmla="val 35924"/>
+            </a:avLst>
+          </a:prstGeom>
+          <a:solidFill>
+            <a:schemeClr val="accent6">
+              <a:lumMod val="20000"/>
+              <a:lumOff val="80000"/>
+            </a:schemeClr>
+          </a:solidFill>
+          <a:ln>
+            <a:solidFill>
+              <a:schemeClr val="tx1"/>
+            </a:solidFill>
+          </a:ln>
+        </p:spPr>
+        <p:style>
+          <a:lnRef idx="2">
+            <a:schemeClr val="accent1">
+              <a:shade val="50000"/>
+            </a:schemeClr>
+          </a:lnRef>
+          <a:fillRef idx="1">
+            <a:schemeClr val="accent1"/>
+          </a:fillRef>
+          <a:effectRef idx="0">
+            <a:schemeClr val="accent1"/>
+          </a:effectRef>
+          <a:fontRef idx="minor">
+            <a:schemeClr val="lt1"/>
+          </a:fontRef>
+        </p:style>
+        <p:txBody>
+          <a:bodyPr rtlCol="0" anchor="ctr"/>
+          <a:lstStyle/>
+          <a:p>
+            <a:pPr algn="ctr"/>
+            <a:r>
+              <a:rPr kumimoji="1" lang="en-US" altLang="ja-JP">
+                <a:solidFill>
+                  <a:sysClr val="windowText" lastClr="000000"/>
+                </a:solidFill>
+                <a:latin typeface="Consolas" panose="020B0609020204030204" pitchFamily="49" charset="0"/>
+              </a:rPr>
+              <a:t>main</a:t>
+            </a:r>
+            <a:endParaRPr kumimoji="1" lang="ja-JP" altLang="en-US">
+              <a:solidFill>
+                <a:sysClr val="windowText" lastClr="000000"/>
+              </a:solidFill>
+              <a:latin typeface="Consolas" panose="020B0609020204030204" pitchFamily="49" charset="0"/>
+            </a:endParaRPr>
+          </a:p>
+        </p:txBody>
+      </p:sp>
+      <p:cxnSp>
+        <p:nvCxnSpPr>
+          <p:cNvPr id="17" name="直線矢印コネクタ 16">
+            <a:extLst>
+              <a:ext uri="{FF2B5EF4-FFF2-40B4-BE49-F238E27FC236}">
+                <a16:creationId xmlns:a16="http://schemas.microsoft.com/office/drawing/2014/main" id="{3216F652-568C-4A58-A87D-9985356EDDD1}"/>
+              </a:ext>
+            </a:extLst>
+          </p:cNvPr>
+          <p:cNvCxnSpPr>
+            <a:cxnSpLocks/>
+            <a:stCxn id="16" idx="1"/>
+          </p:cNvCxnSpPr>
+          <p:nvPr/>
+        </p:nvCxnSpPr>
+        <p:spPr>
+          <a:xfrm>
+            <a:off x="3275856" y="5279504"/>
+            <a:ext cx="0" cy="381744"/>
+          </a:xfrm>
+          <a:prstGeom prst="straightConnector1">
+            <a:avLst/>
+          </a:prstGeom>
+          <a:ln w="12700">
+            <a:solidFill>
+              <a:schemeClr val="tx1"/>
+            </a:solidFill>
+            <a:tailEnd type="triangle"/>
+          </a:ln>
+        </p:spPr>
+        <p:style>
+          <a:lnRef idx="1">
+            <a:schemeClr val="accent1"/>
+          </a:lnRef>
+          <a:fillRef idx="0">
+            <a:schemeClr val="accent1"/>
+          </a:fillRef>
+          <a:effectRef idx="0">
+            <a:schemeClr val="accent1"/>
+          </a:effectRef>
+          <a:fontRef idx="minor">
+            <a:schemeClr val="tx1"/>
+          </a:fontRef>
+        </p:style>
+      </p:cxnSp>
+      <p:sp>
+        <p:nvSpPr>
+          <p:cNvPr id="18" name="楕円 17">
+            <a:extLst>
+              <a:ext uri="{FF2B5EF4-FFF2-40B4-BE49-F238E27FC236}">
+                <a16:creationId xmlns:a16="http://schemas.microsoft.com/office/drawing/2014/main" id="{C8E83446-3DA9-417E-9FB4-DE331CC69811}"/>
+              </a:ext>
+            </a:extLst>
+          </p:cNvPr>
+          <p:cNvSpPr/>
+          <p:nvPr/>
+        </p:nvSpPr>
+        <p:spPr>
+          <a:xfrm>
+            <a:off x="971600" y="5661248"/>
+            <a:ext cx="288032" cy="288032"/>
+          </a:xfrm>
+          <a:prstGeom prst="ellipse">
+            <a:avLst/>
+          </a:prstGeom>
+          <a:solidFill>
+            <a:srgbClr val="011893"/>
+          </a:solidFill>
+          <a:ln>
+            <a:solidFill>
+              <a:schemeClr val="tx1"/>
+            </a:solidFill>
+          </a:ln>
+        </p:spPr>
+        <p:style>
+          <a:lnRef idx="2">
+            <a:schemeClr val="accent1">
+              <a:shade val="50000"/>
+            </a:schemeClr>
+          </a:lnRef>
+          <a:fillRef idx="1">
+            <a:schemeClr val="accent1"/>
+          </a:fillRef>
+          <a:effectRef idx="0">
+            <a:schemeClr val="accent1"/>
+          </a:effectRef>
+          <a:fontRef idx="minor">
+            <a:schemeClr val="lt1"/>
+          </a:fontRef>
+        </p:style>
+        <p:txBody>
+          <a:bodyPr rtlCol="0" anchor="ctr"/>
+          <a:lstStyle/>
+          <a:p>
+            <a:pPr algn="ctr"/>
+            <a:endParaRPr kumimoji="1" lang="ja-JP" altLang="en-US"/>
+          </a:p>
+        </p:txBody>
+      </p:sp>
+      <p:cxnSp>
+        <p:nvCxnSpPr>
+          <p:cNvPr id="19" name="直線コネクタ 18">
+            <a:extLst>
+              <a:ext uri="{FF2B5EF4-FFF2-40B4-BE49-F238E27FC236}">
+                <a16:creationId xmlns:a16="http://schemas.microsoft.com/office/drawing/2014/main" id="{11DC7215-1285-4685-9B58-D7D223452DAA}"/>
+              </a:ext>
+            </a:extLst>
+          </p:cNvPr>
+          <p:cNvCxnSpPr>
+            <a:cxnSpLocks/>
+            <a:stCxn id="18" idx="6"/>
+          </p:cNvCxnSpPr>
+          <p:nvPr/>
+        </p:nvCxnSpPr>
+        <p:spPr>
+          <a:xfrm>
+            <a:off x="1259632" y="5805264"/>
+            <a:ext cx="432048" cy="0"/>
+          </a:xfrm>
+          <a:prstGeom prst="line">
+            <a:avLst/>
+          </a:prstGeom>
+          <a:ln w="57150">
+            <a:solidFill>
+              <a:schemeClr val="tx1"/>
+            </a:solidFill>
+            <a:headEnd type="none" w="med" len="med"/>
+            <a:tailEnd type="none" w="med" len="med"/>
+          </a:ln>
+        </p:spPr>
+        <p:style>
+          <a:lnRef idx="1">
+            <a:schemeClr val="accent1"/>
+          </a:lnRef>
+          <a:fillRef idx="0">
+            <a:schemeClr val="accent1"/>
+          </a:fillRef>
+          <a:effectRef idx="0">
+            <a:schemeClr val="accent1"/>
+          </a:effectRef>
+          <a:fontRef idx="minor">
+            <a:schemeClr val="tx1"/>
+          </a:fontRef>
+        </p:style>
+      </p:cxnSp>
+      <p:sp>
+        <p:nvSpPr>
+          <p:cNvPr id="20" name="楕円 4">
+            <a:extLst>
+              <a:ext uri="{FF2B5EF4-FFF2-40B4-BE49-F238E27FC236}">
+                <a16:creationId xmlns:a16="http://schemas.microsoft.com/office/drawing/2014/main" id="{BE997B86-F184-4F0C-951A-0FA5B24FD6B9}"/>
+              </a:ext>
+            </a:extLst>
+          </p:cNvPr>
+          <p:cNvSpPr/>
+          <p:nvPr/>
+        </p:nvSpPr>
+        <p:spPr>
+          <a:xfrm>
+            <a:off x="2411760" y="5661248"/>
+            <a:ext cx="288032" cy="288032"/>
+          </a:xfrm>
+          <a:prstGeom prst="ellipse">
+            <a:avLst/>
+          </a:prstGeom>
+          <a:solidFill>
+            <a:srgbClr val="011893"/>
+          </a:solidFill>
+          <a:ln>
+            <a:solidFill>
+              <a:schemeClr val="tx1"/>
+            </a:solidFill>
+          </a:ln>
+        </p:spPr>
+        <p:style>
+          <a:lnRef idx="2">
+            <a:schemeClr val="accent1">
+              <a:shade val="50000"/>
+            </a:schemeClr>
+          </a:lnRef>
+          <a:fillRef idx="1">
+            <a:schemeClr val="accent1"/>
+          </a:fillRef>
+          <a:effectRef idx="0">
+            <a:schemeClr val="accent1"/>
+          </a:effectRef>
+          <a:fontRef idx="minor">
+            <a:schemeClr val="lt1"/>
+          </a:fontRef>
+        </p:style>
+        <p:txBody>
+          <a:bodyPr rtlCol="0" anchor="ctr"/>
+          <a:lstStyle/>
+          <a:p>
+            <a:pPr algn="ctr"/>
+            <a:endParaRPr kumimoji="1" lang="ja-JP" altLang="en-US"/>
+          </a:p>
+        </p:txBody>
+      </p:sp>
+      <p:cxnSp>
+        <p:nvCxnSpPr>
+          <p:cNvPr id="21" name="直線コネクタ 20">
+            <a:extLst>
+              <a:ext uri="{FF2B5EF4-FFF2-40B4-BE49-F238E27FC236}">
+                <a16:creationId xmlns:a16="http://schemas.microsoft.com/office/drawing/2014/main" id="{19AFBB90-8991-49E8-8573-1E67825FB6C8}"/>
+              </a:ext>
+            </a:extLst>
+          </p:cNvPr>
+          <p:cNvCxnSpPr>
+            <a:cxnSpLocks/>
+          </p:cNvCxnSpPr>
+          <p:nvPr/>
+        </p:nvCxnSpPr>
+        <p:spPr>
+          <a:xfrm>
+            <a:off x="1979712" y="5805264"/>
+            <a:ext cx="432048" cy="0"/>
+          </a:xfrm>
+          <a:prstGeom prst="line">
+            <a:avLst/>
+          </a:prstGeom>
+          <a:ln w="57150">
+            <a:solidFill>
+              <a:schemeClr val="tx1"/>
+            </a:solidFill>
+            <a:headEnd type="none" w="med" len="med"/>
+            <a:tailEnd type="none" w="med" len="med"/>
+          </a:ln>
+        </p:spPr>
+        <p:style>
+          <a:lnRef idx="1">
+            <a:schemeClr val="accent1"/>
+          </a:lnRef>
+          <a:fillRef idx="0">
+            <a:schemeClr val="accent1"/>
+          </a:fillRef>
+          <a:effectRef idx="0">
+            <a:schemeClr val="accent1"/>
+          </a:effectRef>
+          <a:fontRef idx="minor">
+            <a:schemeClr val="tx1"/>
+          </a:fontRef>
+        </p:style>
+      </p:cxnSp>
+      <p:sp>
+        <p:nvSpPr>
+          <p:cNvPr id="22" name="楕円 4">
+            <a:extLst>
+              <a:ext uri="{FF2B5EF4-FFF2-40B4-BE49-F238E27FC236}">
+                <a16:creationId xmlns:a16="http://schemas.microsoft.com/office/drawing/2014/main" id="{C0B60E9D-9A44-4C8E-8726-261AD9C349C9}"/>
+              </a:ext>
+            </a:extLst>
+          </p:cNvPr>
+          <p:cNvSpPr/>
+          <p:nvPr/>
+        </p:nvSpPr>
+        <p:spPr>
+          <a:xfrm>
+            <a:off x="3131840" y="5661248"/>
+            <a:ext cx="288032" cy="288032"/>
+          </a:xfrm>
+          <a:prstGeom prst="ellipse">
+            <a:avLst/>
+          </a:prstGeom>
+          <a:solidFill>
+            <a:srgbClr val="FF0000"/>
+          </a:solidFill>
+          <a:ln>
+            <a:solidFill>
+              <a:schemeClr val="tx1"/>
+            </a:solidFill>
+          </a:ln>
+        </p:spPr>
+        <p:style>
+          <a:lnRef idx="2">
+            <a:schemeClr val="accent1">
+              <a:shade val="50000"/>
+            </a:schemeClr>
+          </a:lnRef>
+          <a:fillRef idx="1">
+            <a:schemeClr val="accent1"/>
+          </a:fillRef>
+          <a:effectRef idx="0">
+            <a:schemeClr val="accent1"/>
+          </a:effectRef>
+          <a:fontRef idx="minor">
+            <a:schemeClr val="lt1"/>
+          </a:fontRef>
+        </p:style>
+        <p:txBody>
+          <a:bodyPr rtlCol="0" anchor="ctr"/>
+          <a:lstStyle/>
+          <a:p>
+            <a:pPr algn="ctr"/>
+            <a:endParaRPr kumimoji="1" lang="ja-JP" altLang="en-US"/>
+          </a:p>
+        </p:txBody>
+      </p:sp>
+      <p:cxnSp>
+        <p:nvCxnSpPr>
+          <p:cNvPr id="23" name="直線コネクタ 22">
+            <a:extLst>
+              <a:ext uri="{FF2B5EF4-FFF2-40B4-BE49-F238E27FC236}">
+                <a16:creationId xmlns:a16="http://schemas.microsoft.com/office/drawing/2014/main" id="{17E85055-2FCA-4DB6-9EA5-103D05F1D435}"/>
+              </a:ext>
+            </a:extLst>
+          </p:cNvPr>
+          <p:cNvCxnSpPr>
+            <a:cxnSpLocks/>
+          </p:cNvCxnSpPr>
+          <p:nvPr/>
+        </p:nvCxnSpPr>
+        <p:spPr>
+          <a:xfrm>
+            <a:off x="2699792" y="5805264"/>
+            <a:ext cx="432048" cy="0"/>
+          </a:xfrm>
+          <a:prstGeom prst="line">
+            <a:avLst/>
+          </a:prstGeom>
+          <a:ln w="57150">
+            <a:solidFill>
+              <a:schemeClr val="tx1"/>
+            </a:solidFill>
+            <a:headEnd type="none" w="med" len="med"/>
+            <a:tailEnd type="none" w="med" len="med"/>
+          </a:ln>
+        </p:spPr>
+        <p:style>
+          <a:lnRef idx="1">
+            <a:schemeClr val="accent1"/>
+          </a:lnRef>
+          <a:fillRef idx="0">
+            <a:schemeClr val="accent1"/>
+          </a:fillRef>
+          <a:effectRef idx="0">
+            <a:schemeClr val="accent1"/>
+          </a:effectRef>
+          <a:fontRef idx="minor">
+            <a:schemeClr val="tx1"/>
+          </a:fontRef>
+        </p:style>
+      </p:cxnSp>
+      <p:sp>
+        <p:nvSpPr>
+          <p:cNvPr id="24" name="四角形: 角を丸くする 23">
+            <a:extLst>
+              <a:ext uri="{FF2B5EF4-FFF2-40B4-BE49-F238E27FC236}">
+                <a16:creationId xmlns:a16="http://schemas.microsoft.com/office/drawing/2014/main" id="{7489B552-FFF3-40AF-B317-652D78118502}"/>
+              </a:ext>
+            </a:extLst>
+          </p:cNvPr>
+          <p:cNvSpPr/>
+          <p:nvPr/>
+        </p:nvSpPr>
+        <p:spPr>
+          <a:xfrm>
+            <a:off x="827584" y="4725144"/>
+            <a:ext cx="3384376" cy="1440160"/>
+          </a:xfrm>
+          <a:prstGeom prst="roundRect">
+            <a:avLst/>
+          </a:prstGeom>
+          <a:noFill/>
+          <a:ln w="28575">
+            <a:solidFill>
+              <a:schemeClr val="tx1"/>
+            </a:solidFill>
+            <a:prstDash val="dash"/>
+          </a:ln>
+        </p:spPr>
+        <p:style>
+          <a:lnRef idx="2">
+            <a:schemeClr val="accent1">
+              <a:shade val="50000"/>
+            </a:schemeClr>
+          </a:lnRef>
+          <a:fillRef idx="1">
+            <a:schemeClr val="accent1"/>
+          </a:fillRef>
+          <a:effectRef idx="0">
+            <a:schemeClr val="accent1"/>
+          </a:effectRef>
+          <a:fontRef idx="minor">
+            <a:schemeClr val="lt1"/>
+          </a:fontRef>
+        </p:style>
+        <p:txBody>
+          <a:bodyPr rtlCol="0" anchor="ctr"/>
+          <a:lstStyle/>
+          <a:p>
+            <a:pPr algn="ctr"/>
+            <a:endParaRPr kumimoji="1" lang="ja-JP" altLang="en-US"/>
+          </a:p>
+        </p:txBody>
+      </p:sp>
+      <p:sp>
+        <p:nvSpPr>
+          <p:cNvPr id="25" name="テキスト ボックス 24">
+            <a:extLst>
+              <a:ext uri="{FF2B5EF4-FFF2-40B4-BE49-F238E27FC236}">
+                <a16:creationId xmlns:a16="http://schemas.microsoft.com/office/drawing/2014/main" id="{4326FF16-DD22-4A73-B836-F3D7F130952A}"/>
+              </a:ext>
+            </a:extLst>
+          </p:cNvPr>
+          <p:cNvSpPr txBox="1"/>
+          <p:nvPr/>
+        </p:nvSpPr>
+        <p:spPr>
+          <a:xfrm>
+            <a:off x="1547663" y="4149080"/>
+            <a:ext cx="2262158" cy="369332"/>
+          </a:xfrm>
+          <a:prstGeom prst="rect">
+            <a:avLst/>
+          </a:prstGeom>
+          <a:noFill/>
+        </p:spPr>
+        <p:txBody>
+          <a:bodyPr wrap="none" rtlCol="0">
+            <a:spAutoFit/>
+          </a:bodyPr>
+          <a:lstStyle/>
+          <a:p>
+            <a:pPr algn="ctr"/>
+            <a:r>
+              <a:rPr lang="ja-JP" altLang="en-US"/>
+              <a:t>ローカルリポジトリ</a:t>
+            </a:r>
+            <a:endParaRPr kumimoji="1" lang="en-US" altLang="ja-JP" dirty="0"/>
+          </a:p>
+        </p:txBody>
+      </p:sp>
+      <p:pic>
+        <p:nvPicPr>
+          <p:cNvPr id="27" name="Picture 2" descr="ファイルアイコン（ブランク）">
+            <a:extLst>
+              <a:ext uri="{FF2B5EF4-FFF2-40B4-BE49-F238E27FC236}">
+                <a16:creationId xmlns:a16="http://schemas.microsoft.com/office/drawing/2014/main" id="{F500B17D-3EBE-45E0-8533-0D9AB38AD576}"/>
+              </a:ext>
+            </a:extLst>
+          </p:cNvPr>
+          <p:cNvPicPr>
+            <a:picLocks noChangeAspect="1" noChangeArrowheads="1"/>
+          </p:cNvPicPr>
+          <p:nvPr/>
+        </p:nvPicPr>
+        <p:blipFill>
+          <a:blip r:embed="rId3" cstate="print">
+            <a:extLst>
+              <a:ext uri="{28A0092B-C50C-407E-A947-70E740481C1C}">
+                <a14:useLocalDpi xmlns:a14="http://schemas.microsoft.com/office/drawing/2010/main" val="0"/>
+              </a:ext>
+            </a:extLst>
+          </a:blip>
+          <a:srcRect/>
+          <a:stretch>
+            <a:fillRect/>
+          </a:stretch>
+        </p:blipFill>
+        <p:spPr bwMode="auto">
+          <a:xfrm>
+            <a:off x="6372200" y="5733256"/>
+            <a:ext cx="576064" cy="668978"/>
+          </a:xfrm>
+          <a:prstGeom prst="rect">
+            <a:avLst/>
+          </a:prstGeom>
+          <a:noFill/>
+          <a:extLst>
+            <a:ext uri="{909E8E84-426E-40DD-AFC4-6F175D3DCCD1}">
+              <a14:hiddenFill xmlns:a14="http://schemas.microsoft.com/office/drawing/2010/main">
+                <a:solidFill>
+                  <a:srgbClr val="FFFFFF"/>
+                </a:solidFill>
+              </a14:hiddenFill>
+            </a:ext>
+          </a:extLst>
+        </p:spPr>
+      </p:pic>
+      <p:pic>
+        <p:nvPicPr>
+          <p:cNvPr id="28" name="Picture 4" descr="フォルダのイラスト">
+            <a:extLst>
+              <a:ext uri="{FF2B5EF4-FFF2-40B4-BE49-F238E27FC236}">
+                <a16:creationId xmlns:a16="http://schemas.microsoft.com/office/drawing/2014/main" id="{5BCC9F1B-6C0D-4FE8-B626-5551869B1EBE}"/>
+              </a:ext>
+            </a:extLst>
+          </p:cNvPr>
+          <p:cNvPicPr>
+            <a:picLocks noChangeAspect="1" noChangeArrowheads="1"/>
+          </p:cNvPicPr>
+          <p:nvPr/>
+        </p:nvPicPr>
+        <p:blipFill>
+          <a:blip r:embed="rId4" cstate="print">
+            <a:extLst>
+              <a:ext uri="{28A0092B-C50C-407E-A947-70E740481C1C}">
+                <a14:useLocalDpi xmlns:a14="http://schemas.microsoft.com/office/drawing/2010/main" val="0"/>
+              </a:ext>
+            </a:extLst>
+          </a:blip>
+          <a:srcRect/>
+          <a:stretch>
+            <a:fillRect/>
+          </a:stretch>
+        </p:blipFill>
+        <p:spPr bwMode="auto">
+          <a:xfrm>
+            <a:off x="5436096" y="4797152"/>
+            <a:ext cx="792088" cy="663374"/>
+          </a:xfrm>
+          <a:prstGeom prst="rect">
+            <a:avLst/>
+          </a:prstGeom>
+          <a:noFill/>
+          <a:extLst>
+            <a:ext uri="{909E8E84-426E-40DD-AFC4-6F175D3DCCD1}">
+              <a14:hiddenFill xmlns:a14="http://schemas.microsoft.com/office/drawing/2010/main">
+                <a:solidFill>
+                  <a:srgbClr val="FFFFFF"/>
+                </a:solidFill>
+              </a14:hiddenFill>
+            </a:ext>
+          </a:extLst>
+        </p:spPr>
+      </p:pic>
+      <p:pic>
+        <p:nvPicPr>
+          <p:cNvPr id="29" name="Picture 4" descr="フォルダのイラスト">
+            <a:extLst>
+              <a:ext uri="{FF2B5EF4-FFF2-40B4-BE49-F238E27FC236}">
+                <a16:creationId xmlns:a16="http://schemas.microsoft.com/office/drawing/2014/main" id="{A5C8042A-7B7E-441F-841F-C87DA76E90DA}"/>
+              </a:ext>
+            </a:extLst>
+          </p:cNvPr>
+          <p:cNvPicPr>
+            <a:picLocks noChangeAspect="1" noChangeArrowheads="1"/>
+          </p:cNvPicPr>
+          <p:nvPr/>
+        </p:nvPicPr>
+        <p:blipFill>
+          <a:blip r:embed="rId4" cstate="print">
+            <a:extLst>
+              <a:ext uri="{28A0092B-C50C-407E-A947-70E740481C1C}">
+                <a14:useLocalDpi xmlns:a14="http://schemas.microsoft.com/office/drawing/2010/main" val="0"/>
+              </a:ext>
+            </a:extLst>
+          </a:blip>
+          <a:srcRect/>
+          <a:stretch>
+            <a:fillRect/>
+          </a:stretch>
+        </p:blipFill>
+        <p:spPr bwMode="auto">
+          <a:xfrm>
+            <a:off x="5436096" y="5733256"/>
+            <a:ext cx="792088" cy="663374"/>
+          </a:xfrm>
+          <a:prstGeom prst="rect">
+            <a:avLst/>
+          </a:prstGeom>
+          <a:noFill/>
+          <a:extLst>
+            <a:ext uri="{909E8E84-426E-40DD-AFC4-6F175D3DCCD1}">
+              <a14:hiddenFill xmlns:a14="http://schemas.microsoft.com/office/drawing/2010/main">
+                <a:solidFill>
+                  <a:srgbClr val="FFFFFF"/>
+                </a:solidFill>
+              </a14:hiddenFill>
+            </a:ext>
+          </a:extLst>
+        </p:spPr>
+      </p:pic>
+      <p:pic>
+        <p:nvPicPr>
+          <p:cNvPr id="30" name="Picture 2" descr="ファイルアイコン（ブランク）">
+            <a:extLst>
+              <a:ext uri="{FF2B5EF4-FFF2-40B4-BE49-F238E27FC236}">
+                <a16:creationId xmlns:a16="http://schemas.microsoft.com/office/drawing/2014/main" id="{AA1F9E40-5820-43D6-AC60-57FCF0ACFE42}"/>
+              </a:ext>
+            </a:extLst>
+          </p:cNvPr>
+          <p:cNvPicPr>
+            <a:picLocks noChangeAspect="1" noChangeArrowheads="1"/>
+          </p:cNvPicPr>
+          <p:nvPr/>
+        </p:nvPicPr>
+        <p:blipFill>
+          <a:blip r:embed="rId3" cstate="print">
+            <a:extLst>
+              <a:ext uri="{28A0092B-C50C-407E-A947-70E740481C1C}">
+                <a14:useLocalDpi xmlns:a14="http://schemas.microsoft.com/office/drawing/2010/main" val="0"/>
+              </a:ext>
+            </a:extLst>
+          </a:blip>
+          <a:srcRect/>
+          <a:stretch>
+            <a:fillRect/>
+          </a:stretch>
+        </p:blipFill>
+        <p:spPr bwMode="auto">
+          <a:xfrm>
+            <a:off x="7164288" y="5733256"/>
+            <a:ext cx="576064" cy="668978"/>
+          </a:xfrm>
+          <a:prstGeom prst="rect">
+            <a:avLst/>
+          </a:prstGeom>
+          <a:noFill/>
+          <a:extLst>
+            <a:ext uri="{909E8E84-426E-40DD-AFC4-6F175D3DCCD1}">
+              <a14:hiddenFill xmlns:a14="http://schemas.microsoft.com/office/drawing/2010/main">
+                <a:solidFill>
+                  <a:srgbClr val="FFFFFF"/>
+                </a:solidFill>
+              </a14:hiddenFill>
+            </a:ext>
+          </a:extLst>
+        </p:spPr>
+      </p:pic>
+      <p:cxnSp>
+        <p:nvCxnSpPr>
+          <p:cNvPr id="32" name="直線コネクタ 31">
+            <a:extLst>
+              <a:ext uri="{FF2B5EF4-FFF2-40B4-BE49-F238E27FC236}">
+                <a16:creationId xmlns:a16="http://schemas.microsoft.com/office/drawing/2014/main" id="{1953FA8E-95E0-4BB2-959A-B1259D97E833}"/>
+              </a:ext>
+            </a:extLst>
+          </p:cNvPr>
+          <p:cNvCxnSpPr>
+            <a:stCxn id="28" idx="2"/>
+            <a:endCxn id="29" idx="0"/>
+          </p:cNvCxnSpPr>
+          <p:nvPr/>
+        </p:nvCxnSpPr>
+        <p:spPr>
+          <a:xfrm>
+            <a:off x="5832140" y="5460526"/>
+            <a:ext cx="0" cy="272730"/>
+          </a:xfrm>
+          <a:prstGeom prst="line">
+            <a:avLst/>
+          </a:prstGeom>
+          <a:ln w="12700">
+            <a:solidFill>
+              <a:schemeClr val="tx1"/>
+            </a:solidFill>
+          </a:ln>
+        </p:spPr>
+        <p:style>
+          <a:lnRef idx="1">
+            <a:schemeClr val="accent1"/>
+          </a:lnRef>
+          <a:fillRef idx="0">
+            <a:schemeClr val="accent1"/>
+          </a:fillRef>
+          <a:effectRef idx="0">
+            <a:schemeClr val="accent1"/>
+          </a:effectRef>
+          <a:fontRef idx="minor">
+            <a:schemeClr val="tx1"/>
+          </a:fontRef>
+        </p:style>
+      </p:cxnSp>
+      <p:cxnSp>
+        <p:nvCxnSpPr>
+          <p:cNvPr id="35" name="コネクタ: カギ線 34">
+            <a:extLst>
+              <a:ext uri="{FF2B5EF4-FFF2-40B4-BE49-F238E27FC236}">
+                <a16:creationId xmlns:a16="http://schemas.microsoft.com/office/drawing/2014/main" id="{4E43BA66-1330-406D-AA1E-39321E5CAC5E}"/>
+              </a:ext>
+            </a:extLst>
+          </p:cNvPr>
+          <p:cNvCxnSpPr>
+            <a:stCxn id="28" idx="2"/>
+            <a:endCxn id="27" idx="0"/>
+          </p:cNvCxnSpPr>
+          <p:nvPr/>
+        </p:nvCxnSpPr>
+        <p:spPr>
+          <a:xfrm rot="16200000" flipH="1">
+            <a:off x="6109821" y="5182845"/>
+            <a:ext cx="272730" cy="828092"/>
+          </a:xfrm>
+          <a:prstGeom prst="bentConnector3">
+            <a:avLst/>
+          </a:prstGeom>
+          <a:ln w="12700">
+            <a:solidFill>
+              <a:schemeClr val="tx1"/>
+            </a:solidFill>
+          </a:ln>
+        </p:spPr>
+        <p:style>
+          <a:lnRef idx="1">
+            <a:schemeClr val="accent1"/>
+          </a:lnRef>
+          <a:fillRef idx="0">
+            <a:schemeClr val="accent1"/>
+          </a:fillRef>
+          <a:effectRef idx="0">
+            <a:schemeClr val="accent1"/>
+          </a:effectRef>
+          <a:fontRef idx="minor">
+            <a:schemeClr val="tx1"/>
+          </a:fontRef>
+        </p:style>
+      </p:cxnSp>
+      <p:cxnSp>
+        <p:nvCxnSpPr>
+          <p:cNvPr id="37" name="コネクタ: カギ線 36">
+            <a:extLst>
+              <a:ext uri="{FF2B5EF4-FFF2-40B4-BE49-F238E27FC236}">
+                <a16:creationId xmlns:a16="http://schemas.microsoft.com/office/drawing/2014/main" id="{53614E54-571F-4024-99BE-674D2BE09BEE}"/>
+              </a:ext>
+            </a:extLst>
+          </p:cNvPr>
+          <p:cNvCxnSpPr>
+            <a:stCxn id="28" idx="2"/>
+            <a:endCxn id="30" idx="0"/>
+          </p:cNvCxnSpPr>
+          <p:nvPr/>
+        </p:nvCxnSpPr>
+        <p:spPr>
+          <a:xfrm rot="16200000" flipH="1">
+            <a:off x="6505865" y="4786801"/>
+            <a:ext cx="272730" cy="1620180"/>
+          </a:xfrm>
+          <a:prstGeom prst="bentConnector3">
+            <a:avLst/>
+          </a:prstGeom>
+          <a:ln w="12700">
+            <a:solidFill>
+              <a:schemeClr val="tx1"/>
+            </a:solidFill>
+          </a:ln>
+        </p:spPr>
+        <p:style>
+          <a:lnRef idx="1">
+            <a:schemeClr val="accent1"/>
+          </a:lnRef>
+          <a:fillRef idx="0">
+            <a:schemeClr val="accent1"/>
+          </a:fillRef>
+          <a:effectRef idx="0">
+            <a:schemeClr val="accent1"/>
+          </a:effectRef>
+          <a:fontRef idx="minor">
+            <a:schemeClr val="tx1"/>
+          </a:fontRef>
+        </p:style>
+      </p:cxnSp>
+      <p:sp>
+        <p:nvSpPr>
+          <p:cNvPr id="38" name="四角形: 角を丸くする 37">
+            <a:extLst>
+              <a:ext uri="{FF2B5EF4-FFF2-40B4-BE49-F238E27FC236}">
+                <a16:creationId xmlns:a16="http://schemas.microsoft.com/office/drawing/2014/main" id="{EC138930-2C50-40B1-B25D-7931CF5BCDE7}"/>
+              </a:ext>
+            </a:extLst>
+          </p:cNvPr>
+          <p:cNvSpPr/>
+          <p:nvPr/>
+        </p:nvSpPr>
+        <p:spPr>
+          <a:xfrm>
+            <a:off x="5004048" y="4725144"/>
+            <a:ext cx="2952328" cy="1800200"/>
+          </a:xfrm>
+          <a:prstGeom prst="roundRect">
+            <a:avLst/>
+          </a:prstGeom>
+          <a:noFill/>
+          <a:ln w="28575">
+            <a:solidFill>
+              <a:srgbClr val="FF0000"/>
+            </a:solidFill>
+            <a:prstDash val="dash"/>
+          </a:ln>
+        </p:spPr>
+        <p:style>
+          <a:lnRef idx="2">
+            <a:schemeClr val="accent1">
+              <a:shade val="50000"/>
+            </a:schemeClr>
+          </a:lnRef>
+          <a:fillRef idx="1">
+            <a:schemeClr val="accent1"/>
+          </a:fillRef>
+          <a:effectRef idx="0">
+            <a:schemeClr val="accent1"/>
+          </a:effectRef>
+          <a:fontRef idx="minor">
+            <a:schemeClr val="lt1"/>
+          </a:fontRef>
+        </p:style>
+        <p:txBody>
+          <a:bodyPr rtlCol="0" anchor="ctr"/>
+          <a:lstStyle/>
+          <a:p>
+            <a:pPr algn="ctr"/>
+            <a:endParaRPr kumimoji="1" lang="ja-JP" altLang="en-US"/>
+          </a:p>
+        </p:txBody>
+      </p:sp>
+      <p:cxnSp>
+        <p:nvCxnSpPr>
+          <p:cNvPr id="40" name="コネクタ: カギ線 39">
+            <a:extLst>
+              <a:ext uri="{FF2B5EF4-FFF2-40B4-BE49-F238E27FC236}">
+                <a16:creationId xmlns:a16="http://schemas.microsoft.com/office/drawing/2014/main" id="{D064DB5C-FC53-4BE8-BE58-12CB0E605A47}"/>
+              </a:ext>
+            </a:extLst>
+          </p:cNvPr>
+          <p:cNvCxnSpPr>
+            <a:stCxn id="22" idx="6"/>
+            <a:endCxn id="38" idx="0"/>
+          </p:cNvCxnSpPr>
+          <p:nvPr/>
+        </p:nvCxnSpPr>
+        <p:spPr>
+          <a:xfrm flipV="1">
+            <a:off x="3419872" y="4725144"/>
+            <a:ext cx="3060340" cy="1080120"/>
+          </a:xfrm>
+          <a:prstGeom prst="bentConnector4">
+            <a:avLst>
+              <a:gd name="adj1" fmla="val 37087"/>
+              <a:gd name="adj2" fmla="val 121164"/>
+            </a:avLst>
+          </a:prstGeom>
+          <a:ln w="12700">
+            <a:solidFill>
+              <a:schemeClr val="tx1"/>
+            </a:solidFill>
+            <a:tailEnd type="triangle"/>
+          </a:ln>
+        </p:spPr>
+        <p:style>
+          <a:lnRef idx="1">
+            <a:schemeClr val="accent1"/>
+          </a:lnRef>
+          <a:fillRef idx="0">
+            <a:schemeClr val="accent1"/>
+          </a:fillRef>
+          <a:effectRef idx="0">
+            <a:schemeClr val="accent1"/>
+          </a:effectRef>
+          <a:fontRef idx="minor">
+            <a:schemeClr val="tx1"/>
+          </a:fontRef>
+        </p:style>
+      </p:cxnSp>
+      <p:pic>
+        <p:nvPicPr>
+          <p:cNvPr id="42" name="Picture 8" descr="パソコンを使う会社員のイラスト（男性・笑顔）">
+            <a:extLst>
+              <a:ext uri="{FF2B5EF4-FFF2-40B4-BE49-F238E27FC236}">
+                <a16:creationId xmlns:a16="http://schemas.microsoft.com/office/drawing/2014/main" id="{505182EA-1A09-419F-B216-94633BC30722}"/>
+              </a:ext>
+            </a:extLst>
+          </p:cNvPr>
+          <p:cNvPicPr>
+            <a:picLocks noChangeAspect="1" noChangeArrowheads="1"/>
+          </p:cNvPicPr>
+          <p:nvPr/>
+        </p:nvPicPr>
+        <p:blipFill>
+          <a:blip r:embed="rId5" cstate="print">
+            <a:extLst>
+              <a:ext uri="{28A0092B-C50C-407E-A947-70E740481C1C}">
+                <a14:useLocalDpi xmlns:a14="http://schemas.microsoft.com/office/drawing/2010/main" val="0"/>
+              </a:ext>
+            </a:extLst>
+          </a:blip>
+          <a:srcRect/>
+          <a:stretch>
+            <a:fillRect/>
+          </a:stretch>
+        </p:blipFill>
+        <p:spPr bwMode="auto">
+          <a:xfrm>
+            <a:off x="539552" y="3284984"/>
+            <a:ext cx="720080" cy="1045759"/>
+          </a:xfrm>
+          <a:prstGeom prst="rect">
+            <a:avLst/>
+          </a:prstGeom>
+          <a:noFill/>
+          <a:extLst>
+            <a:ext uri="{909E8E84-426E-40DD-AFC4-6F175D3DCCD1}">
+              <a14:hiddenFill xmlns:a14="http://schemas.microsoft.com/office/drawing/2010/main">
+                <a:solidFill>
+                  <a:srgbClr val="FFFFFF"/>
+                </a:solidFill>
+              </a14:hiddenFill>
+            </a:ext>
+          </a:extLst>
+        </p:spPr>
+      </p:pic>
+      <p:sp>
+        <p:nvSpPr>
+          <p:cNvPr id="43" name="矢印: 下 42">
+            <a:extLst>
+              <a:ext uri="{FF2B5EF4-FFF2-40B4-BE49-F238E27FC236}">
+                <a16:creationId xmlns:a16="http://schemas.microsoft.com/office/drawing/2014/main" id="{1F82EE67-E8BD-4793-8119-50B56025B619}"/>
+              </a:ext>
+            </a:extLst>
+          </p:cNvPr>
+          <p:cNvSpPr/>
+          <p:nvPr/>
+        </p:nvSpPr>
+        <p:spPr>
+          <a:xfrm>
+            <a:off x="2123728" y="3284984"/>
+            <a:ext cx="534943" cy="689193"/>
+          </a:xfrm>
+          <a:prstGeom prst="downArrow">
+            <a:avLst/>
+          </a:prstGeom>
+          <a:solidFill>
+            <a:srgbClr val="FF0000"/>
+          </a:solidFill>
+          <a:ln>
+            <a:solidFill>
+              <a:schemeClr val="tx1"/>
+            </a:solidFill>
+          </a:ln>
+        </p:spPr>
+        <p:style>
+          <a:lnRef idx="2">
+            <a:schemeClr val="accent1">
+              <a:shade val="50000"/>
+            </a:schemeClr>
+          </a:lnRef>
+          <a:fillRef idx="1">
+            <a:schemeClr val="accent1"/>
+          </a:fillRef>
+          <a:effectRef idx="0">
+            <a:schemeClr val="accent1"/>
+          </a:effectRef>
+          <a:fontRef idx="minor">
+            <a:schemeClr val="lt1"/>
+          </a:fontRef>
+        </p:style>
+        <p:txBody>
+          <a:bodyPr rtlCol="0" anchor="ctr"/>
+          <a:lstStyle/>
+          <a:p>
+            <a:pPr algn="ctr"/>
+            <a:endParaRPr kumimoji="1" lang="ja-JP" altLang="en-US"/>
+          </a:p>
+        </p:txBody>
+      </p:sp>
+      <p:sp>
+        <p:nvSpPr>
+          <p:cNvPr id="44" name="テキスト ボックス 43">
+            <a:extLst>
+              <a:ext uri="{FF2B5EF4-FFF2-40B4-BE49-F238E27FC236}">
+                <a16:creationId xmlns:a16="http://schemas.microsoft.com/office/drawing/2014/main" id="{1A006B3B-37E8-432D-B3CE-48358D98EF1A}"/>
+              </a:ext>
+            </a:extLst>
+          </p:cNvPr>
+          <p:cNvSpPr txBox="1"/>
+          <p:nvPr/>
+        </p:nvSpPr>
+        <p:spPr>
+          <a:xfrm>
+            <a:off x="5364088" y="3861048"/>
+            <a:ext cx="2031325" cy="369332"/>
+          </a:xfrm>
+          <a:prstGeom prst="rect">
+            <a:avLst/>
+          </a:prstGeom>
+          <a:noFill/>
+        </p:spPr>
+        <p:txBody>
+          <a:bodyPr wrap="none" rtlCol="0">
+            <a:spAutoFit/>
+          </a:bodyPr>
+          <a:lstStyle/>
+          <a:p>
+            <a:r>
+              <a:rPr kumimoji="1" lang="ja-JP" altLang="en-US" dirty="0"/>
+              <a:t>ワーキングツリー</a:t>
+            </a:r>
+          </a:p>
+        </p:txBody>
+      </p:sp>
+      <p:sp>
+        <p:nvSpPr>
+          <p:cNvPr id="45" name="フローチャート: 磁気ディスク 44">
+            <a:extLst>
+              <a:ext uri="{FF2B5EF4-FFF2-40B4-BE49-F238E27FC236}">
+                <a16:creationId xmlns:a16="http://schemas.microsoft.com/office/drawing/2014/main" id="{78A40AF8-CFC4-4D6B-BB3E-0332D820ED4D}"/>
+              </a:ext>
+            </a:extLst>
+          </p:cNvPr>
+          <p:cNvSpPr/>
+          <p:nvPr/>
+        </p:nvSpPr>
+        <p:spPr>
+          <a:xfrm>
+            <a:off x="611560" y="4509120"/>
+            <a:ext cx="720080" cy="504056"/>
+          </a:xfrm>
+          <a:prstGeom prst="flowChartMagneticDisk">
+            <a:avLst/>
+          </a:prstGeom>
+          <a:solidFill>
+            <a:schemeClr val="bg1">
+              <a:lumMod val="95000"/>
+            </a:schemeClr>
+          </a:solidFill>
+          <a:ln>
+            <a:solidFill>
+              <a:schemeClr val="tx1"/>
+            </a:solidFill>
+          </a:ln>
+        </p:spPr>
+        <p:style>
+          <a:lnRef idx="2">
+            <a:schemeClr val="accent1">
+              <a:shade val="50000"/>
+            </a:schemeClr>
+          </a:lnRef>
+          <a:fillRef idx="1">
+            <a:schemeClr val="accent1"/>
+          </a:fillRef>
+          <a:effectRef idx="0">
+            <a:schemeClr val="accent1"/>
+          </a:effectRef>
+          <a:fontRef idx="minor">
+            <a:schemeClr val="lt1"/>
+          </a:fontRef>
+        </p:style>
+        <p:txBody>
+          <a:bodyPr rtlCol="0" anchor="ctr"/>
+          <a:lstStyle/>
+          <a:p>
+            <a:pPr algn="ctr"/>
+            <a:r>
+              <a:rPr kumimoji="1" lang="en-US" altLang="ja-JP" dirty="0">
+                <a:solidFill>
+                  <a:schemeClr val="tx1"/>
+                </a:solidFill>
+                <a:latin typeface="Consolas" panose="020B0609020204030204" pitchFamily="49" charset="0"/>
+              </a:rPr>
+              <a:t>.git</a:t>
+            </a:r>
+            <a:endParaRPr kumimoji="1" lang="ja-JP" altLang="en-US" dirty="0">
+              <a:solidFill>
+                <a:schemeClr val="tx1"/>
+              </a:solidFill>
+              <a:latin typeface="Consolas" panose="020B0609020204030204" pitchFamily="49" charset="0"/>
+            </a:endParaRPr>
+          </a:p>
+        </p:txBody>
+      </p:sp>
+      <p:sp>
+        <p:nvSpPr>
+          <p:cNvPr id="46" name="テキスト ボックス 45">
+            <a:extLst>
+              <a:ext uri="{FF2B5EF4-FFF2-40B4-BE49-F238E27FC236}">
+                <a16:creationId xmlns:a16="http://schemas.microsoft.com/office/drawing/2014/main" id="{A20374E4-4025-40A3-80A5-6CB028924133}"/>
+              </a:ext>
+            </a:extLst>
+          </p:cNvPr>
+          <p:cNvSpPr txBox="1"/>
+          <p:nvPr/>
+        </p:nvSpPr>
+        <p:spPr>
+          <a:xfrm>
+            <a:off x="2915816" y="3356992"/>
+            <a:ext cx="4032448" cy="369332"/>
+          </a:xfrm>
+          <a:prstGeom prst="rect">
+            <a:avLst/>
+          </a:prstGeom>
+          <a:solidFill>
+            <a:schemeClr val="tx1"/>
+          </a:solidFill>
+        </p:spPr>
+        <p:txBody>
+          <a:bodyPr wrap="square">
+            <a:spAutoFit/>
+          </a:bodyPr>
+          <a:lstStyle/>
+          <a:p>
+            <a:r>
+              <a:rPr lang="en-US" b="0">
+                <a:solidFill>
+                  <a:srgbClr val="D4D4D4"/>
+                </a:solidFill>
+                <a:effectLst/>
+                <a:latin typeface="Consolas" panose="020B0609020204030204" pitchFamily="49" charset="0"/>
+              </a:rPr>
+              <a:t>$ git clone URL/to/remote.git</a:t>
+            </a:r>
+          </a:p>
+        </p:txBody>
+      </p:sp>
+      <p:sp>
+        <p:nvSpPr>
+          <p:cNvPr id="47" name="テキスト ボックス 46">
+            <a:extLst>
+              <a:ext uri="{FF2B5EF4-FFF2-40B4-BE49-F238E27FC236}">
+                <a16:creationId xmlns:a16="http://schemas.microsoft.com/office/drawing/2014/main" id="{CF72A3C9-1CE6-481B-9186-47BAA1B6196B}"/>
+              </a:ext>
+            </a:extLst>
+          </p:cNvPr>
+          <p:cNvSpPr txBox="1"/>
+          <p:nvPr/>
+        </p:nvSpPr>
+        <p:spPr>
+          <a:xfrm>
+            <a:off x="4034909" y="692696"/>
+            <a:ext cx="5109091" cy="830997"/>
+          </a:xfrm>
+          <a:prstGeom prst="rect">
+            <a:avLst/>
+          </a:prstGeom>
+          <a:noFill/>
+        </p:spPr>
+        <p:txBody>
+          <a:bodyPr wrap="none" rtlCol="0">
+            <a:spAutoFit/>
+          </a:bodyPr>
+          <a:lstStyle/>
+          <a:p>
+            <a:r>
+              <a:rPr lang="ja-JP" altLang="en-US" sz="2400"/>
+              <a:t>リモートの「歴史」を持ってきて</a:t>
+            </a:r>
+            <a:endParaRPr lang="en-US" altLang="ja-JP" sz="2400"/>
+          </a:p>
+          <a:p>
+            <a:r>
+              <a:rPr lang="ja-JP" altLang="en-US" sz="2400"/>
+              <a:t>最新のワーキングツリーを展開する</a:t>
+            </a:r>
+            <a:endParaRPr lang="ja-JP" altLang="en-US" sz="2400" dirty="0"/>
+          </a:p>
+        </p:txBody>
+      </p:sp>
+      <p:sp>
+        <p:nvSpPr>
+          <p:cNvPr id="48" name="テキスト ボックス 47">
+            <a:extLst>
+              <a:ext uri="{FF2B5EF4-FFF2-40B4-BE49-F238E27FC236}">
+                <a16:creationId xmlns:a16="http://schemas.microsoft.com/office/drawing/2014/main" id="{9BFF3FF7-29C6-48A0-9A78-4DA67BEFB525}"/>
+              </a:ext>
+            </a:extLst>
+          </p:cNvPr>
+          <p:cNvSpPr txBox="1"/>
+          <p:nvPr/>
+        </p:nvSpPr>
+        <p:spPr>
+          <a:xfrm>
+            <a:off x="3491880" y="-3026"/>
+            <a:ext cx="2160240" cy="646331"/>
+          </a:xfrm>
+          <a:prstGeom prst="rect">
+            <a:avLst/>
+          </a:prstGeom>
+          <a:noFill/>
+        </p:spPr>
+        <p:txBody>
+          <a:bodyPr wrap="square">
+            <a:spAutoFit/>
+          </a:bodyPr>
+          <a:lstStyle/>
+          <a:p>
+            <a:r>
+              <a:rPr kumimoji="1" lang="en-US" altLang="ja-JP" sz="3600">
+                <a:solidFill>
+                  <a:srgbClr val="011893"/>
+                </a:solidFill>
+              </a:rPr>
+              <a:t>git clone</a:t>
+            </a:r>
+            <a:endParaRPr kumimoji="1" lang="ja-JP" altLang="en-US" sz="3600" dirty="0">
+              <a:solidFill>
+                <a:srgbClr val="011893"/>
+              </a:solidFill>
+            </a:endParaRPr>
+          </a:p>
+        </p:txBody>
+      </p:sp>
+    </p:spTree>
+    <p:extLst>
+      <p:ext uri="{BB962C8B-B14F-4D97-AF65-F5344CB8AC3E}">
+        <p14:creationId xmlns:p14="http://schemas.microsoft.com/office/powerpoint/2010/main" val="2226096224"/>
+      </p:ext>
+    </p:extLst>
+  </p:cSld>
+  <p:clrMapOvr>
+    <a:masterClrMapping/>
+  </p:clrMapOvr>
+</p:sld>
+</file>
+
+<file path=ppt/slides/slide4.xml><?xml version="1.0" encoding="utf-8"?>
+<p:sld xmlns:a="http://schemas.openxmlformats.org/drawingml/2006/main" xmlns:r="http://schemas.openxmlformats.org/officeDocument/2006/relationships" xmlns:p="http://schemas.openxmlformats.org/presentationml/2006/main">
+  <p:cSld>
+    <p:spTree>
+      <p:nvGrpSpPr>
+        <p:cNvPr id="1" name=""/>
+        <p:cNvGrpSpPr/>
+        <p:nvPr/>
+      </p:nvGrpSpPr>
+      <p:grpSpPr>
+        <a:xfrm>
+          <a:off x="0" y="0"/>
+          <a:ext cx="0" cy="0"/>
+          <a:chOff x="0" y="0"/>
+          <a:chExt cx="0" cy="0"/>
+        </a:xfrm>
+      </p:grpSpPr>
+      <p:sp>
+        <p:nvSpPr>
+          <p:cNvPr id="2" name="テキスト プレースホルダー 1">
+            <a:extLst>
+              <a:ext uri="{FF2B5EF4-FFF2-40B4-BE49-F238E27FC236}">
+                <a16:creationId xmlns:a16="http://schemas.microsoft.com/office/drawing/2014/main" id="{92331BC8-7A06-432B-9A56-119D50E37A7A}"/>
+              </a:ext>
+            </a:extLst>
+          </p:cNvPr>
+          <p:cNvSpPr txBox="1">
+            <a:spLocks/>
+          </p:cNvSpPr>
+          <p:nvPr/>
+        </p:nvSpPr>
+        <p:spPr>
+          <a:xfrm>
+            <a:off x="0" y="190133"/>
+            <a:ext cx="9144000" cy="754062"/>
+          </a:xfrm>
+          <a:prstGeom prst="rect">
+            <a:avLst/>
+          </a:prstGeom>
+        </p:spPr>
+        <p:txBody>
+          <a:bodyPr/>
+          <a:lstStyle>
+            <a:lvl1pPr marL="228600" indent="-228600" algn="l" defTabSz="914400" rtl="0" eaLnBrk="1" latinLnBrk="0" hangingPunct="1">
+              <a:lnSpc>
+                <a:spcPct val="90000"/>
+              </a:lnSpc>
+              <a:spcBef>
+                <a:spcPts val="1000"/>
+              </a:spcBef>
+              <a:buFont typeface="Arial" panose="020B0604020202020204" pitchFamily="34" charset="0"/>
+              <a:buChar char="•"/>
+              <a:defRPr kumimoji="1" sz="2800" kern="1200">
+                <a:solidFill>
+                  <a:schemeClr val="tx1"/>
+                </a:solidFill>
+                <a:latin typeface="+mn-lt"/>
+                <a:ea typeface="+mn-ea"/>
+                <a:cs typeface="+mn-cs"/>
+              </a:defRPr>
+            </a:lvl1pPr>
+            <a:lvl2pPr marL="685800" indent="-228600" algn="l" defTabSz="914400" rtl="0" eaLnBrk="1" latinLnBrk="0" hangingPunct="1">
+              <a:lnSpc>
+                <a:spcPct val="90000"/>
+              </a:lnSpc>
+              <a:spcBef>
+                <a:spcPts val="500"/>
+              </a:spcBef>
+              <a:buFont typeface="Arial" panose="020B0604020202020204" pitchFamily="34" charset="0"/>
+              <a:buChar char="•"/>
+              <a:defRPr kumimoji="1" sz="2400" kern="1200">
+                <a:solidFill>
+                  <a:schemeClr val="tx1"/>
+                </a:solidFill>
+                <a:latin typeface="+mn-lt"/>
+                <a:ea typeface="+mn-ea"/>
+                <a:cs typeface="+mn-cs"/>
+              </a:defRPr>
+            </a:lvl2pPr>
+            <a:lvl3pPr marL="1143000" indent="-228600" algn="l" defTabSz="914400" rtl="0" eaLnBrk="1" latinLnBrk="0" hangingPunct="1">
+              <a:lnSpc>
+                <a:spcPct val="90000"/>
+              </a:lnSpc>
+              <a:spcBef>
+                <a:spcPts val="500"/>
+              </a:spcBef>
+              <a:buFont typeface="Arial" panose="020B0604020202020204" pitchFamily="34" charset="0"/>
+              <a:buChar char="•"/>
+              <a:defRPr kumimoji="1" sz="2000" kern="1200">
+                <a:solidFill>
+                  <a:schemeClr val="tx1"/>
+                </a:solidFill>
+                <a:latin typeface="+mn-lt"/>
+                <a:ea typeface="+mn-ea"/>
+                <a:cs typeface="+mn-cs"/>
+              </a:defRPr>
+            </a:lvl3pPr>
+            <a:lvl4pPr marL="1600200" indent="-228600" algn="l" defTabSz="914400" rtl="0" eaLnBrk="1" latinLnBrk="0" hangingPunct="1">
+              <a:lnSpc>
+                <a:spcPct val="90000"/>
+              </a:lnSpc>
+              <a:spcBef>
+                <a:spcPts val="500"/>
+              </a:spcBef>
+              <a:buFont typeface="Arial" panose="020B0604020202020204" pitchFamily="34" charset="0"/>
+              <a:buChar char="•"/>
+              <a:defRPr kumimoji="1" sz="1800" kern="1200">
+                <a:solidFill>
+                  <a:schemeClr val="tx1"/>
+                </a:solidFill>
+                <a:latin typeface="+mn-lt"/>
+                <a:ea typeface="+mn-ea"/>
+                <a:cs typeface="+mn-cs"/>
+              </a:defRPr>
+            </a:lvl4pPr>
+            <a:lvl5pPr marL="2057400" indent="-228600" algn="l" defTabSz="914400" rtl="0" eaLnBrk="1" latinLnBrk="0" hangingPunct="1">
+              <a:lnSpc>
+                <a:spcPct val="90000"/>
+              </a:lnSpc>
+              <a:spcBef>
+                <a:spcPts val="500"/>
+              </a:spcBef>
+              <a:buFont typeface="Arial" panose="020B0604020202020204" pitchFamily="34" charset="0"/>
+              <a:buChar char="•"/>
+              <a:defRPr kumimoji="1" sz="1800" kern="1200">
+                <a:solidFill>
+                  <a:schemeClr val="tx1"/>
+                </a:solidFill>
+                <a:latin typeface="+mn-lt"/>
+                <a:ea typeface="+mn-ea"/>
+                <a:cs typeface="+mn-cs"/>
+              </a:defRPr>
+            </a:lvl5pPr>
+            <a:lvl6pPr marL="2514600" indent="-228600" algn="l" defTabSz="914400" rtl="0" eaLnBrk="1" latinLnBrk="0" hangingPunct="1">
+              <a:lnSpc>
+                <a:spcPct val="90000"/>
+              </a:lnSpc>
+              <a:spcBef>
+                <a:spcPts val="500"/>
+              </a:spcBef>
+              <a:buFont typeface="Arial" panose="020B0604020202020204" pitchFamily="34" charset="0"/>
+              <a:buChar char="•"/>
+              <a:defRPr kumimoji="1" sz="1800" kern="1200">
+                <a:solidFill>
+                  <a:schemeClr val="tx1"/>
+                </a:solidFill>
+                <a:latin typeface="+mn-lt"/>
+                <a:ea typeface="+mn-ea"/>
+                <a:cs typeface="+mn-cs"/>
+              </a:defRPr>
+            </a:lvl6pPr>
+            <a:lvl7pPr marL="2971800" indent="-228600" algn="l" defTabSz="914400" rtl="0" eaLnBrk="1" latinLnBrk="0" hangingPunct="1">
+              <a:lnSpc>
+                <a:spcPct val="90000"/>
+              </a:lnSpc>
+              <a:spcBef>
+                <a:spcPts val="500"/>
+              </a:spcBef>
+              <a:buFont typeface="Arial" panose="020B0604020202020204" pitchFamily="34" charset="0"/>
+              <a:buChar char="•"/>
+              <a:defRPr kumimoji="1" sz="1800" kern="1200">
+                <a:solidFill>
+                  <a:schemeClr val="tx1"/>
+                </a:solidFill>
+                <a:latin typeface="+mn-lt"/>
+                <a:ea typeface="+mn-ea"/>
+                <a:cs typeface="+mn-cs"/>
+              </a:defRPr>
+            </a:lvl7pPr>
+            <a:lvl8pPr marL="3429000" indent="-228600" algn="l" defTabSz="914400" rtl="0" eaLnBrk="1" latinLnBrk="0" hangingPunct="1">
+              <a:lnSpc>
+                <a:spcPct val="90000"/>
+              </a:lnSpc>
+              <a:spcBef>
+                <a:spcPts val="500"/>
+              </a:spcBef>
+              <a:buFont typeface="Arial" panose="020B0604020202020204" pitchFamily="34" charset="0"/>
+              <a:buChar char="•"/>
+              <a:defRPr kumimoji="1" sz="1800" kern="1200">
+                <a:solidFill>
+                  <a:schemeClr val="tx1"/>
+                </a:solidFill>
+                <a:latin typeface="+mn-lt"/>
+                <a:ea typeface="+mn-ea"/>
+                <a:cs typeface="+mn-cs"/>
+              </a:defRPr>
+            </a:lvl8pPr>
+            <a:lvl9pPr marL="3886200" indent="-228600" algn="l" defTabSz="914400" rtl="0" eaLnBrk="1" latinLnBrk="0" hangingPunct="1">
+              <a:lnSpc>
+                <a:spcPct val="90000"/>
+              </a:lnSpc>
+              <a:spcBef>
+                <a:spcPts val="500"/>
+              </a:spcBef>
+              <a:buFont typeface="Arial" panose="020B0604020202020204" pitchFamily="34" charset="0"/>
+              <a:buChar char="•"/>
+              <a:defRPr kumimoji="1" sz="1800" kern="1200">
+                <a:solidFill>
+                  <a:schemeClr val="tx1"/>
+                </a:solidFill>
+                <a:latin typeface="+mn-lt"/>
+                <a:ea typeface="+mn-ea"/>
+                <a:cs typeface="+mn-cs"/>
+              </a:defRPr>
+            </a:lvl9pPr>
+          </a:lstStyle>
+          <a:p>
+            <a:endParaRPr lang="ja-JP" altLang="en-US" dirty="0"/>
+          </a:p>
+        </p:txBody>
+      </p:sp>
+      <p:sp>
+        <p:nvSpPr>
+          <p:cNvPr id="3" name="角丸四角形 2">
+            <a:extLst>
+              <a:ext uri="{FF2B5EF4-FFF2-40B4-BE49-F238E27FC236}">
+                <a16:creationId xmlns:a16="http://schemas.microsoft.com/office/drawing/2014/main" id="{045D69E9-0496-4085-B548-D3034BE994D2}"/>
+              </a:ext>
+            </a:extLst>
+          </p:cNvPr>
+          <p:cNvSpPr/>
+          <p:nvPr/>
+        </p:nvSpPr>
+        <p:spPr>
+          <a:xfrm>
+            <a:off x="5148064" y="2636912"/>
+            <a:ext cx="3312368" cy="1152128"/>
+          </a:xfrm>
+          <a:prstGeom prst="roundRect">
+            <a:avLst/>
+          </a:prstGeom>
+          <a:noFill/>
+          <a:ln w="28575">
+            <a:solidFill>
+              <a:schemeClr val="tx1"/>
+            </a:solidFill>
+            <a:prstDash val="dash"/>
+          </a:ln>
+        </p:spPr>
+        <p:style>
+          <a:lnRef idx="2">
+            <a:schemeClr val="accent1">
+              <a:shade val="50000"/>
+            </a:schemeClr>
+          </a:lnRef>
+          <a:fillRef idx="1">
+            <a:schemeClr val="accent1"/>
+          </a:fillRef>
+          <a:effectRef idx="0">
+            <a:schemeClr val="accent1"/>
+          </a:effectRef>
+          <a:fontRef idx="minor">
+            <a:schemeClr val="lt1"/>
+          </a:fontRef>
+        </p:style>
+        <p:txBody>
+          <a:bodyPr rtlCol="0" anchor="ctr"/>
+          <a:lstStyle/>
+          <a:p>
+            <a:pPr algn="ctr"/>
+            <a:endParaRPr kumimoji="1" lang="ja-JP" altLang="en-US"/>
+          </a:p>
+        </p:txBody>
+      </p:sp>
+      <p:sp>
+        <p:nvSpPr>
+          <p:cNvPr id="4" name="角丸四角形 3">
+            <a:extLst>
+              <a:ext uri="{FF2B5EF4-FFF2-40B4-BE49-F238E27FC236}">
+                <a16:creationId xmlns:a16="http://schemas.microsoft.com/office/drawing/2014/main" id="{F3C19528-3B75-469C-946B-927331420253}"/>
+              </a:ext>
+            </a:extLst>
+          </p:cNvPr>
+          <p:cNvSpPr/>
+          <p:nvPr/>
+        </p:nvSpPr>
+        <p:spPr>
+          <a:xfrm>
+            <a:off x="323528" y="2636912"/>
+            <a:ext cx="3312368" cy="1152128"/>
+          </a:xfrm>
+          <a:prstGeom prst="roundRect">
+            <a:avLst/>
+          </a:prstGeom>
+          <a:noFill/>
+          <a:ln w="28575">
+            <a:solidFill>
+              <a:schemeClr val="tx1"/>
+            </a:solidFill>
+            <a:prstDash val="dash"/>
+          </a:ln>
+        </p:spPr>
+        <p:style>
+          <a:lnRef idx="2">
+            <a:schemeClr val="accent1">
+              <a:shade val="50000"/>
+            </a:schemeClr>
+          </a:lnRef>
+          <a:fillRef idx="1">
+            <a:schemeClr val="accent1"/>
+          </a:fillRef>
+          <a:effectRef idx="0">
+            <a:schemeClr val="accent1"/>
+          </a:effectRef>
+          <a:fontRef idx="minor">
+            <a:schemeClr val="lt1"/>
+          </a:fontRef>
+        </p:style>
+        <p:txBody>
+          <a:bodyPr rtlCol="0" anchor="ctr"/>
+          <a:lstStyle/>
+          <a:p>
+            <a:pPr algn="ctr"/>
+            <a:endParaRPr kumimoji="1" lang="ja-JP" altLang="en-US"/>
+          </a:p>
+        </p:txBody>
+      </p:sp>
+      <p:sp>
+        <p:nvSpPr>
+          <p:cNvPr id="5" name="楕円 4">
+            <a:extLst>
+              <a:ext uri="{FF2B5EF4-FFF2-40B4-BE49-F238E27FC236}">
+                <a16:creationId xmlns:a16="http://schemas.microsoft.com/office/drawing/2014/main" id="{EF6E746B-66C9-40CD-BF0D-03B3FFD0241C}"/>
+              </a:ext>
+            </a:extLst>
+          </p:cNvPr>
+          <p:cNvSpPr/>
+          <p:nvPr/>
+        </p:nvSpPr>
+        <p:spPr>
+          <a:xfrm>
+            <a:off x="539552" y="3068960"/>
+            <a:ext cx="288032" cy="288032"/>
+          </a:xfrm>
+          <a:prstGeom prst="ellipse">
+            <a:avLst/>
+          </a:prstGeom>
+          <a:solidFill>
+            <a:srgbClr val="011893"/>
+          </a:solidFill>
+          <a:ln>
+            <a:solidFill>
+              <a:schemeClr val="tx1"/>
+            </a:solidFill>
+          </a:ln>
+        </p:spPr>
+        <p:style>
+          <a:lnRef idx="2">
+            <a:schemeClr val="accent1">
+              <a:shade val="50000"/>
+            </a:schemeClr>
+          </a:lnRef>
+          <a:fillRef idx="1">
+            <a:schemeClr val="accent1"/>
+          </a:fillRef>
+          <a:effectRef idx="0">
+            <a:schemeClr val="accent1"/>
+          </a:effectRef>
+          <a:fontRef idx="minor">
+            <a:schemeClr val="lt1"/>
+          </a:fontRef>
+        </p:style>
+        <p:txBody>
+          <a:bodyPr rtlCol="0" anchor="ctr"/>
+          <a:lstStyle/>
+          <a:p>
+            <a:pPr algn="ctr"/>
+            <a:endParaRPr kumimoji="1" lang="ja-JP" altLang="en-US"/>
+          </a:p>
+        </p:txBody>
+      </p:sp>
+      <p:cxnSp>
+        <p:nvCxnSpPr>
+          <p:cNvPr id="6" name="直線コネクタ 5">
+            <a:extLst>
+              <a:ext uri="{FF2B5EF4-FFF2-40B4-BE49-F238E27FC236}">
+                <a16:creationId xmlns:a16="http://schemas.microsoft.com/office/drawing/2014/main" id="{148BF0E6-234C-4052-AC07-9A2CB2E80576}"/>
+              </a:ext>
+            </a:extLst>
+          </p:cNvPr>
+          <p:cNvCxnSpPr>
+            <a:stCxn id="5" idx="6"/>
+            <a:endCxn id="7" idx="2"/>
+          </p:cNvCxnSpPr>
+          <p:nvPr/>
+        </p:nvCxnSpPr>
+        <p:spPr>
+          <a:xfrm>
+            <a:off x="827584" y="3212976"/>
+            <a:ext cx="432048" cy="0"/>
+          </a:xfrm>
+          <a:prstGeom prst="line">
+            <a:avLst/>
+          </a:prstGeom>
+          <a:ln w="57150">
+            <a:solidFill>
+              <a:schemeClr val="tx1"/>
+            </a:solidFill>
+            <a:headEnd type="none" w="med" len="med"/>
+            <a:tailEnd type="none" w="med" len="med"/>
+          </a:ln>
+        </p:spPr>
+        <p:style>
+          <a:lnRef idx="1">
+            <a:schemeClr val="accent1"/>
+          </a:lnRef>
+          <a:fillRef idx="0">
+            <a:schemeClr val="accent1"/>
+          </a:fillRef>
+          <a:effectRef idx="0">
+            <a:schemeClr val="accent1"/>
+          </a:effectRef>
+          <a:fontRef idx="minor">
+            <a:schemeClr val="tx1"/>
+          </a:fontRef>
+        </p:style>
+      </p:cxnSp>
+      <p:sp>
+        <p:nvSpPr>
+          <p:cNvPr id="7" name="楕円 6">
+            <a:extLst>
+              <a:ext uri="{FF2B5EF4-FFF2-40B4-BE49-F238E27FC236}">
+                <a16:creationId xmlns:a16="http://schemas.microsoft.com/office/drawing/2014/main" id="{8B459F60-ACE8-4841-9472-97C728457803}"/>
+              </a:ext>
+            </a:extLst>
+          </p:cNvPr>
+          <p:cNvSpPr/>
+          <p:nvPr/>
+        </p:nvSpPr>
+        <p:spPr>
+          <a:xfrm>
+            <a:off x="1259632" y="3068960"/>
+            <a:ext cx="288032" cy="288032"/>
+          </a:xfrm>
+          <a:prstGeom prst="ellipse">
+            <a:avLst/>
+          </a:prstGeom>
+          <a:solidFill>
+            <a:srgbClr val="011893"/>
+          </a:solidFill>
+          <a:ln>
+            <a:solidFill>
+              <a:schemeClr val="tx1"/>
+            </a:solidFill>
+          </a:ln>
+        </p:spPr>
+        <p:style>
+          <a:lnRef idx="2">
+            <a:schemeClr val="accent1">
+              <a:shade val="50000"/>
+            </a:schemeClr>
+          </a:lnRef>
+          <a:fillRef idx="1">
+            <a:schemeClr val="accent1"/>
+          </a:fillRef>
+          <a:effectRef idx="0">
+            <a:schemeClr val="accent1"/>
+          </a:effectRef>
+          <a:fontRef idx="minor">
+            <a:schemeClr val="lt1"/>
+          </a:fontRef>
+        </p:style>
+        <p:txBody>
+          <a:bodyPr rtlCol="0" anchor="ctr"/>
+          <a:lstStyle/>
+          <a:p>
+            <a:pPr algn="ctr"/>
+            <a:endParaRPr kumimoji="1" lang="ja-JP" altLang="en-US"/>
+          </a:p>
+        </p:txBody>
+      </p:sp>
+      <p:cxnSp>
+        <p:nvCxnSpPr>
+          <p:cNvPr id="8" name="直線コネクタ 7">
+            <a:extLst>
+              <a:ext uri="{FF2B5EF4-FFF2-40B4-BE49-F238E27FC236}">
+                <a16:creationId xmlns:a16="http://schemas.microsoft.com/office/drawing/2014/main" id="{0589BE46-4C7F-41DF-84D3-93EBAFCD24E4}"/>
+              </a:ext>
+            </a:extLst>
+          </p:cNvPr>
+          <p:cNvCxnSpPr>
+            <a:endCxn id="9" idx="2"/>
+          </p:cNvCxnSpPr>
+          <p:nvPr/>
+        </p:nvCxnSpPr>
+        <p:spPr>
+          <a:xfrm>
+            <a:off x="1547664" y="3212976"/>
+            <a:ext cx="432048" cy="0"/>
+          </a:xfrm>
+          <a:prstGeom prst="line">
+            <a:avLst/>
+          </a:prstGeom>
+          <a:ln w="57150">
+            <a:solidFill>
+              <a:schemeClr val="tx1"/>
+            </a:solidFill>
+            <a:headEnd type="none" w="med" len="med"/>
+            <a:tailEnd type="none" w="med" len="med"/>
+          </a:ln>
+        </p:spPr>
+        <p:style>
+          <a:lnRef idx="1">
+            <a:schemeClr val="accent1"/>
+          </a:lnRef>
+          <a:fillRef idx="0">
+            <a:schemeClr val="accent1"/>
+          </a:fillRef>
+          <a:effectRef idx="0">
+            <a:schemeClr val="accent1"/>
+          </a:effectRef>
+          <a:fontRef idx="minor">
+            <a:schemeClr val="tx1"/>
+          </a:fontRef>
+        </p:style>
+      </p:cxnSp>
+      <p:sp>
+        <p:nvSpPr>
+          <p:cNvPr id="9" name="楕円 8">
+            <a:extLst>
+              <a:ext uri="{FF2B5EF4-FFF2-40B4-BE49-F238E27FC236}">
+                <a16:creationId xmlns:a16="http://schemas.microsoft.com/office/drawing/2014/main" id="{AE6CD672-4CDE-4277-86D5-CF24ED8C322A}"/>
+              </a:ext>
+            </a:extLst>
+          </p:cNvPr>
+          <p:cNvSpPr/>
+          <p:nvPr/>
+        </p:nvSpPr>
+        <p:spPr>
+          <a:xfrm>
+            <a:off x="1979712" y="3068960"/>
+            <a:ext cx="288032" cy="288032"/>
+          </a:xfrm>
+          <a:prstGeom prst="ellipse">
+            <a:avLst/>
+          </a:prstGeom>
+          <a:solidFill>
+            <a:srgbClr val="011893"/>
+          </a:solidFill>
+          <a:ln>
+            <a:solidFill>
+              <a:schemeClr val="tx1"/>
+            </a:solidFill>
+          </a:ln>
+        </p:spPr>
+        <p:style>
+          <a:lnRef idx="2">
+            <a:schemeClr val="accent1">
+              <a:shade val="50000"/>
+            </a:schemeClr>
+          </a:lnRef>
+          <a:fillRef idx="1">
+            <a:schemeClr val="accent1"/>
+          </a:fillRef>
+          <a:effectRef idx="0">
+            <a:schemeClr val="accent1"/>
+          </a:effectRef>
+          <a:fontRef idx="minor">
+            <a:schemeClr val="lt1"/>
+          </a:fontRef>
+        </p:style>
+        <p:txBody>
+          <a:bodyPr rtlCol="0" anchor="ctr"/>
+          <a:lstStyle/>
+          <a:p>
+            <a:pPr algn="ctr"/>
+            <a:endParaRPr kumimoji="1" lang="ja-JP" altLang="en-US"/>
+          </a:p>
+        </p:txBody>
+      </p:sp>
+      <p:sp>
+        <p:nvSpPr>
+          <p:cNvPr id="10" name="楕円 9">
+            <a:extLst>
+              <a:ext uri="{FF2B5EF4-FFF2-40B4-BE49-F238E27FC236}">
+                <a16:creationId xmlns:a16="http://schemas.microsoft.com/office/drawing/2014/main" id="{D9B7B516-904A-4DA6-B67B-92BED15C28F4}"/>
+              </a:ext>
+            </a:extLst>
+          </p:cNvPr>
+          <p:cNvSpPr/>
+          <p:nvPr/>
+        </p:nvSpPr>
+        <p:spPr>
+          <a:xfrm>
+            <a:off x="5364088" y="3068960"/>
+            <a:ext cx="288032" cy="288032"/>
+          </a:xfrm>
+          <a:prstGeom prst="ellipse">
+            <a:avLst/>
+          </a:prstGeom>
+          <a:solidFill>
+            <a:srgbClr val="011893"/>
+          </a:solidFill>
+          <a:ln>
+            <a:solidFill>
+              <a:schemeClr val="tx1"/>
+            </a:solidFill>
+          </a:ln>
+        </p:spPr>
+        <p:style>
+          <a:lnRef idx="2">
+            <a:schemeClr val="accent1">
+              <a:shade val="50000"/>
+            </a:schemeClr>
+          </a:lnRef>
+          <a:fillRef idx="1">
+            <a:schemeClr val="accent1"/>
+          </a:fillRef>
+          <a:effectRef idx="0">
+            <a:schemeClr val="accent1"/>
+          </a:effectRef>
+          <a:fontRef idx="minor">
+            <a:schemeClr val="lt1"/>
+          </a:fontRef>
+        </p:style>
+        <p:txBody>
+          <a:bodyPr rtlCol="0" anchor="ctr"/>
+          <a:lstStyle/>
+          <a:p>
+            <a:pPr algn="ctr"/>
+            <a:endParaRPr kumimoji="1" lang="ja-JP" altLang="en-US"/>
+          </a:p>
+        </p:txBody>
+      </p:sp>
+      <p:cxnSp>
+        <p:nvCxnSpPr>
+          <p:cNvPr id="11" name="直線コネクタ 10">
+            <a:extLst>
+              <a:ext uri="{FF2B5EF4-FFF2-40B4-BE49-F238E27FC236}">
+                <a16:creationId xmlns:a16="http://schemas.microsoft.com/office/drawing/2014/main" id="{C97DB66E-2929-4C09-8924-35A07E8CB9FB}"/>
+              </a:ext>
+            </a:extLst>
+          </p:cNvPr>
+          <p:cNvCxnSpPr>
+            <a:stCxn id="10" idx="6"/>
+            <a:endCxn id="12" idx="2"/>
+          </p:cNvCxnSpPr>
+          <p:nvPr/>
+        </p:nvCxnSpPr>
+        <p:spPr>
+          <a:xfrm>
+            <a:off x="5652120" y="3212976"/>
+            <a:ext cx="432048" cy="0"/>
+          </a:xfrm>
+          <a:prstGeom prst="line">
+            <a:avLst/>
+          </a:prstGeom>
+          <a:ln w="57150">
+            <a:solidFill>
+              <a:schemeClr val="tx1"/>
+            </a:solidFill>
+            <a:headEnd type="none" w="med" len="med"/>
+            <a:tailEnd type="none" w="med" len="med"/>
+          </a:ln>
+        </p:spPr>
+        <p:style>
+          <a:lnRef idx="1">
+            <a:schemeClr val="accent1"/>
+          </a:lnRef>
+          <a:fillRef idx="0">
+            <a:schemeClr val="accent1"/>
+          </a:fillRef>
+          <a:effectRef idx="0">
+            <a:schemeClr val="accent1"/>
+          </a:effectRef>
+          <a:fontRef idx="minor">
+            <a:schemeClr val="tx1"/>
+          </a:fontRef>
+        </p:style>
+      </p:cxnSp>
+      <p:sp>
+        <p:nvSpPr>
+          <p:cNvPr id="12" name="楕円 11">
+            <a:extLst>
+              <a:ext uri="{FF2B5EF4-FFF2-40B4-BE49-F238E27FC236}">
+                <a16:creationId xmlns:a16="http://schemas.microsoft.com/office/drawing/2014/main" id="{D9C8BA23-6E55-46A2-8A4B-3699B4AE03B2}"/>
+              </a:ext>
+            </a:extLst>
+          </p:cNvPr>
+          <p:cNvSpPr/>
+          <p:nvPr/>
+        </p:nvSpPr>
+        <p:spPr>
+          <a:xfrm>
+            <a:off x="6084168" y="3068960"/>
+            <a:ext cx="288032" cy="288032"/>
+          </a:xfrm>
+          <a:prstGeom prst="ellipse">
+            <a:avLst/>
+          </a:prstGeom>
+          <a:solidFill>
+            <a:srgbClr val="011893"/>
+          </a:solidFill>
+          <a:ln>
+            <a:solidFill>
+              <a:schemeClr val="tx1"/>
+            </a:solidFill>
+          </a:ln>
+        </p:spPr>
+        <p:style>
+          <a:lnRef idx="2">
+            <a:schemeClr val="accent1">
+              <a:shade val="50000"/>
+            </a:schemeClr>
+          </a:lnRef>
+          <a:fillRef idx="1">
+            <a:schemeClr val="accent1"/>
+          </a:fillRef>
+          <a:effectRef idx="0">
+            <a:schemeClr val="accent1"/>
+          </a:effectRef>
+          <a:fontRef idx="minor">
+            <a:schemeClr val="lt1"/>
+          </a:fontRef>
+        </p:style>
+        <p:txBody>
+          <a:bodyPr rtlCol="0" anchor="ctr"/>
+          <a:lstStyle/>
+          <a:p>
+            <a:pPr algn="ctr"/>
+            <a:endParaRPr kumimoji="1" lang="ja-JP" altLang="en-US"/>
+          </a:p>
+        </p:txBody>
+      </p:sp>
+      <p:cxnSp>
+        <p:nvCxnSpPr>
+          <p:cNvPr id="13" name="直線コネクタ 12">
+            <a:extLst>
+              <a:ext uri="{FF2B5EF4-FFF2-40B4-BE49-F238E27FC236}">
+                <a16:creationId xmlns:a16="http://schemas.microsoft.com/office/drawing/2014/main" id="{4A3F00C6-8347-4914-B6B7-844740709C4D}"/>
+              </a:ext>
+            </a:extLst>
+          </p:cNvPr>
+          <p:cNvCxnSpPr>
+            <a:endCxn id="14" idx="2"/>
+          </p:cNvCxnSpPr>
+          <p:nvPr/>
+        </p:nvCxnSpPr>
+        <p:spPr>
+          <a:xfrm>
+            <a:off x="6372200" y="3212976"/>
+            <a:ext cx="432048" cy="0"/>
+          </a:xfrm>
+          <a:prstGeom prst="line">
+            <a:avLst/>
+          </a:prstGeom>
+          <a:ln w="57150">
+            <a:solidFill>
+              <a:schemeClr val="tx1"/>
+            </a:solidFill>
+            <a:headEnd type="none" w="med" len="med"/>
+            <a:tailEnd type="none" w="med" len="med"/>
+          </a:ln>
+        </p:spPr>
+        <p:style>
+          <a:lnRef idx="1">
+            <a:schemeClr val="accent1"/>
+          </a:lnRef>
+          <a:fillRef idx="0">
+            <a:schemeClr val="accent1"/>
+          </a:fillRef>
+          <a:effectRef idx="0">
+            <a:schemeClr val="accent1"/>
+          </a:effectRef>
+          <a:fontRef idx="minor">
+            <a:schemeClr val="tx1"/>
+          </a:fontRef>
+        </p:style>
+      </p:cxnSp>
+      <p:sp>
+        <p:nvSpPr>
+          <p:cNvPr id="14" name="楕円 13">
+            <a:extLst>
+              <a:ext uri="{FF2B5EF4-FFF2-40B4-BE49-F238E27FC236}">
+                <a16:creationId xmlns:a16="http://schemas.microsoft.com/office/drawing/2014/main" id="{B53265F6-5CE8-4A86-A2AF-23E5E6487500}"/>
+              </a:ext>
+            </a:extLst>
+          </p:cNvPr>
+          <p:cNvSpPr/>
+          <p:nvPr/>
+        </p:nvSpPr>
+        <p:spPr>
+          <a:xfrm>
+            <a:off x="6804248" y="3068960"/>
+            <a:ext cx="288032" cy="288032"/>
+          </a:xfrm>
+          <a:prstGeom prst="ellipse">
+            <a:avLst/>
+          </a:prstGeom>
+          <a:solidFill>
+            <a:srgbClr val="011893"/>
+          </a:solidFill>
+          <a:ln>
+            <a:solidFill>
+              <a:schemeClr val="tx1"/>
+            </a:solidFill>
+          </a:ln>
+        </p:spPr>
+        <p:style>
+          <a:lnRef idx="2">
+            <a:schemeClr val="accent1">
+              <a:shade val="50000"/>
+            </a:schemeClr>
+          </a:lnRef>
+          <a:fillRef idx="1">
+            <a:schemeClr val="accent1"/>
+          </a:fillRef>
+          <a:effectRef idx="0">
+            <a:schemeClr val="accent1"/>
+          </a:effectRef>
+          <a:fontRef idx="minor">
+            <a:schemeClr val="lt1"/>
+          </a:fontRef>
+        </p:style>
+        <p:txBody>
+          <a:bodyPr rtlCol="0" anchor="ctr"/>
+          <a:lstStyle/>
+          <a:p>
+            <a:pPr algn="ctr"/>
+            <a:endParaRPr kumimoji="1" lang="ja-JP" altLang="en-US"/>
+          </a:p>
+        </p:txBody>
+      </p:sp>
+      <p:sp>
+        <p:nvSpPr>
+          <p:cNvPr id="15" name="テキスト ボックス 14">
+            <a:extLst>
+              <a:ext uri="{FF2B5EF4-FFF2-40B4-BE49-F238E27FC236}">
+                <a16:creationId xmlns:a16="http://schemas.microsoft.com/office/drawing/2014/main" id="{3BFFFCF7-5F20-4078-9229-BC029AB019C8}"/>
+              </a:ext>
+            </a:extLst>
+          </p:cNvPr>
+          <p:cNvSpPr txBox="1"/>
+          <p:nvPr/>
+        </p:nvSpPr>
+        <p:spPr>
+          <a:xfrm>
+            <a:off x="3851920" y="2636912"/>
+            <a:ext cx="1263487" cy="461665"/>
+          </a:xfrm>
+          <a:prstGeom prst="rect">
+            <a:avLst/>
+          </a:prstGeom>
+          <a:noFill/>
+        </p:spPr>
+        <p:txBody>
+          <a:bodyPr wrap="none" rtlCol="0">
+            <a:spAutoFit/>
+          </a:bodyPr>
+          <a:lstStyle/>
+          <a:p>
+            <a:r>
+              <a:rPr kumimoji="1" lang="en-US" altLang="ja-JP" sz="2400" err="1"/>
+              <a:t>git</a:t>
+            </a:r>
+            <a:r>
+              <a:rPr kumimoji="1" lang="en-US" altLang="ja-JP" sz="2400"/>
+              <a:t> push</a:t>
+            </a:r>
+            <a:endParaRPr kumimoji="1" lang="ja-JP" altLang="en-US" sz="2400" dirty="0"/>
+          </a:p>
+        </p:txBody>
+      </p:sp>
+      <p:sp>
+        <p:nvSpPr>
+          <p:cNvPr id="16" name="テキスト ボックス 15">
+            <a:extLst>
+              <a:ext uri="{FF2B5EF4-FFF2-40B4-BE49-F238E27FC236}">
+                <a16:creationId xmlns:a16="http://schemas.microsoft.com/office/drawing/2014/main" id="{08F4042A-CF54-4EE4-9E3F-BA23DDD2ECCD}"/>
+              </a:ext>
+            </a:extLst>
+          </p:cNvPr>
+          <p:cNvSpPr txBox="1"/>
+          <p:nvPr/>
+        </p:nvSpPr>
+        <p:spPr>
+          <a:xfrm>
+            <a:off x="539552" y="2060848"/>
+            <a:ext cx="2954655" cy="461665"/>
+          </a:xfrm>
+          <a:prstGeom prst="rect">
+            <a:avLst/>
+          </a:prstGeom>
+          <a:noFill/>
+        </p:spPr>
+        <p:txBody>
+          <a:bodyPr wrap="none" rtlCol="0">
+            <a:spAutoFit/>
+          </a:bodyPr>
+          <a:lstStyle/>
+          <a:p>
+            <a:r>
+              <a:rPr kumimoji="1" lang="ja-JP" altLang="en-US" sz="2400" dirty="0"/>
+              <a:t>ローカルリポジトリ</a:t>
+            </a:r>
+          </a:p>
+        </p:txBody>
+      </p:sp>
+      <p:sp>
+        <p:nvSpPr>
+          <p:cNvPr id="17" name="テキスト ボックス 16">
+            <a:extLst>
+              <a:ext uri="{FF2B5EF4-FFF2-40B4-BE49-F238E27FC236}">
+                <a16:creationId xmlns:a16="http://schemas.microsoft.com/office/drawing/2014/main" id="{FC5F50A4-275F-42D7-9C4C-38441F74082D}"/>
+              </a:ext>
+            </a:extLst>
+          </p:cNvPr>
+          <p:cNvSpPr txBox="1"/>
+          <p:nvPr/>
+        </p:nvSpPr>
+        <p:spPr>
+          <a:xfrm>
+            <a:off x="5436096" y="2060848"/>
+            <a:ext cx="2954655" cy="461665"/>
+          </a:xfrm>
+          <a:prstGeom prst="rect">
+            <a:avLst/>
+          </a:prstGeom>
+          <a:noFill/>
+        </p:spPr>
+        <p:txBody>
+          <a:bodyPr wrap="none" rtlCol="0">
+            <a:spAutoFit/>
+          </a:bodyPr>
+          <a:lstStyle/>
+          <a:p>
+            <a:r>
+              <a:rPr kumimoji="1" lang="ja-JP" altLang="en-US" sz="2400" dirty="0"/>
+              <a:t>リモートリポジトリ</a:t>
+            </a:r>
+          </a:p>
+        </p:txBody>
+      </p:sp>
+      <p:sp>
+        <p:nvSpPr>
+          <p:cNvPr id="18" name="テキスト ボックス 17">
+            <a:extLst>
+              <a:ext uri="{FF2B5EF4-FFF2-40B4-BE49-F238E27FC236}">
+                <a16:creationId xmlns:a16="http://schemas.microsoft.com/office/drawing/2014/main" id="{14622491-32AD-4DD2-AA8D-AA6890913632}"/>
+              </a:ext>
+            </a:extLst>
+          </p:cNvPr>
+          <p:cNvSpPr txBox="1"/>
+          <p:nvPr/>
+        </p:nvSpPr>
+        <p:spPr>
+          <a:xfrm>
+            <a:off x="539552" y="1340768"/>
+            <a:ext cx="7879080" cy="461665"/>
+          </a:xfrm>
+          <a:prstGeom prst="rect">
+            <a:avLst/>
+          </a:prstGeom>
+          <a:noFill/>
+        </p:spPr>
+        <p:txBody>
+          <a:bodyPr wrap="none" rtlCol="0">
+            <a:spAutoFit/>
+          </a:bodyPr>
+          <a:lstStyle/>
+          <a:p>
+            <a:r>
+              <a:rPr lang="ja-JP" altLang="en-US" sz="2400"/>
+              <a:t>ローカルで変更された「歴史」をリモートに反映させる</a:t>
+            </a:r>
+            <a:endParaRPr lang="ja-JP" altLang="en-US" sz="2400" dirty="0"/>
+          </a:p>
+        </p:txBody>
+      </p:sp>
+      <p:sp>
+        <p:nvSpPr>
+          <p:cNvPr id="19" name="角丸四角形 21">
+            <a:extLst>
+              <a:ext uri="{FF2B5EF4-FFF2-40B4-BE49-F238E27FC236}">
+                <a16:creationId xmlns:a16="http://schemas.microsoft.com/office/drawing/2014/main" id="{A3C48B5F-CF03-47A1-9DA6-C987AF9BA99F}"/>
+              </a:ext>
+            </a:extLst>
+          </p:cNvPr>
+          <p:cNvSpPr/>
+          <p:nvPr/>
+        </p:nvSpPr>
+        <p:spPr>
+          <a:xfrm>
+            <a:off x="5220072" y="5229200"/>
+            <a:ext cx="3312368" cy="1152128"/>
+          </a:xfrm>
+          <a:prstGeom prst="roundRect">
+            <a:avLst/>
+          </a:prstGeom>
+          <a:noFill/>
+          <a:ln w="28575">
+            <a:solidFill>
+              <a:schemeClr val="tx1"/>
+            </a:solidFill>
+            <a:prstDash val="dash"/>
+          </a:ln>
+        </p:spPr>
+        <p:style>
+          <a:lnRef idx="2">
+            <a:schemeClr val="accent1">
+              <a:shade val="50000"/>
+            </a:schemeClr>
+          </a:lnRef>
+          <a:fillRef idx="1">
+            <a:schemeClr val="accent1"/>
+          </a:fillRef>
+          <a:effectRef idx="0">
+            <a:schemeClr val="accent1"/>
+          </a:effectRef>
+          <a:fontRef idx="minor">
+            <a:schemeClr val="lt1"/>
+          </a:fontRef>
+        </p:style>
+        <p:txBody>
+          <a:bodyPr rtlCol="0" anchor="ctr"/>
+          <a:lstStyle/>
+          <a:p>
+            <a:pPr algn="ctr"/>
+            <a:endParaRPr kumimoji="1" lang="ja-JP" altLang="en-US"/>
+          </a:p>
+        </p:txBody>
+      </p:sp>
+      <p:sp>
+        <p:nvSpPr>
+          <p:cNvPr id="20" name="角丸四角形 22">
+            <a:extLst>
+              <a:ext uri="{FF2B5EF4-FFF2-40B4-BE49-F238E27FC236}">
+                <a16:creationId xmlns:a16="http://schemas.microsoft.com/office/drawing/2014/main" id="{0621003A-2EF4-4F76-B5B7-C2BC081B46B0}"/>
+              </a:ext>
+            </a:extLst>
+          </p:cNvPr>
+          <p:cNvSpPr/>
+          <p:nvPr/>
+        </p:nvSpPr>
+        <p:spPr>
+          <a:xfrm>
+            <a:off x="395536" y="5229200"/>
+            <a:ext cx="3312368" cy="1152128"/>
+          </a:xfrm>
+          <a:prstGeom prst="roundRect">
+            <a:avLst/>
+          </a:prstGeom>
+          <a:noFill/>
+          <a:ln w="28575">
+            <a:solidFill>
+              <a:schemeClr val="tx1"/>
+            </a:solidFill>
+            <a:prstDash val="dash"/>
+          </a:ln>
+        </p:spPr>
+        <p:style>
+          <a:lnRef idx="2">
+            <a:schemeClr val="accent1">
+              <a:shade val="50000"/>
+            </a:schemeClr>
+          </a:lnRef>
+          <a:fillRef idx="1">
+            <a:schemeClr val="accent1"/>
+          </a:fillRef>
+          <a:effectRef idx="0">
+            <a:schemeClr val="accent1"/>
+          </a:effectRef>
+          <a:fontRef idx="minor">
+            <a:schemeClr val="lt1"/>
+          </a:fontRef>
+        </p:style>
+        <p:txBody>
+          <a:bodyPr rtlCol="0" anchor="ctr"/>
+          <a:lstStyle/>
+          <a:p>
+            <a:pPr algn="ctr"/>
+            <a:endParaRPr kumimoji="1" lang="ja-JP" altLang="en-US"/>
+          </a:p>
+        </p:txBody>
+      </p:sp>
+      <p:sp>
+        <p:nvSpPr>
+          <p:cNvPr id="21" name="楕円 20">
+            <a:extLst>
+              <a:ext uri="{FF2B5EF4-FFF2-40B4-BE49-F238E27FC236}">
+                <a16:creationId xmlns:a16="http://schemas.microsoft.com/office/drawing/2014/main" id="{07623463-B13C-44B6-ACC5-DFEB0915C40A}"/>
+              </a:ext>
+            </a:extLst>
+          </p:cNvPr>
+          <p:cNvSpPr/>
+          <p:nvPr/>
+        </p:nvSpPr>
+        <p:spPr>
+          <a:xfrm>
+            <a:off x="611560" y="5661248"/>
+            <a:ext cx="288032" cy="288032"/>
+          </a:xfrm>
+          <a:prstGeom prst="ellipse">
+            <a:avLst/>
+          </a:prstGeom>
+          <a:solidFill>
+            <a:srgbClr val="011893"/>
+          </a:solidFill>
+          <a:ln>
+            <a:solidFill>
+              <a:schemeClr val="tx1"/>
+            </a:solidFill>
+          </a:ln>
+        </p:spPr>
+        <p:style>
+          <a:lnRef idx="2">
+            <a:schemeClr val="accent1">
+              <a:shade val="50000"/>
+            </a:schemeClr>
+          </a:lnRef>
+          <a:fillRef idx="1">
+            <a:schemeClr val="accent1"/>
+          </a:fillRef>
+          <a:effectRef idx="0">
+            <a:schemeClr val="accent1"/>
+          </a:effectRef>
+          <a:fontRef idx="minor">
+            <a:schemeClr val="lt1"/>
+          </a:fontRef>
+        </p:style>
+        <p:txBody>
+          <a:bodyPr rtlCol="0" anchor="ctr"/>
+          <a:lstStyle/>
+          <a:p>
+            <a:pPr algn="ctr"/>
+            <a:endParaRPr kumimoji="1" lang="ja-JP" altLang="en-US"/>
+          </a:p>
+        </p:txBody>
+      </p:sp>
+      <p:cxnSp>
+        <p:nvCxnSpPr>
+          <p:cNvPr id="22" name="直線コネクタ 21">
+            <a:extLst>
+              <a:ext uri="{FF2B5EF4-FFF2-40B4-BE49-F238E27FC236}">
+                <a16:creationId xmlns:a16="http://schemas.microsoft.com/office/drawing/2014/main" id="{1D60BC52-1490-427B-8B99-21AA7F494291}"/>
+              </a:ext>
+            </a:extLst>
+          </p:cNvPr>
+          <p:cNvCxnSpPr>
+            <a:stCxn id="21" idx="6"/>
+            <a:endCxn id="23" idx="2"/>
+          </p:cNvCxnSpPr>
+          <p:nvPr/>
+        </p:nvCxnSpPr>
+        <p:spPr>
+          <a:xfrm>
+            <a:off x="899592" y="5805264"/>
+            <a:ext cx="432048" cy="0"/>
+          </a:xfrm>
+          <a:prstGeom prst="line">
+            <a:avLst/>
+          </a:prstGeom>
+          <a:ln w="57150">
+            <a:solidFill>
+              <a:schemeClr val="tx1"/>
+            </a:solidFill>
+            <a:headEnd type="none" w="med" len="med"/>
+            <a:tailEnd type="none" w="med" len="med"/>
+          </a:ln>
+        </p:spPr>
+        <p:style>
+          <a:lnRef idx="1">
+            <a:schemeClr val="accent1"/>
+          </a:lnRef>
+          <a:fillRef idx="0">
+            <a:schemeClr val="accent1"/>
+          </a:fillRef>
+          <a:effectRef idx="0">
+            <a:schemeClr val="accent1"/>
+          </a:effectRef>
+          <a:fontRef idx="minor">
+            <a:schemeClr val="tx1"/>
+          </a:fontRef>
+        </p:style>
+      </p:cxnSp>
+      <p:sp>
+        <p:nvSpPr>
+          <p:cNvPr id="23" name="楕円 22">
+            <a:extLst>
+              <a:ext uri="{FF2B5EF4-FFF2-40B4-BE49-F238E27FC236}">
+                <a16:creationId xmlns:a16="http://schemas.microsoft.com/office/drawing/2014/main" id="{9225C837-8786-4FF5-A56C-3B2EC1E7613C}"/>
+              </a:ext>
+            </a:extLst>
+          </p:cNvPr>
+          <p:cNvSpPr/>
+          <p:nvPr/>
+        </p:nvSpPr>
+        <p:spPr>
+          <a:xfrm>
+            <a:off x="1331640" y="5661248"/>
+            <a:ext cx="288032" cy="288032"/>
+          </a:xfrm>
+          <a:prstGeom prst="ellipse">
+            <a:avLst/>
+          </a:prstGeom>
+          <a:solidFill>
+            <a:srgbClr val="011893"/>
+          </a:solidFill>
+          <a:ln>
+            <a:solidFill>
+              <a:schemeClr val="tx1"/>
+            </a:solidFill>
+          </a:ln>
+        </p:spPr>
+        <p:style>
+          <a:lnRef idx="2">
+            <a:schemeClr val="accent1">
+              <a:shade val="50000"/>
+            </a:schemeClr>
+          </a:lnRef>
+          <a:fillRef idx="1">
+            <a:schemeClr val="accent1"/>
+          </a:fillRef>
+          <a:effectRef idx="0">
+            <a:schemeClr val="accent1"/>
+          </a:effectRef>
+          <a:fontRef idx="minor">
+            <a:schemeClr val="lt1"/>
+          </a:fontRef>
+        </p:style>
+        <p:txBody>
+          <a:bodyPr rtlCol="0" anchor="ctr"/>
+          <a:lstStyle/>
+          <a:p>
+            <a:pPr algn="ctr"/>
+            <a:endParaRPr kumimoji="1" lang="ja-JP" altLang="en-US"/>
+          </a:p>
+        </p:txBody>
+      </p:sp>
+      <p:cxnSp>
+        <p:nvCxnSpPr>
+          <p:cNvPr id="24" name="直線コネクタ 23">
+            <a:extLst>
+              <a:ext uri="{FF2B5EF4-FFF2-40B4-BE49-F238E27FC236}">
+                <a16:creationId xmlns:a16="http://schemas.microsoft.com/office/drawing/2014/main" id="{5A78D4CD-20BA-48DB-A065-F98139D2AD3A}"/>
+              </a:ext>
+            </a:extLst>
+          </p:cNvPr>
+          <p:cNvCxnSpPr>
+            <a:endCxn id="25" idx="2"/>
+          </p:cNvCxnSpPr>
+          <p:nvPr/>
+        </p:nvCxnSpPr>
+        <p:spPr>
+          <a:xfrm>
+            <a:off x="1619672" y="5805264"/>
+            <a:ext cx="432048" cy="0"/>
+          </a:xfrm>
+          <a:prstGeom prst="line">
+            <a:avLst/>
+          </a:prstGeom>
+          <a:ln w="57150">
+            <a:solidFill>
+              <a:schemeClr val="tx1"/>
+            </a:solidFill>
+            <a:headEnd type="none" w="med" len="med"/>
+            <a:tailEnd type="none" w="med" len="med"/>
+          </a:ln>
+        </p:spPr>
+        <p:style>
+          <a:lnRef idx="1">
+            <a:schemeClr val="accent1"/>
+          </a:lnRef>
+          <a:fillRef idx="0">
+            <a:schemeClr val="accent1"/>
+          </a:fillRef>
+          <a:effectRef idx="0">
+            <a:schemeClr val="accent1"/>
+          </a:effectRef>
+          <a:fontRef idx="minor">
+            <a:schemeClr val="tx1"/>
+          </a:fontRef>
+        </p:style>
+      </p:cxnSp>
+      <p:sp>
+        <p:nvSpPr>
+          <p:cNvPr id="25" name="楕円 24">
+            <a:extLst>
+              <a:ext uri="{FF2B5EF4-FFF2-40B4-BE49-F238E27FC236}">
+                <a16:creationId xmlns:a16="http://schemas.microsoft.com/office/drawing/2014/main" id="{90EF8840-8B86-4577-AB17-4B18360258C4}"/>
+              </a:ext>
+            </a:extLst>
+          </p:cNvPr>
+          <p:cNvSpPr/>
+          <p:nvPr/>
+        </p:nvSpPr>
+        <p:spPr>
+          <a:xfrm>
+            <a:off x="2051720" y="5661248"/>
+            <a:ext cx="288032" cy="288032"/>
+          </a:xfrm>
+          <a:prstGeom prst="ellipse">
+            <a:avLst/>
+          </a:prstGeom>
+          <a:solidFill>
+            <a:srgbClr val="011893"/>
+          </a:solidFill>
+          <a:ln>
+            <a:solidFill>
+              <a:schemeClr val="tx1"/>
+            </a:solidFill>
+          </a:ln>
+        </p:spPr>
+        <p:style>
+          <a:lnRef idx="2">
+            <a:schemeClr val="accent1">
+              <a:shade val="50000"/>
+            </a:schemeClr>
+          </a:lnRef>
+          <a:fillRef idx="1">
+            <a:schemeClr val="accent1"/>
+          </a:fillRef>
+          <a:effectRef idx="0">
+            <a:schemeClr val="accent1"/>
+          </a:effectRef>
+          <a:fontRef idx="minor">
+            <a:schemeClr val="lt1"/>
+          </a:fontRef>
+        </p:style>
+        <p:txBody>
+          <a:bodyPr rtlCol="0" anchor="ctr"/>
+          <a:lstStyle/>
+          <a:p>
+            <a:pPr algn="ctr"/>
+            <a:endParaRPr kumimoji="1" lang="ja-JP" altLang="en-US"/>
+          </a:p>
+        </p:txBody>
+      </p:sp>
+      <p:sp>
+        <p:nvSpPr>
+          <p:cNvPr id="26" name="楕円 25">
+            <a:extLst>
+              <a:ext uri="{FF2B5EF4-FFF2-40B4-BE49-F238E27FC236}">
+                <a16:creationId xmlns:a16="http://schemas.microsoft.com/office/drawing/2014/main" id="{74C280B7-4B5C-4E20-B389-1714050BDAAA}"/>
+              </a:ext>
+            </a:extLst>
+          </p:cNvPr>
+          <p:cNvSpPr/>
+          <p:nvPr/>
+        </p:nvSpPr>
+        <p:spPr>
+          <a:xfrm>
+            <a:off x="5436096" y="5661248"/>
+            <a:ext cx="288032" cy="288032"/>
+          </a:xfrm>
+          <a:prstGeom prst="ellipse">
+            <a:avLst/>
+          </a:prstGeom>
+          <a:solidFill>
+            <a:srgbClr val="011893"/>
+          </a:solidFill>
+          <a:ln>
+            <a:solidFill>
+              <a:schemeClr val="tx1"/>
+            </a:solidFill>
+          </a:ln>
+        </p:spPr>
+        <p:style>
+          <a:lnRef idx="2">
+            <a:schemeClr val="accent1">
+              <a:shade val="50000"/>
+            </a:schemeClr>
+          </a:lnRef>
+          <a:fillRef idx="1">
+            <a:schemeClr val="accent1"/>
+          </a:fillRef>
+          <a:effectRef idx="0">
+            <a:schemeClr val="accent1"/>
+          </a:effectRef>
+          <a:fontRef idx="minor">
+            <a:schemeClr val="lt1"/>
+          </a:fontRef>
+        </p:style>
+        <p:txBody>
+          <a:bodyPr rtlCol="0" anchor="ctr"/>
+          <a:lstStyle/>
+          <a:p>
+            <a:pPr algn="ctr"/>
+            <a:endParaRPr kumimoji="1" lang="ja-JP" altLang="en-US"/>
+          </a:p>
+        </p:txBody>
+      </p:sp>
+      <p:cxnSp>
+        <p:nvCxnSpPr>
+          <p:cNvPr id="27" name="直線コネクタ 26">
+            <a:extLst>
+              <a:ext uri="{FF2B5EF4-FFF2-40B4-BE49-F238E27FC236}">
+                <a16:creationId xmlns:a16="http://schemas.microsoft.com/office/drawing/2014/main" id="{E881180E-197A-4DAE-A1C3-13D6BB4A57AA}"/>
+              </a:ext>
+            </a:extLst>
+          </p:cNvPr>
+          <p:cNvCxnSpPr>
+            <a:stCxn id="26" idx="6"/>
+            <a:endCxn id="28" idx="2"/>
+          </p:cNvCxnSpPr>
+          <p:nvPr/>
+        </p:nvCxnSpPr>
+        <p:spPr>
+          <a:xfrm>
+            <a:off x="5724128" y="5805264"/>
+            <a:ext cx="432048" cy="0"/>
+          </a:xfrm>
+          <a:prstGeom prst="line">
+            <a:avLst/>
+          </a:prstGeom>
+          <a:ln w="57150">
+            <a:solidFill>
+              <a:schemeClr val="tx1"/>
+            </a:solidFill>
+            <a:headEnd type="none" w="med" len="med"/>
+            <a:tailEnd type="none" w="med" len="med"/>
+          </a:ln>
+        </p:spPr>
+        <p:style>
+          <a:lnRef idx="1">
+            <a:schemeClr val="accent1"/>
+          </a:lnRef>
+          <a:fillRef idx="0">
+            <a:schemeClr val="accent1"/>
+          </a:fillRef>
+          <a:effectRef idx="0">
+            <a:schemeClr val="accent1"/>
+          </a:effectRef>
+          <a:fontRef idx="minor">
+            <a:schemeClr val="tx1"/>
+          </a:fontRef>
+        </p:style>
+      </p:cxnSp>
+      <p:sp>
+        <p:nvSpPr>
+          <p:cNvPr id="28" name="楕円 27">
+            <a:extLst>
+              <a:ext uri="{FF2B5EF4-FFF2-40B4-BE49-F238E27FC236}">
+                <a16:creationId xmlns:a16="http://schemas.microsoft.com/office/drawing/2014/main" id="{B6C6D2EB-6CC3-4EC1-964A-6E603D243DBD}"/>
+              </a:ext>
+            </a:extLst>
+          </p:cNvPr>
+          <p:cNvSpPr/>
+          <p:nvPr/>
+        </p:nvSpPr>
+        <p:spPr>
+          <a:xfrm>
+            <a:off x="6156176" y="5661248"/>
+            <a:ext cx="288032" cy="288032"/>
+          </a:xfrm>
+          <a:prstGeom prst="ellipse">
+            <a:avLst/>
+          </a:prstGeom>
+          <a:solidFill>
+            <a:srgbClr val="011893"/>
+          </a:solidFill>
+          <a:ln>
+            <a:solidFill>
+              <a:schemeClr val="tx1"/>
+            </a:solidFill>
+          </a:ln>
+        </p:spPr>
+        <p:style>
+          <a:lnRef idx="2">
+            <a:schemeClr val="accent1">
+              <a:shade val="50000"/>
+            </a:schemeClr>
+          </a:lnRef>
+          <a:fillRef idx="1">
+            <a:schemeClr val="accent1"/>
+          </a:fillRef>
+          <a:effectRef idx="0">
+            <a:schemeClr val="accent1"/>
+          </a:effectRef>
+          <a:fontRef idx="minor">
+            <a:schemeClr val="lt1"/>
+          </a:fontRef>
+        </p:style>
+        <p:txBody>
+          <a:bodyPr rtlCol="0" anchor="ctr"/>
+          <a:lstStyle/>
+          <a:p>
+            <a:pPr algn="ctr"/>
+            <a:endParaRPr kumimoji="1" lang="ja-JP" altLang="en-US"/>
+          </a:p>
+        </p:txBody>
+      </p:sp>
+      <p:cxnSp>
+        <p:nvCxnSpPr>
+          <p:cNvPr id="29" name="直線コネクタ 28">
+            <a:extLst>
+              <a:ext uri="{FF2B5EF4-FFF2-40B4-BE49-F238E27FC236}">
+                <a16:creationId xmlns:a16="http://schemas.microsoft.com/office/drawing/2014/main" id="{82ECFB85-117E-453E-B80B-3135A6F7D6B4}"/>
+              </a:ext>
+            </a:extLst>
+          </p:cNvPr>
+          <p:cNvCxnSpPr>
+            <a:endCxn id="30" idx="2"/>
+          </p:cNvCxnSpPr>
+          <p:nvPr/>
+        </p:nvCxnSpPr>
+        <p:spPr>
+          <a:xfrm>
+            <a:off x="6444208" y="5805264"/>
+            <a:ext cx="432048" cy="0"/>
+          </a:xfrm>
+          <a:prstGeom prst="line">
+            <a:avLst/>
+          </a:prstGeom>
+          <a:ln w="57150">
+            <a:solidFill>
+              <a:schemeClr val="tx1"/>
+            </a:solidFill>
+            <a:headEnd type="none" w="med" len="med"/>
+            <a:tailEnd type="none" w="med" len="med"/>
+          </a:ln>
+        </p:spPr>
+        <p:style>
+          <a:lnRef idx="1">
+            <a:schemeClr val="accent1"/>
+          </a:lnRef>
+          <a:fillRef idx="0">
+            <a:schemeClr val="accent1"/>
+          </a:fillRef>
+          <a:effectRef idx="0">
+            <a:schemeClr val="accent1"/>
+          </a:effectRef>
+          <a:fontRef idx="minor">
+            <a:schemeClr val="tx1"/>
+          </a:fontRef>
+        </p:style>
+      </p:cxnSp>
+      <p:sp>
+        <p:nvSpPr>
+          <p:cNvPr id="30" name="楕円 29">
+            <a:extLst>
+              <a:ext uri="{FF2B5EF4-FFF2-40B4-BE49-F238E27FC236}">
+                <a16:creationId xmlns:a16="http://schemas.microsoft.com/office/drawing/2014/main" id="{BA06BE39-3F25-429F-A48E-DF801DDB23D8}"/>
+              </a:ext>
+            </a:extLst>
+          </p:cNvPr>
+          <p:cNvSpPr/>
+          <p:nvPr/>
+        </p:nvSpPr>
+        <p:spPr>
+          <a:xfrm>
+            <a:off x="6876256" y="5661248"/>
+            <a:ext cx="288032" cy="288032"/>
+          </a:xfrm>
+          <a:prstGeom prst="ellipse">
+            <a:avLst/>
+          </a:prstGeom>
+          <a:solidFill>
+            <a:srgbClr val="011893"/>
+          </a:solidFill>
+          <a:ln>
+            <a:solidFill>
+              <a:schemeClr val="tx1"/>
+            </a:solidFill>
+          </a:ln>
+        </p:spPr>
+        <p:style>
+          <a:lnRef idx="2">
+            <a:schemeClr val="accent1">
+              <a:shade val="50000"/>
+            </a:schemeClr>
+          </a:lnRef>
+          <a:fillRef idx="1">
+            <a:schemeClr val="accent1"/>
+          </a:fillRef>
+          <a:effectRef idx="0">
+            <a:schemeClr val="accent1"/>
+          </a:effectRef>
+          <a:fontRef idx="minor">
+            <a:schemeClr val="lt1"/>
+          </a:fontRef>
+        </p:style>
+        <p:txBody>
+          <a:bodyPr rtlCol="0" anchor="ctr"/>
+          <a:lstStyle/>
+          <a:p>
+            <a:pPr algn="ctr"/>
+            <a:endParaRPr kumimoji="1" lang="ja-JP" altLang="en-US"/>
+          </a:p>
+        </p:txBody>
+      </p:sp>
+      <p:cxnSp>
+        <p:nvCxnSpPr>
+          <p:cNvPr id="31" name="直線コネクタ 30">
+            <a:extLst>
+              <a:ext uri="{FF2B5EF4-FFF2-40B4-BE49-F238E27FC236}">
+                <a16:creationId xmlns:a16="http://schemas.microsoft.com/office/drawing/2014/main" id="{DE0F2F30-79D1-424D-A0C3-057FF8F91393}"/>
+              </a:ext>
+            </a:extLst>
+          </p:cNvPr>
+          <p:cNvCxnSpPr>
+            <a:endCxn id="32" idx="2"/>
+          </p:cNvCxnSpPr>
+          <p:nvPr/>
+        </p:nvCxnSpPr>
+        <p:spPr>
+          <a:xfrm>
+            <a:off x="7164288" y="5805264"/>
+            <a:ext cx="432048" cy="0"/>
+          </a:xfrm>
+          <a:prstGeom prst="line">
+            <a:avLst/>
+          </a:prstGeom>
+          <a:ln w="57150">
+            <a:solidFill>
+              <a:srgbClr val="FF0000"/>
+            </a:solidFill>
+            <a:headEnd type="none" w="med" len="med"/>
+            <a:tailEnd type="none" w="med" len="med"/>
+          </a:ln>
+        </p:spPr>
+        <p:style>
+          <a:lnRef idx="1">
+            <a:schemeClr val="accent1"/>
+          </a:lnRef>
+          <a:fillRef idx="0">
+            <a:schemeClr val="accent1"/>
+          </a:fillRef>
+          <a:effectRef idx="0">
+            <a:schemeClr val="accent1"/>
+          </a:effectRef>
+          <a:fontRef idx="minor">
+            <a:schemeClr val="tx1"/>
+          </a:fontRef>
+        </p:style>
+      </p:cxnSp>
+      <p:sp>
+        <p:nvSpPr>
+          <p:cNvPr id="32" name="楕円 31">
+            <a:extLst>
+              <a:ext uri="{FF2B5EF4-FFF2-40B4-BE49-F238E27FC236}">
+                <a16:creationId xmlns:a16="http://schemas.microsoft.com/office/drawing/2014/main" id="{0E16C5A8-3123-4ACC-AC64-5566E7773E55}"/>
+              </a:ext>
+            </a:extLst>
+          </p:cNvPr>
+          <p:cNvSpPr/>
+          <p:nvPr/>
+        </p:nvSpPr>
+        <p:spPr>
+          <a:xfrm>
+            <a:off x="7596336" y="5661248"/>
+            <a:ext cx="288032" cy="288032"/>
+          </a:xfrm>
+          <a:prstGeom prst="ellipse">
+            <a:avLst/>
+          </a:prstGeom>
+          <a:solidFill>
+            <a:srgbClr val="FF0000"/>
+          </a:solidFill>
+          <a:ln>
+            <a:solidFill>
+              <a:srgbClr val="FF0000"/>
+            </a:solidFill>
+          </a:ln>
+        </p:spPr>
+        <p:style>
+          <a:lnRef idx="2">
+            <a:schemeClr val="accent1">
+              <a:shade val="50000"/>
+            </a:schemeClr>
+          </a:lnRef>
+          <a:fillRef idx="1">
+            <a:schemeClr val="accent1"/>
+          </a:fillRef>
+          <a:effectRef idx="0">
+            <a:schemeClr val="accent1"/>
+          </a:effectRef>
+          <a:fontRef idx="minor">
+            <a:schemeClr val="lt1"/>
+          </a:fontRef>
+        </p:style>
+        <p:txBody>
+          <a:bodyPr rtlCol="0" anchor="ctr"/>
+          <a:lstStyle/>
+          <a:p>
+            <a:pPr algn="ctr"/>
+            <a:endParaRPr kumimoji="1" lang="ja-JP" altLang="en-US"/>
+          </a:p>
+        </p:txBody>
+      </p:sp>
+      <p:sp>
+        <p:nvSpPr>
+          <p:cNvPr id="33" name="テキスト ボックス 32">
+            <a:extLst>
+              <a:ext uri="{FF2B5EF4-FFF2-40B4-BE49-F238E27FC236}">
+                <a16:creationId xmlns:a16="http://schemas.microsoft.com/office/drawing/2014/main" id="{AC10706F-E1F3-4DF1-B60D-8439CE298B6D}"/>
+              </a:ext>
+            </a:extLst>
+          </p:cNvPr>
+          <p:cNvSpPr txBox="1"/>
+          <p:nvPr/>
+        </p:nvSpPr>
+        <p:spPr>
+          <a:xfrm>
+            <a:off x="611560" y="4653136"/>
+            <a:ext cx="2954655" cy="461665"/>
+          </a:xfrm>
+          <a:prstGeom prst="rect">
+            <a:avLst/>
+          </a:prstGeom>
+          <a:noFill/>
+        </p:spPr>
+        <p:txBody>
+          <a:bodyPr wrap="none" rtlCol="0">
+            <a:spAutoFit/>
+          </a:bodyPr>
+          <a:lstStyle/>
+          <a:p>
+            <a:r>
+              <a:rPr kumimoji="1" lang="ja-JP" altLang="en-US" sz="2400" dirty="0"/>
+              <a:t>ローカルリポジトリ</a:t>
+            </a:r>
+          </a:p>
+        </p:txBody>
+      </p:sp>
+      <p:sp>
+        <p:nvSpPr>
+          <p:cNvPr id="34" name="テキスト ボックス 33">
+            <a:extLst>
+              <a:ext uri="{FF2B5EF4-FFF2-40B4-BE49-F238E27FC236}">
+                <a16:creationId xmlns:a16="http://schemas.microsoft.com/office/drawing/2014/main" id="{81C5F2F6-2A62-4179-9444-06F9664D5076}"/>
+              </a:ext>
+            </a:extLst>
+          </p:cNvPr>
+          <p:cNvSpPr txBox="1"/>
+          <p:nvPr/>
+        </p:nvSpPr>
+        <p:spPr>
+          <a:xfrm>
+            <a:off x="5652120" y="4581128"/>
+            <a:ext cx="2954655" cy="461665"/>
+          </a:xfrm>
+          <a:prstGeom prst="rect">
+            <a:avLst/>
+          </a:prstGeom>
+          <a:noFill/>
+        </p:spPr>
+        <p:txBody>
+          <a:bodyPr wrap="none" rtlCol="0">
+            <a:spAutoFit/>
+          </a:bodyPr>
+          <a:lstStyle/>
+          <a:p>
+            <a:r>
+              <a:rPr kumimoji="1" lang="ja-JP" altLang="en-US" sz="2400" dirty="0"/>
+              <a:t>リモートリポジトリ</a:t>
+            </a:r>
+          </a:p>
+        </p:txBody>
+      </p:sp>
+      <p:cxnSp>
+        <p:nvCxnSpPr>
+          <p:cNvPr id="35" name="直線コネクタ 34">
+            <a:extLst>
+              <a:ext uri="{FF2B5EF4-FFF2-40B4-BE49-F238E27FC236}">
+                <a16:creationId xmlns:a16="http://schemas.microsoft.com/office/drawing/2014/main" id="{E0A0B640-3031-4C4F-82CA-FC07C787B340}"/>
+              </a:ext>
+            </a:extLst>
+          </p:cNvPr>
+          <p:cNvCxnSpPr>
+            <a:endCxn id="36" idx="2"/>
+          </p:cNvCxnSpPr>
+          <p:nvPr/>
+        </p:nvCxnSpPr>
+        <p:spPr>
+          <a:xfrm>
+            <a:off x="2339752" y="5805264"/>
+            <a:ext cx="432048" cy="0"/>
+          </a:xfrm>
+          <a:prstGeom prst="line">
+            <a:avLst/>
+          </a:prstGeom>
+          <a:ln w="57150">
+            <a:solidFill>
+              <a:srgbClr val="FF0000"/>
+            </a:solidFill>
+            <a:headEnd type="none" w="med" len="med"/>
+            <a:tailEnd type="none" w="med" len="med"/>
+          </a:ln>
+        </p:spPr>
+        <p:style>
+          <a:lnRef idx="1">
+            <a:schemeClr val="accent1"/>
+          </a:lnRef>
+          <a:fillRef idx="0">
+            <a:schemeClr val="accent1"/>
+          </a:fillRef>
+          <a:effectRef idx="0">
+            <a:schemeClr val="accent1"/>
+          </a:effectRef>
+          <a:fontRef idx="minor">
+            <a:schemeClr val="tx1"/>
+          </a:fontRef>
+        </p:style>
+      </p:cxnSp>
+      <p:sp>
+        <p:nvSpPr>
+          <p:cNvPr id="36" name="楕円 35">
+            <a:extLst>
+              <a:ext uri="{FF2B5EF4-FFF2-40B4-BE49-F238E27FC236}">
+                <a16:creationId xmlns:a16="http://schemas.microsoft.com/office/drawing/2014/main" id="{BFBD406C-5AFA-4B44-A4B1-F232E0A9068E}"/>
+              </a:ext>
+            </a:extLst>
+          </p:cNvPr>
+          <p:cNvSpPr/>
+          <p:nvPr/>
+        </p:nvSpPr>
+        <p:spPr>
+          <a:xfrm>
+            <a:off x="2771800" y="5661248"/>
+            <a:ext cx="288032" cy="288032"/>
+          </a:xfrm>
+          <a:prstGeom prst="ellipse">
+            <a:avLst/>
+          </a:prstGeom>
+          <a:solidFill>
+            <a:srgbClr val="FF0000"/>
+          </a:solidFill>
+          <a:ln>
+            <a:solidFill>
+              <a:srgbClr val="FF0000"/>
+            </a:solidFill>
+          </a:ln>
+        </p:spPr>
+        <p:style>
+          <a:lnRef idx="2">
+            <a:schemeClr val="accent1">
+              <a:shade val="50000"/>
+            </a:schemeClr>
+          </a:lnRef>
+          <a:fillRef idx="1">
+            <a:schemeClr val="accent1"/>
+          </a:fillRef>
+          <a:effectRef idx="0">
+            <a:schemeClr val="accent1"/>
+          </a:effectRef>
+          <a:fontRef idx="minor">
+            <a:schemeClr val="lt1"/>
+          </a:fontRef>
+        </p:style>
+        <p:txBody>
+          <a:bodyPr rtlCol="0" anchor="ctr"/>
+          <a:lstStyle/>
+          <a:p>
+            <a:pPr algn="ctr"/>
+            <a:endParaRPr kumimoji="1" lang="ja-JP" altLang="en-US"/>
+          </a:p>
+        </p:txBody>
+      </p:sp>
+      <p:cxnSp>
+        <p:nvCxnSpPr>
+          <p:cNvPr id="37" name="直線矢印コネクタ 36">
+            <a:extLst>
+              <a:ext uri="{FF2B5EF4-FFF2-40B4-BE49-F238E27FC236}">
+                <a16:creationId xmlns:a16="http://schemas.microsoft.com/office/drawing/2014/main" id="{55BC5F44-C7B0-4C3E-8044-B6ECA99C3952}"/>
+              </a:ext>
+            </a:extLst>
+          </p:cNvPr>
+          <p:cNvCxnSpPr/>
+          <p:nvPr/>
+        </p:nvCxnSpPr>
+        <p:spPr>
+          <a:xfrm flipH="1">
+            <a:off x="3923928" y="3140968"/>
+            <a:ext cx="1008112" cy="0"/>
+          </a:xfrm>
+          <a:prstGeom prst="straightConnector1">
+            <a:avLst/>
+          </a:prstGeom>
+          <a:ln>
+            <a:solidFill>
+              <a:schemeClr val="tx1"/>
+            </a:solidFill>
+            <a:headEnd type="triangle" w="med" len="med"/>
+            <a:tailEnd type="none" w="med" len="med"/>
+          </a:ln>
+        </p:spPr>
+        <p:style>
+          <a:lnRef idx="1">
+            <a:schemeClr val="accent1"/>
+          </a:lnRef>
+          <a:fillRef idx="0">
+            <a:schemeClr val="accent1"/>
+          </a:fillRef>
+          <a:effectRef idx="0">
+            <a:schemeClr val="accent1"/>
+          </a:effectRef>
+          <a:fontRef idx="minor">
+            <a:schemeClr val="tx1"/>
+          </a:fontRef>
+        </p:style>
+      </p:cxnSp>
+      <p:sp>
+        <p:nvSpPr>
+          <p:cNvPr id="38" name="右矢印 43">
+            <a:extLst>
+              <a:ext uri="{FF2B5EF4-FFF2-40B4-BE49-F238E27FC236}">
+                <a16:creationId xmlns:a16="http://schemas.microsoft.com/office/drawing/2014/main" id="{AFA22367-7891-4D50-8966-E6252D3531C8}"/>
+              </a:ext>
+            </a:extLst>
+          </p:cNvPr>
+          <p:cNvSpPr/>
+          <p:nvPr/>
+        </p:nvSpPr>
+        <p:spPr>
+          <a:xfrm rot="5400000">
+            <a:off x="4139952" y="4077072"/>
+            <a:ext cx="566352" cy="566352"/>
+          </a:xfrm>
+          <a:prstGeom prst="rightArrow">
+            <a:avLst/>
+          </a:prstGeom>
+          <a:solidFill>
+            <a:srgbClr val="FF0000"/>
+          </a:solidFill>
+          <a:ln>
+            <a:solidFill>
+              <a:schemeClr val="tx1"/>
+            </a:solidFill>
+          </a:ln>
+        </p:spPr>
+        <p:style>
+          <a:lnRef idx="2">
+            <a:schemeClr val="accent1">
+              <a:shade val="50000"/>
+            </a:schemeClr>
+          </a:lnRef>
+          <a:fillRef idx="1">
+            <a:schemeClr val="accent1"/>
+          </a:fillRef>
+          <a:effectRef idx="0">
+            <a:schemeClr val="accent1"/>
+          </a:effectRef>
+          <a:fontRef idx="minor">
+            <a:schemeClr val="lt1"/>
+          </a:fontRef>
+        </p:style>
+        <p:txBody>
+          <a:bodyPr rtlCol="0" anchor="ctr"/>
+          <a:lstStyle/>
+          <a:p>
+            <a:pPr algn="ctr"/>
+            <a:endParaRPr kumimoji="1" lang="ja-JP" altLang="en-US"/>
+          </a:p>
+        </p:txBody>
+      </p:sp>
+      <p:cxnSp>
+        <p:nvCxnSpPr>
+          <p:cNvPr id="39" name="直線コネクタ 38">
+            <a:extLst>
+              <a:ext uri="{FF2B5EF4-FFF2-40B4-BE49-F238E27FC236}">
+                <a16:creationId xmlns:a16="http://schemas.microsoft.com/office/drawing/2014/main" id="{00CC39A5-656E-4BE8-B1C2-FE8523EDB5AA}"/>
+              </a:ext>
+            </a:extLst>
+          </p:cNvPr>
+          <p:cNvCxnSpPr>
+            <a:endCxn id="40" idx="2"/>
+          </p:cNvCxnSpPr>
+          <p:nvPr/>
+        </p:nvCxnSpPr>
+        <p:spPr>
+          <a:xfrm>
+            <a:off x="2267744" y="3212976"/>
+            <a:ext cx="432048" cy="0"/>
+          </a:xfrm>
+          <a:prstGeom prst="line">
+            <a:avLst/>
+          </a:prstGeom>
+          <a:ln w="57150">
+            <a:solidFill>
+              <a:srgbClr val="FF0000"/>
+            </a:solidFill>
+            <a:headEnd type="none" w="med" len="med"/>
+            <a:tailEnd type="none" w="med" len="med"/>
+          </a:ln>
+        </p:spPr>
+        <p:style>
+          <a:lnRef idx="1">
+            <a:schemeClr val="accent1"/>
+          </a:lnRef>
+          <a:fillRef idx="0">
+            <a:schemeClr val="accent1"/>
+          </a:fillRef>
+          <a:effectRef idx="0">
+            <a:schemeClr val="accent1"/>
+          </a:effectRef>
+          <a:fontRef idx="minor">
+            <a:schemeClr val="tx1"/>
+          </a:fontRef>
+        </p:style>
+      </p:cxnSp>
+      <p:sp>
+        <p:nvSpPr>
+          <p:cNvPr id="40" name="楕円 39">
+            <a:extLst>
+              <a:ext uri="{FF2B5EF4-FFF2-40B4-BE49-F238E27FC236}">
+                <a16:creationId xmlns:a16="http://schemas.microsoft.com/office/drawing/2014/main" id="{AF852D48-EFA3-4BBD-9472-467B0B9863D3}"/>
+              </a:ext>
+            </a:extLst>
+          </p:cNvPr>
+          <p:cNvSpPr/>
+          <p:nvPr/>
+        </p:nvSpPr>
+        <p:spPr>
+          <a:xfrm>
+            <a:off x="2699792" y="3068960"/>
+            <a:ext cx="288032" cy="288032"/>
+          </a:xfrm>
+          <a:prstGeom prst="ellipse">
+            <a:avLst/>
+          </a:prstGeom>
+          <a:solidFill>
+            <a:srgbClr val="FF0000"/>
+          </a:solidFill>
+          <a:ln>
+            <a:solidFill>
+              <a:srgbClr val="FF0000"/>
+            </a:solidFill>
+          </a:ln>
+        </p:spPr>
+        <p:style>
+          <a:lnRef idx="2">
+            <a:schemeClr val="accent1">
+              <a:shade val="50000"/>
+            </a:schemeClr>
+          </a:lnRef>
+          <a:fillRef idx="1">
+            <a:schemeClr val="accent1"/>
+          </a:fillRef>
+          <a:effectRef idx="0">
+            <a:schemeClr val="accent1"/>
+          </a:effectRef>
+          <a:fontRef idx="minor">
+            <a:schemeClr val="lt1"/>
+          </a:fontRef>
+        </p:style>
+        <p:txBody>
+          <a:bodyPr rtlCol="0" anchor="ctr"/>
+          <a:lstStyle/>
+          <a:p>
+            <a:pPr algn="ctr"/>
+            <a:endParaRPr kumimoji="1" lang="ja-JP" altLang="en-US"/>
+          </a:p>
+        </p:txBody>
+      </p:sp>
+      <p:sp>
+        <p:nvSpPr>
+          <p:cNvPr id="44" name="テキスト ボックス 43">
+            <a:extLst>
+              <a:ext uri="{FF2B5EF4-FFF2-40B4-BE49-F238E27FC236}">
+                <a16:creationId xmlns:a16="http://schemas.microsoft.com/office/drawing/2014/main" id="{A1FF2DB4-6046-444D-8C34-6CF68A369E1D}"/>
+              </a:ext>
+            </a:extLst>
+          </p:cNvPr>
+          <p:cNvSpPr txBox="1"/>
+          <p:nvPr/>
+        </p:nvSpPr>
+        <p:spPr>
+          <a:xfrm>
+            <a:off x="3419872" y="476672"/>
+            <a:ext cx="1800200" cy="646331"/>
+          </a:xfrm>
+          <a:prstGeom prst="rect">
+            <a:avLst/>
+          </a:prstGeom>
+          <a:noFill/>
+        </p:spPr>
+        <p:txBody>
+          <a:bodyPr wrap="square">
+            <a:spAutoFit/>
+          </a:bodyPr>
+          <a:lstStyle/>
+          <a:p>
+            <a:r>
+              <a:rPr kumimoji="1" lang="en-US" altLang="ja-JP" sz="3600">
+                <a:solidFill>
+                  <a:srgbClr val="011893"/>
+                </a:solidFill>
+              </a:rPr>
+              <a:t>git push</a:t>
+            </a:r>
+            <a:endParaRPr kumimoji="1" lang="ja-JP" altLang="en-US" sz="3600" dirty="0">
+              <a:solidFill>
+                <a:srgbClr val="011893"/>
+              </a:solidFill>
+            </a:endParaRPr>
+          </a:p>
+        </p:txBody>
+      </p:sp>
+      <p:pic>
+        <p:nvPicPr>
+          <p:cNvPr id="45" name="Picture 8" descr="パソコンを使う会社員のイラスト（男性・笑顔）">
+            <a:extLst>
+              <a:ext uri="{FF2B5EF4-FFF2-40B4-BE49-F238E27FC236}">
+                <a16:creationId xmlns:a16="http://schemas.microsoft.com/office/drawing/2014/main" id="{530343BE-C1A7-4DDE-A590-757887ACB293}"/>
+              </a:ext>
+            </a:extLst>
+          </p:cNvPr>
+          <p:cNvPicPr>
+            <a:picLocks noChangeAspect="1" noChangeArrowheads="1"/>
+          </p:cNvPicPr>
+          <p:nvPr/>
+        </p:nvPicPr>
+        <p:blipFill>
+          <a:blip r:embed="rId2" cstate="print">
+            <a:extLst>
+              <a:ext uri="{28A0092B-C50C-407E-A947-70E740481C1C}">
+                <a14:useLocalDpi xmlns:a14="http://schemas.microsoft.com/office/drawing/2010/main" val="0"/>
+              </a:ext>
+            </a:extLst>
+          </a:blip>
+          <a:srcRect/>
+          <a:stretch>
+            <a:fillRect/>
+          </a:stretch>
+        </p:blipFill>
+        <p:spPr bwMode="auto">
+          <a:xfrm>
+            <a:off x="107504" y="1844824"/>
+            <a:ext cx="472167" cy="685719"/>
+          </a:xfrm>
+          <a:prstGeom prst="rect">
+            <a:avLst/>
+          </a:prstGeom>
+          <a:noFill/>
+          <a:extLst>
+            <a:ext uri="{909E8E84-426E-40DD-AFC4-6F175D3DCCD1}">
+              <a14:hiddenFill xmlns:a14="http://schemas.microsoft.com/office/drawing/2010/main">
+                <a:solidFill>
+                  <a:srgbClr val="FFFFFF"/>
+                </a:solidFill>
+              </a14:hiddenFill>
+            </a:ext>
+          </a:extLst>
+        </p:spPr>
+      </p:pic>
+      <p:pic>
+        <p:nvPicPr>
+          <p:cNvPr id="46" name="Picture 8" descr="パソコンを使う会社員のイラスト（男性・笑顔）">
+            <a:extLst>
+              <a:ext uri="{FF2B5EF4-FFF2-40B4-BE49-F238E27FC236}">
+                <a16:creationId xmlns:a16="http://schemas.microsoft.com/office/drawing/2014/main" id="{7D467F32-1CB8-4E52-BB6E-A6E05AEC0328}"/>
+              </a:ext>
+            </a:extLst>
+          </p:cNvPr>
+          <p:cNvPicPr>
+            <a:picLocks noChangeAspect="1" noChangeArrowheads="1"/>
+          </p:cNvPicPr>
+          <p:nvPr/>
+        </p:nvPicPr>
+        <p:blipFill>
+          <a:blip r:embed="rId2" cstate="print">
+            <a:extLst>
+              <a:ext uri="{28A0092B-C50C-407E-A947-70E740481C1C}">
+                <a14:useLocalDpi xmlns:a14="http://schemas.microsoft.com/office/drawing/2010/main" val="0"/>
+              </a:ext>
+            </a:extLst>
+          </a:blip>
+          <a:srcRect/>
+          <a:stretch>
+            <a:fillRect/>
+          </a:stretch>
+        </p:blipFill>
+        <p:spPr bwMode="auto">
+          <a:xfrm>
+            <a:off x="179512" y="4437112"/>
+            <a:ext cx="472167" cy="685719"/>
+          </a:xfrm>
+          <a:prstGeom prst="rect">
+            <a:avLst/>
+          </a:prstGeom>
+          <a:noFill/>
+          <a:extLst>
+            <a:ext uri="{909E8E84-426E-40DD-AFC4-6F175D3DCCD1}">
+              <a14:hiddenFill xmlns:a14="http://schemas.microsoft.com/office/drawing/2010/main">
+                <a:solidFill>
+                  <a:srgbClr val="FFFFFF"/>
+                </a:solidFill>
+              </a14:hiddenFill>
+            </a:ext>
+          </a:extLst>
+        </p:spPr>
+      </p:pic>
+      <p:pic>
+        <p:nvPicPr>
+          <p:cNvPr id="47" name="図 46">
+            <a:extLst>
+              <a:ext uri="{FF2B5EF4-FFF2-40B4-BE49-F238E27FC236}">
+                <a16:creationId xmlns:a16="http://schemas.microsoft.com/office/drawing/2014/main" id="{24A78E08-07F7-4236-80C9-9C9A3C171D10}"/>
+              </a:ext>
+            </a:extLst>
+          </p:cNvPr>
+          <p:cNvPicPr>
+            <a:picLocks noChangeAspect="1"/>
+          </p:cNvPicPr>
+          <p:nvPr/>
+        </p:nvPicPr>
+        <p:blipFill>
+          <a:blip r:embed="rId3">
+            <a:extLst>
+              <a:ext uri="{28A0092B-C50C-407E-A947-70E740481C1C}">
+                <a14:useLocalDpi xmlns:a14="http://schemas.microsoft.com/office/drawing/2010/main" val="0"/>
+              </a:ext>
+            </a:extLst>
+          </a:blip>
+          <a:stretch>
+            <a:fillRect/>
+          </a:stretch>
+        </p:blipFill>
+        <p:spPr>
+          <a:xfrm>
+            <a:off x="4860032" y="1916832"/>
+            <a:ext cx="609600" cy="609600"/>
+          </a:xfrm>
+          <a:prstGeom prst="rect">
+            <a:avLst/>
+          </a:prstGeom>
+        </p:spPr>
+      </p:pic>
+      <p:pic>
+        <p:nvPicPr>
+          <p:cNvPr id="48" name="図 47">
+            <a:extLst>
+              <a:ext uri="{FF2B5EF4-FFF2-40B4-BE49-F238E27FC236}">
+                <a16:creationId xmlns:a16="http://schemas.microsoft.com/office/drawing/2014/main" id="{0D4A19EC-F1B3-41B0-B527-EC1E29D3B4FE}"/>
+              </a:ext>
+            </a:extLst>
+          </p:cNvPr>
+          <p:cNvPicPr>
+            <a:picLocks noChangeAspect="1"/>
+          </p:cNvPicPr>
+          <p:nvPr/>
+        </p:nvPicPr>
+        <p:blipFill>
+          <a:blip r:embed="rId3">
+            <a:extLst>
+              <a:ext uri="{28A0092B-C50C-407E-A947-70E740481C1C}">
+                <a14:useLocalDpi xmlns:a14="http://schemas.microsoft.com/office/drawing/2010/main" val="0"/>
+              </a:ext>
+            </a:extLst>
+          </a:blip>
+          <a:stretch>
+            <a:fillRect/>
+          </a:stretch>
+        </p:blipFill>
+        <p:spPr>
+          <a:xfrm>
+            <a:off x="5004048" y="4437112"/>
+            <a:ext cx="609600" cy="609600"/>
+          </a:xfrm>
+          <a:prstGeom prst="rect">
+            <a:avLst/>
+          </a:prstGeom>
+        </p:spPr>
+      </p:pic>
+    </p:spTree>
+    <p:extLst>
+      <p:ext uri="{BB962C8B-B14F-4D97-AF65-F5344CB8AC3E}">
+        <p14:creationId xmlns:p14="http://schemas.microsoft.com/office/powerpoint/2010/main" val="790277253"/>
+      </p:ext>
+    </p:extLst>
+  </p:cSld>
+  <p:clrMapOvr>
+    <a:masterClrMapping/>
+  </p:clrMapOvr>
+</p:sld>
+</file>
+
+<file path=ppt/slides/slide5.xml><?xml version="1.0" encoding="utf-8"?>
+<p:sld xmlns:a="http://schemas.openxmlformats.org/drawingml/2006/main" xmlns:r="http://schemas.openxmlformats.org/officeDocument/2006/relationships" xmlns:p="http://schemas.openxmlformats.org/presentationml/2006/main">
+  <p:cSld>
+    <p:spTree>
+      <p:nvGrpSpPr>
+        <p:cNvPr id="1" name=""/>
+        <p:cNvGrpSpPr/>
+        <p:nvPr/>
+      </p:nvGrpSpPr>
+      <p:grpSpPr>
+        <a:xfrm>
+          <a:off x="0" y="0"/>
+          <a:ext cx="0" cy="0"/>
+          <a:chOff x="0" y="0"/>
+          <a:chExt cx="0" cy="0"/>
+        </a:xfrm>
+      </p:grpSpPr>
+      <p:sp>
+        <p:nvSpPr>
+          <p:cNvPr id="2" name="角丸四角形 2">
+            <a:extLst>
+              <a:ext uri="{FF2B5EF4-FFF2-40B4-BE49-F238E27FC236}">
+                <a16:creationId xmlns:a16="http://schemas.microsoft.com/office/drawing/2014/main" id="{269B4141-17C8-4B77-BEF4-40735F11E5AB}"/>
+              </a:ext>
+            </a:extLst>
+          </p:cNvPr>
+          <p:cNvSpPr/>
+          <p:nvPr/>
+        </p:nvSpPr>
+        <p:spPr>
+          <a:xfrm>
+            <a:off x="5148064" y="2636912"/>
+            <a:ext cx="3312368" cy="1152128"/>
+          </a:xfrm>
+          <a:prstGeom prst="roundRect">
+            <a:avLst/>
+          </a:prstGeom>
+          <a:noFill/>
+          <a:ln w="28575">
+            <a:solidFill>
+              <a:schemeClr val="tx1"/>
+            </a:solidFill>
+            <a:prstDash val="dash"/>
+          </a:ln>
+        </p:spPr>
+        <p:style>
+          <a:lnRef idx="2">
+            <a:schemeClr val="accent1">
+              <a:shade val="50000"/>
+            </a:schemeClr>
+          </a:lnRef>
+          <a:fillRef idx="1">
+            <a:schemeClr val="accent1"/>
+          </a:fillRef>
+          <a:effectRef idx="0">
+            <a:schemeClr val="accent1"/>
+          </a:effectRef>
+          <a:fontRef idx="minor">
+            <a:schemeClr val="lt1"/>
+          </a:fontRef>
+        </p:style>
+        <p:txBody>
+          <a:bodyPr rtlCol="0" anchor="ctr"/>
+          <a:lstStyle/>
+          <a:p>
+            <a:pPr algn="ctr"/>
+            <a:endParaRPr kumimoji="1" lang="ja-JP" altLang="en-US"/>
+          </a:p>
+        </p:txBody>
+      </p:sp>
+      <p:sp>
+        <p:nvSpPr>
+          <p:cNvPr id="3" name="角丸四角形 3">
+            <a:extLst>
+              <a:ext uri="{FF2B5EF4-FFF2-40B4-BE49-F238E27FC236}">
+                <a16:creationId xmlns:a16="http://schemas.microsoft.com/office/drawing/2014/main" id="{903C40F1-43D9-4B95-B78C-DD7656D07F00}"/>
+              </a:ext>
+            </a:extLst>
+          </p:cNvPr>
+          <p:cNvSpPr/>
+          <p:nvPr/>
+        </p:nvSpPr>
+        <p:spPr>
+          <a:xfrm>
+            <a:off x="323528" y="2636912"/>
+            <a:ext cx="3312368" cy="1152128"/>
+          </a:xfrm>
+          <a:prstGeom prst="roundRect">
+            <a:avLst/>
+          </a:prstGeom>
+          <a:noFill/>
+          <a:ln w="28575">
+            <a:solidFill>
+              <a:schemeClr val="tx1"/>
+            </a:solidFill>
+            <a:prstDash val="dash"/>
+          </a:ln>
+        </p:spPr>
+        <p:style>
+          <a:lnRef idx="2">
+            <a:schemeClr val="accent1">
+              <a:shade val="50000"/>
+            </a:schemeClr>
+          </a:lnRef>
+          <a:fillRef idx="1">
+            <a:schemeClr val="accent1"/>
+          </a:fillRef>
+          <a:effectRef idx="0">
+            <a:schemeClr val="accent1"/>
+          </a:effectRef>
+          <a:fontRef idx="minor">
+            <a:schemeClr val="lt1"/>
+          </a:fontRef>
+        </p:style>
+        <p:txBody>
+          <a:bodyPr rtlCol="0" anchor="ctr"/>
+          <a:lstStyle/>
+          <a:p>
+            <a:pPr algn="ctr"/>
+            <a:endParaRPr kumimoji="1" lang="ja-JP" altLang="en-US"/>
+          </a:p>
+        </p:txBody>
+      </p:sp>
+      <p:sp>
+        <p:nvSpPr>
+          <p:cNvPr id="4" name="楕円 3">
+            <a:extLst>
+              <a:ext uri="{FF2B5EF4-FFF2-40B4-BE49-F238E27FC236}">
+                <a16:creationId xmlns:a16="http://schemas.microsoft.com/office/drawing/2014/main" id="{2568DAC2-0F28-4692-AD8A-49AE112F8D57}"/>
+              </a:ext>
+            </a:extLst>
+          </p:cNvPr>
+          <p:cNvSpPr/>
+          <p:nvPr/>
+        </p:nvSpPr>
+        <p:spPr>
+          <a:xfrm>
+            <a:off x="539552" y="3068960"/>
+            <a:ext cx="288032" cy="288032"/>
+          </a:xfrm>
+          <a:prstGeom prst="ellipse">
+            <a:avLst/>
+          </a:prstGeom>
+          <a:solidFill>
+            <a:srgbClr val="011893"/>
+          </a:solidFill>
+          <a:ln>
+            <a:solidFill>
+              <a:schemeClr val="tx1"/>
+            </a:solidFill>
+          </a:ln>
+        </p:spPr>
+        <p:style>
+          <a:lnRef idx="2">
+            <a:schemeClr val="accent1">
+              <a:shade val="50000"/>
+            </a:schemeClr>
+          </a:lnRef>
+          <a:fillRef idx="1">
+            <a:schemeClr val="accent1"/>
+          </a:fillRef>
+          <a:effectRef idx="0">
+            <a:schemeClr val="accent1"/>
+          </a:effectRef>
+          <a:fontRef idx="minor">
+            <a:schemeClr val="lt1"/>
+          </a:fontRef>
+        </p:style>
+        <p:txBody>
+          <a:bodyPr rtlCol="0" anchor="ctr"/>
+          <a:lstStyle/>
+          <a:p>
+            <a:pPr algn="ctr"/>
+            <a:endParaRPr kumimoji="1" lang="ja-JP" altLang="en-US"/>
+          </a:p>
+        </p:txBody>
+      </p:sp>
+      <p:cxnSp>
+        <p:nvCxnSpPr>
+          <p:cNvPr id="5" name="直線コネクタ 4">
+            <a:extLst>
+              <a:ext uri="{FF2B5EF4-FFF2-40B4-BE49-F238E27FC236}">
+                <a16:creationId xmlns:a16="http://schemas.microsoft.com/office/drawing/2014/main" id="{8BF25136-118E-4B57-A34B-D4F504C3EAD3}"/>
+              </a:ext>
+            </a:extLst>
+          </p:cNvPr>
+          <p:cNvCxnSpPr>
+            <a:stCxn id="4" idx="6"/>
+            <a:endCxn id="6" idx="2"/>
+          </p:cNvCxnSpPr>
+          <p:nvPr/>
+        </p:nvCxnSpPr>
+        <p:spPr>
+          <a:xfrm>
+            <a:off x="827584" y="3212976"/>
+            <a:ext cx="432048" cy="0"/>
+          </a:xfrm>
+          <a:prstGeom prst="line">
+            <a:avLst/>
+          </a:prstGeom>
+          <a:ln w="57150">
+            <a:solidFill>
+              <a:schemeClr val="tx1"/>
+            </a:solidFill>
+            <a:headEnd type="none" w="med" len="med"/>
+            <a:tailEnd type="none" w="med" len="med"/>
+          </a:ln>
+        </p:spPr>
+        <p:style>
+          <a:lnRef idx="1">
+            <a:schemeClr val="accent1"/>
+          </a:lnRef>
+          <a:fillRef idx="0">
+            <a:schemeClr val="accent1"/>
+          </a:fillRef>
+          <a:effectRef idx="0">
+            <a:schemeClr val="accent1"/>
+          </a:effectRef>
+          <a:fontRef idx="minor">
+            <a:schemeClr val="tx1"/>
+          </a:fontRef>
+        </p:style>
+      </p:cxnSp>
+      <p:sp>
+        <p:nvSpPr>
+          <p:cNvPr id="6" name="楕円 5">
+            <a:extLst>
+              <a:ext uri="{FF2B5EF4-FFF2-40B4-BE49-F238E27FC236}">
+                <a16:creationId xmlns:a16="http://schemas.microsoft.com/office/drawing/2014/main" id="{5435A45D-950E-4881-9025-E976C1F0E788}"/>
+              </a:ext>
+            </a:extLst>
+          </p:cNvPr>
+          <p:cNvSpPr/>
+          <p:nvPr/>
+        </p:nvSpPr>
+        <p:spPr>
+          <a:xfrm>
+            <a:off x="1259632" y="3068960"/>
+            <a:ext cx="288032" cy="288032"/>
+          </a:xfrm>
+          <a:prstGeom prst="ellipse">
+            <a:avLst/>
+          </a:prstGeom>
+          <a:solidFill>
+            <a:srgbClr val="011893"/>
+          </a:solidFill>
+          <a:ln>
+            <a:solidFill>
+              <a:schemeClr val="tx1"/>
+            </a:solidFill>
+          </a:ln>
+        </p:spPr>
+        <p:style>
+          <a:lnRef idx="2">
+            <a:schemeClr val="accent1">
+              <a:shade val="50000"/>
+            </a:schemeClr>
+          </a:lnRef>
+          <a:fillRef idx="1">
+            <a:schemeClr val="accent1"/>
+          </a:fillRef>
+          <a:effectRef idx="0">
+            <a:schemeClr val="accent1"/>
+          </a:effectRef>
+          <a:fontRef idx="minor">
+            <a:schemeClr val="lt1"/>
+          </a:fontRef>
+        </p:style>
+        <p:txBody>
+          <a:bodyPr rtlCol="0" anchor="ctr"/>
+          <a:lstStyle/>
+          <a:p>
+            <a:pPr algn="ctr"/>
+            <a:endParaRPr kumimoji="1" lang="ja-JP" altLang="en-US"/>
+          </a:p>
+        </p:txBody>
+      </p:sp>
+      <p:cxnSp>
+        <p:nvCxnSpPr>
+          <p:cNvPr id="7" name="直線コネクタ 6">
+            <a:extLst>
+              <a:ext uri="{FF2B5EF4-FFF2-40B4-BE49-F238E27FC236}">
+                <a16:creationId xmlns:a16="http://schemas.microsoft.com/office/drawing/2014/main" id="{80FBF67F-93AC-49FB-9F07-6905D098DF0D}"/>
+              </a:ext>
+            </a:extLst>
+          </p:cNvPr>
+          <p:cNvCxnSpPr>
+            <a:endCxn id="8" idx="2"/>
+          </p:cNvCxnSpPr>
+          <p:nvPr/>
+        </p:nvCxnSpPr>
+        <p:spPr>
+          <a:xfrm>
+            <a:off x="1547664" y="3212976"/>
+            <a:ext cx="432048" cy="0"/>
+          </a:xfrm>
+          <a:prstGeom prst="line">
+            <a:avLst/>
+          </a:prstGeom>
+          <a:ln w="57150">
+            <a:solidFill>
+              <a:schemeClr val="tx1"/>
+            </a:solidFill>
+            <a:headEnd type="none" w="med" len="med"/>
+            <a:tailEnd type="none" w="med" len="med"/>
+          </a:ln>
+        </p:spPr>
+        <p:style>
+          <a:lnRef idx="1">
+            <a:schemeClr val="accent1"/>
+          </a:lnRef>
+          <a:fillRef idx="0">
+            <a:schemeClr val="accent1"/>
+          </a:fillRef>
+          <a:effectRef idx="0">
+            <a:schemeClr val="accent1"/>
+          </a:effectRef>
+          <a:fontRef idx="minor">
+            <a:schemeClr val="tx1"/>
+          </a:fontRef>
+        </p:style>
+      </p:cxnSp>
+      <p:sp>
+        <p:nvSpPr>
+          <p:cNvPr id="8" name="楕円 7">
+            <a:extLst>
+              <a:ext uri="{FF2B5EF4-FFF2-40B4-BE49-F238E27FC236}">
+                <a16:creationId xmlns:a16="http://schemas.microsoft.com/office/drawing/2014/main" id="{319A7E93-0641-4AD8-8E23-24245793035F}"/>
+              </a:ext>
+            </a:extLst>
+          </p:cNvPr>
+          <p:cNvSpPr/>
+          <p:nvPr/>
+        </p:nvSpPr>
+        <p:spPr>
+          <a:xfrm>
+            <a:off x="1979712" y="3068960"/>
+            <a:ext cx="288032" cy="288032"/>
+          </a:xfrm>
+          <a:prstGeom prst="ellipse">
+            <a:avLst/>
+          </a:prstGeom>
+          <a:solidFill>
+            <a:srgbClr val="011893"/>
+          </a:solidFill>
+          <a:ln>
+            <a:solidFill>
+              <a:schemeClr val="tx1"/>
+            </a:solidFill>
+          </a:ln>
+        </p:spPr>
+        <p:style>
+          <a:lnRef idx="2">
+            <a:schemeClr val="accent1">
+              <a:shade val="50000"/>
+            </a:schemeClr>
+          </a:lnRef>
+          <a:fillRef idx="1">
+            <a:schemeClr val="accent1"/>
+          </a:fillRef>
+          <a:effectRef idx="0">
+            <a:schemeClr val="accent1"/>
+          </a:effectRef>
+          <a:fontRef idx="minor">
+            <a:schemeClr val="lt1"/>
+          </a:fontRef>
+        </p:style>
+        <p:txBody>
+          <a:bodyPr rtlCol="0" anchor="ctr"/>
+          <a:lstStyle/>
+          <a:p>
+            <a:pPr algn="ctr"/>
+            <a:endParaRPr kumimoji="1" lang="ja-JP" altLang="en-US"/>
+          </a:p>
+        </p:txBody>
+      </p:sp>
+      <p:sp>
+        <p:nvSpPr>
+          <p:cNvPr id="9" name="楕円 8">
+            <a:extLst>
+              <a:ext uri="{FF2B5EF4-FFF2-40B4-BE49-F238E27FC236}">
+                <a16:creationId xmlns:a16="http://schemas.microsoft.com/office/drawing/2014/main" id="{585F5BA5-4536-4326-84F4-6323B2E9326F}"/>
+              </a:ext>
+            </a:extLst>
+          </p:cNvPr>
+          <p:cNvSpPr/>
+          <p:nvPr/>
+        </p:nvSpPr>
+        <p:spPr>
+          <a:xfrm>
+            <a:off x="5364088" y="3068960"/>
+            <a:ext cx="288032" cy="288032"/>
+          </a:xfrm>
+          <a:prstGeom prst="ellipse">
+            <a:avLst/>
+          </a:prstGeom>
+          <a:solidFill>
+            <a:srgbClr val="011893"/>
+          </a:solidFill>
+          <a:ln>
+            <a:solidFill>
+              <a:schemeClr val="tx1"/>
+            </a:solidFill>
+          </a:ln>
+        </p:spPr>
+        <p:style>
+          <a:lnRef idx="2">
+            <a:schemeClr val="accent1">
+              <a:shade val="50000"/>
+            </a:schemeClr>
+          </a:lnRef>
+          <a:fillRef idx="1">
+            <a:schemeClr val="accent1"/>
+          </a:fillRef>
+          <a:effectRef idx="0">
+            <a:schemeClr val="accent1"/>
+          </a:effectRef>
+          <a:fontRef idx="minor">
+            <a:schemeClr val="lt1"/>
+          </a:fontRef>
+        </p:style>
+        <p:txBody>
+          <a:bodyPr rtlCol="0" anchor="ctr"/>
+          <a:lstStyle/>
+          <a:p>
+            <a:pPr algn="ctr"/>
+            <a:endParaRPr kumimoji="1" lang="ja-JP" altLang="en-US"/>
+          </a:p>
+        </p:txBody>
+      </p:sp>
+      <p:cxnSp>
+        <p:nvCxnSpPr>
+          <p:cNvPr id="10" name="直線コネクタ 9">
+            <a:extLst>
+              <a:ext uri="{FF2B5EF4-FFF2-40B4-BE49-F238E27FC236}">
+                <a16:creationId xmlns:a16="http://schemas.microsoft.com/office/drawing/2014/main" id="{CA1AAA73-898F-4CAD-8342-B8E960FD0652}"/>
+              </a:ext>
+            </a:extLst>
+          </p:cNvPr>
+          <p:cNvCxnSpPr>
+            <a:stCxn id="9" idx="6"/>
+            <a:endCxn id="11" idx="2"/>
+          </p:cNvCxnSpPr>
+          <p:nvPr/>
+        </p:nvCxnSpPr>
+        <p:spPr>
+          <a:xfrm>
+            <a:off x="5652120" y="3212976"/>
+            <a:ext cx="432048" cy="0"/>
+          </a:xfrm>
+          <a:prstGeom prst="line">
+            <a:avLst/>
+          </a:prstGeom>
+          <a:ln w="57150">
+            <a:solidFill>
+              <a:schemeClr val="tx1"/>
+            </a:solidFill>
+            <a:headEnd type="none" w="med" len="med"/>
+            <a:tailEnd type="none" w="med" len="med"/>
+          </a:ln>
+        </p:spPr>
+        <p:style>
+          <a:lnRef idx="1">
+            <a:schemeClr val="accent1"/>
+          </a:lnRef>
+          <a:fillRef idx="0">
+            <a:schemeClr val="accent1"/>
+          </a:fillRef>
+          <a:effectRef idx="0">
+            <a:schemeClr val="accent1"/>
+          </a:effectRef>
+          <a:fontRef idx="minor">
+            <a:schemeClr val="tx1"/>
+          </a:fontRef>
+        </p:style>
+      </p:cxnSp>
+      <p:sp>
+        <p:nvSpPr>
+          <p:cNvPr id="11" name="楕円 10">
+            <a:extLst>
+              <a:ext uri="{FF2B5EF4-FFF2-40B4-BE49-F238E27FC236}">
+                <a16:creationId xmlns:a16="http://schemas.microsoft.com/office/drawing/2014/main" id="{97883DD2-44B7-4B81-A75C-7F29E42884AC}"/>
+              </a:ext>
+            </a:extLst>
+          </p:cNvPr>
+          <p:cNvSpPr/>
+          <p:nvPr/>
+        </p:nvSpPr>
+        <p:spPr>
+          <a:xfrm>
+            <a:off x="6084168" y="3068960"/>
+            <a:ext cx="288032" cy="288032"/>
+          </a:xfrm>
+          <a:prstGeom prst="ellipse">
+            <a:avLst/>
+          </a:prstGeom>
+          <a:solidFill>
+            <a:srgbClr val="011893"/>
+          </a:solidFill>
+          <a:ln>
+            <a:solidFill>
+              <a:schemeClr val="tx1"/>
+            </a:solidFill>
+          </a:ln>
+        </p:spPr>
+        <p:style>
+          <a:lnRef idx="2">
+            <a:schemeClr val="accent1">
+              <a:shade val="50000"/>
+            </a:schemeClr>
+          </a:lnRef>
+          <a:fillRef idx="1">
+            <a:schemeClr val="accent1"/>
+          </a:fillRef>
+          <a:effectRef idx="0">
+            <a:schemeClr val="accent1"/>
+          </a:effectRef>
+          <a:fontRef idx="minor">
+            <a:schemeClr val="lt1"/>
+          </a:fontRef>
+        </p:style>
+        <p:txBody>
+          <a:bodyPr rtlCol="0" anchor="ctr"/>
+          <a:lstStyle/>
+          <a:p>
+            <a:pPr algn="ctr"/>
+            <a:endParaRPr kumimoji="1" lang="ja-JP" altLang="en-US"/>
+          </a:p>
+        </p:txBody>
+      </p:sp>
+      <p:cxnSp>
+        <p:nvCxnSpPr>
+          <p:cNvPr id="12" name="直線コネクタ 11">
+            <a:extLst>
+              <a:ext uri="{FF2B5EF4-FFF2-40B4-BE49-F238E27FC236}">
+                <a16:creationId xmlns:a16="http://schemas.microsoft.com/office/drawing/2014/main" id="{17ADF345-52DF-4B47-AD7E-3BA0DE359CF4}"/>
+              </a:ext>
+            </a:extLst>
+          </p:cNvPr>
+          <p:cNvCxnSpPr>
+            <a:endCxn id="13" idx="2"/>
+          </p:cNvCxnSpPr>
+          <p:nvPr/>
+        </p:nvCxnSpPr>
+        <p:spPr>
+          <a:xfrm>
+            <a:off x="6372200" y="3212976"/>
+            <a:ext cx="432048" cy="0"/>
+          </a:xfrm>
+          <a:prstGeom prst="line">
+            <a:avLst/>
+          </a:prstGeom>
+          <a:ln w="57150">
+            <a:solidFill>
+              <a:schemeClr val="tx1"/>
+            </a:solidFill>
+            <a:headEnd type="none" w="med" len="med"/>
+            <a:tailEnd type="none" w="med" len="med"/>
+          </a:ln>
+        </p:spPr>
+        <p:style>
+          <a:lnRef idx="1">
+            <a:schemeClr val="accent1"/>
+          </a:lnRef>
+          <a:fillRef idx="0">
+            <a:schemeClr val="accent1"/>
+          </a:fillRef>
+          <a:effectRef idx="0">
+            <a:schemeClr val="accent1"/>
+          </a:effectRef>
+          <a:fontRef idx="minor">
+            <a:schemeClr val="tx1"/>
+          </a:fontRef>
+        </p:style>
+      </p:cxnSp>
+      <p:sp>
+        <p:nvSpPr>
+          <p:cNvPr id="13" name="楕円 12">
+            <a:extLst>
+              <a:ext uri="{FF2B5EF4-FFF2-40B4-BE49-F238E27FC236}">
+                <a16:creationId xmlns:a16="http://schemas.microsoft.com/office/drawing/2014/main" id="{67DA6C6F-3380-48DB-A367-80B4540D2112}"/>
+              </a:ext>
+            </a:extLst>
+          </p:cNvPr>
+          <p:cNvSpPr/>
+          <p:nvPr/>
+        </p:nvSpPr>
+        <p:spPr>
+          <a:xfrm>
+            <a:off x="6804248" y="3068960"/>
+            <a:ext cx="288032" cy="288032"/>
+          </a:xfrm>
+          <a:prstGeom prst="ellipse">
+            <a:avLst/>
+          </a:prstGeom>
+          <a:solidFill>
+            <a:srgbClr val="011893"/>
+          </a:solidFill>
+          <a:ln>
+            <a:solidFill>
+              <a:schemeClr val="tx1"/>
+            </a:solidFill>
+          </a:ln>
+        </p:spPr>
+        <p:style>
+          <a:lnRef idx="2">
+            <a:schemeClr val="accent1">
+              <a:shade val="50000"/>
+            </a:schemeClr>
+          </a:lnRef>
+          <a:fillRef idx="1">
+            <a:schemeClr val="accent1"/>
+          </a:fillRef>
+          <a:effectRef idx="0">
+            <a:schemeClr val="accent1"/>
+          </a:effectRef>
+          <a:fontRef idx="minor">
+            <a:schemeClr val="lt1"/>
+          </a:fontRef>
+        </p:style>
+        <p:txBody>
+          <a:bodyPr rtlCol="0" anchor="ctr"/>
+          <a:lstStyle/>
+          <a:p>
+            <a:pPr algn="ctr"/>
+            <a:endParaRPr kumimoji="1" lang="ja-JP" altLang="en-US"/>
+          </a:p>
+        </p:txBody>
+      </p:sp>
+      <p:cxnSp>
+        <p:nvCxnSpPr>
+          <p:cNvPr id="14" name="直線コネクタ 13">
+            <a:extLst>
+              <a:ext uri="{FF2B5EF4-FFF2-40B4-BE49-F238E27FC236}">
+                <a16:creationId xmlns:a16="http://schemas.microsoft.com/office/drawing/2014/main" id="{26866BCA-8F35-4F04-9530-D38A15CAB48D}"/>
+              </a:ext>
+            </a:extLst>
+          </p:cNvPr>
+          <p:cNvCxnSpPr>
+            <a:endCxn id="15" idx="2"/>
+          </p:cNvCxnSpPr>
+          <p:nvPr/>
+        </p:nvCxnSpPr>
+        <p:spPr>
+          <a:xfrm>
+            <a:off x="7092280" y="3212976"/>
+            <a:ext cx="432048" cy="0"/>
+          </a:xfrm>
+          <a:prstGeom prst="line">
+            <a:avLst/>
+          </a:prstGeom>
+          <a:ln w="57150">
+            <a:solidFill>
+              <a:srgbClr val="FF0000"/>
+            </a:solidFill>
+            <a:headEnd type="none" w="med" len="med"/>
+            <a:tailEnd type="none" w="med" len="med"/>
+          </a:ln>
+        </p:spPr>
+        <p:style>
+          <a:lnRef idx="1">
+            <a:schemeClr val="accent1"/>
+          </a:lnRef>
+          <a:fillRef idx="0">
+            <a:schemeClr val="accent1"/>
+          </a:fillRef>
+          <a:effectRef idx="0">
+            <a:schemeClr val="accent1"/>
+          </a:effectRef>
+          <a:fontRef idx="minor">
+            <a:schemeClr val="tx1"/>
+          </a:fontRef>
+        </p:style>
+      </p:cxnSp>
+      <p:sp>
+        <p:nvSpPr>
+          <p:cNvPr id="15" name="楕円 14">
+            <a:extLst>
+              <a:ext uri="{FF2B5EF4-FFF2-40B4-BE49-F238E27FC236}">
+                <a16:creationId xmlns:a16="http://schemas.microsoft.com/office/drawing/2014/main" id="{4B038823-FA64-45D9-B4CC-43F4586E350E}"/>
+              </a:ext>
+            </a:extLst>
+          </p:cNvPr>
+          <p:cNvSpPr/>
+          <p:nvPr/>
+        </p:nvSpPr>
+        <p:spPr>
+          <a:xfrm>
+            <a:off x="7524328" y="3068960"/>
+            <a:ext cx="288032" cy="288032"/>
+          </a:xfrm>
+          <a:prstGeom prst="ellipse">
+            <a:avLst/>
+          </a:prstGeom>
+          <a:solidFill>
+            <a:srgbClr val="FF0000"/>
+          </a:solidFill>
+          <a:ln>
+            <a:solidFill>
+              <a:srgbClr val="FF0000"/>
+            </a:solidFill>
+          </a:ln>
+        </p:spPr>
+        <p:style>
+          <a:lnRef idx="2">
+            <a:schemeClr val="accent1">
+              <a:shade val="50000"/>
+            </a:schemeClr>
+          </a:lnRef>
+          <a:fillRef idx="1">
+            <a:schemeClr val="accent1"/>
+          </a:fillRef>
+          <a:effectRef idx="0">
+            <a:schemeClr val="accent1"/>
+          </a:effectRef>
+          <a:fontRef idx="minor">
+            <a:schemeClr val="lt1"/>
+          </a:fontRef>
+        </p:style>
+        <p:txBody>
+          <a:bodyPr rtlCol="0" anchor="ctr"/>
+          <a:lstStyle/>
+          <a:p>
+            <a:pPr algn="ctr"/>
+            <a:endParaRPr kumimoji="1" lang="ja-JP" altLang="en-US"/>
+          </a:p>
+        </p:txBody>
+      </p:sp>
+      <p:sp>
+        <p:nvSpPr>
+          <p:cNvPr id="16" name="テキスト ボックス 15">
+            <a:extLst>
+              <a:ext uri="{FF2B5EF4-FFF2-40B4-BE49-F238E27FC236}">
+                <a16:creationId xmlns:a16="http://schemas.microsoft.com/office/drawing/2014/main" id="{299C9608-51E6-4FA1-BB76-1B9124FD46D4}"/>
+              </a:ext>
+            </a:extLst>
+          </p:cNvPr>
+          <p:cNvSpPr txBox="1"/>
+          <p:nvPr/>
+        </p:nvSpPr>
+        <p:spPr>
+          <a:xfrm>
+            <a:off x="3851920" y="2636912"/>
+            <a:ext cx="1183529" cy="461665"/>
+          </a:xfrm>
+          <a:prstGeom prst="rect">
+            <a:avLst/>
+          </a:prstGeom>
+          <a:noFill/>
+        </p:spPr>
+        <p:txBody>
+          <a:bodyPr wrap="none" rtlCol="0">
+            <a:spAutoFit/>
+          </a:bodyPr>
+          <a:lstStyle/>
+          <a:p>
+            <a:r>
+              <a:rPr kumimoji="1" lang="en-US" altLang="ja-JP" sz="2400" dirty="0" err="1"/>
+              <a:t>git</a:t>
+            </a:r>
+            <a:r>
+              <a:rPr kumimoji="1" lang="en-US" altLang="ja-JP" sz="2400" dirty="0"/>
+              <a:t> fetch</a:t>
+            </a:r>
+            <a:endParaRPr kumimoji="1" lang="ja-JP" altLang="en-US" sz="2400" dirty="0"/>
+          </a:p>
+        </p:txBody>
+      </p:sp>
+      <p:sp>
+        <p:nvSpPr>
+          <p:cNvPr id="17" name="テキスト ボックス 16">
+            <a:extLst>
+              <a:ext uri="{FF2B5EF4-FFF2-40B4-BE49-F238E27FC236}">
+                <a16:creationId xmlns:a16="http://schemas.microsoft.com/office/drawing/2014/main" id="{94B6BE1F-CC99-41B0-BF61-B3D53371B338}"/>
+              </a:ext>
+            </a:extLst>
+          </p:cNvPr>
+          <p:cNvSpPr txBox="1"/>
+          <p:nvPr/>
+        </p:nvSpPr>
+        <p:spPr>
+          <a:xfrm>
+            <a:off x="539552" y="1959223"/>
+            <a:ext cx="2954655" cy="461665"/>
+          </a:xfrm>
+          <a:prstGeom prst="rect">
+            <a:avLst/>
+          </a:prstGeom>
+          <a:noFill/>
+        </p:spPr>
+        <p:txBody>
+          <a:bodyPr wrap="none" rtlCol="0">
+            <a:spAutoFit/>
+          </a:bodyPr>
+          <a:lstStyle/>
+          <a:p>
+            <a:r>
+              <a:rPr kumimoji="1" lang="ja-JP" altLang="en-US" sz="2400" dirty="0"/>
+              <a:t>ローカルリポジトリ</a:t>
+            </a:r>
+          </a:p>
+        </p:txBody>
+      </p:sp>
+      <p:sp>
+        <p:nvSpPr>
+          <p:cNvPr id="18" name="テキスト ボックス 17">
+            <a:extLst>
+              <a:ext uri="{FF2B5EF4-FFF2-40B4-BE49-F238E27FC236}">
+                <a16:creationId xmlns:a16="http://schemas.microsoft.com/office/drawing/2014/main" id="{54680DFD-3CB4-4032-B607-8BBA038FCBE7}"/>
+              </a:ext>
+            </a:extLst>
+          </p:cNvPr>
+          <p:cNvSpPr txBox="1"/>
+          <p:nvPr/>
+        </p:nvSpPr>
+        <p:spPr>
+          <a:xfrm>
+            <a:off x="5508104" y="1988840"/>
+            <a:ext cx="2954655" cy="461665"/>
+          </a:xfrm>
+          <a:prstGeom prst="rect">
+            <a:avLst/>
+          </a:prstGeom>
+          <a:noFill/>
+        </p:spPr>
+        <p:txBody>
+          <a:bodyPr wrap="none" rtlCol="0">
+            <a:spAutoFit/>
+          </a:bodyPr>
+          <a:lstStyle/>
+          <a:p>
+            <a:r>
+              <a:rPr kumimoji="1" lang="ja-JP" altLang="en-US" sz="2400" dirty="0"/>
+              <a:t>リモートリポジトリ</a:t>
+            </a:r>
+          </a:p>
+        </p:txBody>
+      </p:sp>
+      <p:sp>
+        <p:nvSpPr>
+          <p:cNvPr id="19" name="テキスト ボックス 18">
+            <a:extLst>
+              <a:ext uri="{FF2B5EF4-FFF2-40B4-BE49-F238E27FC236}">
+                <a16:creationId xmlns:a16="http://schemas.microsoft.com/office/drawing/2014/main" id="{AF4A4E2E-1C8A-4825-95ED-0D3857409C18}"/>
+              </a:ext>
+            </a:extLst>
+          </p:cNvPr>
+          <p:cNvSpPr txBox="1"/>
+          <p:nvPr/>
+        </p:nvSpPr>
+        <p:spPr>
+          <a:xfrm>
+            <a:off x="395536" y="1196752"/>
+            <a:ext cx="7879080" cy="461665"/>
+          </a:xfrm>
+          <a:prstGeom prst="rect">
+            <a:avLst/>
+          </a:prstGeom>
+          <a:noFill/>
+        </p:spPr>
+        <p:txBody>
+          <a:bodyPr wrap="none" rtlCol="0">
+            <a:spAutoFit/>
+          </a:bodyPr>
+          <a:lstStyle/>
+          <a:p>
+            <a:r>
+              <a:rPr lang="ja-JP" altLang="en-US" sz="2400" dirty="0"/>
+              <a:t>リモートで変更された「歴史」をローカルに取ってくる</a:t>
+            </a:r>
+            <a:endParaRPr kumimoji="1" lang="ja-JP" altLang="en-US" sz="2400" dirty="0"/>
+          </a:p>
+        </p:txBody>
+      </p:sp>
+      <p:sp>
+        <p:nvSpPr>
+          <p:cNvPr id="20" name="角丸四角形 21">
+            <a:extLst>
+              <a:ext uri="{FF2B5EF4-FFF2-40B4-BE49-F238E27FC236}">
+                <a16:creationId xmlns:a16="http://schemas.microsoft.com/office/drawing/2014/main" id="{4C87FE44-DED2-45DE-92B7-08968153FA0F}"/>
+              </a:ext>
+            </a:extLst>
+          </p:cNvPr>
+          <p:cNvSpPr/>
+          <p:nvPr/>
+        </p:nvSpPr>
+        <p:spPr>
+          <a:xfrm>
+            <a:off x="5220072" y="5229200"/>
+            <a:ext cx="3312368" cy="1152128"/>
+          </a:xfrm>
+          <a:prstGeom prst="roundRect">
+            <a:avLst/>
+          </a:prstGeom>
+          <a:noFill/>
+          <a:ln w="28575">
+            <a:solidFill>
+              <a:schemeClr val="tx1"/>
+            </a:solidFill>
+            <a:prstDash val="dash"/>
+          </a:ln>
+        </p:spPr>
+        <p:style>
+          <a:lnRef idx="2">
+            <a:schemeClr val="accent1">
+              <a:shade val="50000"/>
+            </a:schemeClr>
+          </a:lnRef>
+          <a:fillRef idx="1">
+            <a:schemeClr val="accent1"/>
+          </a:fillRef>
+          <a:effectRef idx="0">
+            <a:schemeClr val="accent1"/>
+          </a:effectRef>
+          <a:fontRef idx="minor">
+            <a:schemeClr val="lt1"/>
+          </a:fontRef>
+        </p:style>
+        <p:txBody>
+          <a:bodyPr rtlCol="0" anchor="ctr"/>
+          <a:lstStyle/>
+          <a:p>
+            <a:pPr algn="ctr"/>
+            <a:endParaRPr kumimoji="1" lang="ja-JP" altLang="en-US"/>
+          </a:p>
+        </p:txBody>
+      </p:sp>
+      <p:sp>
+        <p:nvSpPr>
+          <p:cNvPr id="21" name="角丸四角形 22">
+            <a:extLst>
+              <a:ext uri="{FF2B5EF4-FFF2-40B4-BE49-F238E27FC236}">
+                <a16:creationId xmlns:a16="http://schemas.microsoft.com/office/drawing/2014/main" id="{AFE91524-00BC-496E-B0BE-494EB68C15C4}"/>
+              </a:ext>
+            </a:extLst>
+          </p:cNvPr>
+          <p:cNvSpPr/>
+          <p:nvPr/>
+        </p:nvSpPr>
+        <p:spPr>
+          <a:xfrm>
+            <a:off x="395536" y="5229200"/>
+            <a:ext cx="3312368" cy="1152128"/>
+          </a:xfrm>
+          <a:prstGeom prst="roundRect">
+            <a:avLst/>
+          </a:prstGeom>
+          <a:noFill/>
+          <a:ln w="28575">
+            <a:solidFill>
+              <a:schemeClr val="tx1"/>
+            </a:solidFill>
+            <a:prstDash val="dash"/>
+          </a:ln>
+        </p:spPr>
+        <p:style>
+          <a:lnRef idx="2">
+            <a:schemeClr val="accent1">
+              <a:shade val="50000"/>
+            </a:schemeClr>
+          </a:lnRef>
+          <a:fillRef idx="1">
+            <a:schemeClr val="accent1"/>
+          </a:fillRef>
+          <a:effectRef idx="0">
+            <a:schemeClr val="accent1"/>
+          </a:effectRef>
+          <a:fontRef idx="minor">
+            <a:schemeClr val="lt1"/>
+          </a:fontRef>
+        </p:style>
+        <p:txBody>
+          <a:bodyPr rtlCol="0" anchor="ctr"/>
+          <a:lstStyle/>
+          <a:p>
+            <a:pPr algn="ctr"/>
+            <a:endParaRPr kumimoji="1" lang="ja-JP" altLang="en-US"/>
+          </a:p>
+        </p:txBody>
+      </p:sp>
+      <p:sp>
+        <p:nvSpPr>
+          <p:cNvPr id="22" name="楕円 21">
+            <a:extLst>
+              <a:ext uri="{FF2B5EF4-FFF2-40B4-BE49-F238E27FC236}">
+                <a16:creationId xmlns:a16="http://schemas.microsoft.com/office/drawing/2014/main" id="{3F02DB14-6242-409D-A2D5-D2175FD24ADF}"/>
+              </a:ext>
+            </a:extLst>
+          </p:cNvPr>
+          <p:cNvSpPr/>
+          <p:nvPr/>
+        </p:nvSpPr>
+        <p:spPr>
+          <a:xfrm>
+            <a:off x="611560" y="5661248"/>
+            <a:ext cx="288032" cy="288032"/>
+          </a:xfrm>
+          <a:prstGeom prst="ellipse">
+            <a:avLst/>
+          </a:prstGeom>
+          <a:solidFill>
+            <a:srgbClr val="011893"/>
+          </a:solidFill>
+          <a:ln>
+            <a:solidFill>
+              <a:schemeClr val="tx1"/>
+            </a:solidFill>
+          </a:ln>
+        </p:spPr>
+        <p:style>
+          <a:lnRef idx="2">
+            <a:schemeClr val="accent1">
+              <a:shade val="50000"/>
+            </a:schemeClr>
+          </a:lnRef>
+          <a:fillRef idx="1">
+            <a:schemeClr val="accent1"/>
+          </a:fillRef>
+          <a:effectRef idx="0">
+            <a:schemeClr val="accent1"/>
+          </a:effectRef>
+          <a:fontRef idx="minor">
+            <a:schemeClr val="lt1"/>
+          </a:fontRef>
+        </p:style>
+        <p:txBody>
+          <a:bodyPr rtlCol="0" anchor="ctr"/>
+          <a:lstStyle/>
+          <a:p>
+            <a:pPr algn="ctr"/>
+            <a:endParaRPr kumimoji="1" lang="ja-JP" altLang="en-US"/>
+          </a:p>
+        </p:txBody>
+      </p:sp>
+      <p:cxnSp>
+        <p:nvCxnSpPr>
+          <p:cNvPr id="23" name="直線コネクタ 22">
+            <a:extLst>
+              <a:ext uri="{FF2B5EF4-FFF2-40B4-BE49-F238E27FC236}">
+                <a16:creationId xmlns:a16="http://schemas.microsoft.com/office/drawing/2014/main" id="{DAF40BAA-078C-4A3E-8280-6BC86F1FBB3D}"/>
+              </a:ext>
+            </a:extLst>
+          </p:cNvPr>
+          <p:cNvCxnSpPr>
+            <a:stCxn id="22" idx="6"/>
+            <a:endCxn id="24" idx="2"/>
+          </p:cNvCxnSpPr>
+          <p:nvPr/>
+        </p:nvCxnSpPr>
+        <p:spPr>
+          <a:xfrm>
+            <a:off x="899592" y="5805264"/>
+            <a:ext cx="432048" cy="0"/>
+          </a:xfrm>
+          <a:prstGeom prst="line">
+            <a:avLst/>
+          </a:prstGeom>
+          <a:ln w="57150">
+            <a:solidFill>
+              <a:schemeClr val="tx1"/>
+            </a:solidFill>
+            <a:headEnd type="none" w="med" len="med"/>
+            <a:tailEnd type="none" w="med" len="med"/>
+          </a:ln>
+        </p:spPr>
+        <p:style>
+          <a:lnRef idx="1">
+            <a:schemeClr val="accent1"/>
+          </a:lnRef>
+          <a:fillRef idx="0">
+            <a:schemeClr val="accent1"/>
+          </a:fillRef>
+          <a:effectRef idx="0">
+            <a:schemeClr val="accent1"/>
+          </a:effectRef>
+          <a:fontRef idx="minor">
+            <a:schemeClr val="tx1"/>
+          </a:fontRef>
+        </p:style>
+      </p:cxnSp>
+      <p:sp>
+        <p:nvSpPr>
+          <p:cNvPr id="24" name="楕円 23">
+            <a:extLst>
+              <a:ext uri="{FF2B5EF4-FFF2-40B4-BE49-F238E27FC236}">
+                <a16:creationId xmlns:a16="http://schemas.microsoft.com/office/drawing/2014/main" id="{B1E0AD11-6EEA-42FC-840D-D954AAAE19EC}"/>
+              </a:ext>
+            </a:extLst>
+          </p:cNvPr>
+          <p:cNvSpPr/>
+          <p:nvPr/>
+        </p:nvSpPr>
+        <p:spPr>
+          <a:xfrm>
+            <a:off x="1331640" y="5661248"/>
+            <a:ext cx="288032" cy="288032"/>
+          </a:xfrm>
+          <a:prstGeom prst="ellipse">
+            <a:avLst/>
+          </a:prstGeom>
+          <a:solidFill>
+            <a:srgbClr val="011893"/>
+          </a:solidFill>
+          <a:ln>
+            <a:solidFill>
+              <a:schemeClr val="tx1"/>
+            </a:solidFill>
+          </a:ln>
+        </p:spPr>
+        <p:style>
+          <a:lnRef idx="2">
+            <a:schemeClr val="accent1">
+              <a:shade val="50000"/>
+            </a:schemeClr>
+          </a:lnRef>
+          <a:fillRef idx="1">
+            <a:schemeClr val="accent1"/>
+          </a:fillRef>
+          <a:effectRef idx="0">
+            <a:schemeClr val="accent1"/>
+          </a:effectRef>
+          <a:fontRef idx="minor">
+            <a:schemeClr val="lt1"/>
+          </a:fontRef>
+        </p:style>
+        <p:txBody>
+          <a:bodyPr rtlCol="0" anchor="ctr"/>
+          <a:lstStyle/>
+          <a:p>
+            <a:pPr algn="ctr"/>
+            <a:endParaRPr kumimoji="1" lang="ja-JP" altLang="en-US"/>
+          </a:p>
+        </p:txBody>
+      </p:sp>
+      <p:cxnSp>
+        <p:nvCxnSpPr>
+          <p:cNvPr id="25" name="直線コネクタ 24">
+            <a:extLst>
+              <a:ext uri="{FF2B5EF4-FFF2-40B4-BE49-F238E27FC236}">
+                <a16:creationId xmlns:a16="http://schemas.microsoft.com/office/drawing/2014/main" id="{C280F9E4-4EB9-4F64-BB6B-40ACA800041A}"/>
+              </a:ext>
+            </a:extLst>
+          </p:cNvPr>
+          <p:cNvCxnSpPr>
+            <a:endCxn id="26" idx="2"/>
+          </p:cNvCxnSpPr>
+          <p:nvPr/>
+        </p:nvCxnSpPr>
+        <p:spPr>
+          <a:xfrm>
+            <a:off x="1619672" y="5805264"/>
+            <a:ext cx="432048" cy="0"/>
+          </a:xfrm>
+          <a:prstGeom prst="line">
+            <a:avLst/>
+          </a:prstGeom>
+          <a:ln w="57150">
+            <a:solidFill>
+              <a:schemeClr val="tx1"/>
+            </a:solidFill>
+            <a:headEnd type="none" w="med" len="med"/>
+            <a:tailEnd type="none" w="med" len="med"/>
+          </a:ln>
+        </p:spPr>
+        <p:style>
+          <a:lnRef idx="1">
+            <a:schemeClr val="accent1"/>
+          </a:lnRef>
+          <a:fillRef idx="0">
+            <a:schemeClr val="accent1"/>
+          </a:fillRef>
+          <a:effectRef idx="0">
+            <a:schemeClr val="accent1"/>
+          </a:effectRef>
+          <a:fontRef idx="minor">
+            <a:schemeClr val="tx1"/>
+          </a:fontRef>
+        </p:style>
+      </p:cxnSp>
+      <p:sp>
+        <p:nvSpPr>
+          <p:cNvPr id="26" name="楕円 25">
+            <a:extLst>
+              <a:ext uri="{FF2B5EF4-FFF2-40B4-BE49-F238E27FC236}">
+                <a16:creationId xmlns:a16="http://schemas.microsoft.com/office/drawing/2014/main" id="{7DBC67F3-6439-41B3-9138-3A4101A0441E}"/>
+              </a:ext>
+            </a:extLst>
+          </p:cNvPr>
+          <p:cNvSpPr/>
+          <p:nvPr/>
+        </p:nvSpPr>
+        <p:spPr>
+          <a:xfrm>
+            <a:off x="2051720" y="5661248"/>
+            <a:ext cx="288032" cy="288032"/>
+          </a:xfrm>
+          <a:prstGeom prst="ellipse">
+            <a:avLst/>
+          </a:prstGeom>
+          <a:solidFill>
+            <a:srgbClr val="011893"/>
+          </a:solidFill>
+          <a:ln>
+            <a:solidFill>
+              <a:schemeClr val="tx1"/>
+            </a:solidFill>
+          </a:ln>
+        </p:spPr>
+        <p:style>
+          <a:lnRef idx="2">
+            <a:schemeClr val="accent1">
+              <a:shade val="50000"/>
+            </a:schemeClr>
+          </a:lnRef>
+          <a:fillRef idx="1">
+            <a:schemeClr val="accent1"/>
+          </a:fillRef>
+          <a:effectRef idx="0">
+            <a:schemeClr val="accent1"/>
+          </a:effectRef>
+          <a:fontRef idx="minor">
+            <a:schemeClr val="lt1"/>
+          </a:fontRef>
+        </p:style>
+        <p:txBody>
+          <a:bodyPr rtlCol="0" anchor="ctr"/>
+          <a:lstStyle/>
+          <a:p>
+            <a:pPr algn="ctr"/>
+            <a:endParaRPr kumimoji="1" lang="ja-JP" altLang="en-US"/>
+          </a:p>
+        </p:txBody>
+      </p:sp>
+      <p:sp>
+        <p:nvSpPr>
+          <p:cNvPr id="27" name="楕円 26">
+            <a:extLst>
+              <a:ext uri="{FF2B5EF4-FFF2-40B4-BE49-F238E27FC236}">
+                <a16:creationId xmlns:a16="http://schemas.microsoft.com/office/drawing/2014/main" id="{3695F14E-8E14-46A1-B64D-0FB609B15330}"/>
+              </a:ext>
+            </a:extLst>
+          </p:cNvPr>
+          <p:cNvSpPr/>
+          <p:nvPr/>
+        </p:nvSpPr>
+        <p:spPr>
+          <a:xfrm>
+            <a:off x="5436096" y="5661248"/>
+            <a:ext cx="288032" cy="288032"/>
+          </a:xfrm>
+          <a:prstGeom prst="ellipse">
+            <a:avLst/>
+          </a:prstGeom>
+          <a:solidFill>
+            <a:srgbClr val="011893"/>
+          </a:solidFill>
+          <a:ln>
+            <a:solidFill>
+              <a:schemeClr val="tx1"/>
+            </a:solidFill>
+          </a:ln>
+        </p:spPr>
+        <p:style>
+          <a:lnRef idx="2">
+            <a:schemeClr val="accent1">
+              <a:shade val="50000"/>
+            </a:schemeClr>
+          </a:lnRef>
+          <a:fillRef idx="1">
+            <a:schemeClr val="accent1"/>
+          </a:fillRef>
+          <a:effectRef idx="0">
+            <a:schemeClr val="accent1"/>
+          </a:effectRef>
+          <a:fontRef idx="minor">
+            <a:schemeClr val="lt1"/>
+          </a:fontRef>
+        </p:style>
+        <p:txBody>
+          <a:bodyPr rtlCol="0" anchor="ctr"/>
+          <a:lstStyle/>
+          <a:p>
+            <a:pPr algn="ctr"/>
+            <a:endParaRPr kumimoji="1" lang="ja-JP" altLang="en-US"/>
+          </a:p>
+        </p:txBody>
+      </p:sp>
+      <p:cxnSp>
+        <p:nvCxnSpPr>
+          <p:cNvPr id="28" name="直線コネクタ 27">
+            <a:extLst>
+              <a:ext uri="{FF2B5EF4-FFF2-40B4-BE49-F238E27FC236}">
+                <a16:creationId xmlns:a16="http://schemas.microsoft.com/office/drawing/2014/main" id="{10D800E8-4DB5-402F-993F-BA40255825EC}"/>
+              </a:ext>
+            </a:extLst>
+          </p:cNvPr>
+          <p:cNvCxnSpPr>
+            <a:stCxn id="27" idx="6"/>
+            <a:endCxn id="29" idx="2"/>
+          </p:cNvCxnSpPr>
+          <p:nvPr/>
+        </p:nvCxnSpPr>
+        <p:spPr>
+          <a:xfrm>
+            <a:off x="5724128" y="5805264"/>
+            <a:ext cx="432048" cy="0"/>
+          </a:xfrm>
+          <a:prstGeom prst="line">
+            <a:avLst/>
+          </a:prstGeom>
+          <a:ln w="57150">
+            <a:solidFill>
+              <a:schemeClr val="tx1"/>
+            </a:solidFill>
+            <a:headEnd type="none" w="med" len="med"/>
+            <a:tailEnd type="none" w="med" len="med"/>
+          </a:ln>
+        </p:spPr>
+        <p:style>
+          <a:lnRef idx="1">
+            <a:schemeClr val="accent1"/>
+          </a:lnRef>
+          <a:fillRef idx="0">
+            <a:schemeClr val="accent1"/>
+          </a:fillRef>
+          <a:effectRef idx="0">
+            <a:schemeClr val="accent1"/>
+          </a:effectRef>
+          <a:fontRef idx="minor">
+            <a:schemeClr val="tx1"/>
+          </a:fontRef>
+        </p:style>
+      </p:cxnSp>
+      <p:sp>
+        <p:nvSpPr>
+          <p:cNvPr id="29" name="楕円 28">
+            <a:extLst>
+              <a:ext uri="{FF2B5EF4-FFF2-40B4-BE49-F238E27FC236}">
+                <a16:creationId xmlns:a16="http://schemas.microsoft.com/office/drawing/2014/main" id="{60D37211-1C88-4C61-A881-A093C40477D2}"/>
+              </a:ext>
+            </a:extLst>
+          </p:cNvPr>
+          <p:cNvSpPr/>
+          <p:nvPr/>
+        </p:nvSpPr>
+        <p:spPr>
+          <a:xfrm>
+            <a:off x="6156176" y="5661248"/>
+            <a:ext cx="288032" cy="288032"/>
+          </a:xfrm>
+          <a:prstGeom prst="ellipse">
+            <a:avLst/>
+          </a:prstGeom>
+          <a:solidFill>
+            <a:srgbClr val="011893"/>
+          </a:solidFill>
+          <a:ln>
+            <a:solidFill>
+              <a:schemeClr val="tx1"/>
+            </a:solidFill>
+          </a:ln>
+        </p:spPr>
+        <p:style>
+          <a:lnRef idx="2">
+            <a:schemeClr val="accent1">
+              <a:shade val="50000"/>
+            </a:schemeClr>
+          </a:lnRef>
+          <a:fillRef idx="1">
+            <a:schemeClr val="accent1"/>
+          </a:fillRef>
+          <a:effectRef idx="0">
+            <a:schemeClr val="accent1"/>
+          </a:effectRef>
+          <a:fontRef idx="minor">
+            <a:schemeClr val="lt1"/>
+          </a:fontRef>
+        </p:style>
+        <p:txBody>
+          <a:bodyPr rtlCol="0" anchor="ctr"/>
+          <a:lstStyle/>
+          <a:p>
+            <a:pPr algn="ctr"/>
+            <a:endParaRPr kumimoji="1" lang="ja-JP" altLang="en-US"/>
+          </a:p>
+        </p:txBody>
+      </p:sp>
+      <p:cxnSp>
+        <p:nvCxnSpPr>
+          <p:cNvPr id="30" name="直線コネクタ 29">
+            <a:extLst>
+              <a:ext uri="{FF2B5EF4-FFF2-40B4-BE49-F238E27FC236}">
+                <a16:creationId xmlns:a16="http://schemas.microsoft.com/office/drawing/2014/main" id="{9A21F5B2-2744-4EB5-8350-379EEF27F089}"/>
+              </a:ext>
+            </a:extLst>
+          </p:cNvPr>
+          <p:cNvCxnSpPr>
+            <a:endCxn id="31" idx="2"/>
+          </p:cNvCxnSpPr>
+          <p:nvPr/>
+        </p:nvCxnSpPr>
+        <p:spPr>
+          <a:xfrm>
+            <a:off x="6444208" y="5805264"/>
+            <a:ext cx="432048" cy="0"/>
+          </a:xfrm>
+          <a:prstGeom prst="line">
+            <a:avLst/>
+          </a:prstGeom>
+          <a:ln w="57150">
+            <a:solidFill>
+              <a:schemeClr val="tx1"/>
+            </a:solidFill>
+            <a:headEnd type="none" w="med" len="med"/>
+            <a:tailEnd type="none" w="med" len="med"/>
+          </a:ln>
+        </p:spPr>
+        <p:style>
+          <a:lnRef idx="1">
+            <a:schemeClr val="accent1"/>
+          </a:lnRef>
+          <a:fillRef idx="0">
+            <a:schemeClr val="accent1"/>
+          </a:fillRef>
+          <a:effectRef idx="0">
+            <a:schemeClr val="accent1"/>
+          </a:effectRef>
+          <a:fontRef idx="minor">
+            <a:schemeClr val="tx1"/>
+          </a:fontRef>
+        </p:style>
+      </p:cxnSp>
+      <p:sp>
+        <p:nvSpPr>
+          <p:cNvPr id="31" name="楕円 30">
+            <a:extLst>
+              <a:ext uri="{FF2B5EF4-FFF2-40B4-BE49-F238E27FC236}">
+                <a16:creationId xmlns:a16="http://schemas.microsoft.com/office/drawing/2014/main" id="{986D9AFC-B00D-4F9D-A611-EDB7B58FC451}"/>
+              </a:ext>
+            </a:extLst>
+          </p:cNvPr>
+          <p:cNvSpPr/>
+          <p:nvPr/>
+        </p:nvSpPr>
+        <p:spPr>
+          <a:xfrm>
+            <a:off x="6876256" y="5661248"/>
+            <a:ext cx="288032" cy="288032"/>
+          </a:xfrm>
+          <a:prstGeom prst="ellipse">
+            <a:avLst/>
+          </a:prstGeom>
+          <a:solidFill>
+            <a:srgbClr val="011893"/>
+          </a:solidFill>
+          <a:ln>
+            <a:solidFill>
+              <a:schemeClr val="tx1"/>
+            </a:solidFill>
+          </a:ln>
+        </p:spPr>
+        <p:style>
+          <a:lnRef idx="2">
+            <a:schemeClr val="accent1">
+              <a:shade val="50000"/>
+            </a:schemeClr>
+          </a:lnRef>
+          <a:fillRef idx="1">
+            <a:schemeClr val="accent1"/>
+          </a:fillRef>
+          <a:effectRef idx="0">
+            <a:schemeClr val="accent1"/>
+          </a:effectRef>
+          <a:fontRef idx="minor">
+            <a:schemeClr val="lt1"/>
+          </a:fontRef>
+        </p:style>
+        <p:txBody>
+          <a:bodyPr rtlCol="0" anchor="ctr"/>
+          <a:lstStyle/>
+          <a:p>
+            <a:pPr algn="ctr"/>
+            <a:endParaRPr kumimoji="1" lang="ja-JP" altLang="en-US"/>
+          </a:p>
+        </p:txBody>
+      </p:sp>
+      <p:cxnSp>
+        <p:nvCxnSpPr>
+          <p:cNvPr id="32" name="直線コネクタ 31">
+            <a:extLst>
+              <a:ext uri="{FF2B5EF4-FFF2-40B4-BE49-F238E27FC236}">
+                <a16:creationId xmlns:a16="http://schemas.microsoft.com/office/drawing/2014/main" id="{72C64E88-9A16-443C-858E-589650D3CF65}"/>
+              </a:ext>
+            </a:extLst>
+          </p:cNvPr>
+          <p:cNvCxnSpPr>
+            <a:endCxn id="33" idx="2"/>
+          </p:cNvCxnSpPr>
+          <p:nvPr/>
+        </p:nvCxnSpPr>
+        <p:spPr>
+          <a:xfrm>
+            <a:off x="7164288" y="5805264"/>
+            <a:ext cx="432048" cy="0"/>
+          </a:xfrm>
+          <a:prstGeom prst="line">
+            <a:avLst/>
+          </a:prstGeom>
+          <a:ln w="57150">
+            <a:solidFill>
+              <a:srgbClr val="FF0000"/>
+            </a:solidFill>
+            <a:headEnd type="none" w="med" len="med"/>
+            <a:tailEnd type="none" w="med" len="med"/>
+          </a:ln>
+        </p:spPr>
+        <p:style>
+          <a:lnRef idx="1">
+            <a:schemeClr val="accent1"/>
+          </a:lnRef>
+          <a:fillRef idx="0">
+            <a:schemeClr val="accent1"/>
+          </a:fillRef>
+          <a:effectRef idx="0">
+            <a:schemeClr val="accent1"/>
+          </a:effectRef>
+          <a:fontRef idx="minor">
+            <a:schemeClr val="tx1"/>
+          </a:fontRef>
+        </p:style>
+      </p:cxnSp>
+      <p:sp>
+        <p:nvSpPr>
+          <p:cNvPr id="33" name="楕円 32">
+            <a:extLst>
+              <a:ext uri="{FF2B5EF4-FFF2-40B4-BE49-F238E27FC236}">
+                <a16:creationId xmlns:a16="http://schemas.microsoft.com/office/drawing/2014/main" id="{2A5FEFF7-14F7-4386-8CE1-067F92F0E06E}"/>
+              </a:ext>
+            </a:extLst>
+          </p:cNvPr>
+          <p:cNvSpPr/>
+          <p:nvPr/>
+        </p:nvSpPr>
+        <p:spPr>
+          <a:xfrm>
+            <a:off x="7596336" y="5661248"/>
+            <a:ext cx="288032" cy="288032"/>
+          </a:xfrm>
+          <a:prstGeom prst="ellipse">
+            <a:avLst/>
+          </a:prstGeom>
+          <a:solidFill>
+            <a:srgbClr val="FF0000"/>
+          </a:solidFill>
+          <a:ln>
+            <a:solidFill>
+              <a:srgbClr val="FF0000"/>
+            </a:solidFill>
+          </a:ln>
+        </p:spPr>
+        <p:style>
+          <a:lnRef idx="2">
+            <a:schemeClr val="accent1">
+              <a:shade val="50000"/>
+            </a:schemeClr>
+          </a:lnRef>
+          <a:fillRef idx="1">
+            <a:schemeClr val="accent1"/>
+          </a:fillRef>
+          <a:effectRef idx="0">
+            <a:schemeClr val="accent1"/>
+          </a:effectRef>
+          <a:fontRef idx="minor">
+            <a:schemeClr val="lt1"/>
+          </a:fontRef>
+        </p:style>
+        <p:txBody>
+          <a:bodyPr rtlCol="0" anchor="ctr"/>
+          <a:lstStyle/>
+          <a:p>
+            <a:pPr algn="ctr"/>
+            <a:endParaRPr kumimoji="1" lang="ja-JP" altLang="en-US"/>
+          </a:p>
+        </p:txBody>
+      </p:sp>
+      <p:sp>
+        <p:nvSpPr>
+          <p:cNvPr id="34" name="テキスト ボックス 33">
+            <a:extLst>
+              <a:ext uri="{FF2B5EF4-FFF2-40B4-BE49-F238E27FC236}">
+                <a16:creationId xmlns:a16="http://schemas.microsoft.com/office/drawing/2014/main" id="{F21D25FE-5BED-4E9B-90B3-636031DAAE2B}"/>
+              </a:ext>
+            </a:extLst>
+          </p:cNvPr>
+          <p:cNvSpPr txBox="1"/>
+          <p:nvPr/>
+        </p:nvSpPr>
+        <p:spPr>
+          <a:xfrm>
+            <a:off x="611560" y="4551511"/>
+            <a:ext cx="2954655" cy="461665"/>
+          </a:xfrm>
+          <a:prstGeom prst="rect">
+            <a:avLst/>
+          </a:prstGeom>
+          <a:noFill/>
+        </p:spPr>
+        <p:txBody>
+          <a:bodyPr wrap="none" rtlCol="0">
+            <a:spAutoFit/>
+          </a:bodyPr>
+          <a:lstStyle/>
+          <a:p>
+            <a:r>
+              <a:rPr kumimoji="1" lang="ja-JP" altLang="en-US" sz="2400" dirty="0"/>
+              <a:t>ローカルリポジトリ</a:t>
+            </a:r>
+          </a:p>
+        </p:txBody>
+      </p:sp>
+      <p:sp>
+        <p:nvSpPr>
+          <p:cNvPr id="35" name="テキスト ボックス 34">
+            <a:extLst>
+              <a:ext uri="{FF2B5EF4-FFF2-40B4-BE49-F238E27FC236}">
+                <a16:creationId xmlns:a16="http://schemas.microsoft.com/office/drawing/2014/main" id="{C9B92FA2-2F69-4129-A480-AF2405F558CB}"/>
+              </a:ext>
+            </a:extLst>
+          </p:cNvPr>
+          <p:cNvSpPr txBox="1"/>
+          <p:nvPr/>
+        </p:nvSpPr>
+        <p:spPr>
+          <a:xfrm>
+            <a:off x="5580112" y="4581128"/>
+            <a:ext cx="2954655" cy="461665"/>
+          </a:xfrm>
+          <a:prstGeom prst="rect">
+            <a:avLst/>
+          </a:prstGeom>
+          <a:noFill/>
+        </p:spPr>
+        <p:txBody>
+          <a:bodyPr wrap="none" rtlCol="0">
+            <a:spAutoFit/>
+          </a:bodyPr>
+          <a:lstStyle/>
+          <a:p>
+            <a:r>
+              <a:rPr kumimoji="1" lang="ja-JP" altLang="en-US" sz="2400" dirty="0"/>
+              <a:t>リモートリポジトリ</a:t>
+            </a:r>
+          </a:p>
+        </p:txBody>
+      </p:sp>
+      <p:cxnSp>
+        <p:nvCxnSpPr>
+          <p:cNvPr id="36" name="直線コネクタ 35">
+            <a:extLst>
+              <a:ext uri="{FF2B5EF4-FFF2-40B4-BE49-F238E27FC236}">
+                <a16:creationId xmlns:a16="http://schemas.microsoft.com/office/drawing/2014/main" id="{5D0DC340-935B-476A-B5BB-44B22E177695}"/>
+              </a:ext>
+            </a:extLst>
+          </p:cNvPr>
+          <p:cNvCxnSpPr>
+            <a:endCxn id="37" idx="2"/>
+          </p:cNvCxnSpPr>
+          <p:nvPr/>
+        </p:nvCxnSpPr>
+        <p:spPr>
+          <a:xfrm>
+            <a:off x="2339752" y="5805264"/>
+            <a:ext cx="432048" cy="0"/>
+          </a:xfrm>
+          <a:prstGeom prst="line">
+            <a:avLst/>
+          </a:prstGeom>
+          <a:ln w="57150">
+            <a:solidFill>
+              <a:srgbClr val="FF0000"/>
+            </a:solidFill>
+            <a:headEnd type="none" w="med" len="med"/>
+            <a:tailEnd type="none" w="med" len="med"/>
+          </a:ln>
+        </p:spPr>
+        <p:style>
+          <a:lnRef idx="1">
+            <a:schemeClr val="accent1"/>
+          </a:lnRef>
+          <a:fillRef idx="0">
+            <a:schemeClr val="accent1"/>
+          </a:fillRef>
+          <a:effectRef idx="0">
+            <a:schemeClr val="accent1"/>
+          </a:effectRef>
+          <a:fontRef idx="minor">
+            <a:schemeClr val="tx1"/>
+          </a:fontRef>
+        </p:style>
+      </p:cxnSp>
+      <p:sp>
+        <p:nvSpPr>
+          <p:cNvPr id="37" name="楕円 36">
+            <a:extLst>
+              <a:ext uri="{FF2B5EF4-FFF2-40B4-BE49-F238E27FC236}">
+                <a16:creationId xmlns:a16="http://schemas.microsoft.com/office/drawing/2014/main" id="{6DC3BADB-A1D7-444A-A99D-A953DD562096}"/>
+              </a:ext>
+            </a:extLst>
+          </p:cNvPr>
+          <p:cNvSpPr/>
+          <p:nvPr/>
+        </p:nvSpPr>
+        <p:spPr>
+          <a:xfrm>
+            <a:off x="2771800" y="5661248"/>
+            <a:ext cx="288032" cy="288032"/>
+          </a:xfrm>
+          <a:prstGeom prst="ellipse">
+            <a:avLst/>
+          </a:prstGeom>
+          <a:solidFill>
+            <a:srgbClr val="FF0000"/>
+          </a:solidFill>
+          <a:ln>
+            <a:solidFill>
+              <a:srgbClr val="FF0000"/>
+            </a:solidFill>
+          </a:ln>
+        </p:spPr>
+        <p:style>
+          <a:lnRef idx="2">
+            <a:schemeClr val="accent1">
+              <a:shade val="50000"/>
+            </a:schemeClr>
+          </a:lnRef>
+          <a:fillRef idx="1">
+            <a:schemeClr val="accent1"/>
+          </a:fillRef>
+          <a:effectRef idx="0">
+            <a:schemeClr val="accent1"/>
+          </a:effectRef>
+          <a:fontRef idx="minor">
+            <a:schemeClr val="lt1"/>
+          </a:fontRef>
+        </p:style>
+        <p:txBody>
+          <a:bodyPr rtlCol="0" anchor="ctr"/>
+          <a:lstStyle/>
+          <a:p>
+            <a:pPr algn="ctr"/>
+            <a:endParaRPr kumimoji="1" lang="ja-JP" altLang="en-US"/>
+          </a:p>
+        </p:txBody>
+      </p:sp>
+      <p:cxnSp>
+        <p:nvCxnSpPr>
+          <p:cNvPr id="38" name="直線矢印コネクタ 37">
+            <a:extLst>
+              <a:ext uri="{FF2B5EF4-FFF2-40B4-BE49-F238E27FC236}">
+                <a16:creationId xmlns:a16="http://schemas.microsoft.com/office/drawing/2014/main" id="{202CC80B-88F2-4AAA-8563-E99966CC6230}"/>
+              </a:ext>
+            </a:extLst>
+          </p:cNvPr>
+          <p:cNvCxnSpPr/>
+          <p:nvPr/>
+        </p:nvCxnSpPr>
+        <p:spPr>
+          <a:xfrm flipH="1">
+            <a:off x="3923928" y="3140968"/>
+            <a:ext cx="1008112" cy="0"/>
+          </a:xfrm>
+          <a:prstGeom prst="straightConnector1">
+            <a:avLst/>
+          </a:prstGeom>
+          <a:ln>
+            <a:solidFill>
+              <a:schemeClr val="tx1"/>
+            </a:solidFill>
+            <a:headEnd type="none" w="med" len="med"/>
+            <a:tailEnd type="triangle"/>
+          </a:ln>
+        </p:spPr>
+        <p:style>
+          <a:lnRef idx="1">
+            <a:schemeClr val="accent1"/>
+          </a:lnRef>
+          <a:fillRef idx="0">
+            <a:schemeClr val="accent1"/>
+          </a:fillRef>
+          <a:effectRef idx="0">
+            <a:schemeClr val="accent1"/>
+          </a:effectRef>
+          <a:fontRef idx="minor">
+            <a:schemeClr val="tx1"/>
+          </a:fontRef>
+        </p:style>
+      </p:cxnSp>
+      <p:sp>
+        <p:nvSpPr>
+          <p:cNvPr id="39" name="右矢印 43">
+            <a:extLst>
+              <a:ext uri="{FF2B5EF4-FFF2-40B4-BE49-F238E27FC236}">
+                <a16:creationId xmlns:a16="http://schemas.microsoft.com/office/drawing/2014/main" id="{23F59E7C-FA14-4842-BF93-3FBA05727F92}"/>
+              </a:ext>
+            </a:extLst>
+          </p:cNvPr>
+          <p:cNvSpPr/>
+          <p:nvPr/>
+        </p:nvSpPr>
+        <p:spPr>
+          <a:xfrm rot="5400000">
+            <a:off x="4221672" y="4221088"/>
+            <a:ext cx="566352" cy="566352"/>
+          </a:xfrm>
+          <a:prstGeom prst="rightArrow">
+            <a:avLst/>
+          </a:prstGeom>
+          <a:solidFill>
+            <a:srgbClr val="FF0000"/>
+          </a:solidFill>
+          <a:ln>
+            <a:solidFill>
+              <a:schemeClr val="tx1"/>
+            </a:solidFill>
+          </a:ln>
+        </p:spPr>
+        <p:style>
+          <a:lnRef idx="2">
+            <a:schemeClr val="accent1">
+              <a:shade val="50000"/>
+            </a:schemeClr>
+          </a:lnRef>
+          <a:fillRef idx="1">
+            <a:schemeClr val="accent1"/>
+          </a:fillRef>
+          <a:effectRef idx="0">
+            <a:schemeClr val="accent1"/>
+          </a:effectRef>
+          <a:fontRef idx="minor">
+            <a:schemeClr val="lt1"/>
+          </a:fontRef>
+        </p:style>
+        <p:txBody>
+          <a:bodyPr rtlCol="0" anchor="ctr"/>
+          <a:lstStyle/>
+          <a:p>
+            <a:pPr algn="ctr"/>
+            <a:endParaRPr kumimoji="1" lang="ja-JP" altLang="en-US"/>
+          </a:p>
+        </p:txBody>
+      </p:sp>
+      <p:sp>
+        <p:nvSpPr>
+          <p:cNvPr id="40" name="テキスト ボックス 39">
+            <a:extLst>
+              <a:ext uri="{FF2B5EF4-FFF2-40B4-BE49-F238E27FC236}">
+                <a16:creationId xmlns:a16="http://schemas.microsoft.com/office/drawing/2014/main" id="{70DA16B3-9A22-43E0-B677-1F6139DA2EB6}"/>
+              </a:ext>
+            </a:extLst>
+          </p:cNvPr>
+          <p:cNvSpPr txBox="1"/>
+          <p:nvPr/>
+        </p:nvSpPr>
+        <p:spPr>
+          <a:xfrm>
+            <a:off x="3419872" y="476672"/>
+            <a:ext cx="1800200" cy="646331"/>
+          </a:xfrm>
+          <a:prstGeom prst="rect">
+            <a:avLst/>
+          </a:prstGeom>
+          <a:noFill/>
+        </p:spPr>
+        <p:txBody>
+          <a:bodyPr wrap="square">
+            <a:spAutoFit/>
+          </a:bodyPr>
+          <a:lstStyle/>
+          <a:p>
+            <a:r>
+              <a:rPr kumimoji="1" lang="en-US" altLang="ja-JP" sz="3600">
+                <a:solidFill>
+                  <a:srgbClr val="011893"/>
+                </a:solidFill>
+              </a:rPr>
+              <a:t>git fetch</a:t>
+            </a:r>
+            <a:endParaRPr kumimoji="1" lang="ja-JP" altLang="en-US" sz="3600" dirty="0">
+              <a:solidFill>
+                <a:srgbClr val="011893"/>
+              </a:solidFill>
+            </a:endParaRPr>
+          </a:p>
+        </p:txBody>
+      </p:sp>
+      <p:pic>
+        <p:nvPicPr>
+          <p:cNvPr id="41" name="Picture 8" descr="パソコンを使う会社員のイラスト（男性・笑顔）">
+            <a:extLst>
+              <a:ext uri="{FF2B5EF4-FFF2-40B4-BE49-F238E27FC236}">
+                <a16:creationId xmlns:a16="http://schemas.microsoft.com/office/drawing/2014/main" id="{D4309C19-5274-457B-B0F2-12D0251D0A7D}"/>
+              </a:ext>
+            </a:extLst>
+          </p:cNvPr>
+          <p:cNvPicPr>
+            <a:picLocks noChangeAspect="1" noChangeArrowheads="1"/>
+          </p:cNvPicPr>
+          <p:nvPr/>
+        </p:nvPicPr>
+        <p:blipFill>
+          <a:blip r:embed="rId2" cstate="print">
+            <a:extLst>
+              <a:ext uri="{28A0092B-C50C-407E-A947-70E740481C1C}">
+                <a14:useLocalDpi xmlns:a14="http://schemas.microsoft.com/office/drawing/2010/main" val="0"/>
+              </a:ext>
+            </a:extLst>
+          </a:blip>
+          <a:srcRect/>
+          <a:stretch>
+            <a:fillRect/>
+          </a:stretch>
+        </p:blipFill>
+        <p:spPr bwMode="auto">
+          <a:xfrm>
+            <a:off x="107504" y="1844824"/>
+            <a:ext cx="472167" cy="685719"/>
+          </a:xfrm>
+          <a:prstGeom prst="rect">
+            <a:avLst/>
+          </a:prstGeom>
+          <a:noFill/>
+          <a:extLst>
+            <a:ext uri="{909E8E84-426E-40DD-AFC4-6F175D3DCCD1}">
+              <a14:hiddenFill xmlns:a14="http://schemas.microsoft.com/office/drawing/2010/main">
+                <a:solidFill>
+                  <a:srgbClr val="FFFFFF"/>
+                </a:solidFill>
+              </a14:hiddenFill>
+            </a:ext>
+          </a:extLst>
+        </p:spPr>
+      </p:pic>
+      <p:pic>
+        <p:nvPicPr>
+          <p:cNvPr id="42" name="Picture 8" descr="パソコンを使う会社員のイラスト（男性・笑顔）">
+            <a:extLst>
+              <a:ext uri="{FF2B5EF4-FFF2-40B4-BE49-F238E27FC236}">
+                <a16:creationId xmlns:a16="http://schemas.microsoft.com/office/drawing/2014/main" id="{A42E551F-7583-4CAD-BC6E-3C9DB76A0883}"/>
+              </a:ext>
+            </a:extLst>
+          </p:cNvPr>
+          <p:cNvPicPr>
+            <a:picLocks noChangeAspect="1" noChangeArrowheads="1"/>
+          </p:cNvPicPr>
+          <p:nvPr/>
+        </p:nvPicPr>
+        <p:blipFill>
+          <a:blip r:embed="rId2" cstate="print">
+            <a:extLst>
+              <a:ext uri="{28A0092B-C50C-407E-A947-70E740481C1C}">
+                <a14:useLocalDpi xmlns:a14="http://schemas.microsoft.com/office/drawing/2010/main" val="0"/>
+              </a:ext>
+            </a:extLst>
+          </a:blip>
+          <a:srcRect/>
+          <a:stretch>
+            <a:fillRect/>
+          </a:stretch>
+        </p:blipFill>
+        <p:spPr bwMode="auto">
+          <a:xfrm>
+            <a:off x="179512" y="4437112"/>
+            <a:ext cx="472167" cy="685719"/>
+          </a:xfrm>
+          <a:prstGeom prst="rect">
+            <a:avLst/>
+          </a:prstGeom>
+          <a:noFill/>
+          <a:extLst>
+            <a:ext uri="{909E8E84-426E-40DD-AFC4-6F175D3DCCD1}">
+              <a14:hiddenFill xmlns:a14="http://schemas.microsoft.com/office/drawing/2010/main">
+                <a:solidFill>
+                  <a:srgbClr val="FFFFFF"/>
+                </a:solidFill>
+              </a14:hiddenFill>
+            </a:ext>
+          </a:extLst>
+        </p:spPr>
+      </p:pic>
+      <p:pic>
+        <p:nvPicPr>
+          <p:cNvPr id="43" name="図 42">
+            <a:extLst>
+              <a:ext uri="{FF2B5EF4-FFF2-40B4-BE49-F238E27FC236}">
+                <a16:creationId xmlns:a16="http://schemas.microsoft.com/office/drawing/2014/main" id="{AF55AA06-81D4-4D12-894C-BDA6FE8B7519}"/>
+              </a:ext>
+            </a:extLst>
+          </p:cNvPr>
+          <p:cNvPicPr>
+            <a:picLocks noChangeAspect="1"/>
+          </p:cNvPicPr>
+          <p:nvPr/>
+        </p:nvPicPr>
+        <p:blipFill>
+          <a:blip r:embed="rId3">
+            <a:extLst>
+              <a:ext uri="{28A0092B-C50C-407E-A947-70E740481C1C}">
+                <a14:useLocalDpi xmlns:a14="http://schemas.microsoft.com/office/drawing/2010/main" val="0"/>
+              </a:ext>
+            </a:extLst>
+          </a:blip>
+          <a:stretch>
+            <a:fillRect/>
+          </a:stretch>
+        </p:blipFill>
+        <p:spPr>
+          <a:xfrm>
+            <a:off x="4860032" y="1916832"/>
+            <a:ext cx="609600" cy="609600"/>
+          </a:xfrm>
+          <a:prstGeom prst="rect">
+            <a:avLst/>
+          </a:prstGeom>
+        </p:spPr>
+      </p:pic>
+      <p:pic>
+        <p:nvPicPr>
+          <p:cNvPr id="44" name="図 43">
+            <a:extLst>
+              <a:ext uri="{FF2B5EF4-FFF2-40B4-BE49-F238E27FC236}">
+                <a16:creationId xmlns:a16="http://schemas.microsoft.com/office/drawing/2014/main" id="{8E357A82-15C4-431F-918E-CA3FA5F53469}"/>
+              </a:ext>
+            </a:extLst>
+          </p:cNvPr>
+          <p:cNvPicPr>
+            <a:picLocks noChangeAspect="1"/>
+          </p:cNvPicPr>
+          <p:nvPr/>
+        </p:nvPicPr>
+        <p:blipFill>
+          <a:blip r:embed="rId3">
+            <a:extLst>
+              <a:ext uri="{28A0092B-C50C-407E-A947-70E740481C1C}">
+                <a14:useLocalDpi xmlns:a14="http://schemas.microsoft.com/office/drawing/2010/main" val="0"/>
+              </a:ext>
+            </a:extLst>
+          </a:blip>
+          <a:stretch>
+            <a:fillRect/>
+          </a:stretch>
+        </p:blipFill>
+        <p:spPr>
+          <a:xfrm>
+            <a:off x="5004048" y="4437112"/>
+            <a:ext cx="609600" cy="609600"/>
+          </a:xfrm>
+          <a:prstGeom prst="rect">
+            <a:avLst/>
+          </a:prstGeom>
+        </p:spPr>
+      </p:pic>
+    </p:spTree>
+    <p:extLst>
+      <p:ext uri="{BB962C8B-B14F-4D97-AF65-F5344CB8AC3E}">
+        <p14:creationId xmlns:p14="http://schemas.microsoft.com/office/powerpoint/2010/main" val="2205634198"/>
+      </p:ext>
+    </p:extLst>
+  </p:cSld>
+  <p:clrMapOvr>
+    <a:masterClrMapping/>
+  </p:clrMapOvr>
+</p:sld>
+</file>
+
+<file path=ppt/slides/slide6.xml><?xml version="1.0" encoding="utf-8"?>
+<p:sld xmlns:a="http://schemas.openxmlformats.org/drawingml/2006/main" xmlns:r="http://schemas.openxmlformats.org/officeDocument/2006/relationships" xmlns:p="http://schemas.openxmlformats.org/presentationml/2006/main">
+  <p:cSld>
+    <p:spTree>
+      <p:nvGrpSpPr>
+        <p:cNvPr id="1" name=""/>
+        <p:cNvGrpSpPr/>
+        <p:nvPr/>
+      </p:nvGrpSpPr>
+      <p:grpSpPr>
+        <a:xfrm>
+          <a:off x="0" y="0"/>
+          <a:ext cx="0" cy="0"/>
+          <a:chOff x="0" y="0"/>
+          <a:chExt cx="0" cy="0"/>
+        </a:xfrm>
+      </p:grpSpPr>
+      <p:sp>
+        <p:nvSpPr>
+          <p:cNvPr id="2" name="楕円 4">
+            <a:extLst>
+              <a:ext uri="{FF2B5EF4-FFF2-40B4-BE49-F238E27FC236}">
+                <a16:creationId xmlns:a16="http://schemas.microsoft.com/office/drawing/2014/main" id="{BF34CD78-2554-40E4-B152-67C6A2610038}"/>
+              </a:ext>
+            </a:extLst>
+          </p:cNvPr>
+          <p:cNvSpPr/>
+          <p:nvPr/>
+        </p:nvSpPr>
+        <p:spPr>
+          <a:xfrm>
+            <a:off x="2123728" y="1196752"/>
+            <a:ext cx="288032" cy="288032"/>
+          </a:xfrm>
+          <a:prstGeom prst="ellipse">
+            <a:avLst/>
+          </a:prstGeom>
+          <a:solidFill>
+            <a:srgbClr val="011893"/>
+          </a:solidFill>
+          <a:ln>
+            <a:solidFill>
+              <a:schemeClr val="tx1"/>
+            </a:solidFill>
+          </a:ln>
+        </p:spPr>
+        <p:style>
+          <a:lnRef idx="2">
+            <a:schemeClr val="accent1">
+              <a:shade val="50000"/>
+            </a:schemeClr>
+          </a:lnRef>
+          <a:fillRef idx="1">
+            <a:schemeClr val="accent1"/>
+          </a:fillRef>
+          <a:effectRef idx="0">
+            <a:schemeClr val="accent1"/>
+          </a:effectRef>
+          <a:fontRef idx="minor">
+            <a:schemeClr val="lt1"/>
+          </a:fontRef>
+        </p:style>
+        <p:txBody>
+          <a:bodyPr rtlCol="0" anchor="ctr"/>
+          <a:lstStyle/>
+          <a:p>
+            <a:pPr algn="ctr"/>
+            <a:endParaRPr kumimoji="1" lang="ja-JP" altLang="en-US"/>
+          </a:p>
+        </p:txBody>
+      </p:sp>
+      <p:sp>
+        <p:nvSpPr>
+          <p:cNvPr id="5" name="楕円 4">
+            <a:extLst>
+              <a:ext uri="{FF2B5EF4-FFF2-40B4-BE49-F238E27FC236}">
+                <a16:creationId xmlns:a16="http://schemas.microsoft.com/office/drawing/2014/main" id="{A12D20EF-055F-46D6-B717-21AB62A9A39F}"/>
+              </a:ext>
+            </a:extLst>
+          </p:cNvPr>
+          <p:cNvSpPr/>
+          <p:nvPr/>
+        </p:nvSpPr>
+        <p:spPr>
+          <a:xfrm>
+            <a:off x="1403648" y="1196752"/>
+            <a:ext cx="288032" cy="288032"/>
+          </a:xfrm>
+          <a:prstGeom prst="ellipse">
+            <a:avLst/>
+          </a:prstGeom>
+          <a:solidFill>
+            <a:srgbClr val="011893"/>
+          </a:solidFill>
+          <a:ln>
+            <a:solidFill>
+              <a:schemeClr val="tx1"/>
+            </a:solidFill>
+          </a:ln>
+        </p:spPr>
+        <p:style>
+          <a:lnRef idx="2">
+            <a:schemeClr val="accent1">
+              <a:shade val="50000"/>
+            </a:schemeClr>
+          </a:lnRef>
+          <a:fillRef idx="1">
+            <a:schemeClr val="accent1"/>
+          </a:fillRef>
+          <a:effectRef idx="0">
+            <a:schemeClr val="accent1"/>
+          </a:effectRef>
+          <a:fontRef idx="minor">
+            <a:schemeClr val="lt1"/>
+          </a:fontRef>
+        </p:style>
+        <p:txBody>
+          <a:bodyPr rtlCol="0" anchor="ctr"/>
+          <a:lstStyle/>
+          <a:p>
+            <a:pPr algn="ctr"/>
+            <a:endParaRPr kumimoji="1" lang="ja-JP" altLang="en-US"/>
+          </a:p>
+        </p:txBody>
+      </p:sp>
+      <p:cxnSp>
+        <p:nvCxnSpPr>
+          <p:cNvPr id="6" name="直線コネクタ 5">
+            <a:extLst>
+              <a:ext uri="{FF2B5EF4-FFF2-40B4-BE49-F238E27FC236}">
+                <a16:creationId xmlns:a16="http://schemas.microsoft.com/office/drawing/2014/main" id="{7B2309C1-41F8-45F9-AB8C-043C7B6C5E80}"/>
+              </a:ext>
+            </a:extLst>
+          </p:cNvPr>
+          <p:cNvCxnSpPr>
+            <a:cxnSpLocks/>
+            <a:stCxn id="5" idx="6"/>
+          </p:cNvCxnSpPr>
+          <p:nvPr/>
+        </p:nvCxnSpPr>
+        <p:spPr>
+          <a:xfrm>
+            <a:off x="1691680" y="1340768"/>
+            <a:ext cx="432048" cy="0"/>
+          </a:xfrm>
+          <a:prstGeom prst="line">
+            <a:avLst/>
+          </a:prstGeom>
+          <a:ln w="57150">
+            <a:solidFill>
+              <a:schemeClr val="tx1"/>
+            </a:solidFill>
+            <a:headEnd type="none" w="med" len="med"/>
+            <a:tailEnd type="none" w="med" len="med"/>
+          </a:ln>
+        </p:spPr>
+        <p:style>
+          <a:lnRef idx="1">
+            <a:schemeClr val="accent1"/>
+          </a:lnRef>
+          <a:fillRef idx="0">
+            <a:schemeClr val="accent1"/>
+          </a:fillRef>
+          <a:effectRef idx="0">
+            <a:schemeClr val="accent1"/>
+          </a:effectRef>
+          <a:fontRef idx="minor">
+            <a:schemeClr val="tx1"/>
+          </a:fontRef>
+        </p:style>
+      </p:cxnSp>
+      <p:sp>
+        <p:nvSpPr>
+          <p:cNvPr id="7" name="楕円 4">
+            <a:extLst>
+              <a:ext uri="{FF2B5EF4-FFF2-40B4-BE49-F238E27FC236}">
+                <a16:creationId xmlns:a16="http://schemas.microsoft.com/office/drawing/2014/main" id="{ADEE1015-37AC-417D-B468-957A0AA26AA8}"/>
+              </a:ext>
+            </a:extLst>
+          </p:cNvPr>
+          <p:cNvSpPr/>
+          <p:nvPr/>
+        </p:nvSpPr>
+        <p:spPr>
+          <a:xfrm>
+            <a:off x="2843808" y="1196752"/>
+            <a:ext cx="288032" cy="288032"/>
+          </a:xfrm>
+          <a:prstGeom prst="ellipse">
+            <a:avLst/>
+          </a:prstGeom>
+          <a:solidFill>
+            <a:srgbClr val="011893"/>
+          </a:solidFill>
+          <a:ln>
+            <a:solidFill>
+              <a:schemeClr val="tx1"/>
+            </a:solidFill>
+          </a:ln>
+        </p:spPr>
+        <p:style>
+          <a:lnRef idx="2">
+            <a:schemeClr val="accent1">
+              <a:shade val="50000"/>
+            </a:schemeClr>
+          </a:lnRef>
+          <a:fillRef idx="1">
+            <a:schemeClr val="accent1"/>
+          </a:fillRef>
+          <a:effectRef idx="0">
+            <a:schemeClr val="accent1"/>
+          </a:effectRef>
+          <a:fontRef idx="minor">
+            <a:schemeClr val="lt1"/>
+          </a:fontRef>
+        </p:style>
+        <p:txBody>
+          <a:bodyPr rtlCol="0" anchor="ctr"/>
+          <a:lstStyle/>
+          <a:p>
+            <a:pPr algn="ctr"/>
+            <a:endParaRPr kumimoji="1" lang="ja-JP" altLang="en-US"/>
+          </a:p>
+        </p:txBody>
+      </p:sp>
+      <p:cxnSp>
+        <p:nvCxnSpPr>
+          <p:cNvPr id="8" name="直線コネクタ 7">
+            <a:extLst>
+              <a:ext uri="{FF2B5EF4-FFF2-40B4-BE49-F238E27FC236}">
+                <a16:creationId xmlns:a16="http://schemas.microsoft.com/office/drawing/2014/main" id="{D0351E0C-DA6A-4083-B788-F8A433256CE0}"/>
+              </a:ext>
+            </a:extLst>
+          </p:cNvPr>
+          <p:cNvCxnSpPr>
+            <a:cxnSpLocks/>
+          </p:cNvCxnSpPr>
+          <p:nvPr/>
+        </p:nvCxnSpPr>
+        <p:spPr>
+          <a:xfrm>
+            <a:off x="2411760" y="1340768"/>
+            <a:ext cx="432048" cy="0"/>
+          </a:xfrm>
+          <a:prstGeom prst="line">
+            <a:avLst/>
+          </a:prstGeom>
+          <a:ln w="57150">
+            <a:solidFill>
+              <a:schemeClr val="tx1"/>
+            </a:solidFill>
+            <a:headEnd type="none" w="med" len="med"/>
+            <a:tailEnd type="none" w="med" len="med"/>
+          </a:ln>
+        </p:spPr>
+        <p:style>
+          <a:lnRef idx="1">
+            <a:schemeClr val="accent1"/>
+          </a:lnRef>
+          <a:fillRef idx="0">
+            <a:schemeClr val="accent1"/>
+          </a:fillRef>
+          <a:effectRef idx="0">
+            <a:schemeClr val="accent1"/>
+          </a:effectRef>
+          <a:fontRef idx="minor">
+            <a:schemeClr val="tx1"/>
+          </a:fontRef>
+        </p:style>
+      </p:cxnSp>
+      <p:sp>
+        <p:nvSpPr>
+          <p:cNvPr id="9" name="楕円 4">
+            <a:extLst>
+              <a:ext uri="{FF2B5EF4-FFF2-40B4-BE49-F238E27FC236}">
+                <a16:creationId xmlns:a16="http://schemas.microsoft.com/office/drawing/2014/main" id="{4278EF51-31E8-4E18-A63F-6B46D2F8EC8A}"/>
+              </a:ext>
+            </a:extLst>
+          </p:cNvPr>
+          <p:cNvSpPr/>
+          <p:nvPr/>
+        </p:nvSpPr>
+        <p:spPr>
+          <a:xfrm>
+            <a:off x="3563888" y="1196752"/>
+            <a:ext cx="288032" cy="288032"/>
+          </a:xfrm>
+          <a:prstGeom prst="ellipse">
+            <a:avLst/>
+          </a:prstGeom>
+          <a:solidFill>
+            <a:srgbClr val="FF0000"/>
+          </a:solidFill>
+          <a:ln>
+            <a:solidFill>
+              <a:schemeClr val="tx1"/>
+            </a:solidFill>
+          </a:ln>
+        </p:spPr>
+        <p:style>
+          <a:lnRef idx="2">
+            <a:schemeClr val="accent1">
+              <a:shade val="50000"/>
+            </a:schemeClr>
+          </a:lnRef>
+          <a:fillRef idx="1">
+            <a:schemeClr val="accent1"/>
+          </a:fillRef>
+          <a:effectRef idx="0">
+            <a:schemeClr val="accent1"/>
+          </a:effectRef>
+          <a:fontRef idx="minor">
+            <a:schemeClr val="lt1"/>
+          </a:fontRef>
+        </p:style>
+        <p:txBody>
+          <a:bodyPr rtlCol="0" anchor="ctr"/>
+          <a:lstStyle/>
+          <a:p>
+            <a:pPr algn="ctr"/>
+            <a:endParaRPr kumimoji="1" lang="ja-JP" altLang="en-US"/>
+          </a:p>
+        </p:txBody>
+      </p:sp>
+      <p:cxnSp>
+        <p:nvCxnSpPr>
+          <p:cNvPr id="10" name="直線コネクタ 9">
+            <a:extLst>
+              <a:ext uri="{FF2B5EF4-FFF2-40B4-BE49-F238E27FC236}">
+                <a16:creationId xmlns:a16="http://schemas.microsoft.com/office/drawing/2014/main" id="{59292FF8-F766-4D18-B43F-5D7066642639}"/>
+              </a:ext>
+            </a:extLst>
+          </p:cNvPr>
+          <p:cNvCxnSpPr>
+            <a:cxnSpLocks/>
+          </p:cNvCxnSpPr>
+          <p:nvPr/>
+        </p:nvCxnSpPr>
+        <p:spPr>
+          <a:xfrm>
+            <a:off x="3131840" y="1340768"/>
+            <a:ext cx="432048" cy="0"/>
+          </a:xfrm>
+          <a:prstGeom prst="line">
+            <a:avLst/>
+          </a:prstGeom>
+          <a:ln w="57150">
+            <a:solidFill>
+              <a:srgbClr val="FF0000"/>
+            </a:solidFill>
+            <a:headEnd type="none" w="med" len="med"/>
+            <a:tailEnd type="none" w="med" len="med"/>
+          </a:ln>
+        </p:spPr>
+        <p:style>
+          <a:lnRef idx="1">
+            <a:schemeClr val="accent1"/>
+          </a:lnRef>
+          <a:fillRef idx="0">
+            <a:schemeClr val="accent1"/>
+          </a:fillRef>
+          <a:effectRef idx="0">
+            <a:schemeClr val="accent1"/>
+          </a:effectRef>
+          <a:fontRef idx="minor">
+            <a:schemeClr val="tx1"/>
+          </a:fontRef>
+        </p:style>
+      </p:cxnSp>
+      <p:sp>
+        <p:nvSpPr>
+          <p:cNvPr id="11" name="四角形: 角を丸くする 10">
+            <a:extLst>
+              <a:ext uri="{FF2B5EF4-FFF2-40B4-BE49-F238E27FC236}">
+                <a16:creationId xmlns:a16="http://schemas.microsoft.com/office/drawing/2014/main" id="{34669E34-3B76-411D-A360-449975053773}"/>
+              </a:ext>
+            </a:extLst>
+          </p:cNvPr>
+          <p:cNvSpPr/>
+          <p:nvPr/>
+        </p:nvSpPr>
+        <p:spPr>
+          <a:xfrm>
+            <a:off x="1043608" y="908720"/>
+            <a:ext cx="3168352" cy="792088"/>
+          </a:xfrm>
+          <a:prstGeom prst="roundRect">
+            <a:avLst/>
+          </a:prstGeom>
+          <a:noFill/>
+          <a:ln w="28575">
+            <a:solidFill>
+              <a:schemeClr val="tx1"/>
+            </a:solidFill>
+            <a:prstDash val="dash"/>
+          </a:ln>
+        </p:spPr>
+        <p:style>
+          <a:lnRef idx="2">
+            <a:schemeClr val="accent1">
+              <a:shade val="50000"/>
+            </a:schemeClr>
+          </a:lnRef>
+          <a:fillRef idx="1">
+            <a:schemeClr val="accent1"/>
+          </a:fillRef>
+          <a:effectRef idx="0">
+            <a:schemeClr val="accent1"/>
+          </a:effectRef>
+          <a:fontRef idx="minor">
+            <a:schemeClr val="lt1"/>
+          </a:fontRef>
+        </p:style>
+        <p:txBody>
+          <a:bodyPr rtlCol="0" anchor="ctr"/>
+          <a:lstStyle/>
+          <a:p>
+            <a:pPr algn="ctr"/>
+            <a:endParaRPr kumimoji="1" lang="ja-JP" altLang="en-US"/>
+          </a:p>
+        </p:txBody>
+      </p:sp>
+      <p:sp>
+        <p:nvSpPr>
+          <p:cNvPr id="12" name="テキスト ボックス 11">
+            <a:extLst>
+              <a:ext uri="{FF2B5EF4-FFF2-40B4-BE49-F238E27FC236}">
+                <a16:creationId xmlns:a16="http://schemas.microsoft.com/office/drawing/2014/main" id="{A4DD003C-DFDC-47FD-ACA8-65E9D6D195DF}"/>
+              </a:ext>
+            </a:extLst>
+          </p:cNvPr>
+          <p:cNvSpPr txBox="1"/>
+          <p:nvPr/>
+        </p:nvSpPr>
+        <p:spPr>
+          <a:xfrm>
+            <a:off x="1403648" y="332656"/>
+            <a:ext cx="2262158" cy="369332"/>
+          </a:xfrm>
+          <a:prstGeom prst="rect">
+            <a:avLst/>
+          </a:prstGeom>
+          <a:noFill/>
+        </p:spPr>
+        <p:txBody>
+          <a:bodyPr wrap="none" rtlCol="0">
+            <a:spAutoFit/>
+          </a:bodyPr>
+          <a:lstStyle/>
+          <a:p>
+            <a:pPr algn="ctr"/>
+            <a:r>
+              <a:rPr lang="ja-JP" altLang="en-US"/>
+              <a:t>ローカルリポジトリ</a:t>
+            </a:r>
+            <a:endParaRPr kumimoji="1" lang="en-US" altLang="ja-JP" dirty="0"/>
+          </a:p>
+        </p:txBody>
+      </p:sp>
+      <p:pic>
+        <p:nvPicPr>
+          <p:cNvPr id="13" name="Picture 8" descr="パソコンを使う会社員のイラスト（男性・笑顔）">
+            <a:extLst>
+              <a:ext uri="{FF2B5EF4-FFF2-40B4-BE49-F238E27FC236}">
+                <a16:creationId xmlns:a16="http://schemas.microsoft.com/office/drawing/2014/main" id="{C48E4B74-4817-4C50-85C1-4B0F23CCDCE9}"/>
+              </a:ext>
+            </a:extLst>
+          </p:cNvPr>
+          <p:cNvPicPr>
+            <a:picLocks noChangeAspect="1" noChangeArrowheads="1"/>
+          </p:cNvPicPr>
+          <p:nvPr/>
+        </p:nvPicPr>
+        <p:blipFill>
+          <a:blip r:embed="rId2" cstate="print">
+            <a:extLst>
+              <a:ext uri="{28A0092B-C50C-407E-A947-70E740481C1C}">
+                <a14:useLocalDpi xmlns:a14="http://schemas.microsoft.com/office/drawing/2010/main" val="0"/>
+              </a:ext>
+            </a:extLst>
+          </a:blip>
+          <a:srcRect/>
+          <a:stretch>
+            <a:fillRect/>
+          </a:stretch>
+        </p:blipFill>
+        <p:spPr bwMode="auto">
+          <a:xfrm>
+            <a:off x="179512" y="548680"/>
+            <a:ext cx="720080" cy="1045759"/>
+          </a:xfrm>
+          <a:prstGeom prst="rect">
+            <a:avLst/>
+          </a:prstGeom>
+          <a:noFill/>
+          <a:extLst>
+            <a:ext uri="{909E8E84-426E-40DD-AFC4-6F175D3DCCD1}">
+              <a14:hiddenFill xmlns:a14="http://schemas.microsoft.com/office/drawing/2010/main">
+                <a:solidFill>
+                  <a:srgbClr val="FFFFFF"/>
+                </a:solidFill>
+              </a14:hiddenFill>
+            </a:ext>
+          </a:extLst>
+        </p:spPr>
+      </p:pic>
+      <p:sp>
+        <p:nvSpPr>
+          <p:cNvPr id="15" name="楕円 4">
+            <a:extLst>
+              <a:ext uri="{FF2B5EF4-FFF2-40B4-BE49-F238E27FC236}">
+                <a16:creationId xmlns:a16="http://schemas.microsoft.com/office/drawing/2014/main" id="{150A9FA0-C239-4A53-8E92-55F1922CA27F}"/>
+              </a:ext>
+            </a:extLst>
+          </p:cNvPr>
+          <p:cNvSpPr/>
+          <p:nvPr/>
+        </p:nvSpPr>
+        <p:spPr>
+          <a:xfrm>
+            <a:off x="6660232" y="1196752"/>
+            <a:ext cx="288032" cy="288032"/>
+          </a:xfrm>
+          <a:prstGeom prst="ellipse">
+            <a:avLst/>
+          </a:prstGeom>
+          <a:solidFill>
+            <a:srgbClr val="011893"/>
+          </a:solidFill>
+          <a:ln>
+            <a:solidFill>
+              <a:schemeClr val="tx1"/>
+            </a:solidFill>
+          </a:ln>
+        </p:spPr>
+        <p:style>
+          <a:lnRef idx="2">
+            <a:schemeClr val="accent1">
+              <a:shade val="50000"/>
+            </a:schemeClr>
+          </a:lnRef>
+          <a:fillRef idx="1">
+            <a:schemeClr val="accent1"/>
+          </a:fillRef>
+          <a:effectRef idx="0">
+            <a:schemeClr val="accent1"/>
+          </a:effectRef>
+          <a:fontRef idx="minor">
+            <a:schemeClr val="lt1"/>
+          </a:fontRef>
+        </p:style>
+        <p:txBody>
+          <a:bodyPr rtlCol="0" anchor="ctr"/>
+          <a:lstStyle/>
+          <a:p>
+            <a:pPr algn="ctr"/>
+            <a:endParaRPr kumimoji="1" lang="ja-JP" altLang="en-US"/>
+          </a:p>
+        </p:txBody>
+      </p:sp>
+      <p:sp>
+        <p:nvSpPr>
+          <p:cNvPr id="16" name="楕円 15">
+            <a:extLst>
+              <a:ext uri="{FF2B5EF4-FFF2-40B4-BE49-F238E27FC236}">
+                <a16:creationId xmlns:a16="http://schemas.microsoft.com/office/drawing/2014/main" id="{84919590-7126-42AC-9836-0163415C9835}"/>
+              </a:ext>
+            </a:extLst>
+          </p:cNvPr>
+          <p:cNvSpPr/>
+          <p:nvPr/>
+        </p:nvSpPr>
+        <p:spPr>
+          <a:xfrm>
+            <a:off x="5940152" y="1196752"/>
+            <a:ext cx="288032" cy="288032"/>
+          </a:xfrm>
+          <a:prstGeom prst="ellipse">
+            <a:avLst/>
+          </a:prstGeom>
+          <a:solidFill>
+            <a:srgbClr val="011893"/>
+          </a:solidFill>
+          <a:ln>
+            <a:solidFill>
+              <a:schemeClr val="tx1"/>
+            </a:solidFill>
+          </a:ln>
+        </p:spPr>
+        <p:style>
+          <a:lnRef idx="2">
+            <a:schemeClr val="accent1">
+              <a:shade val="50000"/>
+            </a:schemeClr>
+          </a:lnRef>
+          <a:fillRef idx="1">
+            <a:schemeClr val="accent1"/>
+          </a:fillRef>
+          <a:effectRef idx="0">
+            <a:schemeClr val="accent1"/>
+          </a:effectRef>
+          <a:fontRef idx="minor">
+            <a:schemeClr val="lt1"/>
+          </a:fontRef>
+        </p:style>
+        <p:txBody>
+          <a:bodyPr rtlCol="0" anchor="ctr"/>
+          <a:lstStyle/>
+          <a:p>
+            <a:pPr algn="ctr"/>
+            <a:endParaRPr kumimoji="1" lang="ja-JP" altLang="en-US"/>
+          </a:p>
+        </p:txBody>
+      </p:sp>
+      <p:cxnSp>
+        <p:nvCxnSpPr>
+          <p:cNvPr id="17" name="直線コネクタ 16">
+            <a:extLst>
+              <a:ext uri="{FF2B5EF4-FFF2-40B4-BE49-F238E27FC236}">
+                <a16:creationId xmlns:a16="http://schemas.microsoft.com/office/drawing/2014/main" id="{95665488-0844-4232-9089-4445745CC887}"/>
+              </a:ext>
+            </a:extLst>
+          </p:cNvPr>
+          <p:cNvCxnSpPr>
+            <a:cxnSpLocks/>
+            <a:stCxn id="16" idx="6"/>
+          </p:cNvCxnSpPr>
+          <p:nvPr/>
+        </p:nvCxnSpPr>
+        <p:spPr>
+          <a:xfrm>
+            <a:off x="6228184" y="1340768"/>
+            <a:ext cx="432048" cy="0"/>
+          </a:xfrm>
+          <a:prstGeom prst="line">
+            <a:avLst/>
+          </a:prstGeom>
+          <a:ln w="57150">
+            <a:solidFill>
+              <a:schemeClr val="tx1"/>
+            </a:solidFill>
+            <a:headEnd type="none" w="med" len="med"/>
+            <a:tailEnd type="none" w="med" len="med"/>
+          </a:ln>
+        </p:spPr>
+        <p:style>
+          <a:lnRef idx="1">
+            <a:schemeClr val="accent1"/>
+          </a:lnRef>
+          <a:fillRef idx="0">
+            <a:schemeClr val="accent1"/>
+          </a:fillRef>
+          <a:effectRef idx="0">
+            <a:schemeClr val="accent1"/>
+          </a:effectRef>
+          <a:fontRef idx="minor">
+            <a:schemeClr val="tx1"/>
+          </a:fontRef>
+        </p:style>
+      </p:cxnSp>
+      <p:sp>
+        <p:nvSpPr>
+          <p:cNvPr id="18" name="楕円 4">
+            <a:extLst>
+              <a:ext uri="{FF2B5EF4-FFF2-40B4-BE49-F238E27FC236}">
+                <a16:creationId xmlns:a16="http://schemas.microsoft.com/office/drawing/2014/main" id="{8EA12733-105B-4D90-A575-82E240769C58}"/>
+              </a:ext>
+            </a:extLst>
+          </p:cNvPr>
+          <p:cNvSpPr/>
+          <p:nvPr/>
+        </p:nvSpPr>
+        <p:spPr>
+          <a:xfrm>
+            <a:off x="7380312" y="1196752"/>
+            <a:ext cx="288032" cy="288032"/>
+          </a:xfrm>
+          <a:prstGeom prst="ellipse">
+            <a:avLst/>
+          </a:prstGeom>
+          <a:solidFill>
+            <a:srgbClr val="011893"/>
+          </a:solidFill>
+          <a:ln>
+            <a:solidFill>
+              <a:schemeClr val="tx1"/>
+            </a:solidFill>
+          </a:ln>
+        </p:spPr>
+        <p:style>
+          <a:lnRef idx="2">
+            <a:schemeClr val="accent1">
+              <a:shade val="50000"/>
+            </a:schemeClr>
+          </a:lnRef>
+          <a:fillRef idx="1">
+            <a:schemeClr val="accent1"/>
+          </a:fillRef>
+          <a:effectRef idx="0">
+            <a:schemeClr val="accent1"/>
+          </a:effectRef>
+          <a:fontRef idx="minor">
+            <a:schemeClr val="lt1"/>
+          </a:fontRef>
+        </p:style>
+        <p:txBody>
+          <a:bodyPr rtlCol="0" anchor="ctr"/>
+          <a:lstStyle/>
+          <a:p>
+            <a:pPr algn="ctr"/>
+            <a:endParaRPr kumimoji="1" lang="ja-JP" altLang="en-US"/>
+          </a:p>
+        </p:txBody>
+      </p:sp>
+      <p:cxnSp>
+        <p:nvCxnSpPr>
+          <p:cNvPr id="19" name="直線コネクタ 18">
+            <a:extLst>
+              <a:ext uri="{FF2B5EF4-FFF2-40B4-BE49-F238E27FC236}">
+                <a16:creationId xmlns:a16="http://schemas.microsoft.com/office/drawing/2014/main" id="{C7006296-FB35-45EA-87CF-84105CE5078A}"/>
+              </a:ext>
+            </a:extLst>
+          </p:cNvPr>
+          <p:cNvCxnSpPr>
+            <a:cxnSpLocks/>
+          </p:cNvCxnSpPr>
+          <p:nvPr/>
+        </p:nvCxnSpPr>
+        <p:spPr>
+          <a:xfrm>
+            <a:off x="6948264" y="1340768"/>
+            <a:ext cx="432048" cy="0"/>
+          </a:xfrm>
+          <a:prstGeom prst="line">
+            <a:avLst/>
+          </a:prstGeom>
+          <a:ln w="57150">
+            <a:solidFill>
+              <a:schemeClr val="tx1"/>
+            </a:solidFill>
+            <a:headEnd type="none" w="med" len="med"/>
+            <a:tailEnd type="none" w="med" len="med"/>
+          </a:ln>
+        </p:spPr>
+        <p:style>
+          <a:lnRef idx="1">
+            <a:schemeClr val="accent1"/>
+          </a:lnRef>
+          <a:fillRef idx="0">
+            <a:schemeClr val="accent1"/>
+          </a:fillRef>
+          <a:effectRef idx="0">
+            <a:schemeClr val="accent1"/>
+          </a:effectRef>
+          <a:fontRef idx="minor">
+            <a:schemeClr val="tx1"/>
+          </a:fontRef>
+        </p:style>
+      </p:cxnSp>
+      <p:sp>
+        <p:nvSpPr>
+          <p:cNvPr id="22" name="四角形: 角を丸くする 21">
+            <a:extLst>
+              <a:ext uri="{FF2B5EF4-FFF2-40B4-BE49-F238E27FC236}">
+                <a16:creationId xmlns:a16="http://schemas.microsoft.com/office/drawing/2014/main" id="{99EEE15B-37A5-4B27-BE0F-3B18E4499E08}"/>
+              </a:ext>
+            </a:extLst>
+          </p:cNvPr>
+          <p:cNvSpPr/>
+          <p:nvPr/>
+        </p:nvSpPr>
+        <p:spPr>
+          <a:xfrm>
+            <a:off x="5580112" y="908720"/>
+            <a:ext cx="3168352" cy="792088"/>
+          </a:xfrm>
+          <a:prstGeom prst="roundRect">
+            <a:avLst/>
+          </a:prstGeom>
+          <a:noFill/>
+          <a:ln w="28575">
+            <a:solidFill>
+              <a:schemeClr val="tx1"/>
+            </a:solidFill>
+            <a:prstDash val="dash"/>
+          </a:ln>
+        </p:spPr>
+        <p:style>
+          <a:lnRef idx="2">
+            <a:schemeClr val="accent1">
+              <a:shade val="50000"/>
+            </a:schemeClr>
+          </a:lnRef>
+          <a:fillRef idx="1">
+            <a:schemeClr val="accent1"/>
+          </a:fillRef>
+          <a:effectRef idx="0">
+            <a:schemeClr val="accent1"/>
+          </a:effectRef>
+          <a:fontRef idx="minor">
+            <a:schemeClr val="lt1"/>
+          </a:fontRef>
+        </p:style>
+        <p:txBody>
+          <a:bodyPr rtlCol="0" anchor="ctr"/>
+          <a:lstStyle/>
+          <a:p>
+            <a:pPr algn="ctr"/>
+            <a:endParaRPr kumimoji="1" lang="ja-JP" altLang="en-US"/>
+          </a:p>
+        </p:txBody>
+      </p:sp>
+      <p:sp>
+        <p:nvSpPr>
+          <p:cNvPr id="23" name="テキスト ボックス 22">
+            <a:extLst>
+              <a:ext uri="{FF2B5EF4-FFF2-40B4-BE49-F238E27FC236}">
+                <a16:creationId xmlns:a16="http://schemas.microsoft.com/office/drawing/2014/main" id="{8C381306-2A14-44FD-91E1-1E86CCFC1246}"/>
+              </a:ext>
+            </a:extLst>
+          </p:cNvPr>
+          <p:cNvSpPr txBox="1"/>
+          <p:nvPr/>
+        </p:nvSpPr>
+        <p:spPr>
+          <a:xfrm>
+            <a:off x="5940152" y="332656"/>
+            <a:ext cx="2262158" cy="369332"/>
+          </a:xfrm>
+          <a:prstGeom prst="rect">
+            <a:avLst/>
+          </a:prstGeom>
+          <a:noFill/>
+        </p:spPr>
+        <p:txBody>
+          <a:bodyPr wrap="none" rtlCol="0">
+            <a:spAutoFit/>
+          </a:bodyPr>
+          <a:lstStyle/>
+          <a:p>
+            <a:pPr algn="ctr"/>
+            <a:r>
+              <a:rPr lang="ja-JP" altLang="en-US"/>
+              <a:t>リモートリポジトリ</a:t>
+            </a:r>
+            <a:endParaRPr kumimoji="1" lang="en-US" altLang="ja-JP" dirty="0"/>
+          </a:p>
+        </p:txBody>
+      </p:sp>
+    </p:spTree>
+    <p:extLst>
+      <p:ext uri="{BB962C8B-B14F-4D97-AF65-F5344CB8AC3E}">
+        <p14:creationId xmlns:p14="http://schemas.microsoft.com/office/powerpoint/2010/main" val="1212331490"/>
+      </p:ext>
+    </p:extLst>
+  </p:cSld>
+  <p:clrMapOvr>
+    <a:masterClrMapping/>
+  </p:clrMapOvr>
+</p:sld>
+</file>
+
+<file path=ppt/slides/slide7.xml><?xml version="1.0" encoding="utf-8"?>
+<p:sld xmlns:a="http://schemas.openxmlformats.org/drawingml/2006/main" xmlns:r="http://schemas.openxmlformats.org/officeDocument/2006/relationships" xmlns:p="http://schemas.openxmlformats.org/presentationml/2006/main">
+  <p:cSld>
+    <p:spTree>
+      <p:nvGrpSpPr>
+        <p:cNvPr id="1" name=""/>
+        <p:cNvGrpSpPr/>
+        <p:nvPr/>
+      </p:nvGrpSpPr>
+      <p:grpSpPr>
+        <a:xfrm>
+          <a:off x="0" y="0"/>
+          <a:ext cx="0" cy="0"/>
+          <a:chOff x="0" y="0"/>
+          <a:chExt cx="0" cy="0"/>
+        </a:xfrm>
+      </p:grpSpPr>
+      <p:sp>
+        <p:nvSpPr>
+          <p:cNvPr id="2" name="楕円 4">
+            <a:extLst>
+              <a:ext uri="{FF2B5EF4-FFF2-40B4-BE49-F238E27FC236}">
+                <a16:creationId xmlns:a16="http://schemas.microsoft.com/office/drawing/2014/main" id="{4CAE48C4-28BF-4666-8586-FB070707400D}"/>
+              </a:ext>
+            </a:extLst>
+          </p:cNvPr>
+          <p:cNvSpPr/>
+          <p:nvPr/>
+        </p:nvSpPr>
+        <p:spPr>
+          <a:xfrm>
+            <a:off x="1835696" y="2060848"/>
+            <a:ext cx="288032" cy="288032"/>
+          </a:xfrm>
+          <a:prstGeom prst="ellipse">
+            <a:avLst/>
+          </a:prstGeom>
+          <a:solidFill>
+            <a:srgbClr val="011893"/>
+          </a:solidFill>
+          <a:ln>
+            <a:solidFill>
+              <a:schemeClr val="tx1"/>
+            </a:solidFill>
+          </a:ln>
+        </p:spPr>
+        <p:style>
+          <a:lnRef idx="2">
+            <a:schemeClr val="accent1">
+              <a:shade val="50000"/>
+            </a:schemeClr>
+          </a:lnRef>
+          <a:fillRef idx="1">
+            <a:schemeClr val="accent1"/>
+          </a:fillRef>
+          <a:effectRef idx="0">
+            <a:schemeClr val="accent1"/>
+          </a:effectRef>
+          <a:fontRef idx="minor">
+            <a:schemeClr val="lt1"/>
+          </a:fontRef>
+        </p:style>
+        <p:txBody>
+          <a:bodyPr rtlCol="0" anchor="ctr"/>
+          <a:lstStyle/>
+          <a:p>
+            <a:pPr algn="ctr"/>
+            <a:endParaRPr kumimoji="1" lang="ja-JP" altLang="en-US"/>
+          </a:p>
+        </p:txBody>
+      </p:sp>
+      <p:sp>
+        <p:nvSpPr>
+          <p:cNvPr id="3" name="四角形: 1 つの角を切り取り 1 つの角を丸める 2">
+            <a:extLst>
+              <a:ext uri="{FF2B5EF4-FFF2-40B4-BE49-F238E27FC236}">
+                <a16:creationId xmlns:a16="http://schemas.microsoft.com/office/drawing/2014/main" id="{708DE3FE-6E64-459C-A04E-AAF37C3C163C}"/>
+              </a:ext>
+            </a:extLst>
+          </p:cNvPr>
+          <p:cNvSpPr/>
+          <p:nvPr/>
+        </p:nvSpPr>
+        <p:spPr>
+          <a:xfrm>
+            <a:off x="2843808" y="1340768"/>
+            <a:ext cx="1152128" cy="338336"/>
+          </a:xfrm>
+          <a:prstGeom prst="snipRoundRect">
+            <a:avLst>
+              <a:gd name="adj1" fmla="val 16667"/>
+              <a:gd name="adj2" fmla="val 35924"/>
+            </a:avLst>
+          </a:prstGeom>
+          <a:solidFill>
+            <a:schemeClr val="accent6">
+              <a:lumMod val="20000"/>
+              <a:lumOff val="80000"/>
+            </a:schemeClr>
+          </a:solidFill>
+          <a:ln>
+            <a:solidFill>
+              <a:schemeClr val="tx1"/>
+            </a:solidFill>
+          </a:ln>
+        </p:spPr>
+        <p:style>
+          <a:lnRef idx="2">
+            <a:schemeClr val="accent1">
+              <a:shade val="50000"/>
+            </a:schemeClr>
+          </a:lnRef>
+          <a:fillRef idx="1">
+            <a:schemeClr val="accent1"/>
+          </a:fillRef>
+          <a:effectRef idx="0">
+            <a:schemeClr val="accent1"/>
+          </a:effectRef>
+          <a:fontRef idx="minor">
+            <a:schemeClr val="lt1"/>
+          </a:fontRef>
+        </p:style>
+        <p:txBody>
+          <a:bodyPr rtlCol="0" anchor="ctr"/>
+          <a:lstStyle/>
+          <a:p>
+            <a:pPr algn="ctr"/>
+            <a:r>
+              <a:rPr kumimoji="1" lang="en-US" altLang="ja-JP">
+                <a:solidFill>
+                  <a:sysClr val="windowText" lastClr="000000"/>
+                </a:solidFill>
+                <a:latin typeface="Consolas" panose="020B0609020204030204" pitchFamily="49" charset="0"/>
+              </a:rPr>
+              <a:t>main</a:t>
+            </a:r>
+            <a:endParaRPr kumimoji="1" lang="ja-JP" altLang="en-US">
+              <a:solidFill>
+                <a:sysClr val="windowText" lastClr="000000"/>
+              </a:solidFill>
+              <a:latin typeface="Consolas" panose="020B0609020204030204" pitchFamily="49" charset="0"/>
+            </a:endParaRPr>
+          </a:p>
+        </p:txBody>
+      </p:sp>
+      <p:cxnSp>
+        <p:nvCxnSpPr>
+          <p:cNvPr id="4" name="直線矢印コネクタ 3">
+            <a:extLst>
+              <a:ext uri="{FF2B5EF4-FFF2-40B4-BE49-F238E27FC236}">
+                <a16:creationId xmlns:a16="http://schemas.microsoft.com/office/drawing/2014/main" id="{B0F0B83E-0B45-4AA1-8BD2-2373BE8489C2}"/>
+              </a:ext>
+            </a:extLst>
+          </p:cNvPr>
+          <p:cNvCxnSpPr>
+            <a:cxnSpLocks/>
+            <a:stCxn id="3" idx="1"/>
+          </p:cNvCxnSpPr>
+          <p:nvPr/>
+        </p:nvCxnSpPr>
+        <p:spPr>
+          <a:xfrm>
+            <a:off x="3419872" y="1679104"/>
+            <a:ext cx="0" cy="381744"/>
+          </a:xfrm>
+          <a:prstGeom prst="straightConnector1">
+            <a:avLst/>
+          </a:prstGeom>
+          <a:ln w="12700">
+            <a:solidFill>
+              <a:schemeClr val="tx1"/>
+            </a:solidFill>
+            <a:tailEnd type="triangle"/>
+          </a:ln>
+        </p:spPr>
+        <p:style>
+          <a:lnRef idx="1">
+            <a:schemeClr val="accent1"/>
+          </a:lnRef>
+          <a:fillRef idx="0">
+            <a:schemeClr val="accent1"/>
+          </a:fillRef>
+          <a:effectRef idx="0">
+            <a:schemeClr val="accent1"/>
+          </a:effectRef>
+          <a:fontRef idx="minor">
+            <a:schemeClr val="tx1"/>
+          </a:fontRef>
+        </p:style>
+      </p:cxnSp>
+      <p:sp>
+        <p:nvSpPr>
+          <p:cNvPr id="5" name="楕円 4">
+            <a:extLst>
+              <a:ext uri="{FF2B5EF4-FFF2-40B4-BE49-F238E27FC236}">
+                <a16:creationId xmlns:a16="http://schemas.microsoft.com/office/drawing/2014/main" id="{08214EF3-C586-46BD-89E6-440C19827F0A}"/>
+              </a:ext>
+            </a:extLst>
+          </p:cNvPr>
+          <p:cNvSpPr/>
+          <p:nvPr/>
+        </p:nvSpPr>
+        <p:spPr>
+          <a:xfrm>
+            <a:off x="1115616" y="2060848"/>
+            <a:ext cx="288032" cy="288032"/>
+          </a:xfrm>
+          <a:prstGeom prst="ellipse">
+            <a:avLst/>
+          </a:prstGeom>
+          <a:solidFill>
+            <a:srgbClr val="011893"/>
+          </a:solidFill>
+          <a:ln>
+            <a:solidFill>
+              <a:schemeClr val="tx1"/>
+            </a:solidFill>
+          </a:ln>
+        </p:spPr>
+        <p:style>
+          <a:lnRef idx="2">
+            <a:schemeClr val="accent1">
+              <a:shade val="50000"/>
+            </a:schemeClr>
+          </a:lnRef>
+          <a:fillRef idx="1">
+            <a:schemeClr val="accent1"/>
+          </a:fillRef>
+          <a:effectRef idx="0">
+            <a:schemeClr val="accent1"/>
+          </a:effectRef>
+          <a:fontRef idx="minor">
+            <a:schemeClr val="lt1"/>
+          </a:fontRef>
+        </p:style>
+        <p:txBody>
+          <a:bodyPr rtlCol="0" anchor="ctr"/>
+          <a:lstStyle/>
+          <a:p>
+            <a:pPr algn="ctr"/>
+            <a:endParaRPr kumimoji="1" lang="ja-JP" altLang="en-US"/>
+          </a:p>
+        </p:txBody>
+      </p:sp>
+      <p:cxnSp>
+        <p:nvCxnSpPr>
+          <p:cNvPr id="6" name="直線コネクタ 5">
+            <a:extLst>
+              <a:ext uri="{FF2B5EF4-FFF2-40B4-BE49-F238E27FC236}">
+                <a16:creationId xmlns:a16="http://schemas.microsoft.com/office/drawing/2014/main" id="{D057142E-368D-4703-B9CA-3E9F858F762B}"/>
+              </a:ext>
+            </a:extLst>
+          </p:cNvPr>
+          <p:cNvCxnSpPr>
+            <a:cxnSpLocks/>
+            <a:stCxn id="5" idx="6"/>
+          </p:cNvCxnSpPr>
+          <p:nvPr/>
+        </p:nvCxnSpPr>
+        <p:spPr>
+          <a:xfrm>
+            <a:off x="1403648" y="2204864"/>
+            <a:ext cx="432048" cy="0"/>
+          </a:xfrm>
+          <a:prstGeom prst="line">
+            <a:avLst/>
+          </a:prstGeom>
+          <a:ln w="57150">
+            <a:solidFill>
+              <a:schemeClr val="tx1"/>
+            </a:solidFill>
+            <a:headEnd type="none" w="med" len="med"/>
+            <a:tailEnd type="none" w="med" len="med"/>
+          </a:ln>
+        </p:spPr>
+        <p:style>
+          <a:lnRef idx="1">
+            <a:schemeClr val="accent1"/>
+          </a:lnRef>
+          <a:fillRef idx="0">
+            <a:schemeClr val="accent1"/>
+          </a:fillRef>
+          <a:effectRef idx="0">
+            <a:schemeClr val="accent1"/>
+          </a:effectRef>
+          <a:fontRef idx="minor">
+            <a:schemeClr val="tx1"/>
+          </a:fontRef>
+        </p:style>
+      </p:cxnSp>
+      <p:sp>
+        <p:nvSpPr>
+          <p:cNvPr id="7" name="楕円 4">
+            <a:extLst>
+              <a:ext uri="{FF2B5EF4-FFF2-40B4-BE49-F238E27FC236}">
+                <a16:creationId xmlns:a16="http://schemas.microsoft.com/office/drawing/2014/main" id="{40213BA0-565D-41BB-A7AC-2F13242FE0D9}"/>
+              </a:ext>
+            </a:extLst>
+          </p:cNvPr>
+          <p:cNvSpPr/>
+          <p:nvPr/>
+        </p:nvSpPr>
+        <p:spPr>
+          <a:xfrm>
+            <a:off x="2555776" y="2060848"/>
+            <a:ext cx="288032" cy="288032"/>
+          </a:xfrm>
+          <a:prstGeom prst="ellipse">
+            <a:avLst/>
+          </a:prstGeom>
+          <a:solidFill>
+            <a:srgbClr val="011893"/>
+          </a:solidFill>
+          <a:ln>
+            <a:solidFill>
+              <a:schemeClr val="tx1"/>
+            </a:solidFill>
+          </a:ln>
+        </p:spPr>
+        <p:style>
+          <a:lnRef idx="2">
+            <a:schemeClr val="accent1">
+              <a:shade val="50000"/>
+            </a:schemeClr>
+          </a:lnRef>
+          <a:fillRef idx="1">
+            <a:schemeClr val="accent1"/>
+          </a:fillRef>
+          <a:effectRef idx="0">
+            <a:schemeClr val="accent1"/>
+          </a:effectRef>
+          <a:fontRef idx="minor">
+            <a:schemeClr val="lt1"/>
+          </a:fontRef>
+        </p:style>
+        <p:txBody>
+          <a:bodyPr rtlCol="0" anchor="ctr"/>
+          <a:lstStyle/>
+          <a:p>
+            <a:pPr algn="ctr"/>
+            <a:endParaRPr kumimoji="1" lang="ja-JP" altLang="en-US"/>
+          </a:p>
+        </p:txBody>
+      </p:sp>
+      <p:cxnSp>
+        <p:nvCxnSpPr>
+          <p:cNvPr id="8" name="直線コネクタ 7">
+            <a:extLst>
+              <a:ext uri="{FF2B5EF4-FFF2-40B4-BE49-F238E27FC236}">
+                <a16:creationId xmlns:a16="http://schemas.microsoft.com/office/drawing/2014/main" id="{5C5C7352-D04A-4438-B65E-C5406D43757E}"/>
+              </a:ext>
+            </a:extLst>
+          </p:cNvPr>
+          <p:cNvCxnSpPr>
+            <a:cxnSpLocks/>
+          </p:cNvCxnSpPr>
+          <p:nvPr/>
+        </p:nvCxnSpPr>
+        <p:spPr>
+          <a:xfrm>
+            <a:off x="2123728" y="2204864"/>
+            <a:ext cx="432048" cy="0"/>
+          </a:xfrm>
+          <a:prstGeom prst="line">
+            <a:avLst/>
+          </a:prstGeom>
+          <a:ln w="57150">
+            <a:solidFill>
+              <a:schemeClr val="tx1"/>
+            </a:solidFill>
+            <a:headEnd type="none" w="med" len="med"/>
+            <a:tailEnd type="none" w="med" len="med"/>
+          </a:ln>
+        </p:spPr>
+        <p:style>
+          <a:lnRef idx="1">
+            <a:schemeClr val="accent1"/>
+          </a:lnRef>
+          <a:fillRef idx="0">
+            <a:schemeClr val="accent1"/>
+          </a:fillRef>
+          <a:effectRef idx="0">
+            <a:schemeClr val="accent1"/>
+          </a:effectRef>
+          <a:fontRef idx="minor">
+            <a:schemeClr val="tx1"/>
+          </a:fontRef>
+        </p:style>
+      </p:cxnSp>
+      <p:sp>
+        <p:nvSpPr>
+          <p:cNvPr id="9" name="楕円 4">
+            <a:extLst>
+              <a:ext uri="{FF2B5EF4-FFF2-40B4-BE49-F238E27FC236}">
+                <a16:creationId xmlns:a16="http://schemas.microsoft.com/office/drawing/2014/main" id="{A411FD00-95D3-4082-93FE-9C03F8E197AA}"/>
+              </a:ext>
+            </a:extLst>
+          </p:cNvPr>
+          <p:cNvSpPr/>
+          <p:nvPr/>
+        </p:nvSpPr>
+        <p:spPr>
+          <a:xfrm>
+            <a:off x="3275856" y="2060848"/>
+            <a:ext cx="288032" cy="288032"/>
+          </a:xfrm>
+          <a:prstGeom prst="ellipse">
+            <a:avLst/>
+          </a:prstGeom>
+          <a:solidFill>
+            <a:srgbClr val="FF0000"/>
+          </a:solidFill>
+          <a:ln>
+            <a:solidFill>
+              <a:schemeClr val="tx1"/>
+            </a:solidFill>
+          </a:ln>
+        </p:spPr>
+        <p:style>
+          <a:lnRef idx="2">
+            <a:schemeClr val="accent1">
+              <a:shade val="50000"/>
+            </a:schemeClr>
+          </a:lnRef>
+          <a:fillRef idx="1">
+            <a:schemeClr val="accent1"/>
+          </a:fillRef>
+          <a:effectRef idx="0">
+            <a:schemeClr val="accent1"/>
+          </a:effectRef>
+          <a:fontRef idx="minor">
+            <a:schemeClr val="lt1"/>
+          </a:fontRef>
+        </p:style>
+        <p:txBody>
+          <a:bodyPr rtlCol="0" anchor="ctr"/>
+          <a:lstStyle/>
+          <a:p>
+            <a:pPr algn="ctr"/>
+            <a:endParaRPr kumimoji="1" lang="ja-JP" altLang="en-US"/>
+          </a:p>
+        </p:txBody>
+      </p:sp>
+      <p:cxnSp>
+        <p:nvCxnSpPr>
+          <p:cNvPr id="10" name="直線コネクタ 9">
+            <a:extLst>
+              <a:ext uri="{FF2B5EF4-FFF2-40B4-BE49-F238E27FC236}">
+                <a16:creationId xmlns:a16="http://schemas.microsoft.com/office/drawing/2014/main" id="{93F88AD9-338E-4FFA-B035-4ED853494A3A}"/>
+              </a:ext>
+            </a:extLst>
+          </p:cNvPr>
+          <p:cNvCxnSpPr>
+            <a:cxnSpLocks/>
+          </p:cNvCxnSpPr>
+          <p:nvPr/>
+        </p:nvCxnSpPr>
+        <p:spPr>
+          <a:xfrm>
+            <a:off x="2843808" y="2204864"/>
+            <a:ext cx="432048" cy="0"/>
+          </a:xfrm>
+          <a:prstGeom prst="line">
+            <a:avLst/>
+          </a:prstGeom>
+          <a:ln w="57150">
+            <a:solidFill>
+              <a:srgbClr val="FF0000"/>
+            </a:solidFill>
+            <a:headEnd type="none" w="med" len="med"/>
+            <a:tailEnd type="none" w="med" len="med"/>
+          </a:ln>
+        </p:spPr>
+        <p:style>
+          <a:lnRef idx="1">
+            <a:schemeClr val="accent1"/>
+          </a:lnRef>
+          <a:fillRef idx="0">
+            <a:schemeClr val="accent1"/>
+          </a:fillRef>
+          <a:effectRef idx="0">
+            <a:schemeClr val="accent1"/>
+          </a:effectRef>
+          <a:fontRef idx="minor">
+            <a:schemeClr val="tx1"/>
+          </a:fontRef>
+        </p:style>
+      </p:cxnSp>
+      <p:sp>
+        <p:nvSpPr>
+          <p:cNvPr id="11" name="四角形: 角を丸くする 10">
+            <a:extLst>
+              <a:ext uri="{FF2B5EF4-FFF2-40B4-BE49-F238E27FC236}">
+                <a16:creationId xmlns:a16="http://schemas.microsoft.com/office/drawing/2014/main" id="{82844D55-9FC3-41CE-BB47-E300F31A93F9}"/>
+              </a:ext>
+            </a:extLst>
+          </p:cNvPr>
+          <p:cNvSpPr/>
+          <p:nvPr/>
+        </p:nvSpPr>
+        <p:spPr>
+          <a:xfrm>
+            <a:off x="971600" y="1124744"/>
+            <a:ext cx="3384376" cy="1440160"/>
+          </a:xfrm>
+          <a:prstGeom prst="roundRect">
+            <a:avLst/>
+          </a:prstGeom>
+          <a:noFill/>
+          <a:ln w="28575">
+            <a:solidFill>
+              <a:schemeClr val="tx1"/>
+            </a:solidFill>
+            <a:prstDash val="dash"/>
+          </a:ln>
+        </p:spPr>
+        <p:style>
+          <a:lnRef idx="2">
+            <a:schemeClr val="accent1">
+              <a:shade val="50000"/>
+            </a:schemeClr>
+          </a:lnRef>
+          <a:fillRef idx="1">
+            <a:schemeClr val="accent1"/>
+          </a:fillRef>
+          <a:effectRef idx="0">
+            <a:schemeClr val="accent1"/>
+          </a:effectRef>
+          <a:fontRef idx="minor">
+            <a:schemeClr val="lt1"/>
+          </a:fontRef>
+        </p:style>
+        <p:txBody>
+          <a:bodyPr rtlCol="0" anchor="ctr"/>
+          <a:lstStyle/>
+          <a:p>
+            <a:pPr algn="ctr"/>
+            <a:endParaRPr kumimoji="1" lang="ja-JP" altLang="en-US"/>
+          </a:p>
+        </p:txBody>
+      </p:sp>
+      <p:sp>
+        <p:nvSpPr>
+          <p:cNvPr id="12" name="テキスト ボックス 11">
+            <a:extLst>
+              <a:ext uri="{FF2B5EF4-FFF2-40B4-BE49-F238E27FC236}">
+                <a16:creationId xmlns:a16="http://schemas.microsoft.com/office/drawing/2014/main" id="{3ADFC2B5-9800-4A28-AD59-A4570C194E3A}"/>
+              </a:ext>
+            </a:extLst>
+          </p:cNvPr>
+          <p:cNvSpPr txBox="1"/>
+          <p:nvPr/>
+        </p:nvSpPr>
+        <p:spPr>
+          <a:xfrm>
+            <a:off x="1691680" y="548680"/>
+            <a:ext cx="2262158" cy="369332"/>
+          </a:xfrm>
+          <a:prstGeom prst="rect">
+            <a:avLst/>
+          </a:prstGeom>
+          <a:noFill/>
+        </p:spPr>
+        <p:txBody>
+          <a:bodyPr wrap="none" rtlCol="0">
+            <a:spAutoFit/>
+          </a:bodyPr>
+          <a:lstStyle/>
+          <a:p>
+            <a:pPr algn="ctr"/>
+            <a:r>
+              <a:rPr lang="ja-JP" altLang="en-US" dirty="0"/>
+              <a:t>リモートリポジトリ</a:t>
+            </a:r>
+            <a:endParaRPr kumimoji="1" lang="en-US" altLang="ja-JP" dirty="0"/>
+          </a:p>
+        </p:txBody>
+      </p:sp>
+      <p:pic>
+        <p:nvPicPr>
+          <p:cNvPr id="13" name="図 12">
+            <a:extLst>
+              <a:ext uri="{FF2B5EF4-FFF2-40B4-BE49-F238E27FC236}">
+                <a16:creationId xmlns:a16="http://schemas.microsoft.com/office/drawing/2014/main" id="{BF05A5AF-704A-4729-A20C-135350442725}"/>
+              </a:ext>
+            </a:extLst>
+          </p:cNvPr>
+          <p:cNvPicPr>
+            <a:picLocks noChangeAspect="1"/>
+          </p:cNvPicPr>
+          <p:nvPr/>
+        </p:nvPicPr>
+        <p:blipFill>
+          <a:blip r:embed="rId2">
+            <a:extLst>
+              <a:ext uri="{28A0092B-C50C-407E-A947-70E740481C1C}">
+                <a14:useLocalDpi xmlns:a14="http://schemas.microsoft.com/office/drawing/2010/main" val="0"/>
+              </a:ext>
+            </a:extLst>
+          </a:blip>
+          <a:stretch>
+            <a:fillRect/>
+          </a:stretch>
+        </p:blipFill>
+        <p:spPr>
+          <a:xfrm>
+            <a:off x="179512" y="1484784"/>
+            <a:ext cx="609600" cy="609600"/>
+          </a:xfrm>
+          <a:prstGeom prst="rect">
+            <a:avLst/>
+          </a:prstGeom>
+        </p:spPr>
+      </p:pic>
+      <p:pic>
+        <p:nvPicPr>
+          <p:cNvPr id="14" name="Picture 8" descr="パソコンを使う会社員のイラスト（男性・笑顔）">
+            <a:extLst>
+              <a:ext uri="{FF2B5EF4-FFF2-40B4-BE49-F238E27FC236}">
+                <a16:creationId xmlns:a16="http://schemas.microsoft.com/office/drawing/2014/main" id="{631FAEF7-2787-4959-A4AB-65ADB991D6B4}"/>
+              </a:ext>
+            </a:extLst>
+          </p:cNvPr>
+          <p:cNvPicPr>
+            <a:picLocks noChangeAspect="1" noChangeArrowheads="1"/>
+          </p:cNvPicPr>
+          <p:nvPr/>
+        </p:nvPicPr>
+        <p:blipFill>
+          <a:blip r:embed="rId3" cstate="print">
+            <a:extLst>
+              <a:ext uri="{28A0092B-C50C-407E-A947-70E740481C1C}">
+                <a14:useLocalDpi xmlns:a14="http://schemas.microsoft.com/office/drawing/2010/main" val="0"/>
+              </a:ext>
+            </a:extLst>
+          </a:blip>
+          <a:srcRect/>
+          <a:stretch>
+            <a:fillRect/>
+          </a:stretch>
+        </p:blipFill>
+        <p:spPr bwMode="auto">
+          <a:xfrm>
+            <a:off x="107504" y="4437112"/>
+            <a:ext cx="576064" cy="836607"/>
+          </a:xfrm>
+          <a:prstGeom prst="rect">
+            <a:avLst/>
+          </a:prstGeom>
+          <a:noFill/>
+          <a:extLst>
+            <a:ext uri="{909E8E84-426E-40DD-AFC4-6F175D3DCCD1}">
+              <a14:hiddenFill xmlns:a14="http://schemas.microsoft.com/office/drawing/2010/main">
+                <a:solidFill>
+                  <a:srgbClr val="FFFFFF"/>
+                </a:solidFill>
+              </a14:hiddenFill>
+            </a:ext>
+          </a:extLst>
+        </p:spPr>
+      </p:pic>
+      <p:sp>
+        <p:nvSpPr>
+          <p:cNvPr id="15" name="楕円 4">
+            <a:extLst>
+              <a:ext uri="{FF2B5EF4-FFF2-40B4-BE49-F238E27FC236}">
+                <a16:creationId xmlns:a16="http://schemas.microsoft.com/office/drawing/2014/main" id="{725C9042-954C-4CD0-9FBF-056018203ED4}"/>
+              </a:ext>
+            </a:extLst>
+          </p:cNvPr>
+          <p:cNvSpPr/>
+          <p:nvPr/>
+        </p:nvSpPr>
+        <p:spPr>
+          <a:xfrm>
+            <a:off x="1835696" y="4869160"/>
+            <a:ext cx="288032" cy="288032"/>
+          </a:xfrm>
+          <a:prstGeom prst="ellipse">
+            <a:avLst/>
+          </a:prstGeom>
+          <a:solidFill>
+            <a:srgbClr val="011893"/>
+          </a:solidFill>
+          <a:ln>
+            <a:solidFill>
+              <a:schemeClr val="tx1"/>
+            </a:solidFill>
+          </a:ln>
+        </p:spPr>
+        <p:style>
+          <a:lnRef idx="2">
+            <a:schemeClr val="accent1">
+              <a:shade val="50000"/>
+            </a:schemeClr>
+          </a:lnRef>
+          <a:fillRef idx="1">
+            <a:schemeClr val="accent1"/>
+          </a:fillRef>
+          <a:effectRef idx="0">
+            <a:schemeClr val="accent1"/>
+          </a:effectRef>
+          <a:fontRef idx="minor">
+            <a:schemeClr val="lt1"/>
+          </a:fontRef>
+        </p:style>
+        <p:txBody>
+          <a:bodyPr rtlCol="0" anchor="ctr"/>
+          <a:lstStyle/>
+          <a:p>
+            <a:pPr algn="ctr"/>
+            <a:endParaRPr kumimoji="1" lang="ja-JP" altLang="en-US"/>
+          </a:p>
+        </p:txBody>
+      </p:sp>
+      <p:sp>
+        <p:nvSpPr>
+          <p:cNvPr id="16" name="四角形: 1 つの角を切り取り 1 つの角を丸める 15">
+            <a:extLst>
+              <a:ext uri="{FF2B5EF4-FFF2-40B4-BE49-F238E27FC236}">
+                <a16:creationId xmlns:a16="http://schemas.microsoft.com/office/drawing/2014/main" id="{1674BB53-1DBB-467F-9A85-5219D2EC2DA9}"/>
+              </a:ext>
+            </a:extLst>
+          </p:cNvPr>
+          <p:cNvSpPr/>
+          <p:nvPr/>
+        </p:nvSpPr>
+        <p:spPr>
+          <a:xfrm>
+            <a:off x="2123728" y="4170784"/>
+            <a:ext cx="1152128" cy="338336"/>
+          </a:xfrm>
+          <a:prstGeom prst="snipRoundRect">
+            <a:avLst>
+              <a:gd name="adj1" fmla="val 16667"/>
+              <a:gd name="adj2" fmla="val 35924"/>
+            </a:avLst>
+          </a:prstGeom>
+          <a:solidFill>
+            <a:schemeClr val="accent6">
+              <a:lumMod val="20000"/>
+              <a:lumOff val="80000"/>
+            </a:schemeClr>
+          </a:solidFill>
+          <a:ln>
+            <a:solidFill>
+              <a:schemeClr val="tx1"/>
+            </a:solidFill>
+          </a:ln>
+        </p:spPr>
+        <p:style>
+          <a:lnRef idx="2">
+            <a:schemeClr val="accent1">
+              <a:shade val="50000"/>
+            </a:schemeClr>
+          </a:lnRef>
+          <a:fillRef idx="1">
+            <a:schemeClr val="accent1"/>
+          </a:fillRef>
+          <a:effectRef idx="0">
+            <a:schemeClr val="accent1"/>
+          </a:effectRef>
+          <a:fontRef idx="minor">
+            <a:schemeClr val="lt1"/>
+          </a:fontRef>
+        </p:style>
+        <p:txBody>
+          <a:bodyPr rtlCol="0" anchor="ctr"/>
+          <a:lstStyle/>
+          <a:p>
+            <a:pPr algn="ctr"/>
+            <a:r>
+              <a:rPr kumimoji="1" lang="en-US" altLang="ja-JP">
+                <a:solidFill>
+                  <a:sysClr val="windowText" lastClr="000000"/>
+                </a:solidFill>
+                <a:latin typeface="Consolas" panose="020B0609020204030204" pitchFamily="49" charset="0"/>
+              </a:rPr>
+              <a:t>main</a:t>
+            </a:r>
+            <a:endParaRPr kumimoji="1" lang="ja-JP" altLang="en-US">
+              <a:solidFill>
+                <a:sysClr val="windowText" lastClr="000000"/>
+              </a:solidFill>
+              <a:latin typeface="Consolas" panose="020B0609020204030204" pitchFamily="49" charset="0"/>
+            </a:endParaRPr>
+          </a:p>
+        </p:txBody>
+      </p:sp>
+      <p:cxnSp>
+        <p:nvCxnSpPr>
+          <p:cNvPr id="17" name="直線矢印コネクタ 16">
+            <a:extLst>
+              <a:ext uri="{FF2B5EF4-FFF2-40B4-BE49-F238E27FC236}">
+                <a16:creationId xmlns:a16="http://schemas.microsoft.com/office/drawing/2014/main" id="{A60091FD-401C-4312-BA87-305E4E0A1557}"/>
+              </a:ext>
+            </a:extLst>
+          </p:cNvPr>
+          <p:cNvCxnSpPr>
+            <a:cxnSpLocks/>
+            <a:stCxn id="16" idx="1"/>
+          </p:cNvCxnSpPr>
+          <p:nvPr/>
+        </p:nvCxnSpPr>
+        <p:spPr>
+          <a:xfrm>
+            <a:off x="2699792" y="4509120"/>
+            <a:ext cx="0" cy="381744"/>
+          </a:xfrm>
+          <a:prstGeom prst="straightConnector1">
+            <a:avLst/>
+          </a:prstGeom>
+          <a:ln w="12700">
+            <a:solidFill>
+              <a:schemeClr val="tx1"/>
+            </a:solidFill>
+            <a:tailEnd type="triangle"/>
+          </a:ln>
+        </p:spPr>
+        <p:style>
+          <a:lnRef idx="1">
+            <a:schemeClr val="accent1"/>
+          </a:lnRef>
+          <a:fillRef idx="0">
+            <a:schemeClr val="accent1"/>
+          </a:fillRef>
+          <a:effectRef idx="0">
+            <a:schemeClr val="accent1"/>
+          </a:effectRef>
+          <a:fontRef idx="minor">
+            <a:schemeClr val="tx1"/>
+          </a:fontRef>
+        </p:style>
+      </p:cxnSp>
+      <p:sp>
+        <p:nvSpPr>
+          <p:cNvPr id="18" name="楕円 17">
+            <a:extLst>
+              <a:ext uri="{FF2B5EF4-FFF2-40B4-BE49-F238E27FC236}">
+                <a16:creationId xmlns:a16="http://schemas.microsoft.com/office/drawing/2014/main" id="{DDFDB307-D513-42E0-A797-D986E0237B48}"/>
+              </a:ext>
+            </a:extLst>
+          </p:cNvPr>
+          <p:cNvSpPr/>
+          <p:nvPr/>
+        </p:nvSpPr>
+        <p:spPr>
+          <a:xfrm>
+            <a:off x="1115616" y="4869160"/>
+            <a:ext cx="288032" cy="288032"/>
+          </a:xfrm>
+          <a:prstGeom prst="ellipse">
+            <a:avLst/>
+          </a:prstGeom>
+          <a:solidFill>
+            <a:srgbClr val="011893"/>
+          </a:solidFill>
+          <a:ln>
+            <a:solidFill>
+              <a:schemeClr val="tx1"/>
+            </a:solidFill>
+          </a:ln>
+        </p:spPr>
+        <p:style>
+          <a:lnRef idx="2">
+            <a:schemeClr val="accent1">
+              <a:shade val="50000"/>
+            </a:schemeClr>
+          </a:lnRef>
+          <a:fillRef idx="1">
+            <a:schemeClr val="accent1"/>
+          </a:fillRef>
+          <a:effectRef idx="0">
+            <a:schemeClr val="accent1"/>
+          </a:effectRef>
+          <a:fontRef idx="minor">
+            <a:schemeClr val="lt1"/>
+          </a:fontRef>
+        </p:style>
+        <p:txBody>
+          <a:bodyPr rtlCol="0" anchor="ctr"/>
+          <a:lstStyle/>
+          <a:p>
+            <a:pPr algn="ctr"/>
+            <a:endParaRPr kumimoji="1" lang="ja-JP" altLang="en-US"/>
+          </a:p>
+        </p:txBody>
+      </p:sp>
+      <p:cxnSp>
+        <p:nvCxnSpPr>
+          <p:cNvPr id="19" name="直線コネクタ 18">
+            <a:extLst>
+              <a:ext uri="{FF2B5EF4-FFF2-40B4-BE49-F238E27FC236}">
+                <a16:creationId xmlns:a16="http://schemas.microsoft.com/office/drawing/2014/main" id="{6A12FFDF-1BEC-4F98-BF98-08B06CF06A5A}"/>
+              </a:ext>
+            </a:extLst>
+          </p:cNvPr>
+          <p:cNvCxnSpPr>
+            <a:cxnSpLocks/>
+            <a:stCxn id="18" idx="6"/>
+          </p:cNvCxnSpPr>
+          <p:nvPr/>
+        </p:nvCxnSpPr>
+        <p:spPr>
+          <a:xfrm>
+            <a:off x="1403648" y="5013176"/>
+            <a:ext cx="432048" cy="0"/>
+          </a:xfrm>
+          <a:prstGeom prst="line">
+            <a:avLst/>
+          </a:prstGeom>
+          <a:ln w="57150">
+            <a:solidFill>
+              <a:schemeClr val="tx1"/>
+            </a:solidFill>
+            <a:headEnd type="none" w="med" len="med"/>
+            <a:tailEnd type="none" w="med" len="med"/>
+          </a:ln>
+        </p:spPr>
+        <p:style>
+          <a:lnRef idx="1">
+            <a:schemeClr val="accent1"/>
+          </a:lnRef>
+          <a:fillRef idx="0">
+            <a:schemeClr val="accent1"/>
+          </a:fillRef>
+          <a:effectRef idx="0">
+            <a:schemeClr val="accent1"/>
+          </a:effectRef>
+          <a:fontRef idx="minor">
+            <a:schemeClr val="tx1"/>
+          </a:fontRef>
+        </p:style>
+      </p:cxnSp>
+      <p:sp>
+        <p:nvSpPr>
+          <p:cNvPr id="20" name="楕円 4">
+            <a:extLst>
+              <a:ext uri="{FF2B5EF4-FFF2-40B4-BE49-F238E27FC236}">
+                <a16:creationId xmlns:a16="http://schemas.microsoft.com/office/drawing/2014/main" id="{A4387929-2D15-48C2-A58C-8F62235FF9A1}"/>
+              </a:ext>
+            </a:extLst>
+          </p:cNvPr>
+          <p:cNvSpPr/>
+          <p:nvPr/>
+        </p:nvSpPr>
+        <p:spPr>
+          <a:xfrm>
+            <a:off x="2555776" y="4869160"/>
+            <a:ext cx="288032" cy="288032"/>
+          </a:xfrm>
+          <a:prstGeom prst="ellipse">
+            <a:avLst/>
+          </a:prstGeom>
+          <a:solidFill>
+            <a:srgbClr val="011893"/>
+          </a:solidFill>
+          <a:ln>
+            <a:solidFill>
+              <a:schemeClr val="tx1"/>
+            </a:solidFill>
+          </a:ln>
+        </p:spPr>
+        <p:style>
+          <a:lnRef idx="2">
+            <a:schemeClr val="accent1">
+              <a:shade val="50000"/>
+            </a:schemeClr>
+          </a:lnRef>
+          <a:fillRef idx="1">
+            <a:schemeClr val="accent1"/>
+          </a:fillRef>
+          <a:effectRef idx="0">
+            <a:schemeClr val="accent1"/>
+          </a:effectRef>
+          <a:fontRef idx="minor">
+            <a:schemeClr val="lt1"/>
+          </a:fontRef>
+        </p:style>
+        <p:txBody>
+          <a:bodyPr rtlCol="0" anchor="ctr"/>
+          <a:lstStyle/>
+          <a:p>
+            <a:pPr algn="ctr"/>
+            <a:endParaRPr kumimoji="1" lang="ja-JP" altLang="en-US"/>
+          </a:p>
+        </p:txBody>
+      </p:sp>
+      <p:cxnSp>
+        <p:nvCxnSpPr>
+          <p:cNvPr id="21" name="直線コネクタ 20">
+            <a:extLst>
+              <a:ext uri="{FF2B5EF4-FFF2-40B4-BE49-F238E27FC236}">
+                <a16:creationId xmlns:a16="http://schemas.microsoft.com/office/drawing/2014/main" id="{0994E5CC-69CD-44B9-AA9A-53038654352E}"/>
+              </a:ext>
+            </a:extLst>
+          </p:cNvPr>
+          <p:cNvCxnSpPr>
+            <a:cxnSpLocks/>
+          </p:cNvCxnSpPr>
+          <p:nvPr/>
+        </p:nvCxnSpPr>
+        <p:spPr>
+          <a:xfrm>
+            <a:off x="2123728" y="5013176"/>
+            <a:ext cx="432048" cy="0"/>
+          </a:xfrm>
+          <a:prstGeom prst="line">
+            <a:avLst/>
+          </a:prstGeom>
+          <a:ln w="57150">
+            <a:solidFill>
+              <a:schemeClr val="tx1"/>
+            </a:solidFill>
+            <a:headEnd type="none" w="med" len="med"/>
+            <a:tailEnd type="none" w="med" len="med"/>
+          </a:ln>
+        </p:spPr>
+        <p:style>
+          <a:lnRef idx="1">
+            <a:schemeClr val="accent1"/>
+          </a:lnRef>
+          <a:fillRef idx="0">
+            <a:schemeClr val="accent1"/>
+          </a:fillRef>
+          <a:effectRef idx="0">
+            <a:schemeClr val="accent1"/>
+          </a:effectRef>
+          <a:fontRef idx="minor">
+            <a:schemeClr val="tx1"/>
+          </a:fontRef>
+        </p:style>
+      </p:cxnSp>
+      <p:sp>
+        <p:nvSpPr>
+          <p:cNvPr id="22" name="楕円 4">
+            <a:extLst>
+              <a:ext uri="{FF2B5EF4-FFF2-40B4-BE49-F238E27FC236}">
+                <a16:creationId xmlns:a16="http://schemas.microsoft.com/office/drawing/2014/main" id="{550B272E-C4F7-44B5-9516-F49E3BD704C5}"/>
+              </a:ext>
+            </a:extLst>
+          </p:cNvPr>
+          <p:cNvSpPr/>
+          <p:nvPr/>
+        </p:nvSpPr>
+        <p:spPr>
+          <a:xfrm>
+            <a:off x="3275856" y="4869160"/>
+            <a:ext cx="288032" cy="288032"/>
+          </a:xfrm>
+          <a:prstGeom prst="ellipse">
+            <a:avLst/>
+          </a:prstGeom>
+          <a:solidFill>
+            <a:srgbClr val="FF0000"/>
+          </a:solidFill>
+          <a:ln>
+            <a:solidFill>
+              <a:schemeClr val="tx1"/>
+            </a:solidFill>
+          </a:ln>
+        </p:spPr>
+        <p:style>
+          <a:lnRef idx="2">
+            <a:schemeClr val="accent1">
+              <a:shade val="50000"/>
+            </a:schemeClr>
+          </a:lnRef>
+          <a:fillRef idx="1">
+            <a:schemeClr val="accent1"/>
+          </a:fillRef>
+          <a:effectRef idx="0">
+            <a:schemeClr val="accent1"/>
+          </a:effectRef>
+          <a:fontRef idx="minor">
+            <a:schemeClr val="lt1"/>
+          </a:fontRef>
+        </p:style>
+        <p:txBody>
+          <a:bodyPr rtlCol="0" anchor="ctr"/>
+          <a:lstStyle/>
+          <a:p>
+            <a:pPr algn="ctr"/>
+            <a:endParaRPr kumimoji="1" lang="ja-JP" altLang="en-US"/>
+          </a:p>
+        </p:txBody>
+      </p:sp>
+      <p:cxnSp>
+        <p:nvCxnSpPr>
+          <p:cNvPr id="23" name="直線コネクタ 22">
+            <a:extLst>
+              <a:ext uri="{FF2B5EF4-FFF2-40B4-BE49-F238E27FC236}">
+                <a16:creationId xmlns:a16="http://schemas.microsoft.com/office/drawing/2014/main" id="{4F12F2C8-C111-440C-845A-DED07EA91D1B}"/>
+              </a:ext>
+            </a:extLst>
+          </p:cNvPr>
+          <p:cNvCxnSpPr>
+            <a:cxnSpLocks/>
+          </p:cNvCxnSpPr>
+          <p:nvPr/>
+        </p:nvCxnSpPr>
+        <p:spPr>
+          <a:xfrm>
+            <a:off x="2843808" y="5013176"/>
+            <a:ext cx="432048" cy="0"/>
+          </a:xfrm>
+          <a:prstGeom prst="line">
+            <a:avLst/>
+          </a:prstGeom>
+          <a:ln w="57150">
+            <a:solidFill>
+              <a:srgbClr val="FF0000"/>
+            </a:solidFill>
+            <a:headEnd type="none" w="med" len="med"/>
+            <a:tailEnd type="none" w="med" len="med"/>
+          </a:ln>
+        </p:spPr>
+        <p:style>
+          <a:lnRef idx="1">
+            <a:schemeClr val="accent1"/>
+          </a:lnRef>
+          <a:fillRef idx="0">
+            <a:schemeClr val="accent1"/>
+          </a:fillRef>
+          <a:effectRef idx="0">
+            <a:schemeClr val="accent1"/>
+          </a:effectRef>
+          <a:fontRef idx="minor">
+            <a:schemeClr val="tx1"/>
+          </a:fontRef>
+        </p:style>
+      </p:cxnSp>
+      <p:sp>
+        <p:nvSpPr>
+          <p:cNvPr id="24" name="四角形: 角を丸くする 23">
+            <a:extLst>
+              <a:ext uri="{FF2B5EF4-FFF2-40B4-BE49-F238E27FC236}">
+                <a16:creationId xmlns:a16="http://schemas.microsoft.com/office/drawing/2014/main" id="{AB6EC0F7-12D7-45B3-BA46-430C6E891F5B}"/>
+              </a:ext>
+            </a:extLst>
+          </p:cNvPr>
+          <p:cNvSpPr/>
+          <p:nvPr/>
+        </p:nvSpPr>
+        <p:spPr>
+          <a:xfrm>
+            <a:off x="971600" y="3933056"/>
+            <a:ext cx="3456384" cy="2088232"/>
+          </a:xfrm>
+          <a:prstGeom prst="roundRect">
+            <a:avLst/>
+          </a:prstGeom>
+          <a:noFill/>
+          <a:ln w="28575">
+            <a:solidFill>
+              <a:schemeClr val="tx1"/>
+            </a:solidFill>
+            <a:prstDash val="dash"/>
+          </a:ln>
+        </p:spPr>
+        <p:style>
+          <a:lnRef idx="2">
+            <a:schemeClr val="accent1">
+              <a:shade val="50000"/>
+            </a:schemeClr>
+          </a:lnRef>
+          <a:fillRef idx="1">
+            <a:schemeClr val="accent1"/>
+          </a:fillRef>
+          <a:effectRef idx="0">
+            <a:schemeClr val="accent1"/>
+          </a:effectRef>
+          <a:fontRef idx="minor">
+            <a:schemeClr val="lt1"/>
+          </a:fontRef>
+        </p:style>
+        <p:txBody>
+          <a:bodyPr rtlCol="0" anchor="ctr"/>
+          <a:lstStyle/>
+          <a:p>
+            <a:pPr algn="ctr"/>
+            <a:endParaRPr kumimoji="1" lang="ja-JP" altLang="en-US"/>
+          </a:p>
+        </p:txBody>
+      </p:sp>
+      <p:sp>
+        <p:nvSpPr>
+          <p:cNvPr id="25" name="四角形: 1 つの角を切り取り 1 つの角を丸める 24">
+            <a:extLst>
+              <a:ext uri="{FF2B5EF4-FFF2-40B4-BE49-F238E27FC236}">
+                <a16:creationId xmlns:a16="http://schemas.microsoft.com/office/drawing/2014/main" id="{7023E49A-6669-415C-BC4C-6D208825E100}"/>
+              </a:ext>
+            </a:extLst>
+          </p:cNvPr>
+          <p:cNvSpPr/>
+          <p:nvPr/>
+        </p:nvSpPr>
+        <p:spPr>
+          <a:xfrm>
+            <a:off x="2589684" y="5517232"/>
+            <a:ext cx="1656184" cy="360040"/>
+          </a:xfrm>
+          <a:prstGeom prst="snipRoundRect">
+            <a:avLst>
+              <a:gd name="adj1" fmla="val 16667"/>
+              <a:gd name="adj2" fmla="val 35924"/>
+            </a:avLst>
+          </a:prstGeom>
+          <a:solidFill>
+            <a:srgbClr val="FF99FF"/>
+          </a:solidFill>
+          <a:ln>
+            <a:solidFill>
+              <a:schemeClr val="tx1"/>
+            </a:solidFill>
+          </a:ln>
+        </p:spPr>
+        <p:style>
+          <a:lnRef idx="2">
+            <a:schemeClr val="accent1">
+              <a:shade val="50000"/>
+            </a:schemeClr>
+          </a:lnRef>
+          <a:fillRef idx="1">
+            <a:schemeClr val="accent1"/>
+          </a:fillRef>
+          <a:effectRef idx="0">
+            <a:schemeClr val="accent1"/>
+          </a:effectRef>
+          <a:fontRef idx="minor">
+            <a:schemeClr val="lt1"/>
+          </a:fontRef>
+        </p:style>
+        <p:txBody>
+          <a:bodyPr rtlCol="0" anchor="ctr"/>
+          <a:lstStyle/>
+          <a:p>
+            <a:pPr algn="ctr"/>
+            <a:r>
+              <a:rPr kumimoji="1" lang="en-US" altLang="ja-JP">
+                <a:solidFill>
+                  <a:sysClr val="windowText" lastClr="000000"/>
+                </a:solidFill>
+                <a:latin typeface="Consolas" panose="020B0609020204030204" pitchFamily="49" charset="0"/>
+              </a:rPr>
+              <a:t>origin/main</a:t>
+            </a:r>
+            <a:endParaRPr kumimoji="1" lang="ja-JP" altLang="en-US">
+              <a:solidFill>
+                <a:sysClr val="windowText" lastClr="000000"/>
+              </a:solidFill>
+              <a:latin typeface="Consolas" panose="020B0609020204030204" pitchFamily="49" charset="0"/>
+            </a:endParaRPr>
+          </a:p>
+        </p:txBody>
+      </p:sp>
+      <p:cxnSp>
+        <p:nvCxnSpPr>
+          <p:cNvPr id="27" name="直線矢印コネクタ 26">
+            <a:extLst>
+              <a:ext uri="{FF2B5EF4-FFF2-40B4-BE49-F238E27FC236}">
+                <a16:creationId xmlns:a16="http://schemas.microsoft.com/office/drawing/2014/main" id="{9B03E3E6-B9E1-4A28-A2A9-C2A0DDF1ADF9}"/>
+              </a:ext>
+            </a:extLst>
+          </p:cNvPr>
+          <p:cNvCxnSpPr>
+            <a:stCxn id="25" idx="3"/>
+            <a:endCxn id="22" idx="4"/>
+          </p:cNvCxnSpPr>
+          <p:nvPr/>
+        </p:nvCxnSpPr>
+        <p:spPr>
+          <a:xfrm flipV="1">
+            <a:off x="3417776" y="5157192"/>
+            <a:ext cx="2096" cy="360040"/>
+          </a:xfrm>
+          <a:prstGeom prst="straightConnector1">
+            <a:avLst/>
+          </a:prstGeom>
+          <a:ln w="12700">
+            <a:solidFill>
+              <a:schemeClr val="tx1"/>
+            </a:solidFill>
+            <a:tailEnd type="triangle"/>
+          </a:ln>
+        </p:spPr>
+        <p:style>
+          <a:lnRef idx="1">
+            <a:schemeClr val="accent1"/>
+          </a:lnRef>
+          <a:fillRef idx="0">
+            <a:schemeClr val="accent1"/>
+          </a:fillRef>
+          <a:effectRef idx="0">
+            <a:schemeClr val="accent1"/>
+          </a:effectRef>
+          <a:fontRef idx="minor">
+            <a:schemeClr val="tx1"/>
+          </a:fontRef>
+        </p:style>
+      </p:cxnSp>
+      <p:sp>
+        <p:nvSpPr>
+          <p:cNvPr id="28" name="右矢印 43">
+            <a:extLst>
+              <a:ext uri="{FF2B5EF4-FFF2-40B4-BE49-F238E27FC236}">
+                <a16:creationId xmlns:a16="http://schemas.microsoft.com/office/drawing/2014/main" id="{ECE2C967-5EF3-4EC9-AD41-359AFE828987}"/>
+              </a:ext>
+            </a:extLst>
+          </p:cNvPr>
+          <p:cNvSpPr/>
+          <p:nvPr/>
+        </p:nvSpPr>
+        <p:spPr>
+          <a:xfrm rot="5400000">
+            <a:off x="2411760" y="2852936"/>
+            <a:ext cx="566352" cy="566352"/>
+          </a:xfrm>
+          <a:prstGeom prst="rightArrow">
+            <a:avLst/>
+          </a:prstGeom>
+          <a:solidFill>
+            <a:srgbClr val="FF0000"/>
+          </a:solidFill>
+          <a:ln>
+            <a:solidFill>
+              <a:schemeClr val="tx1"/>
+            </a:solidFill>
+          </a:ln>
+        </p:spPr>
+        <p:style>
+          <a:lnRef idx="2">
+            <a:schemeClr val="accent1">
+              <a:shade val="50000"/>
+            </a:schemeClr>
+          </a:lnRef>
+          <a:fillRef idx="1">
+            <a:schemeClr val="accent1"/>
+          </a:fillRef>
+          <a:effectRef idx="0">
+            <a:schemeClr val="accent1"/>
+          </a:effectRef>
+          <a:fontRef idx="minor">
+            <a:schemeClr val="lt1"/>
+          </a:fontRef>
+        </p:style>
+        <p:txBody>
+          <a:bodyPr rtlCol="0" anchor="ctr"/>
+          <a:lstStyle/>
+          <a:p>
+            <a:pPr algn="ctr"/>
+            <a:endParaRPr kumimoji="1" lang="ja-JP" altLang="en-US"/>
+          </a:p>
+        </p:txBody>
+      </p:sp>
+      <p:sp>
+        <p:nvSpPr>
+          <p:cNvPr id="29" name="テキスト ボックス 28">
+            <a:extLst>
+              <a:ext uri="{FF2B5EF4-FFF2-40B4-BE49-F238E27FC236}">
+                <a16:creationId xmlns:a16="http://schemas.microsoft.com/office/drawing/2014/main" id="{C0315734-85AF-4BC9-B382-2150E8323830}"/>
+              </a:ext>
+            </a:extLst>
+          </p:cNvPr>
+          <p:cNvSpPr txBox="1"/>
+          <p:nvPr/>
+        </p:nvSpPr>
+        <p:spPr>
+          <a:xfrm>
+            <a:off x="1691680" y="3501008"/>
+            <a:ext cx="2262158" cy="369332"/>
+          </a:xfrm>
+          <a:prstGeom prst="rect">
+            <a:avLst/>
+          </a:prstGeom>
+          <a:noFill/>
+        </p:spPr>
+        <p:txBody>
+          <a:bodyPr wrap="none" rtlCol="0">
+            <a:spAutoFit/>
+          </a:bodyPr>
+          <a:lstStyle/>
+          <a:p>
+            <a:pPr algn="ctr"/>
+            <a:r>
+              <a:rPr lang="ja-JP" altLang="en-US"/>
+              <a:t>ローカルリポジトリ</a:t>
+            </a:r>
+            <a:endParaRPr kumimoji="1" lang="en-US" altLang="ja-JP" dirty="0"/>
+          </a:p>
+        </p:txBody>
+      </p:sp>
+      <p:sp>
+        <p:nvSpPr>
+          <p:cNvPr id="30" name="右矢印 43">
+            <a:extLst>
+              <a:ext uri="{FF2B5EF4-FFF2-40B4-BE49-F238E27FC236}">
+                <a16:creationId xmlns:a16="http://schemas.microsoft.com/office/drawing/2014/main" id="{1889126D-E699-4CBF-8876-D5F1DB92ADA2}"/>
+              </a:ext>
+            </a:extLst>
+          </p:cNvPr>
+          <p:cNvSpPr/>
+          <p:nvPr/>
+        </p:nvSpPr>
+        <p:spPr>
+          <a:xfrm>
+            <a:off x="4644008" y="4653136"/>
+            <a:ext cx="566352" cy="566352"/>
+          </a:xfrm>
+          <a:prstGeom prst="rightArrow">
+            <a:avLst/>
+          </a:prstGeom>
+          <a:solidFill>
+            <a:srgbClr val="FF0000"/>
+          </a:solidFill>
+          <a:ln>
+            <a:solidFill>
+              <a:schemeClr val="tx1"/>
+            </a:solidFill>
+          </a:ln>
+        </p:spPr>
+        <p:style>
+          <a:lnRef idx="2">
+            <a:schemeClr val="accent1">
+              <a:shade val="50000"/>
+            </a:schemeClr>
+          </a:lnRef>
+          <a:fillRef idx="1">
+            <a:schemeClr val="accent1"/>
+          </a:fillRef>
+          <a:effectRef idx="0">
+            <a:schemeClr val="accent1"/>
+          </a:effectRef>
+          <a:fontRef idx="minor">
+            <a:schemeClr val="lt1"/>
+          </a:fontRef>
+        </p:style>
+        <p:txBody>
+          <a:bodyPr rtlCol="0" anchor="ctr"/>
+          <a:lstStyle/>
+          <a:p>
+            <a:pPr algn="ctr"/>
+            <a:endParaRPr kumimoji="1" lang="ja-JP" altLang="en-US"/>
+          </a:p>
+        </p:txBody>
+      </p:sp>
+      <p:sp>
+        <p:nvSpPr>
+          <p:cNvPr id="31" name="楕円 4">
+            <a:extLst>
+              <a:ext uri="{FF2B5EF4-FFF2-40B4-BE49-F238E27FC236}">
+                <a16:creationId xmlns:a16="http://schemas.microsoft.com/office/drawing/2014/main" id="{C19FA9A6-8250-4949-B962-58E31E58CAE9}"/>
+              </a:ext>
+            </a:extLst>
+          </p:cNvPr>
+          <p:cNvSpPr/>
+          <p:nvPr/>
+        </p:nvSpPr>
+        <p:spPr>
+          <a:xfrm>
+            <a:off x="6300192" y="4725144"/>
+            <a:ext cx="288032" cy="288032"/>
+          </a:xfrm>
+          <a:prstGeom prst="ellipse">
+            <a:avLst/>
+          </a:prstGeom>
+          <a:solidFill>
+            <a:srgbClr val="011893"/>
+          </a:solidFill>
+          <a:ln>
+            <a:solidFill>
+              <a:schemeClr val="tx1"/>
+            </a:solidFill>
+          </a:ln>
+        </p:spPr>
+        <p:style>
+          <a:lnRef idx="2">
+            <a:schemeClr val="accent1">
+              <a:shade val="50000"/>
+            </a:schemeClr>
+          </a:lnRef>
+          <a:fillRef idx="1">
+            <a:schemeClr val="accent1"/>
+          </a:fillRef>
+          <a:effectRef idx="0">
+            <a:schemeClr val="accent1"/>
+          </a:effectRef>
+          <a:fontRef idx="minor">
+            <a:schemeClr val="lt1"/>
+          </a:fontRef>
+        </p:style>
+        <p:txBody>
+          <a:bodyPr rtlCol="0" anchor="ctr"/>
+          <a:lstStyle/>
+          <a:p>
+            <a:pPr algn="ctr"/>
+            <a:endParaRPr kumimoji="1" lang="ja-JP" altLang="en-US"/>
+          </a:p>
+        </p:txBody>
+      </p:sp>
+      <p:sp>
+        <p:nvSpPr>
+          <p:cNvPr id="32" name="四角形: 1 つの角を切り取り 1 つの角を丸める 31">
+            <a:extLst>
+              <a:ext uri="{FF2B5EF4-FFF2-40B4-BE49-F238E27FC236}">
+                <a16:creationId xmlns:a16="http://schemas.microsoft.com/office/drawing/2014/main" id="{B7194159-BBB4-400A-B5BE-388B7ADE8D3B}"/>
+              </a:ext>
+            </a:extLst>
+          </p:cNvPr>
+          <p:cNvSpPr/>
+          <p:nvPr/>
+        </p:nvSpPr>
+        <p:spPr>
+          <a:xfrm>
+            <a:off x="7308304" y="4026768"/>
+            <a:ext cx="1152128" cy="338336"/>
+          </a:xfrm>
+          <a:prstGeom prst="snipRoundRect">
+            <a:avLst>
+              <a:gd name="adj1" fmla="val 16667"/>
+              <a:gd name="adj2" fmla="val 35924"/>
+            </a:avLst>
+          </a:prstGeom>
+          <a:solidFill>
+            <a:schemeClr val="accent6">
+              <a:lumMod val="20000"/>
+              <a:lumOff val="80000"/>
+            </a:schemeClr>
+          </a:solidFill>
+          <a:ln>
+            <a:solidFill>
+              <a:schemeClr val="tx1"/>
+            </a:solidFill>
+          </a:ln>
+        </p:spPr>
+        <p:style>
+          <a:lnRef idx="2">
+            <a:schemeClr val="accent1">
+              <a:shade val="50000"/>
+            </a:schemeClr>
+          </a:lnRef>
+          <a:fillRef idx="1">
+            <a:schemeClr val="accent1"/>
+          </a:fillRef>
+          <a:effectRef idx="0">
+            <a:schemeClr val="accent1"/>
+          </a:effectRef>
+          <a:fontRef idx="minor">
+            <a:schemeClr val="lt1"/>
+          </a:fontRef>
+        </p:style>
+        <p:txBody>
+          <a:bodyPr rtlCol="0" anchor="ctr"/>
+          <a:lstStyle/>
+          <a:p>
+            <a:pPr algn="ctr"/>
+            <a:r>
+              <a:rPr kumimoji="1" lang="en-US" altLang="ja-JP">
+                <a:solidFill>
+                  <a:sysClr val="windowText" lastClr="000000"/>
+                </a:solidFill>
+                <a:latin typeface="Consolas" panose="020B0609020204030204" pitchFamily="49" charset="0"/>
+              </a:rPr>
+              <a:t>main</a:t>
+            </a:r>
+            <a:endParaRPr kumimoji="1" lang="ja-JP" altLang="en-US">
+              <a:solidFill>
+                <a:sysClr val="windowText" lastClr="000000"/>
+              </a:solidFill>
+              <a:latin typeface="Consolas" panose="020B0609020204030204" pitchFamily="49" charset="0"/>
+            </a:endParaRPr>
+          </a:p>
+        </p:txBody>
+      </p:sp>
+      <p:cxnSp>
+        <p:nvCxnSpPr>
+          <p:cNvPr id="33" name="直線矢印コネクタ 32">
+            <a:extLst>
+              <a:ext uri="{FF2B5EF4-FFF2-40B4-BE49-F238E27FC236}">
+                <a16:creationId xmlns:a16="http://schemas.microsoft.com/office/drawing/2014/main" id="{173E23F5-55A6-4BEA-B381-90AEC6F897CA}"/>
+              </a:ext>
+            </a:extLst>
+          </p:cNvPr>
+          <p:cNvCxnSpPr>
+            <a:cxnSpLocks/>
+            <a:stCxn id="32" idx="1"/>
+          </p:cNvCxnSpPr>
+          <p:nvPr/>
+        </p:nvCxnSpPr>
+        <p:spPr>
+          <a:xfrm>
+            <a:off x="7884368" y="4365104"/>
+            <a:ext cx="0" cy="381744"/>
+          </a:xfrm>
+          <a:prstGeom prst="straightConnector1">
+            <a:avLst/>
+          </a:prstGeom>
+          <a:ln w="12700">
+            <a:solidFill>
+              <a:schemeClr val="tx1"/>
+            </a:solidFill>
+            <a:tailEnd type="triangle"/>
+          </a:ln>
+        </p:spPr>
+        <p:style>
+          <a:lnRef idx="1">
+            <a:schemeClr val="accent1"/>
+          </a:lnRef>
+          <a:fillRef idx="0">
+            <a:schemeClr val="accent1"/>
+          </a:fillRef>
+          <a:effectRef idx="0">
+            <a:schemeClr val="accent1"/>
+          </a:effectRef>
+          <a:fontRef idx="minor">
+            <a:schemeClr val="tx1"/>
+          </a:fontRef>
+        </p:style>
+      </p:cxnSp>
+      <p:sp>
+        <p:nvSpPr>
+          <p:cNvPr id="34" name="楕円 33">
+            <a:extLst>
+              <a:ext uri="{FF2B5EF4-FFF2-40B4-BE49-F238E27FC236}">
+                <a16:creationId xmlns:a16="http://schemas.microsoft.com/office/drawing/2014/main" id="{F608AAF4-0D2F-4749-AD88-C81CACEE1BDB}"/>
+              </a:ext>
+            </a:extLst>
+          </p:cNvPr>
+          <p:cNvSpPr/>
+          <p:nvPr/>
+        </p:nvSpPr>
+        <p:spPr>
+          <a:xfrm>
+            <a:off x="5580112" y="4725144"/>
+            <a:ext cx="288032" cy="288032"/>
+          </a:xfrm>
+          <a:prstGeom prst="ellipse">
+            <a:avLst/>
+          </a:prstGeom>
+          <a:solidFill>
+            <a:srgbClr val="011893"/>
+          </a:solidFill>
+          <a:ln>
+            <a:solidFill>
+              <a:schemeClr val="tx1"/>
+            </a:solidFill>
+          </a:ln>
+        </p:spPr>
+        <p:style>
+          <a:lnRef idx="2">
+            <a:schemeClr val="accent1">
+              <a:shade val="50000"/>
+            </a:schemeClr>
+          </a:lnRef>
+          <a:fillRef idx="1">
+            <a:schemeClr val="accent1"/>
+          </a:fillRef>
+          <a:effectRef idx="0">
+            <a:schemeClr val="accent1"/>
+          </a:effectRef>
+          <a:fontRef idx="minor">
+            <a:schemeClr val="lt1"/>
+          </a:fontRef>
+        </p:style>
+        <p:txBody>
+          <a:bodyPr rtlCol="0" anchor="ctr"/>
+          <a:lstStyle/>
+          <a:p>
+            <a:pPr algn="ctr"/>
+            <a:endParaRPr kumimoji="1" lang="ja-JP" altLang="en-US"/>
+          </a:p>
+        </p:txBody>
+      </p:sp>
+      <p:cxnSp>
+        <p:nvCxnSpPr>
+          <p:cNvPr id="35" name="直線コネクタ 34">
+            <a:extLst>
+              <a:ext uri="{FF2B5EF4-FFF2-40B4-BE49-F238E27FC236}">
+                <a16:creationId xmlns:a16="http://schemas.microsoft.com/office/drawing/2014/main" id="{0F4C468F-29C5-4591-A01E-DD1E70DB4303}"/>
+              </a:ext>
+            </a:extLst>
+          </p:cNvPr>
+          <p:cNvCxnSpPr>
+            <a:cxnSpLocks/>
+            <a:stCxn id="34" idx="6"/>
+          </p:cNvCxnSpPr>
+          <p:nvPr/>
+        </p:nvCxnSpPr>
+        <p:spPr>
+          <a:xfrm>
+            <a:off x="5868144" y="4869160"/>
+            <a:ext cx="432048" cy="0"/>
+          </a:xfrm>
+          <a:prstGeom prst="line">
+            <a:avLst/>
+          </a:prstGeom>
+          <a:ln w="57150">
+            <a:solidFill>
+              <a:schemeClr val="tx1"/>
+            </a:solidFill>
+            <a:headEnd type="none" w="med" len="med"/>
+            <a:tailEnd type="none" w="med" len="med"/>
+          </a:ln>
+        </p:spPr>
+        <p:style>
+          <a:lnRef idx="1">
+            <a:schemeClr val="accent1"/>
+          </a:lnRef>
+          <a:fillRef idx="0">
+            <a:schemeClr val="accent1"/>
+          </a:fillRef>
+          <a:effectRef idx="0">
+            <a:schemeClr val="accent1"/>
+          </a:effectRef>
+          <a:fontRef idx="minor">
+            <a:schemeClr val="tx1"/>
+          </a:fontRef>
+        </p:style>
+      </p:cxnSp>
+      <p:sp>
+        <p:nvSpPr>
+          <p:cNvPr id="36" name="楕円 4">
+            <a:extLst>
+              <a:ext uri="{FF2B5EF4-FFF2-40B4-BE49-F238E27FC236}">
+                <a16:creationId xmlns:a16="http://schemas.microsoft.com/office/drawing/2014/main" id="{8F9DF7E7-C568-4D7B-97F8-544B373F7883}"/>
+              </a:ext>
+            </a:extLst>
+          </p:cNvPr>
+          <p:cNvSpPr/>
+          <p:nvPr/>
+        </p:nvSpPr>
+        <p:spPr>
+          <a:xfrm>
+            <a:off x="7020272" y="4725144"/>
+            <a:ext cx="288032" cy="288032"/>
+          </a:xfrm>
+          <a:prstGeom prst="ellipse">
+            <a:avLst/>
+          </a:prstGeom>
+          <a:solidFill>
+            <a:srgbClr val="011893"/>
+          </a:solidFill>
+          <a:ln>
+            <a:solidFill>
+              <a:schemeClr val="tx1"/>
+            </a:solidFill>
+          </a:ln>
+        </p:spPr>
+        <p:style>
+          <a:lnRef idx="2">
+            <a:schemeClr val="accent1">
+              <a:shade val="50000"/>
+            </a:schemeClr>
+          </a:lnRef>
+          <a:fillRef idx="1">
+            <a:schemeClr val="accent1"/>
+          </a:fillRef>
+          <a:effectRef idx="0">
+            <a:schemeClr val="accent1"/>
+          </a:effectRef>
+          <a:fontRef idx="minor">
+            <a:schemeClr val="lt1"/>
+          </a:fontRef>
+        </p:style>
+        <p:txBody>
+          <a:bodyPr rtlCol="0" anchor="ctr"/>
+          <a:lstStyle/>
+          <a:p>
+            <a:pPr algn="ctr"/>
+            <a:endParaRPr kumimoji="1" lang="ja-JP" altLang="en-US"/>
+          </a:p>
+        </p:txBody>
+      </p:sp>
+      <p:cxnSp>
+        <p:nvCxnSpPr>
+          <p:cNvPr id="37" name="直線コネクタ 36">
+            <a:extLst>
+              <a:ext uri="{FF2B5EF4-FFF2-40B4-BE49-F238E27FC236}">
+                <a16:creationId xmlns:a16="http://schemas.microsoft.com/office/drawing/2014/main" id="{C1301F2F-58DF-45FE-95E5-F5AE133084F3}"/>
+              </a:ext>
+            </a:extLst>
+          </p:cNvPr>
+          <p:cNvCxnSpPr>
+            <a:cxnSpLocks/>
+          </p:cNvCxnSpPr>
+          <p:nvPr/>
+        </p:nvCxnSpPr>
+        <p:spPr>
+          <a:xfrm>
+            <a:off x="6588224" y="4869160"/>
+            <a:ext cx="432048" cy="0"/>
+          </a:xfrm>
+          <a:prstGeom prst="line">
+            <a:avLst/>
+          </a:prstGeom>
+          <a:ln w="57150">
+            <a:solidFill>
+              <a:schemeClr val="tx1"/>
+            </a:solidFill>
+            <a:headEnd type="none" w="med" len="med"/>
+            <a:tailEnd type="none" w="med" len="med"/>
+          </a:ln>
+        </p:spPr>
+        <p:style>
+          <a:lnRef idx="1">
+            <a:schemeClr val="accent1"/>
+          </a:lnRef>
+          <a:fillRef idx="0">
+            <a:schemeClr val="accent1"/>
+          </a:fillRef>
+          <a:effectRef idx="0">
+            <a:schemeClr val="accent1"/>
+          </a:effectRef>
+          <a:fontRef idx="minor">
+            <a:schemeClr val="tx1"/>
+          </a:fontRef>
+        </p:style>
+      </p:cxnSp>
+      <p:sp>
+        <p:nvSpPr>
+          <p:cNvPr id="38" name="楕円 4">
+            <a:extLst>
+              <a:ext uri="{FF2B5EF4-FFF2-40B4-BE49-F238E27FC236}">
+                <a16:creationId xmlns:a16="http://schemas.microsoft.com/office/drawing/2014/main" id="{8A301B0C-E3D5-465D-8CB7-5942D18B33E9}"/>
+              </a:ext>
+            </a:extLst>
+          </p:cNvPr>
+          <p:cNvSpPr/>
+          <p:nvPr/>
+        </p:nvSpPr>
+        <p:spPr>
+          <a:xfrm>
+            <a:off x="7740352" y="4725144"/>
+            <a:ext cx="288032" cy="288032"/>
+          </a:xfrm>
+          <a:prstGeom prst="ellipse">
+            <a:avLst/>
+          </a:prstGeom>
+          <a:solidFill>
+            <a:srgbClr val="FF0000"/>
+          </a:solidFill>
+          <a:ln>
+            <a:solidFill>
+              <a:schemeClr val="tx1"/>
+            </a:solidFill>
+          </a:ln>
+        </p:spPr>
+        <p:style>
+          <a:lnRef idx="2">
+            <a:schemeClr val="accent1">
+              <a:shade val="50000"/>
+            </a:schemeClr>
+          </a:lnRef>
+          <a:fillRef idx="1">
+            <a:schemeClr val="accent1"/>
+          </a:fillRef>
+          <a:effectRef idx="0">
+            <a:schemeClr val="accent1"/>
+          </a:effectRef>
+          <a:fontRef idx="minor">
+            <a:schemeClr val="lt1"/>
+          </a:fontRef>
+        </p:style>
+        <p:txBody>
+          <a:bodyPr rtlCol="0" anchor="ctr"/>
+          <a:lstStyle/>
+          <a:p>
+            <a:pPr algn="ctr"/>
+            <a:endParaRPr kumimoji="1" lang="ja-JP" altLang="en-US"/>
+          </a:p>
+        </p:txBody>
+      </p:sp>
+      <p:cxnSp>
+        <p:nvCxnSpPr>
+          <p:cNvPr id="39" name="直線コネクタ 38">
+            <a:extLst>
+              <a:ext uri="{FF2B5EF4-FFF2-40B4-BE49-F238E27FC236}">
+                <a16:creationId xmlns:a16="http://schemas.microsoft.com/office/drawing/2014/main" id="{07345FE6-B439-406A-907B-AA05F8A413AA}"/>
+              </a:ext>
+            </a:extLst>
+          </p:cNvPr>
+          <p:cNvCxnSpPr>
+            <a:cxnSpLocks/>
+          </p:cNvCxnSpPr>
+          <p:nvPr/>
+        </p:nvCxnSpPr>
+        <p:spPr>
+          <a:xfrm>
+            <a:off x="7308304" y="4869160"/>
+            <a:ext cx="432048" cy="0"/>
+          </a:xfrm>
+          <a:prstGeom prst="line">
+            <a:avLst/>
+          </a:prstGeom>
+          <a:ln w="57150">
+            <a:solidFill>
+              <a:srgbClr val="FF0000"/>
+            </a:solidFill>
+            <a:headEnd type="none" w="med" len="med"/>
+            <a:tailEnd type="none" w="med" len="med"/>
+          </a:ln>
+        </p:spPr>
+        <p:style>
+          <a:lnRef idx="1">
+            <a:schemeClr val="accent1"/>
+          </a:lnRef>
+          <a:fillRef idx="0">
+            <a:schemeClr val="accent1"/>
+          </a:fillRef>
+          <a:effectRef idx="0">
+            <a:schemeClr val="accent1"/>
+          </a:effectRef>
+          <a:fontRef idx="minor">
+            <a:schemeClr val="tx1"/>
+          </a:fontRef>
+        </p:style>
+      </p:cxnSp>
+      <p:sp>
+        <p:nvSpPr>
+          <p:cNvPr id="40" name="四角形: 角を丸くする 39">
+            <a:extLst>
+              <a:ext uri="{FF2B5EF4-FFF2-40B4-BE49-F238E27FC236}">
+                <a16:creationId xmlns:a16="http://schemas.microsoft.com/office/drawing/2014/main" id="{D34575D4-513E-4FA4-ABC0-1A083BC9CA73}"/>
+              </a:ext>
+            </a:extLst>
+          </p:cNvPr>
+          <p:cNvSpPr/>
+          <p:nvPr/>
+        </p:nvSpPr>
+        <p:spPr>
+          <a:xfrm>
+            <a:off x="5436096" y="3789040"/>
+            <a:ext cx="3456384" cy="2088232"/>
+          </a:xfrm>
+          <a:prstGeom prst="roundRect">
+            <a:avLst/>
+          </a:prstGeom>
+          <a:noFill/>
+          <a:ln w="28575">
+            <a:solidFill>
+              <a:schemeClr val="tx1"/>
+            </a:solidFill>
+            <a:prstDash val="dash"/>
+          </a:ln>
+        </p:spPr>
+        <p:style>
+          <a:lnRef idx="2">
+            <a:schemeClr val="accent1">
+              <a:shade val="50000"/>
+            </a:schemeClr>
+          </a:lnRef>
+          <a:fillRef idx="1">
+            <a:schemeClr val="accent1"/>
+          </a:fillRef>
+          <a:effectRef idx="0">
+            <a:schemeClr val="accent1"/>
+          </a:effectRef>
+          <a:fontRef idx="minor">
+            <a:schemeClr val="lt1"/>
+          </a:fontRef>
+        </p:style>
+        <p:txBody>
+          <a:bodyPr rtlCol="0" anchor="ctr"/>
+          <a:lstStyle/>
+          <a:p>
+            <a:pPr algn="ctr"/>
+            <a:endParaRPr kumimoji="1" lang="ja-JP" altLang="en-US"/>
+          </a:p>
+        </p:txBody>
+      </p:sp>
+      <p:sp>
+        <p:nvSpPr>
+          <p:cNvPr id="41" name="四角形: 1 つの角を切り取り 1 つの角を丸める 40">
+            <a:extLst>
+              <a:ext uri="{FF2B5EF4-FFF2-40B4-BE49-F238E27FC236}">
+                <a16:creationId xmlns:a16="http://schemas.microsoft.com/office/drawing/2014/main" id="{27F2F7BE-2CBA-47F6-B554-B9C45174DBCB}"/>
+              </a:ext>
+            </a:extLst>
+          </p:cNvPr>
+          <p:cNvSpPr/>
+          <p:nvPr/>
+        </p:nvSpPr>
+        <p:spPr>
+          <a:xfrm>
+            <a:off x="7054180" y="5373216"/>
+            <a:ext cx="1656184" cy="360040"/>
+          </a:xfrm>
+          <a:prstGeom prst="snipRoundRect">
+            <a:avLst>
+              <a:gd name="adj1" fmla="val 16667"/>
+              <a:gd name="adj2" fmla="val 35924"/>
+            </a:avLst>
+          </a:prstGeom>
+          <a:solidFill>
+            <a:srgbClr val="FF99FF"/>
+          </a:solidFill>
+          <a:ln>
+            <a:solidFill>
+              <a:schemeClr val="tx1"/>
+            </a:solidFill>
+          </a:ln>
+        </p:spPr>
+        <p:style>
+          <a:lnRef idx="2">
+            <a:schemeClr val="accent1">
+              <a:shade val="50000"/>
+            </a:schemeClr>
+          </a:lnRef>
+          <a:fillRef idx="1">
+            <a:schemeClr val="accent1"/>
+          </a:fillRef>
+          <a:effectRef idx="0">
+            <a:schemeClr val="accent1"/>
+          </a:effectRef>
+          <a:fontRef idx="minor">
+            <a:schemeClr val="lt1"/>
+          </a:fontRef>
+        </p:style>
+        <p:txBody>
+          <a:bodyPr rtlCol="0" anchor="ctr"/>
+          <a:lstStyle/>
+          <a:p>
+            <a:pPr algn="ctr"/>
+            <a:r>
+              <a:rPr kumimoji="1" lang="en-US" altLang="ja-JP">
+                <a:solidFill>
+                  <a:sysClr val="windowText" lastClr="000000"/>
+                </a:solidFill>
+                <a:latin typeface="Consolas" panose="020B0609020204030204" pitchFamily="49" charset="0"/>
+              </a:rPr>
+              <a:t>origin/main</a:t>
+            </a:r>
+            <a:endParaRPr kumimoji="1" lang="ja-JP" altLang="en-US">
+              <a:solidFill>
+                <a:sysClr val="windowText" lastClr="000000"/>
+              </a:solidFill>
+              <a:latin typeface="Consolas" panose="020B0609020204030204" pitchFamily="49" charset="0"/>
+            </a:endParaRPr>
+          </a:p>
+        </p:txBody>
+      </p:sp>
+      <p:cxnSp>
+        <p:nvCxnSpPr>
+          <p:cNvPr id="42" name="直線矢印コネクタ 41">
+            <a:extLst>
+              <a:ext uri="{FF2B5EF4-FFF2-40B4-BE49-F238E27FC236}">
+                <a16:creationId xmlns:a16="http://schemas.microsoft.com/office/drawing/2014/main" id="{3D3C45EF-7B30-4A8A-87F5-958B81AEA44D}"/>
+              </a:ext>
+            </a:extLst>
+          </p:cNvPr>
+          <p:cNvCxnSpPr>
+            <a:stCxn id="41" idx="3"/>
+            <a:endCxn id="38" idx="4"/>
+          </p:cNvCxnSpPr>
+          <p:nvPr/>
+        </p:nvCxnSpPr>
+        <p:spPr>
+          <a:xfrm flipV="1">
+            <a:off x="7882272" y="5013176"/>
+            <a:ext cx="2096" cy="360040"/>
+          </a:xfrm>
+          <a:prstGeom prst="straightConnector1">
+            <a:avLst/>
+          </a:prstGeom>
+          <a:ln w="12700">
+            <a:solidFill>
+              <a:schemeClr val="tx1"/>
+            </a:solidFill>
+            <a:tailEnd type="triangle"/>
+          </a:ln>
+        </p:spPr>
+        <p:style>
+          <a:lnRef idx="1">
+            <a:schemeClr val="accent1"/>
+          </a:lnRef>
+          <a:fillRef idx="0">
+            <a:schemeClr val="accent1"/>
+          </a:fillRef>
+          <a:effectRef idx="0">
+            <a:schemeClr val="accent1"/>
+          </a:effectRef>
+          <a:fontRef idx="minor">
+            <a:schemeClr val="tx1"/>
+          </a:fontRef>
+        </p:style>
+      </p:cxnSp>
+      <p:sp>
+        <p:nvSpPr>
+          <p:cNvPr id="43" name="テキスト ボックス 42">
+            <a:extLst>
+              <a:ext uri="{FF2B5EF4-FFF2-40B4-BE49-F238E27FC236}">
+                <a16:creationId xmlns:a16="http://schemas.microsoft.com/office/drawing/2014/main" id="{5DB1AD0B-A041-4651-9C4B-BCBF4079E598}"/>
+              </a:ext>
+            </a:extLst>
+          </p:cNvPr>
+          <p:cNvSpPr txBox="1"/>
+          <p:nvPr/>
+        </p:nvSpPr>
+        <p:spPr>
+          <a:xfrm>
+            <a:off x="2987824" y="2924944"/>
+            <a:ext cx="739305" cy="400110"/>
+          </a:xfrm>
+          <a:prstGeom prst="rect">
+            <a:avLst/>
+          </a:prstGeom>
+          <a:noFill/>
+        </p:spPr>
+        <p:txBody>
+          <a:bodyPr wrap="none" rtlCol="0">
+            <a:spAutoFit/>
+          </a:bodyPr>
+          <a:lstStyle/>
+          <a:p>
+            <a:r>
+              <a:rPr lang="en-US" sz="2000"/>
+              <a:t>fetch</a:t>
+            </a:r>
+          </a:p>
+        </p:txBody>
+      </p:sp>
+      <p:sp>
+        <p:nvSpPr>
+          <p:cNvPr id="44" name="テキスト ボックス 43">
+            <a:extLst>
+              <a:ext uri="{FF2B5EF4-FFF2-40B4-BE49-F238E27FC236}">
+                <a16:creationId xmlns:a16="http://schemas.microsoft.com/office/drawing/2014/main" id="{CBA6079D-1CED-4E77-AEB9-89E28198B2DE}"/>
+              </a:ext>
+            </a:extLst>
+          </p:cNvPr>
+          <p:cNvSpPr txBox="1"/>
+          <p:nvPr/>
+        </p:nvSpPr>
+        <p:spPr>
+          <a:xfrm>
+            <a:off x="4499992" y="4221088"/>
+            <a:ext cx="910827" cy="400110"/>
+          </a:xfrm>
+          <a:prstGeom prst="rect">
+            <a:avLst/>
+          </a:prstGeom>
+          <a:noFill/>
+        </p:spPr>
+        <p:txBody>
+          <a:bodyPr wrap="none" rtlCol="0">
+            <a:spAutoFit/>
+          </a:bodyPr>
+          <a:lstStyle/>
+          <a:p>
+            <a:r>
+              <a:rPr lang="en-US" sz="2000"/>
+              <a:t>merge</a:t>
+            </a:r>
+          </a:p>
+        </p:txBody>
+      </p:sp>
+    </p:spTree>
+    <p:extLst>
+      <p:ext uri="{BB962C8B-B14F-4D97-AF65-F5344CB8AC3E}">
+        <p14:creationId xmlns:p14="http://schemas.microsoft.com/office/powerpoint/2010/main" val="609605639"/>
+      </p:ext>
+    </p:extLst>
+  </p:cSld>
+  <p:clrMapOvr>
+    <a:masterClrMapping/>
+  </p:clrMapOvr>
+</p:sld>
+</file>
+
+<file path=ppt/slides/slide8.xml><?xml version="1.0" encoding="utf-8"?>
+<p:sld xmlns:a="http://schemas.openxmlformats.org/drawingml/2006/main" xmlns:r="http://schemas.openxmlformats.org/officeDocument/2006/relationships" xmlns:p="http://schemas.openxmlformats.org/presentationml/2006/main">
+  <p:cSld>
+    <p:spTree>
+      <p:nvGrpSpPr>
+        <p:cNvPr id="1" name=""/>
+        <p:cNvGrpSpPr/>
+        <p:nvPr/>
+      </p:nvGrpSpPr>
+      <p:grpSpPr>
+        <a:xfrm>
+          <a:off x="0" y="0"/>
+          <a:ext cx="0" cy="0"/>
+          <a:chOff x="0" y="0"/>
+          <a:chExt cx="0" cy="0"/>
+        </a:xfrm>
+      </p:grpSpPr>
+      <p:sp>
+        <p:nvSpPr>
+          <p:cNvPr id="2" name="楕円 4">
+            <a:extLst>
+              <a:ext uri="{FF2B5EF4-FFF2-40B4-BE49-F238E27FC236}">
                 <a16:creationId xmlns:a16="http://schemas.microsoft.com/office/drawing/2014/main" id="{D1C7DFF2-20F2-42C7-90EE-F4FFA3D30C26}"/>
               </a:ext>
             </a:extLst>
@@ -6176,13 +15499,13 @@
     </a:clrScheme>
     <a:fontScheme name="ユーザー定義 1">
       <a:majorFont>
-        <a:latin typeface="游ゴシック Light"/>
-        <a:ea typeface="游ゴシック Light"/>
+        <a:latin typeface="Arial"/>
+        <a:ea typeface="HGｺﾞｼｯｸE"/>
         <a:cs typeface=""/>
       </a:majorFont>
       <a:minorFont>
-        <a:latin typeface="游ゴシック"/>
-        <a:ea typeface="游ゴシック"/>
+        <a:latin typeface="Arial"/>
+        <a:ea typeface="HGｺﾞｼｯｸE"/>
         <a:cs typeface=""/>
       </a:minorFont>
     </a:fontScheme>

--- a/remote/fig/fig.pptx
+++ b/remote/fig/fig.pptx
@@ -13,6 +13,7 @@
     <p:sldId id="272" r:id="rId7"/>
     <p:sldId id="275" r:id="rId8"/>
     <p:sldId id="269" r:id="rId9"/>
+    <p:sldId id="276" r:id="rId10"/>
   </p:sldIdLst>
   <p:sldSz cx="9144000" cy="6858000" type="screen4x3"/>
   <p:notesSz cx="6858000" cy="9144000"/>
@@ -15456,6 +15457,1334 @@
 </p:sld>
 </file>
 
+<file path=ppt/slides/slide9.xml><?xml version="1.0" encoding="utf-8"?>
+<p:sld xmlns:a="http://schemas.openxmlformats.org/drawingml/2006/main" xmlns:r="http://schemas.openxmlformats.org/officeDocument/2006/relationships" xmlns:p="http://schemas.openxmlformats.org/presentationml/2006/main">
+  <p:cSld>
+    <p:spTree>
+      <p:nvGrpSpPr>
+        <p:cNvPr id="1" name=""/>
+        <p:cNvGrpSpPr/>
+        <p:nvPr/>
+      </p:nvGrpSpPr>
+      <p:grpSpPr>
+        <a:xfrm>
+          <a:off x="0" y="0"/>
+          <a:ext cx="0" cy="0"/>
+          <a:chOff x="0" y="0"/>
+          <a:chExt cx="0" cy="0"/>
+        </a:xfrm>
+      </p:grpSpPr>
+      <p:sp>
+        <p:nvSpPr>
+          <p:cNvPr id="2" name="楕円 4">
+            <a:extLst>
+              <a:ext uri="{FF2B5EF4-FFF2-40B4-BE49-F238E27FC236}">
+                <a16:creationId xmlns:a16="http://schemas.microsoft.com/office/drawing/2014/main" id="{36A21B6B-1666-4C0F-ABDF-34506BBC96C6}"/>
+              </a:ext>
+            </a:extLst>
+          </p:cNvPr>
+          <p:cNvSpPr/>
+          <p:nvPr/>
+        </p:nvSpPr>
+        <p:spPr>
+          <a:xfrm>
+            <a:off x="2655074" y="2276872"/>
+            <a:ext cx="288032" cy="288032"/>
+          </a:xfrm>
+          <a:prstGeom prst="ellipse">
+            <a:avLst/>
+          </a:prstGeom>
+          <a:solidFill>
+            <a:srgbClr val="011893"/>
+          </a:solidFill>
+          <a:ln>
+            <a:solidFill>
+              <a:schemeClr val="tx1"/>
+            </a:solidFill>
+          </a:ln>
+        </p:spPr>
+        <p:style>
+          <a:lnRef idx="2">
+            <a:schemeClr val="accent1">
+              <a:shade val="50000"/>
+            </a:schemeClr>
+          </a:lnRef>
+          <a:fillRef idx="1">
+            <a:schemeClr val="accent1"/>
+          </a:fillRef>
+          <a:effectRef idx="0">
+            <a:schemeClr val="accent1"/>
+          </a:effectRef>
+          <a:fontRef idx="minor">
+            <a:schemeClr val="lt1"/>
+          </a:fontRef>
+        </p:style>
+        <p:txBody>
+          <a:bodyPr rtlCol="0" anchor="ctr"/>
+          <a:lstStyle/>
+          <a:p>
+            <a:pPr algn="ctr"/>
+            <a:endParaRPr kumimoji="1" lang="ja-JP" altLang="en-US"/>
+          </a:p>
+        </p:txBody>
+      </p:sp>
+      <p:sp>
+        <p:nvSpPr>
+          <p:cNvPr id="3" name="四角形: 1 つの角を切り取り 1 つの角を丸める 2">
+            <a:extLst>
+              <a:ext uri="{FF2B5EF4-FFF2-40B4-BE49-F238E27FC236}">
+                <a16:creationId xmlns:a16="http://schemas.microsoft.com/office/drawing/2014/main" id="{56DEA799-F11F-4E17-B50E-BD6F3ADD16E1}"/>
+              </a:ext>
+            </a:extLst>
+          </p:cNvPr>
+          <p:cNvSpPr/>
+          <p:nvPr/>
+        </p:nvSpPr>
+        <p:spPr>
+          <a:xfrm>
+            <a:off x="2948439" y="1556792"/>
+            <a:ext cx="1152128" cy="338336"/>
+          </a:xfrm>
+          <a:prstGeom prst="snipRoundRect">
+            <a:avLst>
+              <a:gd name="adj1" fmla="val 16667"/>
+              <a:gd name="adj2" fmla="val 35924"/>
+            </a:avLst>
+          </a:prstGeom>
+          <a:solidFill>
+            <a:schemeClr val="accent6">
+              <a:lumMod val="20000"/>
+              <a:lumOff val="80000"/>
+            </a:schemeClr>
+          </a:solidFill>
+          <a:ln>
+            <a:solidFill>
+              <a:schemeClr val="tx1"/>
+            </a:solidFill>
+          </a:ln>
+        </p:spPr>
+        <p:style>
+          <a:lnRef idx="2">
+            <a:schemeClr val="accent1">
+              <a:shade val="50000"/>
+            </a:schemeClr>
+          </a:lnRef>
+          <a:fillRef idx="1">
+            <a:schemeClr val="accent1"/>
+          </a:fillRef>
+          <a:effectRef idx="0">
+            <a:schemeClr val="accent1"/>
+          </a:effectRef>
+          <a:fontRef idx="minor">
+            <a:schemeClr val="lt1"/>
+          </a:fontRef>
+        </p:style>
+        <p:txBody>
+          <a:bodyPr rtlCol="0" anchor="ctr"/>
+          <a:lstStyle/>
+          <a:p>
+            <a:pPr algn="ctr"/>
+            <a:r>
+              <a:rPr kumimoji="1" lang="en-US" altLang="ja-JP">
+                <a:solidFill>
+                  <a:sysClr val="windowText" lastClr="000000"/>
+                </a:solidFill>
+                <a:latin typeface="Consolas" panose="020B0609020204030204" pitchFamily="49" charset="0"/>
+              </a:rPr>
+              <a:t>main</a:t>
+            </a:r>
+            <a:endParaRPr kumimoji="1" lang="ja-JP" altLang="en-US">
+              <a:solidFill>
+                <a:sysClr val="windowText" lastClr="000000"/>
+              </a:solidFill>
+              <a:latin typeface="Consolas" panose="020B0609020204030204" pitchFamily="49" charset="0"/>
+            </a:endParaRPr>
+          </a:p>
+        </p:txBody>
+      </p:sp>
+      <p:cxnSp>
+        <p:nvCxnSpPr>
+          <p:cNvPr id="4" name="直線矢印コネクタ 3">
+            <a:extLst>
+              <a:ext uri="{FF2B5EF4-FFF2-40B4-BE49-F238E27FC236}">
+                <a16:creationId xmlns:a16="http://schemas.microsoft.com/office/drawing/2014/main" id="{5241C646-1E87-4424-A39D-C139352A7B7C}"/>
+              </a:ext>
+            </a:extLst>
+          </p:cNvPr>
+          <p:cNvCxnSpPr>
+            <a:cxnSpLocks/>
+            <a:stCxn id="3" idx="1"/>
+          </p:cNvCxnSpPr>
+          <p:nvPr/>
+        </p:nvCxnSpPr>
+        <p:spPr>
+          <a:xfrm>
+            <a:off x="3524503" y="1895128"/>
+            <a:ext cx="0" cy="381744"/>
+          </a:xfrm>
+          <a:prstGeom prst="straightConnector1">
+            <a:avLst/>
+          </a:prstGeom>
+          <a:ln w="12700">
+            <a:solidFill>
+              <a:schemeClr val="tx1"/>
+            </a:solidFill>
+            <a:tailEnd type="triangle"/>
+          </a:ln>
+        </p:spPr>
+        <p:style>
+          <a:lnRef idx="1">
+            <a:schemeClr val="accent1"/>
+          </a:lnRef>
+          <a:fillRef idx="0">
+            <a:schemeClr val="accent1"/>
+          </a:fillRef>
+          <a:effectRef idx="0">
+            <a:schemeClr val="accent1"/>
+          </a:effectRef>
+          <a:fontRef idx="minor">
+            <a:schemeClr val="tx1"/>
+          </a:fontRef>
+        </p:style>
+      </p:cxnSp>
+      <p:sp>
+        <p:nvSpPr>
+          <p:cNvPr id="5" name="楕円 4">
+            <a:extLst>
+              <a:ext uri="{FF2B5EF4-FFF2-40B4-BE49-F238E27FC236}">
+                <a16:creationId xmlns:a16="http://schemas.microsoft.com/office/drawing/2014/main" id="{3D7557B9-CC0F-4042-80AF-2A3EFC4975E4}"/>
+              </a:ext>
+            </a:extLst>
+          </p:cNvPr>
+          <p:cNvSpPr/>
+          <p:nvPr/>
+        </p:nvSpPr>
+        <p:spPr>
+          <a:xfrm>
+            <a:off x="1934994" y="2276872"/>
+            <a:ext cx="288032" cy="288032"/>
+          </a:xfrm>
+          <a:prstGeom prst="ellipse">
+            <a:avLst/>
+          </a:prstGeom>
+          <a:solidFill>
+            <a:srgbClr val="011893"/>
+          </a:solidFill>
+          <a:ln>
+            <a:solidFill>
+              <a:schemeClr val="tx1"/>
+            </a:solidFill>
+          </a:ln>
+        </p:spPr>
+        <p:style>
+          <a:lnRef idx="2">
+            <a:schemeClr val="accent1">
+              <a:shade val="50000"/>
+            </a:schemeClr>
+          </a:lnRef>
+          <a:fillRef idx="1">
+            <a:schemeClr val="accent1"/>
+          </a:fillRef>
+          <a:effectRef idx="0">
+            <a:schemeClr val="accent1"/>
+          </a:effectRef>
+          <a:fontRef idx="minor">
+            <a:schemeClr val="lt1"/>
+          </a:fontRef>
+        </p:style>
+        <p:txBody>
+          <a:bodyPr rtlCol="0" anchor="ctr"/>
+          <a:lstStyle/>
+          <a:p>
+            <a:pPr algn="ctr"/>
+            <a:endParaRPr kumimoji="1" lang="ja-JP" altLang="en-US"/>
+          </a:p>
+        </p:txBody>
+      </p:sp>
+      <p:cxnSp>
+        <p:nvCxnSpPr>
+          <p:cNvPr id="6" name="直線コネクタ 5">
+            <a:extLst>
+              <a:ext uri="{FF2B5EF4-FFF2-40B4-BE49-F238E27FC236}">
+                <a16:creationId xmlns:a16="http://schemas.microsoft.com/office/drawing/2014/main" id="{9B04616D-2FFB-4A1A-B381-85B2213081D9}"/>
+              </a:ext>
+            </a:extLst>
+          </p:cNvPr>
+          <p:cNvCxnSpPr>
+            <a:cxnSpLocks/>
+            <a:stCxn id="5" idx="6"/>
+          </p:cNvCxnSpPr>
+          <p:nvPr/>
+        </p:nvCxnSpPr>
+        <p:spPr>
+          <a:xfrm>
+            <a:off x="2223026" y="2420888"/>
+            <a:ext cx="432048" cy="0"/>
+          </a:xfrm>
+          <a:prstGeom prst="line">
+            <a:avLst/>
+          </a:prstGeom>
+          <a:ln w="57150">
+            <a:solidFill>
+              <a:schemeClr val="tx1"/>
+            </a:solidFill>
+            <a:headEnd type="none" w="med" len="med"/>
+            <a:tailEnd type="none" w="med" len="med"/>
+          </a:ln>
+        </p:spPr>
+        <p:style>
+          <a:lnRef idx="1">
+            <a:schemeClr val="accent1"/>
+          </a:lnRef>
+          <a:fillRef idx="0">
+            <a:schemeClr val="accent1"/>
+          </a:fillRef>
+          <a:effectRef idx="0">
+            <a:schemeClr val="accent1"/>
+          </a:effectRef>
+          <a:fontRef idx="minor">
+            <a:schemeClr val="tx1"/>
+          </a:fontRef>
+        </p:style>
+      </p:cxnSp>
+      <p:sp>
+        <p:nvSpPr>
+          <p:cNvPr id="7" name="楕円 4">
+            <a:extLst>
+              <a:ext uri="{FF2B5EF4-FFF2-40B4-BE49-F238E27FC236}">
+                <a16:creationId xmlns:a16="http://schemas.microsoft.com/office/drawing/2014/main" id="{729707FD-C683-4BB2-85AA-7450302B8409}"/>
+              </a:ext>
+            </a:extLst>
+          </p:cNvPr>
+          <p:cNvSpPr/>
+          <p:nvPr/>
+        </p:nvSpPr>
+        <p:spPr>
+          <a:xfrm>
+            <a:off x="3375154" y="2276872"/>
+            <a:ext cx="288032" cy="288032"/>
+          </a:xfrm>
+          <a:prstGeom prst="ellipse">
+            <a:avLst/>
+          </a:prstGeom>
+          <a:solidFill>
+            <a:srgbClr val="011893"/>
+          </a:solidFill>
+          <a:ln>
+            <a:solidFill>
+              <a:schemeClr val="tx1"/>
+            </a:solidFill>
+          </a:ln>
+        </p:spPr>
+        <p:style>
+          <a:lnRef idx="2">
+            <a:schemeClr val="accent1">
+              <a:shade val="50000"/>
+            </a:schemeClr>
+          </a:lnRef>
+          <a:fillRef idx="1">
+            <a:schemeClr val="accent1"/>
+          </a:fillRef>
+          <a:effectRef idx="0">
+            <a:schemeClr val="accent1"/>
+          </a:effectRef>
+          <a:fontRef idx="minor">
+            <a:schemeClr val="lt1"/>
+          </a:fontRef>
+        </p:style>
+        <p:txBody>
+          <a:bodyPr rtlCol="0" anchor="ctr"/>
+          <a:lstStyle/>
+          <a:p>
+            <a:pPr algn="ctr"/>
+            <a:endParaRPr kumimoji="1" lang="ja-JP" altLang="en-US"/>
+          </a:p>
+        </p:txBody>
+      </p:sp>
+      <p:cxnSp>
+        <p:nvCxnSpPr>
+          <p:cNvPr id="8" name="直線コネクタ 7">
+            <a:extLst>
+              <a:ext uri="{FF2B5EF4-FFF2-40B4-BE49-F238E27FC236}">
+                <a16:creationId xmlns:a16="http://schemas.microsoft.com/office/drawing/2014/main" id="{D3FB549A-A6C6-4D2A-ACF8-E6BDC0938C51}"/>
+              </a:ext>
+            </a:extLst>
+          </p:cNvPr>
+          <p:cNvCxnSpPr>
+            <a:cxnSpLocks/>
+          </p:cNvCxnSpPr>
+          <p:nvPr/>
+        </p:nvCxnSpPr>
+        <p:spPr>
+          <a:xfrm>
+            <a:off x="2943106" y="2420888"/>
+            <a:ext cx="432048" cy="0"/>
+          </a:xfrm>
+          <a:prstGeom prst="line">
+            <a:avLst/>
+          </a:prstGeom>
+          <a:ln w="57150">
+            <a:solidFill>
+              <a:schemeClr val="tx1"/>
+            </a:solidFill>
+            <a:headEnd type="none" w="med" len="med"/>
+            <a:tailEnd type="none" w="med" len="med"/>
+          </a:ln>
+        </p:spPr>
+        <p:style>
+          <a:lnRef idx="1">
+            <a:schemeClr val="accent1"/>
+          </a:lnRef>
+          <a:fillRef idx="0">
+            <a:schemeClr val="accent1"/>
+          </a:fillRef>
+          <a:effectRef idx="0">
+            <a:schemeClr val="accent1"/>
+          </a:effectRef>
+          <a:fontRef idx="minor">
+            <a:schemeClr val="tx1"/>
+          </a:fontRef>
+        </p:style>
+      </p:cxnSp>
+      <p:sp>
+        <p:nvSpPr>
+          <p:cNvPr id="11" name="四角形: 角を丸くする 10">
+            <a:extLst>
+              <a:ext uri="{FF2B5EF4-FFF2-40B4-BE49-F238E27FC236}">
+                <a16:creationId xmlns:a16="http://schemas.microsoft.com/office/drawing/2014/main" id="{8F01033F-844D-4C0F-A3F5-866891ADB197}"/>
+              </a:ext>
+            </a:extLst>
+          </p:cNvPr>
+          <p:cNvSpPr/>
+          <p:nvPr/>
+        </p:nvSpPr>
+        <p:spPr>
+          <a:xfrm>
+            <a:off x="1790978" y="1340768"/>
+            <a:ext cx="2736304" cy="1440160"/>
+          </a:xfrm>
+          <a:prstGeom prst="roundRect">
+            <a:avLst/>
+          </a:prstGeom>
+          <a:noFill/>
+          <a:ln w="28575">
+            <a:solidFill>
+              <a:schemeClr val="tx1"/>
+            </a:solidFill>
+            <a:prstDash val="dash"/>
+          </a:ln>
+        </p:spPr>
+        <p:style>
+          <a:lnRef idx="2">
+            <a:schemeClr val="accent1">
+              <a:shade val="50000"/>
+            </a:schemeClr>
+          </a:lnRef>
+          <a:fillRef idx="1">
+            <a:schemeClr val="accent1"/>
+          </a:fillRef>
+          <a:effectRef idx="0">
+            <a:schemeClr val="accent1"/>
+          </a:effectRef>
+          <a:fontRef idx="minor">
+            <a:schemeClr val="lt1"/>
+          </a:fontRef>
+        </p:style>
+        <p:txBody>
+          <a:bodyPr rtlCol="0" anchor="ctr"/>
+          <a:lstStyle/>
+          <a:p>
+            <a:pPr algn="ctr"/>
+            <a:endParaRPr kumimoji="1" lang="ja-JP" altLang="en-US"/>
+          </a:p>
+        </p:txBody>
+      </p:sp>
+      <p:sp>
+        <p:nvSpPr>
+          <p:cNvPr id="12" name="テキスト ボックス 11">
+            <a:extLst>
+              <a:ext uri="{FF2B5EF4-FFF2-40B4-BE49-F238E27FC236}">
+                <a16:creationId xmlns:a16="http://schemas.microsoft.com/office/drawing/2014/main" id="{10574A4A-F6A9-494B-BFC3-A2CD3751E88B}"/>
+              </a:ext>
+            </a:extLst>
+          </p:cNvPr>
+          <p:cNvSpPr txBox="1"/>
+          <p:nvPr/>
+        </p:nvSpPr>
+        <p:spPr>
+          <a:xfrm>
+            <a:off x="2511058" y="764704"/>
+            <a:ext cx="2262158" cy="369332"/>
+          </a:xfrm>
+          <a:prstGeom prst="rect">
+            <a:avLst/>
+          </a:prstGeom>
+          <a:noFill/>
+        </p:spPr>
+        <p:txBody>
+          <a:bodyPr wrap="none" rtlCol="0">
+            <a:spAutoFit/>
+          </a:bodyPr>
+          <a:lstStyle/>
+          <a:p>
+            <a:pPr algn="ctr"/>
+            <a:r>
+              <a:rPr lang="ja-JP" altLang="en-US" dirty="0"/>
+              <a:t>リモートリポジトリ</a:t>
+            </a:r>
+            <a:endParaRPr kumimoji="1" lang="en-US" altLang="ja-JP" dirty="0"/>
+          </a:p>
+        </p:txBody>
+      </p:sp>
+      <p:pic>
+        <p:nvPicPr>
+          <p:cNvPr id="13" name="図 12">
+            <a:extLst>
+              <a:ext uri="{FF2B5EF4-FFF2-40B4-BE49-F238E27FC236}">
+                <a16:creationId xmlns:a16="http://schemas.microsoft.com/office/drawing/2014/main" id="{6CCFAE29-AFC4-42E6-B669-3B1F55F22B05}"/>
+              </a:ext>
+            </a:extLst>
+          </p:cNvPr>
+          <p:cNvPicPr>
+            <a:picLocks noChangeAspect="1"/>
+          </p:cNvPicPr>
+          <p:nvPr/>
+        </p:nvPicPr>
+        <p:blipFill>
+          <a:blip r:embed="rId2">
+            <a:extLst>
+              <a:ext uri="{28A0092B-C50C-407E-A947-70E740481C1C}">
+                <a14:useLocalDpi xmlns:a14="http://schemas.microsoft.com/office/drawing/2010/main" val="0"/>
+              </a:ext>
+            </a:extLst>
+          </a:blip>
+          <a:stretch>
+            <a:fillRect/>
+          </a:stretch>
+        </p:blipFill>
+        <p:spPr>
+          <a:xfrm>
+            <a:off x="998890" y="1700808"/>
+            <a:ext cx="609600" cy="609600"/>
+          </a:xfrm>
+          <a:prstGeom prst="rect">
+            <a:avLst/>
+          </a:prstGeom>
+        </p:spPr>
+      </p:pic>
+      <p:pic>
+        <p:nvPicPr>
+          <p:cNvPr id="14" name="Picture 8" descr="パソコンを使う会社員のイラスト（男性・笑顔）">
+            <a:extLst>
+              <a:ext uri="{FF2B5EF4-FFF2-40B4-BE49-F238E27FC236}">
+                <a16:creationId xmlns:a16="http://schemas.microsoft.com/office/drawing/2014/main" id="{FC9C04AF-A3A2-44DC-AC5D-028E3E78323B}"/>
+              </a:ext>
+            </a:extLst>
+          </p:cNvPr>
+          <p:cNvPicPr>
+            <a:picLocks noChangeAspect="1" noChangeArrowheads="1"/>
+          </p:cNvPicPr>
+          <p:nvPr/>
+        </p:nvPicPr>
+        <p:blipFill>
+          <a:blip r:embed="rId3" cstate="print">
+            <a:extLst>
+              <a:ext uri="{28A0092B-C50C-407E-A947-70E740481C1C}">
+                <a14:useLocalDpi xmlns:a14="http://schemas.microsoft.com/office/drawing/2010/main" val="0"/>
+              </a:ext>
+            </a:extLst>
+          </a:blip>
+          <a:srcRect/>
+          <a:stretch>
+            <a:fillRect/>
+          </a:stretch>
+        </p:blipFill>
+        <p:spPr bwMode="auto">
+          <a:xfrm>
+            <a:off x="926882" y="4653136"/>
+            <a:ext cx="576064" cy="836607"/>
+          </a:xfrm>
+          <a:prstGeom prst="rect">
+            <a:avLst/>
+          </a:prstGeom>
+          <a:noFill/>
+          <a:extLst>
+            <a:ext uri="{909E8E84-426E-40DD-AFC4-6F175D3DCCD1}">
+              <a14:hiddenFill xmlns:a14="http://schemas.microsoft.com/office/drawing/2010/main">
+                <a:solidFill>
+                  <a:srgbClr val="FFFFFF"/>
+                </a:solidFill>
+              </a14:hiddenFill>
+            </a:ext>
+          </a:extLst>
+        </p:spPr>
+      </p:pic>
+      <p:sp>
+        <p:nvSpPr>
+          <p:cNvPr id="15" name="楕円 4">
+            <a:extLst>
+              <a:ext uri="{FF2B5EF4-FFF2-40B4-BE49-F238E27FC236}">
+                <a16:creationId xmlns:a16="http://schemas.microsoft.com/office/drawing/2014/main" id="{AA1CCB27-776E-4415-BB19-3C8E50396624}"/>
+              </a:ext>
+            </a:extLst>
+          </p:cNvPr>
+          <p:cNvSpPr/>
+          <p:nvPr/>
+        </p:nvSpPr>
+        <p:spPr>
+          <a:xfrm>
+            <a:off x="2655074" y="5085184"/>
+            <a:ext cx="288032" cy="288032"/>
+          </a:xfrm>
+          <a:prstGeom prst="ellipse">
+            <a:avLst/>
+          </a:prstGeom>
+          <a:solidFill>
+            <a:srgbClr val="011893"/>
+          </a:solidFill>
+          <a:ln>
+            <a:solidFill>
+              <a:schemeClr val="tx1"/>
+            </a:solidFill>
+          </a:ln>
+        </p:spPr>
+        <p:style>
+          <a:lnRef idx="2">
+            <a:schemeClr val="accent1">
+              <a:shade val="50000"/>
+            </a:schemeClr>
+          </a:lnRef>
+          <a:fillRef idx="1">
+            <a:schemeClr val="accent1"/>
+          </a:fillRef>
+          <a:effectRef idx="0">
+            <a:schemeClr val="accent1"/>
+          </a:effectRef>
+          <a:fontRef idx="minor">
+            <a:schemeClr val="lt1"/>
+          </a:fontRef>
+        </p:style>
+        <p:txBody>
+          <a:bodyPr rtlCol="0" anchor="ctr"/>
+          <a:lstStyle/>
+          <a:p>
+            <a:pPr algn="ctr"/>
+            <a:endParaRPr kumimoji="1" lang="ja-JP" altLang="en-US"/>
+          </a:p>
+        </p:txBody>
+      </p:sp>
+      <p:sp>
+        <p:nvSpPr>
+          <p:cNvPr id="16" name="四角形: 1 つの角を切り取り 1 つの角を丸める 15">
+            <a:extLst>
+              <a:ext uri="{FF2B5EF4-FFF2-40B4-BE49-F238E27FC236}">
+                <a16:creationId xmlns:a16="http://schemas.microsoft.com/office/drawing/2014/main" id="{738C96A6-E7B8-497C-91DD-C5D414F0324D}"/>
+              </a:ext>
+            </a:extLst>
+          </p:cNvPr>
+          <p:cNvSpPr/>
+          <p:nvPr/>
+        </p:nvSpPr>
+        <p:spPr>
+          <a:xfrm>
+            <a:off x="2943106" y="4386808"/>
+            <a:ext cx="1152128" cy="338336"/>
+          </a:xfrm>
+          <a:prstGeom prst="snipRoundRect">
+            <a:avLst>
+              <a:gd name="adj1" fmla="val 16667"/>
+              <a:gd name="adj2" fmla="val 35924"/>
+            </a:avLst>
+          </a:prstGeom>
+          <a:solidFill>
+            <a:schemeClr val="accent6">
+              <a:lumMod val="20000"/>
+              <a:lumOff val="80000"/>
+            </a:schemeClr>
+          </a:solidFill>
+          <a:ln>
+            <a:solidFill>
+              <a:schemeClr val="tx1"/>
+            </a:solidFill>
+          </a:ln>
+        </p:spPr>
+        <p:style>
+          <a:lnRef idx="2">
+            <a:schemeClr val="accent1">
+              <a:shade val="50000"/>
+            </a:schemeClr>
+          </a:lnRef>
+          <a:fillRef idx="1">
+            <a:schemeClr val="accent1"/>
+          </a:fillRef>
+          <a:effectRef idx="0">
+            <a:schemeClr val="accent1"/>
+          </a:effectRef>
+          <a:fontRef idx="minor">
+            <a:schemeClr val="lt1"/>
+          </a:fontRef>
+        </p:style>
+        <p:txBody>
+          <a:bodyPr rtlCol="0" anchor="ctr"/>
+          <a:lstStyle/>
+          <a:p>
+            <a:pPr algn="ctr"/>
+            <a:r>
+              <a:rPr kumimoji="1" lang="en-US" altLang="ja-JP">
+                <a:solidFill>
+                  <a:sysClr val="windowText" lastClr="000000"/>
+                </a:solidFill>
+                <a:latin typeface="Consolas" panose="020B0609020204030204" pitchFamily="49" charset="0"/>
+              </a:rPr>
+              <a:t>main</a:t>
+            </a:r>
+            <a:endParaRPr kumimoji="1" lang="ja-JP" altLang="en-US">
+              <a:solidFill>
+                <a:sysClr val="windowText" lastClr="000000"/>
+              </a:solidFill>
+              <a:latin typeface="Consolas" panose="020B0609020204030204" pitchFamily="49" charset="0"/>
+            </a:endParaRPr>
+          </a:p>
+        </p:txBody>
+      </p:sp>
+      <p:cxnSp>
+        <p:nvCxnSpPr>
+          <p:cNvPr id="17" name="直線矢印コネクタ 16">
+            <a:extLst>
+              <a:ext uri="{FF2B5EF4-FFF2-40B4-BE49-F238E27FC236}">
+                <a16:creationId xmlns:a16="http://schemas.microsoft.com/office/drawing/2014/main" id="{D83A7E4A-163D-48A3-8340-751399F1F9B0}"/>
+              </a:ext>
+            </a:extLst>
+          </p:cNvPr>
+          <p:cNvCxnSpPr>
+            <a:cxnSpLocks/>
+            <a:stCxn id="16" idx="1"/>
+          </p:cNvCxnSpPr>
+          <p:nvPr/>
+        </p:nvCxnSpPr>
+        <p:spPr>
+          <a:xfrm>
+            <a:off x="3519170" y="4725144"/>
+            <a:ext cx="0" cy="381744"/>
+          </a:xfrm>
+          <a:prstGeom prst="straightConnector1">
+            <a:avLst/>
+          </a:prstGeom>
+          <a:ln w="12700">
+            <a:solidFill>
+              <a:schemeClr val="tx1"/>
+            </a:solidFill>
+            <a:tailEnd type="triangle"/>
+          </a:ln>
+        </p:spPr>
+        <p:style>
+          <a:lnRef idx="1">
+            <a:schemeClr val="accent1"/>
+          </a:lnRef>
+          <a:fillRef idx="0">
+            <a:schemeClr val="accent1"/>
+          </a:fillRef>
+          <a:effectRef idx="0">
+            <a:schemeClr val="accent1"/>
+          </a:effectRef>
+          <a:fontRef idx="minor">
+            <a:schemeClr val="tx1"/>
+          </a:fontRef>
+        </p:style>
+      </p:cxnSp>
+      <p:sp>
+        <p:nvSpPr>
+          <p:cNvPr id="18" name="楕円 17">
+            <a:extLst>
+              <a:ext uri="{FF2B5EF4-FFF2-40B4-BE49-F238E27FC236}">
+                <a16:creationId xmlns:a16="http://schemas.microsoft.com/office/drawing/2014/main" id="{36FDD7CD-5BC7-4699-B89A-5C2826DCA32F}"/>
+              </a:ext>
+            </a:extLst>
+          </p:cNvPr>
+          <p:cNvSpPr/>
+          <p:nvPr/>
+        </p:nvSpPr>
+        <p:spPr>
+          <a:xfrm>
+            <a:off x="1934994" y="5085184"/>
+            <a:ext cx="288032" cy="288032"/>
+          </a:xfrm>
+          <a:prstGeom prst="ellipse">
+            <a:avLst/>
+          </a:prstGeom>
+          <a:solidFill>
+            <a:srgbClr val="011893"/>
+          </a:solidFill>
+          <a:ln>
+            <a:solidFill>
+              <a:schemeClr val="tx1"/>
+            </a:solidFill>
+          </a:ln>
+        </p:spPr>
+        <p:style>
+          <a:lnRef idx="2">
+            <a:schemeClr val="accent1">
+              <a:shade val="50000"/>
+            </a:schemeClr>
+          </a:lnRef>
+          <a:fillRef idx="1">
+            <a:schemeClr val="accent1"/>
+          </a:fillRef>
+          <a:effectRef idx="0">
+            <a:schemeClr val="accent1"/>
+          </a:effectRef>
+          <a:fontRef idx="minor">
+            <a:schemeClr val="lt1"/>
+          </a:fontRef>
+        </p:style>
+        <p:txBody>
+          <a:bodyPr rtlCol="0" anchor="ctr"/>
+          <a:lstStyle/>
+          <a:p>
+            <a:pPr algn="ctr"/>
+            <a:endParaRPr kumimoji="1" lang="ja-JP" altLang="en-US"/>
+          </a:p>
+        </p:txBody>
+      </p:sp>
+      <p:cxnSp>
+        <p:nvCxnSpPr>
+          <p:cNvPr id="19" name="直線コネクタ 18">
+            <a:extLst>
+              <a:ext uri="{FF2B5EF4-FFF2-40B4-BE49-F238E27FC236}">
+                <a16:creationId xmlns:a16="http://schemas.microsoft.com/office/drawing/2014/main" id="{01994EC3-CB5E-46CC-BAC1-DB69C7DA4E33}"/>
+              </a:ext>
+            </a:extLst>
+          </p:cNvPr>
+          <p:cNvCxnSpPr>
+            <a:cxnSpLocks/>
+            <a:stCxn id="18" idx="6"/>
+          </p:cNvCxnSpPr>
+          <p:nvPr/>
+        </p:nvCxnSpPr>
+        <p:spPr>
+          <a:xfrm>
+            <a:off x="2223026" y="5229200"/>
+            <a:ext cx="432048" cy="0"/>
+          </a:xfrm>
+          <a:prstGeom prst="line">
+            <a:avLst/>
+          </a:prstGeom>
+          <a:ln w="57150">
+            <a:solidFill>
+              <a:schemeClr val="tx1"/>
+            </a:solidFill>
+            <a:headEnd type="none" w="med" len="med"/>
+            <a:tailEnd type="none" w="med" len="med"/>
+          </a:ln>
+        </p:spPr>
+        <p:style>
+          <a:lnRef idx="1">
+            <a:schemeClr val="accent1"/>
+          </a:lnRef>
+          <a:fillRef idx="0">
+            <a:schemeClr val="accent1"/>
+          </a:fillRef>
+          <a:effectRef idx="0">
+            <a:schemeClr val="accent1"/>
+          </a:effectRef>
+          <a:fontRef idx="minor">
+            <a:schemeClr val="tx1"/>
+          </a:fontRef>
+        </p:style>
+      </p:cxnSp>
+      <p:sp>
+        <p:nvSpPr>
+          <p:cNvPr id="20" name="楕円 4">
+            <a:extLst>
+              <a:ext uri="{FF2B5EF4-FFF2-40B4-BE49-F238E27FC236}">
+                <a16:creationId xmlns:a16="http://schemas.microsoft.com/office/drawing/2014/main" id="{77795D63-7177-4F43-8AC2-6E08E680E986}"/>
+              </a:ext>
+            </a:extLst>
+          </p:cNvPr>
+          <p:cNvSpPr/>
+          <p:nvPr/>
+        </p:nvSpPr>
+        <p:spPr>
+          <a:xfrm>
+            <a:off x="3375154" y="5085184"/>
+            <a:ext cx="288032" cy="288032"/>
+          </a:xfrm>
+          <a:prstGeom prst="ellipse">
+            <a:avLst/>
+          </a:prstGeom>
+          <a:solidFill>
+            <a:srgbClr val="011893"/>
+          </a:solidFill>
+          <a:ln>
+            <a:solidFill>
+              <a:schemeClr val="tx1"/>
+            </a:solidFill>
+          </a:ln>
+        </p:spPr>
+        <p:style>
+          <a:lnRef idx="2">
+            <a:schemeClr val="accent1">
+              <a:shade val="50000"/>
+            </a:schemeClr>
+          </a:lnRef>
+          <a:fillRef idx="1">
+            <a:schemeClr val="accent1"/>
+          </a:fillRef>
+          <a:effectRef idx="0">
+            <a:schemeClr val="accent1"/>
+          </a:effectRef>
+          <a:fontRef idx="minor">
+            <a:schemeClr val="lt1"/>
+          </a:fontRef>
+        </p:style>
+        <p:txBody>
+          <a:bodyPr rtlCol="0" anchor="ctr"/>
+          <a:lstStyle/>
+          <a:p>
+            <a:pPr algn="ctr"/>
+            <a:endParaRPr kumimoji="1" lang="ja-JP" altLang="en-US"/>
+          </a:p>
+        </p:txBody>
+      </p:sp>
+      <p:cxnSp>
+        <p:nvCxnSpPr>
+          <p:cNvPr id="21" name="直線コネクタ 20">
+            <a:extLst>
+              <a:ext uri="{FF2B5EF4-FFF2-40B4-BE49-F238E27FC236}">
+                <a16:creationId xmlns:a16="http://schemas.microsoft.com/office/drawing/2014/main" id="{0791851F-13F4-4C9A-9A2D-1AD6E1A3EED2}"/>
+              </a:ext>
+            </a:extLst>
+          </p:cNvPr>
+          <p:cNvCxnSpPr>
+            <a:cxnSpLocks/>
+          </p:cNvCxnSpPr>
+          <p:nvPr/>
+        </p:nvCxnSpPr>
+        <p:spPr>
+          <a:xfrm>
+            <a:off x="2943106" y="5229200"/>
+            <a:ext cx="432048" cy="0"/>
+          </a:xfrm>
+          <a:prstGeom prst="line">
+            <a:avLst/>
+          </a:prstGeom>
+          <a:ln w="57150">
+            <a:solidFill>
+              <a:schemeClr val="tx1"/>
+            </a:solidFill>
+            <a:headEnd type="none" w="med" len="med"/>
+            <a:tailEnd type="none" w="med" len="med"/>
+          </a:ln>
+        </p:spPr>
+        <p:style>
+          <a:lnRef idx="1">
+            <a:schemeClr val="accent1"/>
+          </a:lnRef>
+          <a:fillRef idx="0">
+            <a:schemeClr val="accent1"/>
+          </a:fillRef>
+          <a:effectRef idx="0">
+            <a:schemeClr val="accent1"/>
+          </a:effectRef>
+          <a:fontRef idx="minor">
+            <a:schemeClr val="tx1"/>
+          </a:fontRef>
+        </p:style>
+      </p:cxnSp>
+      <p:sp>
+        <p:nvSpPr>
+          <p:cNvPr id="24" name="四角形: 角を丸くする 23">
+            <a:extLst>
+              <a:ext uri="{FF2B5EF4-FFF2-40B4-BE49-F238E27FC236}">
+                <a16:creationId xmlns:a16="http://schemas.microsoft.com/office/drawing/2014/main" id="{47EF8B2D-A6FA-462B-BD80-A894D6D41858}"/>
+              </a:ext>
+            </a:extLst>
+          </p:cNvPr>
+          <p:cNvSpPr/>
+          <p:nvPr/>
+        </p:nvSpPr>
+        <p:spPr>
+          <a:xfrm>
+            <a:off x="1790978" y="4149080"/>
+            <a:ext cx="3024336" cy="2088232"/>
+          </a:xfrm>
+          <a:prstGeom prst="roundRect">
+            <a:avLst/>
+          </a:prstGeom>
+          <a:noFill/>
+          <a:ln w="28575">
+            <a:solidFill>
+              <a:schemeClr val="tx1"/>
+            </a:solidFill>
+            <a:prstDash val="dash"/>
+          </a:ln>
+        </p:spPr>
+        <p:style>
+          <a:lnRef idx="2">
+            <a:schemeClr val="accent1">
+              <a:shade val="50000"/>
+            </a:schemeClr>
+          </a:lnRef>
+          <a:fillRef idx="1">
+            <a:schemeClr val="accent1"/>
+          </a:fillRef>
+          <a:effectRef idx="0">
+            <a:schemeClr val="accent1"/>
+          </a:effectRef>
+          <a:fontRef idx="minor">
+            <a:schemeClr val="lt1"/>
+          </a:fontRef>
+        </p:style>
+        <p:txBody>
+          <a:bodyPr rtlCol="0" anchor="ctr"/>
+          <a:lstStyle/>
+          <a:p>
+            <a:pPr algn="ctr"/>
+            <a:endParaRPr kumimoji="1" lang="ja-JP" altLang="en-US"/>
+          </a:p>
+        </p:txBody>
+      </p:sp>
+      <p:sp>
+        <p:nvSpPr>
+          <p:cNvPr id="25" name="四角形: 1 つの角を切り取り 1 つの角を丸める 24">
+            <a:extLst>
+              <a:ext uri="{FF2B5EF4-FFF2-40B4-BE49-F238E27FC236}">
+                <a16:creationId xmlns:a16="http://schemas.microsoft.com/office/drawing/2014/main" id="{871844C1-FD9C-4912-BA77-9513F2ACA458}"/>
+              </a:ext>
+            </a:extLst>
+          </p:cNvPr>
+          <p:cNvSpPr/>
+          <p:nvPr/>
+        </p:nvSpPr>
+        <p:spPr>
+          <a:xfrm>
+            <a:off x="2683649" y="5733256"/>
+            <a:ext cx="1656184" cy="360040"/>
+          </a:xfrm>
+          <a:prstGeom prst="snipRoundRect">
+            <a:avLst>
+              <a:gd name="adj1" fmla="val 16667"/>
+              <a:gd name="adj2" fmla="val 35924"/>
+            </a:avLst>
+          </a:prstGeom>
+          <a:solidFill>
+            <a:srgbClr val="FF99FF"/>
+          </a:solidFill>
+          <a:ln>
+            <a:solidFill>
+              <a:schemeClr val="tx1"/>
+            </a:solidFill>
+          </a:ln>
+        </p:spPr>
+        <p:style>
+          <a:lnRef idx="2">
+            <a:schemeClr val="accent1">
+              <a:shade val="50000"/>
+            </a:schemeClr>
+          </a:lnRef>
+          <a:fillRef idx="1">
+            <a:schemeClr val="accent1"/>
+          </a:fillRef>
+          <a:effectRef idx="0">
+            <a:schemeClr val="accent1"/>
+          </a:effectRef>
+          <a:fontRef idx="minor">
+            <a:schemeClr val="lt1"/>
+          </a:fontRef>
+        </p:style>
+        <p:txBody>
+          <a:bodyPr rtlCol="0" anchor="ctr"/>
+          <a:lstStyle/>
+          <a:p>
+            <a:pPr algn="ctr"/>
+            <a:r>
+              <a:rPr kumimoji="1" lang="en-US" altLang="ja-JP">
+                <a:solidFill>
+                  <a:sysClr val="windowText" lastClr="000000"/>
+                </a:solidFill>
+                <a:latin typeface="Consolas" panose="020B0609020204030204" pitchFamily="49" charset="0"/>
+              </a:rPr>
+              <a:t>origin/main</a:t>
+            </a:r>
+            <a:endParaRPr kumimoji="1" lang="ja-JP" altLang="en-US">
+              <a:solidFill>
+                <a:sysClr val="windowText" lastClr="000000"/>
+              </a:solidFill>
+              <a:latin typeface="Consolas" panose="020B0609020204030204" pitchFamily="49" charset="0"/>
+            </a:endParaRPr>
+          </a:p>
+        </p:txBody>
+      </p:sp>
+      <p:cxnSp>
+        <p:nvCxnSpPr>
+          <p:cNvPr id="26" name="直線矢印コネクタ 25">
+            <a:extLst>
+              <a:ext uri="{FF2B5EF4-FFF2-40B4-BE49-F238E27FC236}">
+                <a16:creationId xmlns:a16="http://schemas.microsoft.com/office/drawing/2014/main" id="{497C80C8-4737-4AE0-96F3-27C4C37058C6}"/>
+              </a:ext>
+            </a:extLst>
+          </p:cNvPr>
+          <p:cNvCxnSpPr>
+            <a:cxnSpLocks/>
+            <a:stCxn id="25" idx="3"/>
+          </p:cNvCxnSpPr>
+          <p:nvPr/>
+        </p:nvCxnSpPr>
+        <p:spPr>
+          <a:xfrm flipV="1">
+            <a:off x="3511741" y="5373216"/>
+            <a:ext cx="2096" cy="360040"/>
+          </a:xfrm>
+          <a:prstGeom prst="straightConnector1">
+            <a:avLst/>
+          </a:prstGeom>
+          <a:ln w="12700">
+            <a:solidFill>
+              <a:schemeClr val="tx1"/>
+            </a:solidFill>
+            <a:tailEnd type="triangle"/>
+          </a:ln>
+        </p:spPr>
+        <p:style>
+          <a:lnRef idx="1">
+            <a:schemeClr val="accent1"/>
+          </a:lnRef>
+          <a:fillRef idx="0">
+            <a:schemeClr val="accent1"/>
+          </a:fillRef>
+          <a:effectRef idx="0">
+            <a:schemeClr val="accent1"/>
+          </a:effectRef>
+          <a:fontRef idx="minor">
+            <a:schemeClr val="tx1"/>
+          </a:fontRef>
+        </p:style>
+      </p:cxnSp>
+      <p:sp>
+        <p:nvSpPr>
+          <p:cNvPr id="28" name="テキスト ボックス 27">
+            <a:extLst>
+              <a:ext uri="{FF2B5EF4-FFF2-40B4-BE49-F238E27FC236}">
+                <a16:creationId xmlns:a16="http://schemas.microsoft.com/office/drawing/2014/main" id="{BE772868-30D4-4E54-B64E-0184A9F92039}"/>
+              </a:ext>
+            </a:extLst>
+          </p:cNvPr>
+          <p:cNvSpPr txBox="1"/>
+          <p:nvPr/>
+        </p:nvSpPr>
+        <p:spPr>
+          <a:xfrm>
+            <a:off x="2511058" y="3717032"/>
+            <a:ext cx="2262158" cy="369332"/>
+          </a:xfrm>
+          <a:prstGeom prst="rect">
+            <a:avLst/>
+          </a:prstGeom>
+          <a:noFill/>
+        </p:spPr>
+        <p:txBody>
+          <a:bodyPr wrap="none" rtlCol="0">
+            <a:spAutoFit/>
+          </a:bodyPr>
+          <a:lstStyle/>
+          <a:p>
+            <a:pPr algn="ctr"/>
+            <a:r>
+              <a:rPr lang="ja-JP" altLang="en-US"/>
+              <a:t>ローカルリポジトリ</a:t>
+            </a:r>
+            <a:endParaRPr kumimoji="1" lang="en-US" altLang="ja-JP" dirty="0"/>
+          </a:p>
+        </p:txBody>
+      </p:sp>
+      <p:cxnSp>
+        <p:nvCxnSpPr>
+          <p:cNvPr id="31" name="直線矢印コネクタ 30">
+            <a:extLst>
+              <a:ext uri="{FF2B5EF4-FFF2-40B4-BE49-F238E27FC236}">
+                <a16:creationId xmlns:a16="http://schemas.microsoft.com/office/drawing/2014/main" id="{70129E5A-A8BD-4600-B9BE-36BBBD3D4B84}"/>
+              </a:ext>
+            </a:extLst>
+          </p:cNvPr>
+          <p:cNvCxnSpPr/>
+          <p:nvPr/>
+        </p:nvCxnSpPr>
+        <p:spPr>
+          <a:xfrm>
+            <a:off x="3951218" y="4797152"/>
+            <a:ext cx="0" cy="864096"/>
+          </a:xfrm>
+          <a:prstGeom prst="straightConnector1">
+            <a:avLst/>
+          </a:prstGeom>
+          <a:ln w="57150">
+            <a:solidFill>
+              <a:srgbClr val="FF0000"/>
+            </a:solidFill>
+            <a:tailEnd type="triangle"/>
+          </a:ln>
+        </p:spPr>
+        <p:style>
+          <a:lnRef idx="1">
+            <a:schemeClr val="accent1"/>
+          </a:lnRef>
+          <a:fillRef idx="0">
+            <a:schemeClr val="accent1"/>
+          </a:fillRef>
+          <a:effectRef idx="0">
+            <a:schemeClr val="accent1"/>
+          </a:effectRef>
+          <a:fontRef idx="minor">
+            <a:schemeClr val="tx1"/>
+          </a:fontRef>
+        </p:style>
+      </p:cxnSp>
+      <p:sp>
+        <p:nvSpPr>
+          <p:cNvPr id="32" name="テキスト ボックス 31">
+            <a:extLst>
+              <a:ext uri="{FF2B5EF4-FFF2-40B4-BE49-F238E27FC236}">
+                <a16:creationId xmlns:a16="http://schemas.microsoft.com/office/drawing/2014/main" id="{E75AF35D-0B6A-48F0-A41B-AD433B41479D}"/>
+              </a:ext>
+            </a:extLst>
+          </p:cNvPr>
+          <p:cNvSpPr txBox="1"/>
+          <p:nvPr/>
+        </p:nvSpPr>
+        <p:spPr>
+          <a:xfrm>
+            <a:off x="4109750" y="5013176"/>
+            <a:ext cx="1569660" cy="369332"/>
+          </a:xfrm>
+          <a:prstGeom prst="rect">
+            <a:avLst/>
+          </a:prstGeom>
+          <a:solidFill>
+            <a:schemeClr val="bg1"/>
+          </a:solidFill>
+          <a:ln>
+            <a:solidFill>
+              <a:srgbClr val="FF0000"/>
+            </a:solidFill>
+          </a:ln>
+        </p:spPr>
+        <p:txBody>
+          <a:bodyPr wrap="none" rtlCol="0">
+            <a:spAutoFit/>
+          </a:bodyPr>
+          <a:lstStyle/>
+          <a:p>
+            <a:r>
+              <a:rPr lang="ja-JP" altLang="en-US"/>
+              <a:t>上流ブランチ</a:t>
+            </a:r>
+            <a:endParaRPr lang="en-US"/>
+          </a:p>
+        </p:txBody>
+      </p:sp>
+      <p:cxnSp>
+        <p:nvCxnSpPr>
+          <p:cNvPr id="34" name="コネクタ: カギ線 33">
+            <a:extLst>
+              <a:ext uri="{FF2B5EF4-FFF2-40B4-BE49-F238E27FC236}">
+                <a16:creationId xmlns:a16="http://schemas.microsoft.com/office/drawing/2014/main" id="{EE2C719F-8332-451D-870D-95FB454DEE88}"/>
+              </a:ext>
+            </a:extLst>
+          </p:cNvPr>
+          <p:cNvCxnSpPr>
+            <a:stCxn id="25" idx="0"/>
+            <a:endCxn id="3" idx="0"/>
+          </p:cNvCxnSpPr>
+          <p:nvPr/>
+        </p:nvCxnSpPr>
+        <p:spPr>
+          <a:xfrm flipH="1" flipV="1">
+            <a:off x="4100567" y="1725960"/>
+            <a:ext cx="239266" cy="4187316"/>
+          </a:xfrm>
+          <a:prstGeom prst="bentConnector3">
+            <a:avLst>
+              <a:gd name="adj1" fmla="val -704624"/>
+            </a:avLst>
+          </a:prstGeom>
+          <a:ln w="57150">
+            <a:solidFill>
+              <a:srgbClr val="00B050"/>
+            </a:solidFill>
+            <a:tailEnd type="triangle"/>
+          </a:ln>
+        </p:spPr>
+        <p:style>
+          <a:lnRef idx="1">
+            <a:schemeClr val="accent1"/>
+          </a:lnRef>
+          <a:fillRef idx="0">
+            <a:schemeClr val="accent1"/>
+          </a:fillRef>
+          <a:effectRef idx="0">
+            <a:schemeClr val="accent1"/>
+          </a:effectRef>
+          <a:fontRef idx="minor">
+            <a:schemeClr val="tx1"/>
+          </a:fontRef>
+        </p:style>
+      </p:cxnSp>
+      <p:sp>
+        <p:nvSpPr>
+          <p:cNvPr id="36" name="テキスト ボックス 35">
+            <a:extLst>
+              <a:ext uri="{FF2B5EF4-FFF2-40B4-BE49-F238E27FC236}">
+                <a16:creationId xmlns:a16="http://schemas.microsoft.com/office/drawing/2014/main" id="{9ACE8828-2228-446C-866B-268005139401}"/>
+              </a:ext>
+            </a:extLst>
+          </p:cNvPr>
+          <p:cNvSpPr txBox="1"/>
+          <p:nvPr/>
+        </p:nvSpPr>
+        <p:spPr>
+          <a:xfrm>
+            <a:off x="4743306" y="3068960"/>
+            <a:ext cx="2492990" cy="369332"/>
+          </a:xfrm>
+          <a:prstGeom prst="rect">
+            <a:avLst/>
+          </a:prstGeom>
+          <a:solidFill>
+            <a:schemeClr val="bg1"/>
+          </a:solidFill>
+          <a:ln>
+            <a:solidFill>
+              <a:srgbClr val="00B050"/>
+            </a:solidFill>
+          </a:ln>
+        </p:spPr>
+        <p:txBody>
+          <a:bodyPr wrap="none" rtlCol="0">
+            <a:spAutoFit/>
+          </a:bodyPr>
+          <a:lstStyle/>
+          <a:p>
+            <a:r>
+              <a:rPr lang="ja-JP" altLang="en-US"/>
+              <a:t>リモート追跡ブランチ</a:t>
+            </a:r>
+            <a:endParaRPr lang="en-US"/>
+          </a:p>
+        </p:txBody>
+      </p:sp>
+    </p:spTree>
+    <p:extLst>
+      <p:ext uri="{BB962C8B-B14F-4D97-AF65-F5344CB8AC3E}">
+        <p14:creationId xmlns:p14="http://schemas.microsoft.com/office/powerpoint/2010/main" val="3735903706"/>
+      </p:ext>
+    </p:extLst>
+  </p:cSld>
+  <p:clrMapOvr>
+    <a:masterClrMapping/>
+  </p:clrMapOvr>
+</p:sld>
+</file>
+
 <file path=ppt/theme/theme1.xml><?xml version="1.0" encoding="utf-8"?>
 <a:theme xmlns:a="http://schemas.openxmlformats.org/drawingml/2006/main" name="Office テーマ">
   <a:themeElements>

--- a/remote/fig/fig.pptx
+++ b/remote/fig/fig.pptx
@@ -14,6 +14,8 @@
     <p:sldId id="275" r:id="rId8"/>
     <p:sldId id="269" r:id="rId9"/>
     <p:sldId id="276" r:id="rId10"/>
+    <p:sldId id="277" r:id="rId11"/>
+    <p:sldId id="278" r:id="rId12"/>
   </p:sldIdLst>
   <p:sldSz cx="9144000" cy="6858000" type="screen4x3"/>
   <p:notesSz cx="6858000" cy="9144000"/>
@@ -1994,6 +1996,5061 @@
 </p:sld>
 </file>
 
+<file path=ppt/slides/slide10.xml><?xml version="1.0" encoding="utf-8"?>
+<p:sld xmlns:a="http://schemas.openxmlformats.org/drawingml/2006/main" xmlns:r="http://schemas.openxmlformats.org/officeDocument/2006/relationships" xmlns:p="http://schemas.openxmlformats.org/presentationml/2006/main">
+  <p:cSld>
+    <p:spTree>
+      <p:nvGrpSpPr>
+        <p:cNvPr id="1" name=""/>
+        <p:cNvGrpSpPr/>
+        <p:nvPr/>
+      </p:nvGrpSpPr>
+      <p:grpSpPr>
+        <a:xfrm>
+          <a:off x="0" y="0"/>
+          <a:ext cx="0" cy="0"/>
+          <a:chOff x="0" y="0"/>
+          <a:chExt cx="0" cy="0"/>
+        </a:xfrm>
+      </p:grpSpPr>
+      <p:sp>
+        <p:nvSpPr>
+          <p:cNvPr id="2" name="楕円 4">
+            <a:extLst>
+              <a:ext uri="{FF2B5EF4-FFF2-40B4-BE49-F238E27FC236}">
+                <a16:creationId xmlns:a16="http://schemas.microsoft.com/office/drawing/2014/main" id="{40CB64F1-8A38-4A98-AA14-C36C91E3CC13}"/>
+              </a:ext>
+            </a:extLst>
+          </p:cNvPr>
+          <p:cNvSpPr/>
+          <p:nvPr/>
+        </p:nvSpPr>
+        <p:spPr>
+          <a:xfrm>
+            <a:off x="1835696" y="2204864"/>
+            <a:ext cx="288032" cy="288032"/>
+          </a:xfrm>
+          <a:prstGeom prst="ellipse">
+            <a:avLst/>
+          </a:prstGeom>
+          <a:solidFill>
+            <a:srgbClr val="011893"/>
+          </a:solidFill>
+          <a:ln>
+            <a:solidFill>
+              <a:schemeClr val="tx1"/>
+            </a:solidFill>
+          </a:ln>
+        </p:spPr>
+        <p:style>
+          <a:lnRef idx="2">
+            <a:schemeClr val="accent1">
+              <a:shade val="50000"/>
+            </a:schemeClr>
+          </a:lnRef>
+          <a:fillRef idx="1">
+            <a:schemeClr val="accent1"/>
+          </a:fillRef>
+          <a:effectRef idx="0">
+            <a:schemeClr val="accent1"/>
+          </a:effectRef>
+          <a:fontRef idx="minor">
+            <a:schemeClr val="lt1"/>
+          </a:fontRef>
+        </p:style>
+        <p:txBody>
+          <a:bodyPr rtlCol="0" anchor="ctr"/>
+          <a:lstStyle/>
+          <a:p>
+            <a:pPr algn="ctr"/>
+            <a:endParaRPr kumimoji="1" lang="ja-JP" altLang="en-US"/>
+          </a:p>
+        </p:txBody>
+      </p:sp>
+      <p:sp>
+        <p:nvSpPr>
+          <p:cNvPr id="3" name="四角形: 1 つの角を切り取り 1 つの角を丸める 2">
+            <a:extLst>
+              <a:ext uri="{FF2B5EF4-FFF2-40B4-BE49-F238E27FC236}">
+                <a16:creationId xmlns:a16="http://schemas.microsoft.com/office/drawing/2014/main" id="{CD8B9C8E-8EFE-4447-92FF-484D487E193C}"/>
+              </a:ext>
+            </a:extLst>
+          </p:cNvPr>
+          <p:cNvSpPr/>
+          <p:nvPr/>
+        </p:nvSpPr>
+        <p:spPr>
+          <a:xfrm>
+            <a:off x="2816518" y="1484784"/>
+            <a:ext cx="1152128" cy="338336"/>
+          </a:xfrm>
+          <a:prstGeom prst="snipRoundRect">
+            <a:avLst>
+              <a:gd name="adj1" fmla="val 16667"/>
+              <a:gd name="adj2" fmla="val 35924"/>
+            </a:avLst>
+          </a:prstGeom>
+          <a:solidFill>
+            <a:schemeClr val="accent6">
+              <a:lumMod val="20000"/>
+              <a:lumOff val="80000"/>
+            </a:schemeClr>
+          </a:solidFill>
+          <a:ln>
+            <a:solidFill>
+              <a:schemeClr val="tx1"/>
+            </a:solidFill>
+          </a:ln>
+        </p:spPr>
+        <p:style>
+          <a:lnRef idx="2">
+            <a:schemeClr val="accent1">
+              <a:shade val="50000"/>
+            </a:schemeClr>
+          </a:lnRef>
+          <a:fillRef idx="1">
+            <a:schemeClr val="accent1"/>
+          </a:fillRef>
+          <a:effectRef idx="0">
+            <a:schemeClr val="accent1"/>
+          </a:effectRef>
+          <a:fontRef idx="minor">
+            <a:schemeClr val="lt1"/>
+          </a:fontRef>
+        </p:style>
+        <p:txBody>
+          <a:bodyPr rtlCol="0" anchor="ctr"/>
+          <a:lstStyle/>
+          <a:p>
+            <a:pPr algn="ctr"/>
+            <a:r>
+              <a:rPr kumimoji="1" lang="en-US" altLang="ja-JP">
+                <a:solidFill>
+                  <a:sysClr val="windowText" lastClr="000000"/>
+                </a:solidFill>
+                <a:latin typeface="Consolas" panose="020B0609020204030204" pitchFamily="49" charset="0"/>
+              </a:rPr>
+              <a:t>main</a:t>
+            </a:r>
+            <a:endParaRPr kumimoji="1" lang="ja-JP" altLang="en-US">
+              <a:solidFill>
+                <a:sysClr val="windowText" lastClr="000000"/>
+              </a:solidFill>
+              <a:latin typeface="Consolas" panose="020B0609020204030204" pitchFamily="49" charset="0"/>
+            </a:endParaRPr>
+          </a:p>
+        </p:txBody>
+      </p:sp>
+      <p:cxnSp>
+        <p:nvCxnSpPr>
+          <p:cNvPr id="4" name="直線矢印コネクタ 3">
+            <a:extLst>
+              <a:ext uri="{FF2B5EF4-FFF2-40B4-BE49-F238E27FC236}">
+                <a16:creationId xmlns:a16="http://schemas.microsoft.com/office/drawing/2014/main" id="{EC252DE7-BA25-42CE-B9D2-5DBD114C05F6}"/>
+              </a:ext>
+            </a:extLst>
+          </p:cNvPr>
+          <p:cNvCxnSpPr>
+            <a:cxnSpLocks/>
+            <a:stCxn id="3" idx="1"/>
+          </p:cNvCxnSpPr>
+          <p:nvPr/>
+        </p:nvCxnSpPr>
+        <p:spPr>
+          <a:xfrm>
+            <a:off x="3392582" y="1823120"/>
+            <a:ext cx="0" cy="381744"/>
+          </a:xfrm>
+          <a:prstGeom prst="straightConnector1">
+            <a:avLst/>
+          </a:prstGeom>
+          <a:ln w="12700">
+            <a:solidFill>
+              <a:schemeClr val="tx1"/>
+            </a:solidFill>
+            <a:tailEnd type="triangle"/>
+          </a:ln>
+        </p:spPr>
+        <p:style>
+          <a:lnRef idx="1">
+            <a:schemeClr val="accent1"/>
+          </a:lnRef>
+          <a:fillRef idx="0">
+            <a:schemeClr val="accent1"/>
+          </a:fillRef>
+          <a:effectRef idx="0">
+            <a:schemeClr val="accent1"/>
+          </a:effectRef>
+          <a:fontRef idx="minor">
+            <a:schemeClr val="tx1"/>
+          </a:fontRef>
+        </p:style>
+      </p:cxnSp>
+      <p:sp>
+        <p:nvSpPr>
+          <p:cNvPr id="5" name="楕円 4">
+            <a:extLst>
+              <a:ext uri="{FF2B5EF4-FFF2-40B4-BE49-F238E27FC236}">
+                <a16:creationId xmlns:a16="http://schemas.microsoft.com/office/drawing/2014/main" id="{803CF274-053C-4178-A350-E9E0BA356A18}"/>
+              </a:ext>
+            </a:extLst>
+          </p:cNvPr>
+          <p:cNvSpPr/>
+          <p:nvPr/>
+        </p:nvSpPr>
+        <p:spPr>
+          <a:xfrm>
+            <a:off x="1115616" y="2204864"/>
+            <a:ext cx="288032" cy="288032"/>
+          </a:xfrm>
+          <a:prstGeom prst="ellipse">
+            <a:avLst/>
+          </a:prstGeom>
+          <a:solidFill>
+            <a:srgbClr val="011893"/>
+          </a:solidFill>
+          <a:ln>
+            <a:solidFill>
+              <a:schemeClr val="tx1"/>
+            </a:solidFill>
+          </a:ln>
+        </p:spPr>
+        <p:style>
+          <a:lnRef idx="2">
+            <a:schemeClr val="accent1">
+              <a:shade val="50000"/>
+            </a:schemeClr>
+          </a:lnRef>
+          <a:fillRef idx="1">
+            <a:schemeClr val="accent1"/>
+          </a:fillRef>
+          <a:effectRef idx="0">
+            <a:schemeClr val="accent1"/>
+          </a:effectRef>
+          <a:fontRef idx="minor">
+            <a:schemeClr val="lt1"/>
+          </a:fontRef>
+        </p:style>
+        <p:txBody>
+          <a:bodyPr rtlCol="0" anchor="ctr"/>
+          <a:lstStyle/>
+          <a:p>
+            <a:pPr algn="ctr"/>
+            <a:endParaRPr kumimoji="1" lang="ja-JP" altLang="en-US"/>
+          </a:p>
+        </p:txBody>
+      </p:sp>
+      <p:cxnSp>
+        <p:nvCxnSpPr>
+          <p:cNvPr id="6" name="直線コネクタ 5">
+            <a:extLst>
+              <a:ext uri="{FF2B5EF4-FFF2-40B4-BE49-F238E27FC236}">
+                <a16:creationId xmlns:a16="http://schemas.microsoft.com/office/drawing/2014/main" id="{D91BA688-BEA4-4D22-BEE5-FF0B8B821798}"/>
+              </a:ext>
+            </a:extLst>
+          </p:cNvPr>
+          <p:cNvCxnSpPr>
+            <a:cxnSpLocks/>
+            <a:stCxn id="5" idx="6"/>
+          </p:cNvCxnSpPr>
+          <p:nvPr/>
+        </p:nvCxnSpPr>
+        <p:spPr>
+          <a:xfrm>
+            <a:off x="1403648" y="2348880"/>
+            <a:ext cx="432048" cy="0"/>
+          </a:xfrm>
+          <a:prstGeom prst="line">
+            <a:avLst/>
+          </a:prstGeom>
+          <a:ln w="57150">
+            <a:solidFill>
+              <a:schemeClr val="tx1"/>
+            </a:solidFill>
+            <a:headEnd type="none" w="med" len="med"/>
+            <a:tailEnd type="none" w="med" len="med"/>
+          </a:ln>
+        </p:spPr>
+        <p:style>
+          <a:lnRef idx="1">
+            <a:schemeClr val="accent1"/>
+          </a:lnRef>
+          <a:fillRef idx="0">
+            <a:schemeClr val="accent1"/>
+          </a:fillRef>
+          <a:effectRef idx="0">
+            <a:schemeClr val="accent1"/>
+          </a:effectRef>
+          <a:fontRef idx="minor">
+            <a:schemeClr val="tx1"/>
+          </a:fontRef>
+        </p:style>
+      </p:cxnSp>
+      <p:cxnSp>
+        <p:nvCxnSpPr>
+          <p:cNvPr id="8" name="直線コネクタ 7">
+            <a:extLst>
+              <a:ext uri="{FF2B5EF4-FFF2-40B4-BE49-F238E27FC236}">
+                <a16:creationId xmlns:a16="http://schemas.microsoft.com/office/drawing/2014/main" id="{C6E1351E-E8E1-4E1A-9CAA-54D5F7720AA6}"/>
+              </a:ext>
+            </a:extLst>
+          </p:cNvPr>
+          <p:cNvCxnSpPr>
+            <a:cxnSpLocks/>
+          </p:cNvCxnSpPr>
+          <p:nvPr/>
+        </p:nvCxnSpPr>
+        <p:spPr>
+          <a:xfrm>
+            <a:off x="2123728" y="2348880"/>
+            <a:ext cx="432048" cy="0"/>
+          </a:xfrm>
+          <a:prstGeom prst="line">
+            <a:avLst/>
+          </a:prstGeom>
+          <a:ln w="57150">
+            <a:solidFill>
+              <a:schemeClr val="tx1"/>
+            </a:solidFill>
+            <a:headEnd type="none" w="med" len="med"/>
+            <a:tailEnd type="none" w="med" len="med"/>
+          </a:ln>
+        </p:spPr>
+        <p:style>
+          <a:lnRef idx="1">
+            <a:schemeClr val="accent1"/>
+          </a:lnRef>
+          <a:fillRef idx="0">
+            <a:schemeClr val="accent1"/>
+          </a:fillRef>
+          <a:effectRef idx="0">
+            <a:schemeClr val="accent1"/>
+          </a:effectRef>
+          <a:fontRef idx="minor">
+            <a:schemeClr val="tx1"/>
+          </a:fontRef>
+        </p:style>
+      </p:cxnSp>
+      <p:sp>
+        <p:nvSpPr>
+          <p:cNvPr id="9" name="四角形: 角を丸くする 8">
+            <a:extLst>
+              <a:ext uri="{FF2B5EF4-FFF2-40B4-BE49-F238E27FC236}">
+                <a16:creationId xmlns:a16="http://schemas.microsoft.com/office/drawing/2014/main" id="{4B740936-C244-4709-B43C-DF79060288AD}"/>
+              </a:ext>
+            </a:extLst>
+          </p:cNvPr>
+          <p:cNvSpPr/>
+          <p:nvPr/>
+        </p:nvSpPr>
+        <p:spPr>
+          <a:xfrm>
+            <a:off x="971600" y="1268760"/>
+            <a:ext cx="3240360" cy="1440160"/>
+          </a:xfrm>
+          <a:prstGeom prst="roundRect">
+            <a:avLst/>
+          </a:prstGeom>
+          <a:noFill/>
+          <a:ln w="28575">
+            <a:solidFill>
+              <a:schemeClr val="tx1"/>
+            </a:solidFill>
+            <a:prstDash val="dash"/>
+          </a:ln>
+        </p:spPr>
+        <p:style>
+          <a:lnRef idx="2">
+            <a:schemeClr val="accent1">
+              <a:shade val="50000"/>
+            </a:schemeClr>
+          </a:lnRef>
+          <a:fillRef idx="1">
+            <a:schemeClr val="accent1"/>
+          </a:fillRef>
+          <a:effectRef idx="0">
+            <a:schemeClr val="accent1"/>
+          </a:effectRef>
+          <a:fontRef idx="minor">
+            <a:schemeClr val="lt1"/>
+          </a:fontRef>
+        </p:style>
+        <p:txBody>
+          <a:bodyPr rtlCol="0" anchor="ctr"/>
+          <a:lstStyle/>
+          <a:p>
+            <a:pPr algn="ctr"/>
+            <a:endParaRPr kumimoji="1" lang="ja-JP" altLang="en-US"/>
+          </a:p>
+        </p:txBody>
+      </p:sp>
+      <p:sp>
+        <p:nvSpPr>
+          <p:cNvPr id="10" name="テキスト ボックス 9">
+            <a:extLst>
+              <a:ext uri="{FF2B5EF4-FFF2-40B4-BE49-F238E27FC236}">
+                <a16:creationId xmlns:a16="http://schemas.microsoft.com/office/drawing/2014/main" id="{3BEE2ABC-8AF0-429D-8ECF-FB2CDCF75950}"/>
+              </a:ext>
+            </a:extLst>
+          </p:cNvPr>
+          <p:cNvSpPr txBox="1"/>
+          <p:nvPr/>
+        </p:nvSpPr>
+        <p:spPr>
+          <a:xfrm>
+            <a:off x="1060350" y="692696"/>
+            <a:ext cx="2980304" cy="369332"/>
+          </a:xfrm>
+          <a:prstGeom prst="rect">
+            <a:avLst/>
+          </a:prstGeom>
+          <a:noFill/>
+        </p:spPr>
+        <p:txBody>
+          <a:bodyPr wrap="none" rtlCol="0">
+            <a:spAutoFit/>
+          </a:bodyPr>
+          <a:lstStyle/>
+          <a:p>
+            <a:pPr algn="ctr"/>
+            <a:r>
+              <a:rPr lang="ja-JP" altLang="en-US"/>
+              <a:t>リモートリポジトリ</a:t>
+            </a:r>
+            <a:r>
+              <a:rPr lang="en-US" altLang="ja-JP"/>
+              <a:t>(origin)</a:t>
+            </a:r>
+            <a:endParaRPr kumimoji="1" lang="en-US" altLang="ja-JP" dirty="0"/>
+          </a:p>
+        </p:txBody>
+      </p:sp>
+      <p:pic>
+        <p:nvPicPr>
+          <p:cNvPr id="11" name="図 10">
+            <a:extLst>
+              <a:ext uri="{FF2B5EF4-FFF2-40B4-BE49-F238E27FC236}">
+                <a16:creationId xmlns:a16="http://schemas.microsoft.com/office/drawing/2014/main" id="{DC3606EB-E54F-4D41-991C-15940FF2A35A}"/>
+              </a:ext>
+            </a:extLst>
+          </p:cNvPr>
+          <p:cNvPicPr>
+            <a:picLocks noChangeAspect="1"/>
+          </p:cNvPicPr>
+          <p:nvPr/>
+        </p:nvPicPr>
+        <p:blipFill>
+          <a:blip r:embed="rId2">
+            <a:extLst>
+              <a:ext uri="{28A0092B-C50C-407E-A947-70E740481C1C}">
+                <a14:useLocalDpi xmlns:a14="http://schemas.microsoft.com/office/drawing/2010/main" val="0"/>
+              </a:ext>
+            </a:extLst>
+          </a:blip>
+          <a:stretch>
+            <a:fillRect/>
+          </a:stretch>
+        </p:blipFill>
+        <p:spPr>
+          <a:xfrm>
+            <a:off x="179512" y="1628800"/>
+            <a:ext cx="609600" cy="609600"/>
+          </a:xfrm>
+          <a:prstGeom prst="rect">
+            <a:avLst/>
+          </a:prstGeom>
+        </p:spPr>
+      </p:pic>
+      <p:sp>
+        <p:nvSpPr>
+          <p:cNvPr id="12" name="楕円 4">
+            <a:extLst>
+              <a:ext uri="{FF2B5EF4-FFF2-40B4-BE49-F238E27FC236}">
+                <a16:creationId xmlns:a16="http://schemas.microsoft.com/office/drawing/2014/main" id="{62D25231-B317-46F1-BD4C-CF8B40C57F5C}"/>
+              </a:ext>
+            </a:extLst>
+          </p:cNvPr>
+          <p:cNvSpPr/>
+          <p:nvPr/>
+        </p:nvSpPr>
+        <p:spPr>
+          <a:xfrm>
+            <a:off x="3248566" y="2204864"/>
+            <a:ext cx="288032" cy="288032"/>
+          </a:xfrm>
+          <a:prstGeom prst="ellipse">
+            <a:avLst/>
+          </a:prstGeom>
+          <a:solidFill>
+            <a:srgbClr val="FF0000"/>
+          </a:solidFill>
+          <a:ln>
+            <a:solidFill>
+              <a:schemeClr val="tx1"/>
+            </a:solidFill>
+          </a:ln>
+        </p:spPr>
+        <p:style>
+          <a:lnRef idx="2">
+            <a:schemeClr val="accent1">
+              <a:shade val="50000"/>
+            </a:schemeClr>
+          </a:lnRef>
+          <a:fillRef idx="1">
+            <a:schemeClr val="accent1"/>
+          </a:fillRef>
+          <a:effectRef idx="0">
+            <a:schemeClr val="accent1"/>
+          </a:effectRef>
+          <a:fontRef idx="minor">
+            <a:schemeClr val="lt1"/>
+          </a:fontRef>
+        </p:style>
+        <p:txBody>
+          <a:bodyPr rtlCol="0" anchor="ctr"/>
+          <a:lstStyle/>
+          <a:p>
+            <a:pPr algn="ctr"/>
+            <a:endParaRPr kumimoji="1" lang="ja-JP" altLang="en-US"/>
+          </a:p>
+        </p:txBody>
+      </p:sp>
+      <p:cxnSp>
+        <p:nvCxnSpPr>
+          <p:cNvPr id="13" name="直線コネクタ 12">
+            <a:extLst>
+              <a:ext uri="{FF2B5EF4-FFF2-40B4-BE49-F238E27FC236}">
+                <a16:creationId xmlns:a16="http://schemas.microsoft.com/office/drawing/2014/main" id="{E250B6F1-7574-4027-BCD6-DA93A1E3CC5D}"/>
+              </a:ext>
+            </a:extLst>
+          </p:cNvPr>
+          <p:cNvCxnSpPr>
+            <a:cxnSpLocks/>
+            <a:stCxn id="7" idx="6"/>
+          </p:cNvCxnSpPr>
+          <p:nvPr/>
+        </p:nvCxnSpPr>
+        <p:spPr>
+          <a:xfrm>
+            <a:off x="2843808" y="2348880"/>
+            <a:ext cx="404758" cy="0"/>
+          </a:xfrm>
+          <a:prstGeom prst="line">
+            <a:avLst/>
+          </a:prstGeom>
+          <a:ln w="57150">
+            <a:solidFill>
+              <a:srgbClr val="FF0000"/>
+            </a:solidFill>
+            <a:headEnd type="none" w="med" len="med"/>
+            <a:tailEnd type="none" w="med" len="med"/>
+          </a:ln>
+        </p:spPr>
+        <p:style>
+          <a:lnRef idx="1">
+            <a:schemeClr val="accent1"/>
+          </a:lnRef>
+          <a:fillRef idx="0">
+            <a:schemeClr val="accent1"/>
+          </a:fillRef>
+          <a:effectRef idx="0">
+            <a:schemeClr val="accent1"/>
+          </a:effectRef>
+          <a:fontRef idx="minor">
+            <a:schemeClr val="tx1"/>
+          </a:fontRef>
+        </p:style>
+      </p:cxnSp>
+      <p:sp>
+        <p:nvSpPr>
+          <p:cNvPr id="7" name="楕円 4">
+            <a:extLst>
+              <a:ext uri="{FF2B5EF4-FFF2-40B4-BE49-F238E27FC236}">
+                <a16:creationId xmlns:a16="http://schemas.microsoft.com/office/drawing/2014/main" id="{134EC4F8-6601-4A73-8C47-53158FED3B38}"/>
+              </a:ext>
+            </a:extLst>
+          </p:cNvPr>
+          <p:cNvSpPr/>
+          <p:nvPr/>
+        </p:nvSpPr>
+        <p:spPr>
+          <a:xfrm>
+            <a:off x="2555776" y="2204864"/>
+            <a:ext cx="288032" cy="288032"/>
+          </a:xfrm>
+          <a:prstGeom prst="ellipse">
+            <a:avLst/>
+          </a:prstGeom>
+          <a:solidFill>
+            <a:srgbClr val="011893"/>
+          </a:solidFill>
+          <a:ln>
+            <a:solidFill>
+              <a:schemeClr val="tx1"/>
+            </a:solidFill>
+          </a:ln>
+        </p:spPr>
+        <p:style>
+          <a:lnRef idx="2">
+            <a:schemeClr val="accent1">
+              <a:shade val="50000"/>
+            </a:schemeClr>
+          </a:lnRef>
+          <a:fillRef idx="1">
+            <a:schemeClr val="accent1"/>
+          </a:fillRef>
+          <a:effectRef idx="0">
+            <a:schemeClr val="accent1"/>
+          </a:effectRef>
+          <a:fontRef idx="minor">
+            <a:schemeClr val="lt1"/>
+          </a:fontRef>
+        </p:style>
+        <p:txBody>
+          <a:bodyPr rtlCol="0" anchor="ctr"/>
+          <a:lstStyle/>
+          <a:p>
+            <a:pPr algn="ctr"/>
+            <a:endParaRPr kumimoji="1" lang="ja-JP" altLang="en-US"/>
+          </a:p>
+        </p:txBody>
+      </p:sp>
+      <p:pic>
+        <p:nvPicPr>
+          <p:cNvPr id="28" name="Picture 8" descr="パソコンを使う会社員のイラスト（男性・笑顔）">
+            <a:extLst>
+              <a:ext uri="{FF2B5EF4-FFF2-40B4-BE49-F238E27FC236}">
+                <a16:creationId xmlns:a16="http://schemas.microsoft.com/office/drawing/2014/main" id="{11711368-9B1E-4875-8F09-7CB96A446695}"/>
+              </a:ext>
+            </a:extLst>
+          </p:cNvPr>
+          <p:cNvPicPr>
+            <a:picLocks noChangeAspect="1" noChangeArrowheads="1"/>
+          </p:cNvPicPr>
+          <p:nvPr/>
+        </p:nvPicPr>
+        <p:blipFill>
+          <a:blip r:embed="rId3" cstate="print">
+            <a:extLst>
+              <a:ext uri="{28A0092B-C50C-407E-A947-70E740481C1C}">
+                <a14:useLocalDpi xmlns:a14="http://schemas.microsoft.com/office/drawing/2010/main" val="0"/>
+              </a:ext>
+            </a:extLst>
+          </a:blip>
+          <a:srcRect/>
+          <a:stretch>
+            <a:fillRect/>
+          </a:stretch>
+        </p:blipFill>
+        <p:spPr bwMode="auto">
+          <a:xfrm>
+            <a:off x="179512" y="4509120"/>
+            <a:ext cx="576064" cy="836607"/>
+          </a:xfrm>
+          <a:prstGeom prst="rect">
+            <a:avLst/>
+          </a:prstGeom>
+          <a:noFill/>
+          <a:extLst>
+            <a:ext uri="{909E8E84-426E-40DD-AFC4-6F175D3DCCD1}">
+              <a14:hiddenFill xmlns:a14="http://schemas.microsoft.com/office/drawing/2010/main">
+                <a:solidFill>
+                  <a:srgbClr val="FFFFFF"/>
+                </a:solidFill>
+              </a14:hiddenFill>
+            </a:ext>
+          </a:extLst>
+        </p:spPr>
+      </p:pic>
+      <p:sp>
+        <p:nvSpPr>
+          <p:cNvPr id="29" name="楕円 4">
+            <a:extLst>
+              <a:ext uri="{FF2B5EF4-FFF2-40B4-BE49-F238E27FC236}">
+                <a16:creationId xmlns:a16="http://schemas.microsoft.com/office/drawing/2014/main" id="{369C1AF0-CF63-4907-A230-A8D5C2F2CC70}"/>
+              </a:ext>
+            </a:extLst>
+          </p:cNvPr>
+          <p:cNvSpPr/>
+          <p:nvPr/>
+        </p:nvSpPr>
+        <p:spPr>
+          <a:xfrm>
+            <a:off x="1907704" y="4941168"/>
+            <a:ext cx="288032" cy="288032"/>
+          </a:xfrm>
+          <a:prstGeom prst="ellipse">
+            <a:avLst/>
+          </a:prstGeom>
+          <a:solidFill>
+            <a:srgbClr val="011893"/>
+          </a:solidFill>
+          <a:ln>
+            <a:solidFill>
+              <a:schemeClr val="tx1"/>
+            </a:solidFill>
+          </a:ln>
+        </p:spPr>
+        <p:style>
+          <a:lnRef idx="2">
+            <a:schemeClr val="accent1">
+              <a:shade val="50000"/>
+            </a:schemeClr>
+          </a:lnRef>
+          <a:fillRef idx="1">
+            <a:schemeClr val="accent1"/>
+          </a:fillRef>
+          <a:effectRef idx="0">
+            <a:schemeClr val="accent1"/>
+          </a:effectRef>
+          <a:fontRef idx="minor">
+            <a:schemeClr val="lt1"/>
+          </a:fontRef>
+        </p:style>
+        <p:txBody>
+          <a:bodyPr rtlCol="0" anchor="ctr"/>
+          <a:lstStyle/>
+          <a:p>
+            <a:pPr algn="ctr"/>
+            <a:endParaRPr kumimoji="1" lang="ja-JP" altLang="en-US"/>
+          </a:p>
+        </p:txBody>
+      </p:sp>
+      <p:sp>
+        <p:nvSpPr>
+          <p:cNvPr id="30" name="四角形: 1 つの角を切り取り 1 つの角を丸める 29">
+            <a:extLst>
+              <a:ext uri="{FF2B5EF4-FFF2-40B4-BE49-F238E27FC236}">
+                <a16:creationId xmlns:a16="http://schemas.microsoft.com/office/drawing/2014/main" id="{41F10CF1-4145-45B9-8855-269A023468A7}"/>
+              </a:ext>
+            </a:extLst>
+          </p:cNvPr>
+          <p:cNvSpPr/>
+          <p:nvPr/>
+        </p:nvSpPr>
+        <p:spPr>
+          <a:xfrm>
+            <a:off x="2195736" y="4242792"/>
+            <a:ext cx="1152128" cy="338336"/>
+          </a:xfrm>
+          <a:prstGeom prst="snipRoundRect">
+            <a:avLst>
+              <a:gd name="adj1" fmla="val 16667"/>
+              <a:gd name="adj2" fmla="val 35924"/>
+            </a:avLst>
+          </a:prstGeom>
+          <a:solidFill>
+            <a:schemeClr val="accent6">
+              <a:lumMod val="20000"/>
+              <a:lumOff val="80000"/>
+            </a:schemeClr>
+          </a:solidFill>
+          <a:ln>
+            <a:solidFill>
+              <a:schemeClr val="tx1"/>
+            </a:solidFill>
+          </a:ln>
+        </p:spPr>
+        <p:style>
+          <a:lnRef idx="2">
+            <a:schemeClr val="accent1">
+              <a:shade val="50000"/>
+            </a:schemeClr>
+          </a:lnRef>
+          <a:fillRef idx="1">
+            <a:schemeClr val="accent1"/>
+          </a:fillRef>
+          <a:effectRef idx="0">
+            <a:schemeClr val="accent1"/>
+          </a:effectRef>
+          <a:fontRef idx="minor">
+            <a:schemeClr val="lt1"/>
+          </a:fontRef>
+        </p:style>
+        <p:txBody>
+          <a:bodyPr rtlCol="0" anchor="ctr"/>
+          <a:lstStyle/>
+          <a:p>
+            <a:pPr algn="ctr"/>
+            <a:r>
+              <a:rPr kumimoji="1" lang="en-US" altLang="ja-JP">
+                <a:solidFill>
+                  <a:sysClr val="windowText" lastClr="000000"/>
+                </a:solidFill>
+                <a:latin typeface="Consolas" panose="020B0609020204030204" pitchFamily="49" charset="0"/>
+              </a:rPr>
+              <a:t>main</a:t>
+            </a:r>
+            <a:endParaRPr kumimoji="1" lang="ja-JP" altLang="en-US">
+              <a:solidFill>
+                <a:sysClr val="windowText" lastClr="000000"/>
+              </a:solidFill>
+              <a:latin typeface="Consolas" panose="020B0609020204030204" pitchFamily="49" charset="0"/>
+            </a:endParaRPr>
+          </a:p>
+        </p:txBody>
+      </p:sp>
+      <p:cxnSp>
+        <p:nvCxnSpPr>
+          <p:cNvPr id="31" name="直線矢印コネクタ 30">
+            <a:extLst>
+              <a:ext uri="{FF2B5EF4-FFF2-40B4-BE49-F238E27FC236}">
+                <a16:creationId xmlns:a16="http://schemas.microsoft.com/office/drawing/2014/main" id="{ADA26C34-2043-47F1-A1DE-1DD5AF9937AA}"/>
+              </a:ext>
+            </a:extLst>
+          </p:cNvPr>
+          <p:cNvCxnSpPr>
+            <a:cxnSpLocks/>
+            <a:stCxn id="30" idx="1"/>
+          </p:cNvCxnSpPr>
+          <p:nvPr/>
+        </p:nvCxnSpPr>
+        <p:spPr>
+          <a:xfrm>
+            <a:off x="2771800" y="4581128"/>
+            <a:ext cx="0" cy="381744"/>
+          </a:xfrm>
+          <a:prstGeom prst="straightConnector1">
+            <a:avLst/>
+          </a:prstGeom>
+          <a:ln w="12700">
+            <a:solidFill>
+              <a:schemeClr val="tx1"/>
+            </a:solidFill>
+            <a:tailEnd type="triangle"/>
+          </a:ln>
+        </p:spPr>
+        <p:style>
+          <a:lnRef idx="1">
+            <a:schemeClr val="accent1"/>
+          </a:lnRef>
+          <a:fillRef idx="0">
+            <a:schemeClr val="accent1"/>
+          </a:fillRef>
+          <a:effectRef idx="0">
+            <a:schemeClr val="accent1"/>
+          </a:effectRef>
+          <a:fontRef idx="minor">
+            <a:schemeClr val="tx1"/>
+          </a:fontRef>
+        </p:style>
+      </p:cxnSp>
+      <p:sp>
+        <p:nvSpPr>
+          <p:cNvPr id="32" name="楕円 31">
+            <a:extLst>
+              <a:ext uri="{FF2B5EF4-FFF2-40B4-BE49-F238E27FC236}">
+                <a16:creationId xmlns:a16="http://schemas.microsoft.com/office/drawing/2014/main" id="{66EDF41A-D877-4CB3-81BB-67004929E517}"/>
+              </a:ext>
+            </a:extLst>
+          </p:cNvPr>
+          <p:cNvSpPr/>
+          <p:nvPr/>
+        </p:nvSpPr>
+        <p:spPr>
+          <a:xfrm>
+            <a:off x="1187624" y="4941168"/>
+            <a:ext cx="288032" cy="288032"/>
+          </a:xfrm>
+          <a:prstGeom prst="ellipse">
+            <a:avLst/>
+          </a:prstGeom>
+          <a:solidFill>
+            <a:srgbClr val="011893"/>
+          </a:solidFill>
+          <a:ln>
+            <a:solidFill>
+              <a:schemeClr val="tx1"/>
+            </a:solidFill>
+          </a:ln>
+        </p:spPr>
+        <p:style>
+          <a:lnRef idx="2">
+            <a:schemeClr val="accent1">
+              <a:shade val="50000"/>
+            </a:schemeClr>
+          </a:lnRef>
+          <a:fillRef idx="1">
+            <a:schemeClr val="accent1"/>
+          </a:fillRef>
+          <a:effectRef idx="0">
+            <a:schemeClr val="accent1"/>
+          </a:effectRef>
+          <a:fontRef idx="minor">
+            <a:schemeClr val="lt1"/>
+          </a:fontRef>
+        </p:style>
+        <p:txBody>
+          <a:bodyPr rtlCol="0" anchor="ctr"/>
+          <a:lstStyle/>
+          <a:p>
+            <a:pPr algn="ctr"/>
+            <a:endParaRPr kumimoji="1" lang="ja-JP" altLang="en-US"/>
+          </a:p>
+        </p:txBody>
+      </p:sp>
+      <p:cxnSp>
+        <p:nvCxnSpPr>
+          <p:cNvPr id="33" name="直線コネクタ 32">
+            <a:extLst>
+              <a:ext uri="{FF2B5EF4-FFF2-40B4-BE49-F238E27FC236}">
+                <a16:creationId xmlns:a16="http://schemas.microsoft.com/office/drawing/2014/main" id="{E4682B83-EE6C-4ED2-89B8-AB2794D558C1}"/>
+              </a:ext>
+            </a:extLst>
+          </p:cNvPr>
+          <p:cNvCxnSpPr>
+            <a:cxnSpLocks/>
+            <a:stCxn id="32" idx="6"/>
+          </p:cNvCxnSpPr>
+          <p:nvPr/>
+        </p:nvCxnSpPr>
+        <p:spPr>
+          <a:xfrm>
+            <a:off x="1475656" y="5085184"/>
+            <a:ext cx="432048" cy="0"/>
+          </a:xfrm>
+          <a:prstGeom prst="line">
+            <a:avLst/>
+          </a:prstGeom>
+          <a:ln w="57150">
+            <a:solidFill>
+              <a:schemeClr val="tx1"/>
+            </a:solidFill>
+            <a:headEnd type="none" w="med" len="med"/>
+            <a:tailEnd type="none" w="med" len="med"/>
+          </a:ln>
+        </p:spPr>
+        <p:style>
+          <a:lnRef idx="1">
+            <a:schemeClr val="accent1"/>
+          </a:lnRef>
+          <a:fillRef idx="0">
+            <a:schemeClr val="accent1"/>
+          </a:fillRef>
+          <a:effectRef idx="0">
+            <a:schemeClr val="accent1"/>
+          </a:effectRef>
+          <a:fontRef idx="minor">
+            <a:schemeClr val="tx1"/>
+          </a:fontRef>
+        </p:style>
+      </p:cxnSp>
+      <p:sp>
+        <p:nvSpPr>
+          <p:cNvPr id="34" name="楕円 4">
+            <a:extLst>
+              <a:ext uri="{FF2B5EF4-FFF2-40B4-BE49-F238E27FC236}">
+                <a16:creationId xmlns:a16="http://schemas.microsoft.com/office/drawing/2014/main" id="{4F670315-CE6D-4CBA-8B63-485B38595847}"/>
+              </a:ext>
+            </a:extLst>
+          </p:cNvPr>
+          <p:cNvSpPr/>
+          <p:nvPr/>
+        </p:nvSpPr>
+        <p:spPr>
+          <a:xfrm>
+            <a:off x="2627784" y="4941168"/>
+            <a:ext cx="288032" cy="288032"/>
+          </a:xfrm>
+          <a:prstGeom prst="ellipse">
+            <a:avLst/>
+          </a:prstGeom>
+          <a:solidFill>
+            <a:srgbClr val="011893"/>
+          </a:solidFill>
+          <a:ln>
+            <a:solidFill>
+              <a:schemeClr val="tx1"/>
+            </a:solidFill>
+          </a:ln>
+        </p:spPr>
+        <p:style>
+          <a:lnRef idx="2">
+            <a:schemeClr val="accent1">
+              <a:shade val="50000"/>
+            </a:schemeClr>
+          </a:lnRef>
+          <a:fillRef idx="1">
+            <a:schemeClr val="accent1"/>
+          </a:fillRef>
+          <a:effectRef idx="0">
+            <a:schemeClr val="accent1"/>
+          </a:effectRef>
+          <a:fontRef idx="minor">
+            <a:schemeClr val="lt1"/>
+          </a:fontRef>
+        </p:style>
+        <p:txBody>
+          <a:bodyPr rtlCol="0" anchor="ctr"/>
+          <a:lstStyle/>
+          <a:p>
+            <a:pPr algn="ctr"/>
+            <a:endParaRPr kumimoji="1" lang="ja-JP" altLang="en-US"/>
+          </a:p>
+        </p:txBody>
+      </p:sp>
+      <p:cxnSp>
+        <p:nvCxnSpPr>
+          <p:cNvPr id="35" name="直線コネクタ 34">
+            <a:extLst>
+              <a:ext uri="{FF2B5EF4-FFF2-40B4-BE49-F238E27FC236}">
+                <a16:creationId xmlns:a16="http://schemas.microsoft.com/office/drawing/2014/main" id="{56AFE597-943B-48E5-A97D-B9E764CD8AEF}"/>
+              </a:ext>
+            </a:extLst>
+          </p:cNvPr>
+          <p:cNvCxnSpPr>
+            <a:cxnSpLocks/>
+          </p:cNvCxnSpPr>
+          <p:nvPr/>
+        </p:nvCxnSpPr>
+        <p:spPr>
+          <a:xfrm>
+            <a:off x="2195736" y="5085184"/>
+            <a:ext cx="432048" cy="0"/>
+          </a:xfrm>
+          <a:prstGeom prst="line">
+            <a:avLst/>
+          </a:prstGeom>
+          <a:ln w="57150">
+            <a:solidFill>
+              <a:schemeClr val="tx1"/>
+            </a:solidFill>
+            <a:headEnd type="none" w="med" len="med"/>
+            <a:tailEnd type="none" w="med" len="med"/>
+          </a:ln>
+        </p:spPr>
+        <p:style>
+          <a:lnRef idx="1">
+            <a:schemeClr val="accent1"/>
+          </a:lnRef>
+          <a:fillRef idx="0">
+            <a:schemeClr val="accent1"/>
+          </a:fillRef>
+          <a:effectRef idx="0">
+            <a:schemeClr val="accent1"/>
+          </a:effectRef>
+          <a:fontRef idx="minor">
+            <a:schemeClr val="tx1"/>
+          </a:fontRef>
+        </p:style>
+      </p:cxnSp>
+      <p:sp>
+        <p:nvSpPr>
+          <p:cNvPr id="36" name="四角形: 角を丸くする 35">
+            <a:extLst>
+              <a:ext uri="{FF2B5EF4-FFF2-40B4-BE49-F238E27FC236}">
+                <a16:creationId xmlns:a16="http://schemas.microsoft.com/office/drawing/2014/main" id="{D82BC3DE-14C9-4CB0-9B5B-B70558DEBB27}"/>
+              </a:ext>
+            </a:extLst>
+          </p:cNvPr>
+          <p:cNvSpPr/>
+          <p:nvPr/>
+        </p:nvSpPr>
+        <p:spPr>
+          <a:xfrm>
+            <a:off x="1043608" y="4005064"/>
+            <a:ext cx="3024336" cy="2088232"/>
+          </a:xfrm>
+          <a:prstGeom prst="roundRect">
+            <a:avLst/>
+          </a:prstGeom>
+          <a:noFill/>
+          <a:ln w="28575">
+            <a:solidFill>
+              <a:schemeClr val="tx1"/>
+            </a:solidFill>
+            <a:prstDash val="dash"/>
+          </a:ln>
+        </p:spPr>
+        <p:style>
+          <a:lnRef idx="2">
+            <a:schemeClr val="accent1">
+              <a:shade val="50000"/>
+            </a:schemeClr>
+          </a:lnRef>
+          <a:fillRef idx="1">
+            <a:schemeClr val="accent1"/>
+          </a:fillRef>
+          <a:effectRef idx="0">
+            <a:schemeClr val="accent1"/>
+          </a:effectRef>
+          <a:fontRef idx="minor">
+            <a:schemeClr val="lt1"/>
+          </a:fontRef>
+        </p:style>
+        <p:txBody>
+          <a:bodyPr rtlCol="0" anchor="ctr"/>
+          <a:lstStyle/>
+          <a:p>
+            <a:pPr algn="ctr"/>
+            <a:endParaRPr kumimoji="1" lang="ja-JP" altLang="en-US"/>
+          </a:p>
+        </p:txBody>
+      </p:sp>
+      <p:sp>
+        <p:nvSpPr>
+          <p:cNvPr id="37" name="四角形: 1 つの角を切り取り 1 つの角を丸める 36">
+            <a:extLst>
+              <a:ext uri="{FF2B5EF4-FFF2-40B4-BE49-F238E27FC236}">
+                <a16:creationId xmlns:a16="http://schemas.microsoft.com/office/drawing/2014/main" id="{9BA4046D-D152-43D0-9E70-537CDFDA19BA}"/>
+              </a:ext>
+            </a:extLst>
+          </p:cNvPr>
+          <p:cNvSpPr/>
+          <p:nvPr/>
+        </p:nvSpPr>
+        <p:spPr>
+          <a:xfrm>
+            <a:off x="1936279" y="5589240"/>
+            <a:ext cx="1656184" cy="360040"/>
+          </a:xfrm>
+          <a:prstGeom prst="snipRoundRect">
+            <a:avLst>
+              <a:gd name="adj1" fmla="val 16667"/>
+              <a:gd name="adj2" fmla="val 35924"/>
+            </a:avLst>
+          </a:prstGeom>
+          <a:solidFill>
+            <a:srgbClr val="FF99FF"/>
+          </a:solidFill>
+          <a:ln>
+            <a:solidFill>
+              <a:schemeClr val="tx1"/>
+            </a:solidFill>
+          </a:ln>
+        </p:spPr>
+        <p:style>
+          <a:lnRef idx="2">
+            <a:schemeClr val="accent1">
+              <a:shade val="50000"/>
+            </a:schemeClr>
+          </a:lnRef>
+          <a:fillRef idx="1">
+            <a:schemeClr val="accent1"/>
+          </a:fillRef>
+          <a:effectRef idx="0">
+            <a:schemeClr val="accent1"/>
+          </a:effectRef>
+          <a:fontRef idx="minor">
+            <a:schemeClr val="lt1"/>
+          </a:fontRef>
+        </p:style>
+        <p:txBody>
+          <a:bodyPr rtlCol="0" anchor="ctr"/>
+          <a:lstStyle/>
+          <a:p>
+            <a:pPr algn="ctr"/>
+            <a:r>
+              <a:rPr kumimoji="1" lang="en-US" altLang="ja-JP">
+                <a:solidFill>
+                  <a:sysClr val="windowText" lastClr="000000"/>
+                </a:solidFill>
+                <a:latin typeface="Consolas" panose="020B0609020204030204" pitchFamily="49" charset="0"/>
+              </a:rPr>
+              <a:t>origin/main</a:t>
+            </a:r>
+            <a:endParaRPr kumimoji="1" lang="ja-JP" altLang="en-US">
+              <a:solidFill>
+                <a:sysClr val="windowText" lastClr="000000"/>
+              </a:solidFill>
+              <a:latin typeface="Consolas" panose="020B0609020204030204" pitchFamily="49" charset="0"/>
+            </a:endParaRPr>
+          </a:p>
+        </p:txBody>
+      </p:sp>
+      <p:cxnSp>
+        <p:nvCxnSpPr>
+          <p:cNvPr id="38" name="直線矢印コネクタ 37">
+            <a:extLst>
+              <a:ext uri="{FF2B5EF4-FFF2-40B4-BE49-F238E27FC236}">
+                <a16:creationId xmlns:a16="http://schemas.microsoft.com/office/drawing/2014/main" id="{4F7FBFBC-E58C-4978-BD77-E61D6ACEB168}"/>
+              </a:ext>
+            </a:extLst>
+          </p:cNvPr>
+          <p:cNvCxnSpPr>
+            <a:cxnSpLocks/>
+            <a:stCxn id="37" idx="3"/>
+          </p:cNvCxnSpPr>
+          <p:nvPr/>
+        </p:nvCxnSpPr>
+        <p:spPr>
+          <a:xfrm flipV="1">
+            <a:off x="2764371" y="5229200"/>
+            <a:ext cx="2096" cy="360040"/>
+          </a:xfrm>
+          <a:prstGeom prst="straightConnector1">
+            <a:avLst/>
+          </a:prstGeom>
+          <a:ln w="12700">
+            <a:solidFill>
+              <a:schemeClr val="tx1"/>
+            </a:solidFill>
+            <a:tailEnd type="triangle"/>
+          </a:ln>
+        </p:spPr>
+        <p:style>
+          <a:lnRef idx="1">
+            <a:schemeClr val="accent1"/>
+          </a:lnRef>
+          <a:fillRef idx="0">
+            <a:schemeClr val="accent1"/>
+          </a:fillRef>
+          <a:effectRef idx="0">
+            <a:schemeClr val="accent1"/>
+          </a:effectRef>
+          <a:fontRef idx="minor">
+            <a:schemeClr val="tx1"/>
+          </a:fontRef>
+        </p:style>
+      </p:cxnSp>
+      <p:sp>
+        <p:nvSpPr>
+          <p:cNvPr id="39" name="テキスト ボックス 38">
+            <a:extLst>
+              <a:ext uri="{FF2B5EF4-FFF2-40B4-BE49-F238E27FC236}">
+                <a16:creationId xmlns:a16="http://schemas.microsoft.com/office/drawing/2014/main" id="{92B6C1B2-4C78-4944-B796-E69CA23B6994}"/>
+              </a:ext>
+            </a:extLst>
+          </p:cNvPr>
+          <p:cNvSpPr txBox="1"/>
+          <p:nvPr/>
+        </p:nvSpPr>
+        <p:spPr>
+          <a:xfrm>
+            <a:off x="1301730" y="3501008"/>
+            <a:ext cx="2262158" cy="369332"/>
+          </a:xfrm>
+          <a:prstGeom prst="rect">
+            <a:avLst/>
+          </a:prstGeom>
+          <a:noFill/>
+        </p:spPr>
+        <p:txBody>
+          <a:bodyPr wrap="none" rtlCol="0">
+            <a:spAutoFit/>
+          </a:bodyPr>
+          <a:lstStyle/>
+          <a:p>
+            <a:pPr algn="ctr"/>
+            <a:r>
+              <a:rPr lang="ja-JP" altLang="en-US"/>
+              <a:t>ローカルリポジトリ</a:t>
+            </a:r>
+            <a:endParaRPr kumimoji="1" lang="en-US" altLang="ja-JP" dirty="0"/>
+          </a:p>
+        </p:txBody>
+      </p:sp>
+      <p:sp>
+        <p:nvSpPr>
+          <p:cNvPr id="43" name="右矢印 43">
+            <a:extLst>
+              <a:ext uri="{FF2B5EF4-FFF2-40B4-BE49-F238E27FC236}">
+                <a16:creationId xmlns:a16="http://schemas.microsoft.com/office/drawing/2014/main" id="{479BF59F-FD42-4126-A0BE-496D44F1595A}"/>
+              </a:ext>
+            </a:extLst>
+          </p:cNvPr>
+          <p:cNvSpPr/>
+          <p:nvPr/>
+        </p:nvSpPr>
+        <p:spPr>
+          <a:xfrm>
+            <a:off x="4499992" y="4653136"/>
+            <a:ext cx="566352" cy="566352"/>
+          </a:xfrm>
+          <a:prstGeom prst="rightArrow">
+            <a:avLst/>
+          </a:prstGeom>
+          <a:solidFill>
+            <a:srgbClr val="FF0000"/>
+          </a:solidFill>
+          <a:ln>
+            <a:solidFill>
+              <a:schemeClr val="tx1"/>
+            </a:solidFill>
+          </a:ln>
+        </p:spPr>
+        <p:style>
+          <a:lnRef idx="2">
+            <a:schemeClr val="accent1">
+              <a:shade val="50000"/>
+            </a:schemeClr>
+          </a:lnRef>
+          <a:fillRef idx="1">
+            <a:schemeClr val="accent1"/>
+          </a:fillRef>
+          <a:effectRef idx="0">
+            <a:schemeClr val="accent1"/>
+          </a:effectRef>
+          <a:fontRef idx="minor">
+            <a:schemeClr val="lt1"/>
+          </a:fontRef>
+        </p:style>
+        <p:txBody>
+          <a:bodyPr rtlCol="0" anchor="ctr"/>
+          <a:lstStyle/>
+          <a:p>
+            <a:pPr algn="ctr"/>
+            <a:endParaRPr kumimoji="1" lang="ja-JP" altLang="en-US"/>
+          </a:p>
+        </p:txBody>
+      </p:sp>
+      <p:sp>
+        <p:nvSpPr>
+          <p:cNvPr id="45" name="楕円 4">
+            <a:extLst>
+              <a:ext uri="{FF2B5EF4-FFF2-40B4-BE49-F238E27FC236}">
+                <a16:creationId xmlns:a16="http://schemas.microsoft.com/office/drawing/2014/main" id="{A467568D-9474-473F-8C87-1E91692ED1F8}"/>
+              </a:ext>
+            </a:extLst>
+          </p:cNvPr>
+          <p:cNvSpPr/>
+          <p:nvPr/>
+        </p:nvSpPr>
+        <p:spPr>
+          <a:xfrm>
+            <a:off x="6300192" y="4941168"/>
+            <a:ext cx="288032" cy="288032"/>
+          </a:xfrm>
+          <a:prstGeom prst="ellipse">
+            <a:avLst/>
+          </a:prstGeom>
+          <a:solidFill>
+            <a:srgbClr val="011893"/>
+          </a:solidFill>
+          <a:ln>
+            <a:solidFill>
+              <a:schemeClr val="tx1"/>
+            </a:solidFill>
+          </a:ln>
+        </p:spPr>
+        <p:style>
+          <a:lnRef idx="2">
+            <a:schemeClr val="accent1">
+              <a:shade val="50000"/>
+            </a:schemeClr>
+          </a:lnRef>
+          <a:fillRef idx="1">
+            <a:schemeClr val="accent1"/>
+          </a:fillRef>
+          <a:effectRef idx="0">
+            <a:schemeClr val="accent1"/>
+          </a:effectRef>
+          <a:fontRef idx="minor">
+            <a:schemeClr val="lt1"/>
+          </a:fontRef>
+        </p:style>
+        <p:txBody>
+          <a:bodyPr rtlCol="0" anchor="ctr"/>
+          <a:lstStyle/>
+          <a:p>
+            <a:pPr algn="ctr"/>
+            <a:endParaRPr kumimoji="1" lang="ja-JP" altLang="en-US"/>
+          </a:p>
+        </p:txBody>
+      </p:sp>
+      <p:sp>
+        <p:nvSpPr>
+          <p:cNvPr id="46" name="四角形: 1 つの角を切り取り 1 つの角を丸める 45">
+            <a:extLst>
+              <a:ext uri="{FF2B5EF4-FFF2-40B4-BE49-F238E27FC236}">
+                <a16:creationId xmlns:a16="http://schemas.microsoft.com/office/drawing/2014/main" id="{9251320F-CD77-4E16-9E24-0CA651713113}"/>
+              </a:ext>
+            </a:extLst>
+          </p:cNvPr>
+          <p:cNvSpPr/>
+          <p:nvPr/>
+        </p:nvSpPr>
+        <p:spPr>
+          <a:xfrm>
+            <a:off x="6588224" y="4242792"/>
+            <a:ext cx="1152128" cy="338336"/>
+          </a:xfrm>
+          <a:prstGeom prst="snipRoundRect">
+            <a:avLst>
+              <a:gd name="adj1" fmla="val 16667"/>
+              <a:gd name="adj2" fmla="val 35924"/>
+            </a:avLst>
+          </a:prstGeom>
+          <a:solidFill>
+            <a:schemeClr val="accent6">
+              <a:lumMod val="20000"/>
+              <a:lumOff val="80000"/>
+            </a:schemeClr>
+          </a:solidFill>
+          <a:ln>
+            <a:solidFill>
+              <a:schemeClr val="tx1"/>
+            </a:solidFill>
+          </a:ln>
+        </p:spPr>
+        <p:style>
+          <a:lnRef idx="2">
+            <a:schemeClr val="accent1">
+              <a:shade val="50000"/>
+            </a:schemeClr>
+          </a:lnRef>
+          <a:fillRef idx="1">
+            <a:schemeClr val="accent1"/>
+          </a:fillRef>
+          <a:effectRef idx="0">
+            <a:schemeClr val="accent1"/>
+          </a:effectRef>
+          <a:fontRef idx="minor">
+            <a:schemeClr val="lt1"/>
+          </a:fontRef>
+        </p:style>
+        <p:txBody>
+          <a:bodyPr rtlCol="0" anchor="ctr"/>
+          <a:lstStyle/>
+          <a:p>
+            <a:pPr algn="ctr"/>
+            <a:r>
+              <a:rPr kumimoji="1" lang="en-US" altLang="ja-JP">
+                <a:solidFill>
+                  <a:sysClr val="windowText" lastClr="000000"/>
+                </a:solidFill>
+                <a:latin typeface="Consolas" panose="020B0609020204030204" pitchFamily="49" charset="0"/>
+              </a:rPr>
+              <a:t>main</a:t>
+            </a:r>
+            <a:endParaRPr kumimoji="1" lang="ja-JP" altLang="en-US">
+              <a:solidFill>
+                <a:sysClr val="windowText" lastClr="000000"/>
+              </a:solidFill>
+              <a:latin typeface="Consolas" panose="020B0609020204030204" pitchFamily="49" charset="0"/>
+            </a:endParaRPr>
+          </a:p>
+        </p:txBody>
+      </p:sp>
+      <p:cxnSp>
+        <p:nvCxnSpPr>
+          <p:cNvPr id="47" name="直線矢印コネクタ 46">
+            <a:extLst>
+              <a:ext uri="{FF2B5EF4-FFF2-40B4-BE49-F238E27FC236}">
+                <a16:creationId xmlns:a16="http://schemas.microsoft.com/office/drawing/2014/main" id="{2BE400F1-AD19-4912-91C9-E789D35ECD6E}"/>
+              </a:ext>
+            </a:extLst>
+          </p:cNvPr>
+          <p:cNvCxnSpPr>
+            <a:cxnSpLocks/>
+            <a:stCxn id="46" idx="1"/>
+          </p:cNvCxnSpPr>
+          <p:nvPr/>
+        </p:nvCxnSpPr>
+        <p:spPr>
+          <a:xfrm>
+            <a:off x="7164288" y="4581128"/>
+            <a:ext cx="0" cy="381744"/>
+          </a:xfrm>
+          <a:prstGeom prst="straightConnector1">
+            <a:avLst/>
+          </a:prstGeom>
+          <a:ln w="12700">
+            <a:solidFill>
+              <a:schemeClr val="tx1"/>
+            </a:solidFill>
+            <a:tailEnd type="triangle"/>
+          </a:ln>
+        </p:spPr>
+        <p:style>
+          <a:lnRef idx="1">
+            <a:schemeClr val="accent1"/>
+          </a:lnRef>
+          <a:fillRef idx="0">
+            <a:schemeClr val="accent1"/>
+          </a:fillRef>
+          <a:effectRef idx="0">
+            <a:schemeClr val="accent1"/>
+          </a:effectRef>
+          <a:fontRef idx="minor">
+            <a:schemeClr val="tx1"/>
+          </a:fontRef>
+        </p:style>
+      </p:cxnSp>
+      <p:sp>
+        <p:nvSpPr>
+          <p:cNvPr id="48" name="楕円 47">
+            <a:extLst>
+              <a:ext uri="{FF2B5EF4-FFF2-40B4-BE49-F238E27FC236}">
+                <a16:creationId xmlns:a16="http://schemas.microsoft.com/office/drawing/2014/main" id="{3BA12289-C0BD-401D-B9E9-D62AE9BAA18E}"/>
+              </a:ext>
+            </a:extLst>
+          </p:cNvPr>
+          <p:cNvSpPr/>
+          <p:nvPr/>
+        </p:nvSpPr>
+        <p:spPr>
+          <a:xfrm>
+            <a:off x="5580112" y="4941168"/>
+            <a:ext cx="288032" cy="288032"/>
+          </a:xfrm>
+          <a:prstGeom prst="ellipse">
+            <a:avLst/>
+          </a:prstGeom>
+          <a:solidFill>
+            <a:srgbClr val="011893"/>
+          </a:solidFill>
+          <a:ln>
+            <a:solidFill>
+              <a:schemeClr val="tx1"/>
+            </a:solidFill>
+          </a:ln>
+        </p:spPr>
+        <p:style>
+          <a:lnRef idx="2">
+            <a:schemeClr val="accent1">
+              <a:shade val="50000"/>
+            </a:schemeClr>
+          </a:lnRef>
+          <a:fillRef idx="1">
+            <a:schemeClr val="accent1"/>
+          </a:fillRef>
+          <a:effectRef idx="0">
+            <a:schemeClr val="accent1"/>
+          </a:effectRef>
+          <a:fontRef idx="minor">
+            <a:schemeClr val="lt1"/>
+          </a:fontRef>
+        </p:style>
+        <p:txBody>
+          <a:bodyPr rtlCol="0" anchor="ctr"/>
+          <a:lstStyle/>
+          <a:p>
+            <a:pPr algn="ctr"/>
+            <a:endParaRPr kumimoji="1" lang="ja-JP" altLang="en-US"/>
+          </a:p>
+        </p:txBody>
+      </p:sp>
+      <p:cxnSp>
+        <p:nvCxnSpPr>
+          <p:cNvPr id="49" name="直線コネクタ 48">
+            <a:extLst>
+              <a:ext uri="{FF2B5EF4-FFF2-40B4-BE49-F238E27FC236}">
+                <a16:creationId xmlns:a16="http://schemas.microsoft.com/office/drawing/2014/main" id="{005B6EAA-D1CB-4A5A-B3D2-D131B4F56F84}"/>
+              </a:ext>
+            </a:extLst>
+          </p:cNvPr>
+          <p:cNvCxnSpPr>
+            <a:cxnSpLocks/>
+            <a:stCxn id="48" idx="6"/>
+          </p:cNvCxnSpPr>
+          <p:nvPr/>
+        </p:nvCxnSpPr>
+        <p:spPr>
+          <a:xfrm>
+            <a:off x="5868144" y="5085184"/>
+            <a:ext cx="432048" cy="0"/>
+          </a:xfrm>
+          <a:prstGeom prst="line">
+            <a:avLst/>
+          </a:prstGeom>
+          <a:ln w="57150">
+            <a:solidFill>
+              <a:schemeClr val="tx1"/>
+            </a:solidFill>
+            <a:headEnd type="none" w="med" len="med"/>
+            <a:tailEnd type="none" w="med" len="med"/>
+          </a:ln>
+        </p:spPr>
+        <p:style>
+          <a:lnRef idx="1">
+            <a:schemeClr val="accent1"/>
+          </a:lnRef>
+          <a:fillRef idx="0">
+            <a:schemeClr val="accent1"/>
+          </a:fillRef>
+          <a:effectRef idx="0">
+            <a:schemeClr val="accent1"/>
+          </a:effectRef>
+          <a:fontRef idx="minor">
+            <a:schemeClr val="tx1"/>
+          </a:fontRef>
+        </p:style>
+      </p:cxnSp>
+      <p:cxnSp>
+        <p:nvCxnSpPr>
+          <p:cNvPr id="51" name="直線コネクタ 50">
+            <a:extLst>
+              <a:ext uri="{FF2B5EF4-FFF2-40B4-BE49-F238E27FC236}">
+                <a16:creationId xmlns:a16="http://schemas.microsoft.com/office/drawing/2014/main" id="{B2CDBFAC-917D-4574-922E-98FE68B31A95}"/>
+              </a:ext>
+            </a:extLst>
+          </p:cNvPr>
+          <p:cNvCxnSpPr>
+            <a:cxnSpLocks/>
+          </p:cNvCxnSpPr>
+          <p:nvPr/>
+        </p:nvCxnSpPr>
+        <p:spPr>
+          <a:xfrm>
+            <a:off x="6588224" y="5085184"/>
+            <a:ext cx="432048" cy="0"/>
+          </a:xfrm>
+          <a:prstGeom prst="line">
+            <a:avLst/>
+          </a:prstGeom>
+          <a:ln w="57150">
+            <a:solidFill>
+              <a:schemeClr val="tx1"/>
+            </a:solidFill>
+            <a:headEnd type="none" w="med" len="med"/>
+            <a:tailEnd type="none" w="med" len="med"/>
+          </a:ln>
+        </p:spPr>
+        <p:style>
+          <a:lnRef idx="1">
+            <a:schemeClr val="accent1"/>
+          </a:lnRef>
+          <a:fillRef idx="0">
+            <a:schemeClr val="accent1"/>
+          </a:fillRef>
+          <a:effectRef idx="0">
+            <a:schemeClr val="accent1"/>
+          </a:effectRef>
+          <a:fontRef idx="minor">
+            <a:schemeClr val="tx1"/>
+          </a:fontRef>
+        </p:style>
+      </p:cxnSp>
+      <p:sp>
+        <p:nvSpPr>
+          <p:cNvPr id="52" name="四角形: 角を丸くする 51">
+            <a:extLst>
+              <a:ext uri="{FF2B5EF4-FFF2-40B4-BE49-F238E27FC236}">
+                <a16:creationId xmlns:a16="http://schemas.microsoft.com/office/drawing/2014/main" id="{7E9313F2-B58C-49F3-897A-549F4245ABF2}"/>
+              </a:ext>
+            </a:extLst>
+          </p:cNvPr>
+          <p:cNvSpPr/>
+          <p:nvPr/>
+        </p:nvSpPr>
+        <p:spPr>
+          <a:xfrm>
+            <a:off x="5436096" y="4005064"/>
+            <a:ext cx="3456384" cy="2088232"/>
+          </a:xfrm>
+          <a:prstGeom prst="roundRect">
+            <a:avLst/>
+          </a:prstGeom>
+          <a:noFill/>
+          <a:ln w="28575">
+            <a:solidFill>
+              <a:schemeClr val="tx1"/>
+            </a:solidFill>
+            <a:prstDash val="dash"/>
+          </a:ln>
+        </p:spPr>
+        <p:style>
+          <a:lnRef idx="2">
+            <a:schemeClr val="accent1">
+              <a:shade val="50000"/>
+            </a:schemeClr>
+          </a:lnRef>
+          <a:fillRef idx="1">
+            <a:schemeClr val="accent1"/>
+          </a:fillRef>
+          <a:effectRef idx="0">
+            <a:schemeClr val="accent1"/>
+          </a:effectRef>
+          <a:fontRef idx="minor">
+            <a:schemeClr val="lt1"/>
+          </a:fontRef>
+        </p:style>
+        <p:txBody>
+          <a:bodyPr rtlCol="0" anchor="ctr"/>
+          <a:lstStyle/>
+          <a:p>
+            <a:pPr algn="ctr"/>
+            <a:endParaRPr kumimoji="1" lang="ja-JP" altLang="en-US"/>
+          </a:p>
+        </p:txBody>
+      </p:sp>
+      <p:sp>
+        <p:nvSpPr>
+          <p:cNvPr id="53" name="四角形: 1 つの角を切り取り 1 つの角を丸める 52">
+            <a:extLst>
+              <a:ext uri="{FF2B5EF4-FFF2-40B4-BE49-F238E27FC236}">
+                <a16:creationId xmlns:a16="http://schemas.microsoft.com/office/drawing/2014/main" id="{A356490E-30C2-4F30-BEC4-525AA72F8FE4}"/>
+              </a:ext>
+            </a:extLst>
+          </p:cNvPr>
+          <p:cNvSpPr/>
+          <p:nvPr/>
+        </p:nvSpPr>
+        <p:spPr>
+          <a:xfrm>
+            <a:off x="7020272" y="5589240"/>
+            <a:ext cx="1656184" cy="360040"/>
+          </a:xfrm>
+          <a:prstGeom prst="snipRoundRect">
+            <a:avLst>
+              <a:gd name="adj1" fmla="val 16667"/>
+              <a:gd name="adj2" fmla="val 35924"/>
+            </a:avLst>
+          </a:prstGeom>
+          <a:solidFill>
+            <a:srgbClr val="FF99FF"/>
+          </a:solidFill>
+          <a:ln>
+            <a:solidFill>
+              <a:schemeClr val="tx1"/>
+            </a:solidFill>
+          </a:ln>
+        </p:spPr>
+        <p:style>
+          <a:lnRef idx="2">
+            <a:schemeClr val="accent1">
+              <a:shade val="50000"/>
+            </a:schemeClr>
+          </a:lnRef>
+          <a:fillRef idx="1">
+            <a:schemeClr val="accent1"/>
+          </a:fillRef>
+          <a:effectRef idx="0">
+            <a:schemeClr val="accent1"/>
+          </a:effectRef>
+          <a:fontRef idx="minor">
+            <a:schemeClr val="lt1"/>
+          </a:fontRef>
+        </p:style>
+        <p:txBody>
+          <a:bodyPr rtlCol="0" anchor="ctr"/>
+          <a:lstStyle/>
+          <a:p>
+            <a:pPr algn="ctr"/>
+            <a:r>
+              <a:rPr kumimoji="1" lang="en-US" altLang="ja-JP">
+                <a:solidFill>
+                  <a:sysClr val="windowText" lastClr="000000"/>
+                </a:solidFill>
+                <a:latin typeface="Consolas" panose="020B0609020204030204" pitchFamily="49" charset="0"/>
+              </a:rPr>
+              <a:t>origin/main</a:t>
+            </a:r>
+            <a:endParaRPr kumimoji="1" lang="ja-JP" altLang="en-US">
+              <a:solidFill>
+                <a:sysClr val="windowText" lastClr="000000"/>
+              </a:solidFill>
+              <a:latin typeface="Consolas" panose="020B0609020204030204" pitchFamily="49" charset="0"/>
+            </a:endParaRPr>
+          </a:p>
+        </p:txBody>
+      </p:sp>
+      <p:cxnSp>
+        <p:nvCxnSpPr>
+          <p:cNvPr id="54" name="直線矢印コネクタ 53">
+            <a:extLst>
+              <a:ext uri="{FF2B5EF4-FFF2-40B4-BE49-F238E27FC236}">
+                <a16:creationId xmlns:a16="http://schemas.microsoft.com/office/drawing/2014/main" id="{8A88F915-DE9B-488D-952D-EE50ADE2EEAE}"/>
+              </a:ext>
+            </a:extLst>
+          </p:cNvPr>
+          <p:cNvCxnSpPr>
+            <a:cxnSpLocks/>
+            <a:stCxn id="53" idx="3"/>
+          </p:cNvCxnSpPr>
+          <p:nvPr/>
+        </p:nvCxnSpPr>
+        <p:spPr>
+          <a:xfrm flipV="1">
+            <a:off x="7848364" y="5229200"/>
+            <a:ext cx="2096" cy="360040"/>
+          </a:xfrm>
+          <a:prstGeom prst="straightConnector1">
+            <a:avLst/>
+          </a:prstGeom>
+          <a:ln w="12700">
+            <a:solidFill>
+              <a:schemeClr val="tx1"/>
+            </a:solidFill>
+            <a:tailEnd type="triangle"/>
+          </a:ln>
+        </p:spPr>
+        <p:style>
+          <a:lnRef idx="1">
+            <a:schemeClr val="accent1"/>
+          </a:lnRef>
+          <a:fillRef idx="0">
+            <a:schemeClr val="accent1"/>
+          </a:fillRef>
+          <a:effectRef idx="0">
+            <a:schemeClr val="accent1"/>
+          </a:effectRef>
+          <a:fontRef idx="minor">
+            <a:schemeClr val="tx1"/>
+          </a:fontRef>
+        </p:style>
+      </p:cxnSp>
+      <p:sp>
+        <p:nvSpPr>
+          <p:cNvPr id="56" name="楕円 4">
+            <a:extLst>
+              <a:ext uri="{FF2B5EF4-FFF2-40B4-BE49-F238E27FC236}">
+                <a16:creationId xmlns:a16="http://schemas.microsoft.com/office/drawing/2014/main" id="{78B4D541-00B8-4CE0-904F-BEA9C47D54EE}"/>
+              </a:ext>
+            </a:extLst>
+          </p:cNvPr>
+          <p:cNvSpPr/>
+          <p:nvPr/>
+        </p:nvSpPr>
+        <p:spPr>
+          <a:xfrm>
+            <a:off x="7668344" y="4941168"/>
+            <a:ext cx="288032" cy="288032"/>
+          </a:xfrm>
+          <a:prstGeom prst="ellipse">
+            <a:avLst/>
+          </a:prstGeom>
+          <a:solidFill>
+            <a:srgbClr val="FF0000"/>
+          </a:solidFill>
+          <a:ln>
+            <a:solidFill>
+              <a:schemeClr val="tx1"/>
+            </a:solidFill>
+          </a:ln>
+        </p:spPr>
+        <p:style>
+          <a:lnRef idx="2">
+            <a:schemeClr val="accent1">
+              <a:shade val="50000"/>
+            </a:schemeClr>
+          </a:lnRef>
+          <a:fillRef idx="1">
+            <a:schemeClr val="accent1"/>
+          </a:fillRef>
+          <a:effectRef idx="0">
+            <a:schemeClr val="accent1"/>
+          </a:effectRef>
+          <a:fontRef idx="minor">
+            <a:schemeClr val="lt1"/>
+          </a:fontRef>
+        </p:style>
+        <p:txBody>
+          <a:bodyPr rtlCol="0" anchor="ctr"/>
+          <a:lstStyle/>
+          <a:p>
+            <a:pPr algn="ctr"/>
+            <a:endParaRPr kumimoji="1" lang="ja-JP" altLang="en-US"/>
+          </a:p>
+        </p:txBody>
+      </p:sp>
+      <p:cxnSp>
+        <p:nvCxnSpPr>
+          <p:cNvPr id="57" name="直線コネクタ 56">
+            <a:extLst>
+              <a:ext uri="{FF2B5EF4-FFF2-40B4-BE49-F238E27FC236}">
+                <a16:creationId xmlns:a16="http://schemas.microsoft.com/office/drawing/2014/main" id="{A71F21CE-0EC0-42C2-9990-80EE9C3E4B58}"/>
+              </a:ext>
+            </a:extLst>
+          </p:cNvPr>
+          <p:cNvCxnSpPr>
+            <a:cxnSpLocks/>
+            <a:stCxn id="50" idx="6"/>
+          </p:cNvCxnSpPr>
+          <p:nvPr/>
+        </p:nvCxnSpPr>
+        <p:spPr>
+          <a:xfrm>
+            <a:off x="7308304" y="5085184"/>
+            <a:ext cx="404758" cy="0"/>
+          </a:xfrm>
+          <a:prstGeom prst="line">
+            <a:avLst/>
+          </a:prstGeom>
+          <a:ln w="57150">
+            <a:solidFill>
+              <a:srgbClr val="FF0000"/>
+            </a:solidFill>
+            <a:headEnd type="none" w="med" len="med"/>
+            <a:tailEnd type="none" w="med" len="med"/>
+          </a:ln>
+        </p:spPr>
+        <p:style>
+          <a:lnRef idx="1">
+            <a:schemeClr val="accent1"/>
+          </a:lnRef>
+          <a:fillRef idx="0">
+            <a:schemeClr val="accent1"/>
+          </a:fillRef>
+          <a:effectRef idx="0">
+            <a:schemeClr val="accent1"/>
+          </a:effectRef>
+          <a:fontRef idx="minor">
+            <a:schemeClr val="tx1"/>
+          </a:fontRef>
+        </p:style>
+      </p:cxnSp>
+      <p:sp>
+        <p:nvSpPr>
+          <p:cNvPr id="50" name="楕円 4">
+            <a:extLst>
+              <a:ext uri="{FF2B5EF4-FFF2-40B4-BE49-F238E27FC236}">
+                <a16:creationId xmlns:a16="http://schemas.microsoft.com/office/drawing/2014/main" id="{C4DDB1B6-E398-4537-B0B2-0EF85AE86B5A}"/>
+              </a:ext>
+            </a:extLst>
+          </p:cNvPr>
+          <p:cNvSpPr/>
+          <p:nvPr/>
+        </p:nvSpPr>
+        <p:spPr>
+          <a:xfrm>
+            <a:off x="7020272" y="4941168"/>
+            <a:ext cx="288032" cy="288032"/>
+          </a:xfrm>
+          <a:prstGeom prst="ellipse">
+            <a:avLst/>
+          </a:prstGeom>
+          <a:solidFill>
+            <a:srgbClr val="011893"/>
+          </a:solidFill>
+          <a:ln>
+            <a:solidFill>
+              <a:schemeClr val="tx1"/>
+            </a:solidFill>
+          </a:ln>
+        </p:spPr>
+        <p:style>
+          <a:lnRef idx="2">
+            <a:schemeClr val="accent1">
+              <a:shade val="50000"/>
+            </a:schemeClr>
+          </a:lnRef>
+          <a:fillRef idx="1">
+            <a:schemeClr val="accent1"/>
+          </a:fillRef>
+          <a:effectRef idx="0">
+            <a:schemeClr val="accent1"/>
+          </a:effectRef>
+          <a:fontRef idx="minor">
+            <a:schemeClr val="lt1"/>
+          </a:fontRef>
+        </p:style>
+        <p:txBody>
+          <a:bodyPr rtlCol="0" anchor="ctr"/>
+          <a:lstStyle/>
+          <a:p>
+            <a:pPr algn="ctr"/>
+            <a:endParaRPr kumimoji="1" lang="ja-JP" altLang="en-US"/>
+          </a:p>
+        </p:txBody>
+      </p:sp>
+      <p:sp>
+        <p:nvSpPr>
+          <p:cNvPr id="59" name="右矢印 43">
+            <a:extLst>
+              <a:ext uri="{FF2B5EF4-FFF2-40B4-BE49-F238E27FC236}">
+                <a16:creationId xmlns:a16="http://schemas.microsoft.com/office/drawing/2014/main" id="{F98F6186-C78A-4FD6-B585-D5AAB0B2B86A}"/>
+              </a:ext>
+            </a:extLst>
+          </p:cNvPr>
+          <p:cNvSpPr/>
+          <p:nvPr/>
+        </p:nvSpPr>
+        <p:spPr>
+          <a:xfrm rot="2700000">
+            <a:off x="4617287" y="2682200"/>
+            <a:ext cx="566352" cy="566352"/>
+          </a:xfrm>
+          <a:prstGeom prst="rightArrow">
+            <a:avLst/>
+          </a:prstGeom>
+          <a:solidFill>
+            <a:srgbClr val="FF0000"/>
+          </a:solidFill>
+          <a:ln>
+            <a:solidFill>
+              <a:schemeClr val="tx1"/>
+            </a:solidFill>
+          </a:ln>
+        </p:spPr>
+        <p:style>
+          <a:lnRef idx="2">
+            <a:schemeClr val="accent1">
+              <a:shade val="50000"/>
+            </a:schemeClr>
+          </a:lnRef>
+          <a:fillRef idx="1">
+            <a:schemeClr val="accent1"/>
+          </a:fillRef>
+          <a:effectRef idx="0">
+            <a:schemeClr val="accent1"/>
+          </a:effectRef>
+          <a:fontRef idx="minor">
+            <a:schemeClr val="lt1"/>
+          </a:fontRef>
+        </p:style>
+        <p:txBody>
+          <a:bodyPr rtlCol="0" anchor="ctr"/>
+          <a:lstStyle/>
+          <a:p>
+            <a:pPr algn="ctr"/>
+            <a:endParaRPr kumimoji="1" lang="ja-JP" altLang="en-US"/>
+          </a:p>
+        </p:txBody>
+      </p:sp>
+      <p:sp>
+        <p:nvSpPr>
+          <p:cNvPr id="60" name="楕円 4">
+            <a:extLst>
+              <a:ext uri="{FF2B5EF4-FFF2-40B4-BE49-F238E27FC236}">
+                <a16:creationId xmlns:a16="http://schemas.microsoft.com/office/drawing/2014/main" id="{1ED739B6-6681-44FF-83C9-4F3FAB48A8A5}"/>
+              </a:ext>
+            </a:extLst>
+          </p:cNvPr>
+          <p:cNvSpPr/>
+          <p:nvPr/>
+        </p:nvSpPr>
+        <p:spPr>
+          <a:xfrm>
+            <a:off x="5940152" y="2276872"/>
+            <a:ext cx="288032" cy="288032"/>
+          </a:xfrm>
+          <a:prstGeom prst="ellipse">
+            <a:avLst/>
+          </a:prstGeom>
+          <a:solidFill>
+            <a:srgbClr val="FF0000"/>
+          </a:solidFill>
+          <a:ln>
+            <a:solidFill>
+              <a:schemeClr val="tx1"/>
+            </a:solidFill>
+          </a:ln>
+        </p:spPr>
+        <p:style>
+          <a:lnRef idx="2">
+            <a:schemeClr val="accent1">
+              <a:shade val="50000"/>
+            </a:schemeClr>
+          </a:lnRef>
+          <a:fillRef idx="1">
+            <a:schemeClr val="accent1"/>
+          </a:fillRef>
+          <a:effectRef idx="0">
+            <a:schemeClr val="accent1"/>
+          </a:effectRef>
+          <a:fontRef idx="minor">
+            <a:schemeClr val="lt1"/>
+          </a:fontRef>
+        </p:style>
+        <p:txBody>
+          <a:bodyPr rtlCol="0" anchor="ctr"/>
+          <a:lstStyle/>
+          <a:p>
+            <a:pPr algn="ctr"/>
+            <a:endParaRPr kumimoji="1" lang="ja-JP" altLang="en-US"/>
+          </a:p>
+        </p:txBody>
+      </p:sp>
+      <p:cxnSp>
+        <p:nvCxnSpPr>
+          <p:cNvPr id="61" name="直線コネクタ 60">
+            <a:extLst>
+              <a:ext uri="{FF2B5EF4-FFF2-40B4-BE49-F238E27FC236}">
+                <a16:creationId xmlns:a16="http://schemas.microsoft.com/office/drawing/2014/main" id="{897C33BA-9A68-4986-BECD-10AC7C6F860D}"/>
+              </a:ext>
+            </a:extLst>
+          </p:cNvPr>
+          <p:cNvCxnSpPr>
+            <a:cxnSpLocks/>
+          </p:cNvCxnSpPr>
+          <p:nvPr/>
+        </p:nvCxnSpPr>
+        <p:spPr>
+          <a:xfrm>
+            <a:off x="5535394" y="2420888"/>
+            <a:ext cx="404758" cy="0"/>
+          </a:xfrm>
+          <a:prstGeom prst="line">
+            <a:avLst/>
+          </a:prstGeom>
+          <a:ln w="57150">
+            <a:solidFill>
+              <a:srgbClr val="FF0000"/>
+            </a:solidFill>
+            <a:headEnd type="none" w="med" len="med"/>
+            <a:tailEnd type="none" w="med" len="med"/>
+          </a:ln>
+        </p:spPr>
+        <p:style>
+          <a:lnRef idx="1">
+            <a:schemeClr val="accent1"/>
+          </a:lnRef>
+          <a:fillRef idx="0">
+            <a:schemeClr val="accent1"/>
+          </a:fillRef>
+          <a:effectRef idx="0">
+            <a:schemeClr val="accent1"/>
+          </a:effectRef>
+          <a:fontRef idx="minor">
+            <a:schemeClr val="tx1"/>
+          </a:fontRef>
+        </p:style>
+      </p:cxnSp>
+      <p:sp>
+        <p:nvSpPr>
+          <p:cNvPr id="62" name="四角形: 角を丸くする 61">
+            <a:extLst>
+              <a:ext uri="{FF2B5EF4-FFF2-40B4-BE49-F238E27FC236}">
+                <a16:creationId xmlns:a16="http://schemas.microsoft.com/office/drawing/2014/main" id="{3E43DDBB-DBE3-4947-B033-5E7EBE5AE12A}"/>
+              </a:ext>
+            </a:extLst>
+          </p:cNvPr>
+          <p:cNvSpPr/>
+          <p:nvPr/>
+        </p:nvSpPr>
+        <p:spPr>
+          <a:xfrm>
+            <a:off x="5148064" y="2060848"/>
+            <a:ext cx="1224136" cy="648072"/>
+          </a:xfrm>
+          <a:prstGeom prst="roundRect">
+            <a:avLst/>
+          </a:prstGeom>
+          <a:noFill/>
+          <a:ln w="28575">
+            <a:solidFill>
+              <a:schemeClr val="tx1"/>
+            </a:solidFill>
+            <a:prstDash val="dash"/>
+          </a:ln>
+        </p:spPr>
+        <p:style>
+          <a:lnRef idx="2">
+            <a:schemeClr val="accent1">
+              <a:shade val="50000"/>
+            </a:schemeClr>
+          </a:lnRef>
+          <a:fillRef idx="1">
+            <a:schemeClr val="accent1"/>
+          </a:fillRef>
+          <a:effectRef idx="0">
+            <a:schemeClr val="accent1"/>
+          </a:effectRef>
+          <a:fontRef idx="minor">
+            <a:schemeClr val="lt1"/>
+          </a:fontRef>
+        </p:style>
+        <p:txBody>
+          <a:bodyPr rtlCol="0" anchor="ctr"/>
+          <a:lstStyle/>
+          <a:p>
+            <a:pPr algn="ctr"/>
+            <a:endParaRPr kumimoji="1" lang="ja-JP" altLang="en-US"/>
+          </a:p>
+        </p:txBody>
+      </p:sp>
+      <p:sp>
+        <p:nvSpPr>
+          <p:cNvPr id="63" name="テキスト ボックス 62">
+            <a:extLst>
+              <a:ext uri="{FF2B5EF4-FFF2-40B4-BE49-F238E27FC236}">
+                <a16:creationId xmlns:a16="http://schemas.microsoft.com/office/drawing/2014/main" id="{96714F21-C417-4478-8ED8-88F2AA204DF6}"/>
+              </a:ext>
+            </a:extLst>
+          </p:cNvPr>
+          <p:cNvSpPr txBox="1"/>
+          <p:nvPr/>
+        </p:nvSpPr>
+        <p:spPr>
+          <a:xfrm>
+            <a:off x="5148064" y="2132856"/>
+            <a:ext cx="425116" cy="584775"/>
+          </a:xfrm>
+          <a:prstGeom prst="rect">
+            <a:avLst/>
+          </a:prstGeom>
+          <a:noFill/>
+        </p:spPr>
+        <p:txBody>
+          <a:bodyPr wrap="none" rtlCol="0">
+            <a:spAutoFit/>
+          </a:bodyPr>
+          <a:lstStyle/>
+          <a:p>
+            <a:pPr algn="ctr"/>
+            <a:r>
+              <a:rPr lang="en-US" altLang="ja-JP" sz="3200"/>
+              <a:t>+</a:t>
+            </a:r>
+            <a:endParaRPr kumimoji="1" lang="en-US" altLang="ja-JP" sz="3200" dirty="0"/>
+          </a:p>
+        </p:txBody>
+      </p:sp>
+      <p:sp>
+        <p:nvSpPr>
+          <p:cNvPr id="64" name="テキスト ボックス 63">
+            <a:extLst>
+              <a:ext uri="{FF2B5EF4-FFF2-40B4-BE49-F238E27FC236}">
+                <a16:creationId xmlns:a16="http://schemas.microsoft.com/office/drawing/2014/main" id="{8CBC2F11-5A46-4328-AB8D-F9FEFBC7AC0B}"/>
+              </a:ext>
+            </a:extLst>
+          </p:cNvPr>
+          <p:cNvSpPr txBox="1"/>
+          <p:nvPr/>
+        </p:nvSpPr>
+        <p:spPr>
+          <a:xfrm>
+            <a:off x="3851920" y="3356992"/>
+            <a:ext cx="1800200" cy="400110"/>
+          </a:xfrm>
+          <a:prstGeom prst="rect">
+            <a:avLst/>
+          </a:prstGeom>
+          <a:solidFill>
+            <a:schemeClr val="tx1"/>
+          </a:solidFill>
+        </p:spPr>
+        <p:txBody>
+          <a:bodyPr wrap="square">
+            <a:spAutoFit/>
+          </a:bodyPr>
+          <a:lstStyle/>
+          <a:p>
+            <a:r>
+              <a:rPr lang="en-US" sz="2000" b="0">
+                <a:solidFill>
+                  <a:srgbClr val="D4D4D4"/>
+                </a:solidFill>
+                <a:effectLst/>
+                <a:latin typeface="Consolas" panose="020B0609020204030204" pitchFamily="49" charset="0"/>
+              </a:rPr>
+              <a:t>$ git fetch</a:t>
+            </a:r>
+          </a:p>
+        </p:txBody>
+      </p:sp>
+    </p:spTree>
+    <p:extLst>
+      <p:ext uri="{BB962C8B-B14F-4D97-AF65-F5344CB8AC3E}">
+        <p14:creationId xmlns:p14="http://schemas.microsoft.com/office/powerpoint/2010/main" val="1576188742"/>
+      </p:ext>
+    </p:extLst>
+  </p:cSld>
+  <p:clrMapOvr>
+    <a:masterClrMapping/>
+  </p:clrMapOvr>
+</p:sld>
+</file>
+
+<file path=ppt/slides/slide11.xml><?xml version="1.0" encoding="utf-8"?>
+<p:sld xmlns:a="http://schemas.openxmlformats.org/drawingml/2006/main" xmlns:r="http://schemas.openxmlformats.org/officeDocument/2006/relationships" xmlns:p="http://schemas.openxmlformats.org/presentationml/2006/main">
+  <p:cSld>
+    <p:spTree>
+      <p:nvGrpSpPr>
+        <p:cNvPr id="1" name=""/>
+        <p:cNvGrpSpPr/>
+        <p:nvPr/>
+      </p:nvGrpSpPr>
+      <p:grpSpPr>
+        <a:xfrm>
+          <a:off x="0" y="0"/>
+          <a:ext cx="0" cy="0"/>
+          <a:chOff x="0" y="0"/>
+          <a:chExt cx="0" cy="0"/>
+        </a:xfrm>
+      </p:grpSpPr>
+      <p:sp>
+        <p:nvSpPr>
+          <p:cNvPr id="2" name="楕円 4">
+            <a:extLst>
+              <a:ext uri="{FF2B5EF4-FFF2-40B4-BE49-F238E27FC236}">
+                <a16:creationId xmlns:a16="http://schemas.microsoft.com/office/drawing/2014/main" id="{BC276EB6-85F4-4396-83D2-A9C83E875D21}"/>
+              </a:ext>
+            </a:extLst>
+          </p:cNvPr>
+          <p:cNvSpPr/>
+          <p:nvPr/>
+        </p:nvSpPr>
+        <p:spPr>
+          <a:xfrm>
+            <a:off x="1835696" y="5013176"/>
+            <a:ext cx="288032" cy="288032"/>
+          </a:xfrm>
+          <a:prstGeom prst="ellipse">
+            <a:avLst/>
+          </a:prstGeom>
+          <a:solidFill>
+            <a:srgbClr val="011893"/>
+          </a:solidFill>
+          <a:ln>
+            <a:solidFill>
+              <a:schemeClr val="tx1"/>
+            </a:solidFill>
+          </a:ln>
+        </p:spPr>
+        <p:style>
+          <a:lnRef idx="2">
+            <a:schemeClr val="accent1">
+              <a:shade val="50000"/>
+            </a:schemeClr>
+          </a:lnRef>
+          <a:fillRef idx="1">
+            <a:schemeClr val="accent1"/>
+          </a:fillRef>
+          <a:effectRef idx="0">
+            <a:schemeClr val="accent1"/>
+          </a:effectRef>
+          <a:fontRef idx="minor">
+            <a:schemeClr val="lt1"/>
+          </a:fontRef>
+        </p:style>
+        <p:txBody>
+          <a:bodyPr rtlCol="0" anchor="ctr"/>
+          <a:lstStyle/>
+          <a:p>
+            <a:pPr algn="ctr"/>
+            <a:endParaRPr kumimoji="1" lang="ja-JP" altLang="en-US"/>
+          </a:p>
+        </p:txBody>
+      </p:sp>
+      <p:sp>
+        <p:nvSpPr>
+          <p:cNvPr id="3" name="四角形: 1 つの角を切り取り 1 つの角を丸める 2">
+            <a:extLst>
+              <a:ext uri="{FF2B5EF4-FFF2-40B4-BE49-F238E27FC236}">
+                <a16:creationId xmlns:a16="http://schemas.microsoft.com/office/drawing/2014/main" id="{34C92643-842F-4420-B1AB-B24BB0640532}"/>
+              </a:ext>
+            </a:extLst>
+          </p:cNvPr>
+          <p:cNvSpPr/>
+          <p:nvPr/>
+        </p:nvSpPr>
+        <p:spPr>
+          <a:xfrm>
+            <a:off x="2771800" y="4314800"/>
+            <a:ext cx="1152128" cy="338336"/>
+          </a:xfrm>
+          <a:prstGeom prst="snipRoundRect">
+            <a:avLst>
+              <a:gd name="adj1" fmla="val 16667"/>
+              <a:gd name="adj2" fmla="val 35924"/>
+            </a:avLst>
+          </a:prstGeom>
+          <a:solidFill>
+            <a:schemeClr val="accent6">
+              <a:lumMod val="20000"/>
+              <a:lumOff val="80000"/>
+            </a:schemeClr>
+          </a:solidFill>
+          <a:ln>
+            <a:solidFill>
+              <a:schemeClr val="tx1"/>
+            </a:solidFill>
+          </a:ln>
+        </p:spPr>
+        <p:style>
+          <a:lnRef idx="2">
+            <a:schemeClr val="accent1">
+              <a:shade val="50000"/>
+            </a:schemeClr>
+          </a:lnRef>
+          <a:fillRef idx="1">
+            <a:schemeClr val="accent1"/>
+          </a:fillRef>
+          <a:effectRef idx="0">
+            <a:schemeClr val="accent1"/>
+          </a:effectRef>
+          <a:fontRef idx="minor">
+            <a:schemeClr val="lt1"/>
+          </a:fontRef>
+        </p:style>
+        <p:txBody>
+          <a:bodyPr rtlCol="0" anchor="ctr"/>
+          <a:lstStyle/>
+          <a:p>
+            <a:pPr algn="ctr"/>
+            <a:r>
+              <a:rPr kumimoji="1" lang="en-US" altLang="ja-JP">
+                <a:solidFill>
+                  <a:sysClr val="windowText" lastClr="000000"/>
+                </a:solidFill>
+                <a:latin typeface="Consolas" panose="020B0609020204030204" pitchFamily="49" charset="0"/>
+              </a:rPr>
+              <a:t>main</a:t>
+            </a:r>
+            <a:endParaRPr kumimoji="1" lang="ja-JP" altLang="en-US">
+              <a:solidFill>
+                <a:sysClr val="windowText" lastClr="000000"/>
+              </a:solidFill>
+              <a:latin typeface="Consolas" panose="020B0609020204030204" pitchFamily="49" charset="0"/>
+            </a:endParaRPr>
+          </a:p>
+        </p:txBody>
+      </p:sp>
+      <p:cxnSp>
+        <p:nvCxnSpPr>
+          <p:cNvPr id="4" name="直線矢印コネクタ 3">
+            <a:extLst>
+              <a:ext uri="{FF2B5EF4-FFF2-40B4-BE49-F238E27FC236}">
+                <a16:creationId xmlns:a16="http://schemas.microsoft.com/office/drawing/2014/main" id="{D0DCD785-FFB3-469E-93A7-B358E61BBA1D}"/>
+              </a:ext>
+            </a:extLst>
+          </p:cNvPr>
+          <p:cNvCxnSpPr>
+            <a:cxnSpLocks/>
+            <a:stCxn id="3" idx="1"/>
+          </p:cNvCxnSpPr>
+          <p:nvPr/>
+        </p:nvCxnSpPr>
+        <p:spPr>
+          <a:xfrm>
+            <a:off x="3347864" y="4653136"/>
+            <a:ext cx="0" cy="381744"/>
+          </a:xfrm>
+          <a:prstGeom prst="straightConnector1">
+            <a:avLst/>
+          </a:prstGeom>
+          <a:ln w="12700">
+            <a:solidFill>
+              <a:schemeClr val="tx1"/>
+            </a:solidFill>
+            <a:tailEnd type="triangle"/>
+          </a:ln>
+        </p:spPr>
+        <p:style>
+          <a:lnRef idx="1">
+            <a:schemeClr val="accent1"/>
+          </a:lnRef>
+          <a:fillRef idx="0">
+            <a:schemeClr val="accent1"/>
+          </a:fillRef>
+          <a:effectRef idx="0">
+            <a:schemeClr val="accent1"/>
+          </a:effectRef>
+          <a:fontRef idx="minor">
+            <a:schemeClr val="tx1"/>
+          </a:fontRef>
+        </p:style>
+      </p:cxnSp>
+      <p:sp>
+        <p:nvSpPr>
+          <p:cNvPr id="5" name="楕円 4">
+            <a:extLst>
+              <a:ext uri="{FF2B5EF4-FFF2-40B4-BE49-F238E27FC236}">
+                <a16:creationId xmlns:a16="http://schemas.microsoft.com/office/drawing/2014/main" id="{622CD3A2-E054-4AE3-BF04-353812EA1F74}"/>
+              </a:ext>
+            </a:extLst>
+          </p:cNvPr>
+          <p:cNvSpPr/>
+          <p:nvPr/>
+        </p:nvSpPr>
+        <p:spPr>
+          <a:xfrm>
+            <a:off x="1115616" y="5013176"/>
+            <a:ext cx="288032" cy="288032"/>
+          </a:xfrm>
+          <a:prstGeom prst="ellipse">
+            <a:avLst/>
+          </a:prstGeom>
+          <a:solidFill>
+            <a:srgbClr val="011893"/>
+          </a:solidFill>
+          <a:ln>
+            <a:solidFill>
+              <a:schemeClr val="tx1"/>
+            </a:solidFill>
+          </a:ln>
+        </p:spPr>
+        <p:style>
+          <a:lnRef idx="2">
+            <a:schemeClr val="accent1">
+              <a:shade val="50000"/>
+            </a:schemeClr>
+          </a:lnRef>
+          <a:fillRef idx="1">
+            <a:schemeClr val="accent1"/>
+          </a:fillRef>
+          <a:effectRef idx="0">
+            <a:schemeClr val="accent1"/>
+          </a:effectRef>
+          <a:fontRef idx="minor">
+            <a:schemeClr val="lt1"/>
+          </a:fontRef>
+        </p:style>
+        <p:txBody>
+          <a:bodyPr rtlCol="0" anchor="ctr"/>
+          <a:lstStyle/>
+          <a:p>
+            <a:pPr algn="ctr"/>
+            <a:endParaRPr kumimoji="1" lang="ja-JP" altLang="en-US"/>
+          </a:p>
+        </p:txBody>
+      </p:sp>
+      <p:cxnSp>
+        <p:nvCxnSpPr>
+          <p:cNvPr id="6" name="直線コネクタ 5">
+            <a:extLst>
+              <a:ext uri="{FF2B5EF4-FFF2-40B4-BE49-F238E27FC236}">
+                <a16:creationId xmlns:a16="http://schemas.microsoft.com/office/drawing/2014/main" id="{5ACA424D-82AC-4A6A-A866-F13288185996}"/>
+              </a:ext>
+            </a:extLst>
+          </p:cNvPr>
+          <p:cNvCxnSpPr>
+            <a:cxnSpLocks/>
+            <a:stCxn id="5" idx="6"/>
+          </p:cNvCxnSpPr>
+          <p:nvPr/>
+        </p:nvCxnSpPr>
+        <p:spPr>
+          <a:xfrm>
+            <a:off x="1403648" y="5157192"/>
+            <a:ext cx="432048" cy="0"/>
+          </a:xfrm>
+          <a:prstGeom prst="line">
+            <a:avLst/>
+          </a:prstGeom>
+          <a:ln w="57150">
+            <a:solidFill>
+              <a:schemeClr val="tx1"/>
+            </a:solidFill>
+            <a:headEnd type="none" w="med" len="med"/>
+            <a:tailEnd type="none" w="med" len="med"/>
+          </a:ln>
+        </p:spPr>
+        <p:style>
+          <a:lnRef idx="1">
+            <a:schemeClr val="accent1"/>
+          </a:lnRef>
+          <a:fillRef idx="0">
+            <a:schemeClr val="accent1"/>
+          </a:fillRef>
+          <a:effectRef idx="0">
+            <a:schemeClr val="accent1"/>
+          </a:effectRef>
+          <a:fontRef idx="minor">
+            <a:schemeClr val="tx1"/>
+          </a:fontRef>
+        </p:style>
+      </p:cxnSp>
+      <p:cxnSp>
+        <p:nvCxnSpPr>
+          <p:cNvPr id="7" name="直線コネクタ 6">
+            <a:extLst>
+              <a:ext uri="{FF2B5EF4-FFF2-40B4-BE49-F238E27FC236}">
+                <a16:creationId xmlns:a16="http://schemas.microsoft.com/office/drawing/2014/main" id="{A106A107-5BD3-4F11-ADEF-71F6D7712A45}"/>
+              </a:ext>
+            </a:extLst>
+          </p:cNvPr>
+          <p:cNvCxnSpPr>
+            <a:cxnSpLocks/>
+          </p:cNvCxnSpPr>
+          <p:nvPr/>
+        </p:nvCxnSpPr>
+        <p:spPr>
+          <a:xfrm>
+            <a:off x="2123728" y="5157192"/>
+            <a:ext cx="432048" cy="0"/>
+          </a:xfrm>
+          <a:prstGeom prst="line">
+            <a:avLst/>
+          </a:prstGeom>
+          <a:ln w="57150">
+            <a:solidFill>
+              <a:schemeClr val="tx1"/>
+            </a:solidFill>
+            <a:headEnd type="none" w="med" len="med"/>
+            <a:tailEnd type="none" w="med" len="med"/>
+          </a:ln>
+        </p:spPr>
+        <p:style>
+          <a:lnRef idx="1">
+            <a:schemeClr val="accent1"/>
+          </a:lnRef>
+          <a:fillRef idx="0">
+            <a:schemeClr val="accent1"/>
+          </a:fillRef>
+          <a:effectRef idx="0">
+            <a:schemeClr val="accent1"/>
+          </a:effectRef>
+          <a:fontRef idx="minor">
+            <a:schemeClr val="tx1"/>
+          </a:fontRef>
+        </p:style>
+      </p:cxnSp>
+      <p:sp>
+        <p:nvSpPr>
+          <p:cNvPr id="8" name="四角形: 角を丸くする 7">
+            <a:extLst>
+              <a:ext uri="{FF2B5EF4-FFF2-40B4-BE49-F238E27FC236}">
+                <a16:creationId xmlns:a16="http://schemas.microsoft.com/office/drawing/2014/main" id="{9C7839D5-B2B4-4DF3-8EA2-4F5113C87D15}"/>
+              </a:ext>
+            </a:extLst>
+          </p:cNvPr>
+          <p:cNvSpPr/>
+          <p:nvPr/>
+        </p:nvSpPr>
+        <p:spPr>
+          <a:xfrm>
+            <a:off x="971600" y="4077072"/>
+            <a:ext cx="3456384" cy="2088232"/>
+          </a:xfrm>
+          <a:prstGeom prst="roundRect">
+            <a:avLst/>
+          </a:prstGeom>
+          <a:noFill/>
+          <a:ln w="28575">
+            <a:solidFill>
+              <a:schemeClr val="tx1"/>
+            </a:solidFill>
+            <a:prstDash val="dash"/>
+          </a:ln>
+        </p:spPr>
+        <p:style>
+          <a:lnRef idx="2">
+            <a:schemeClr val="accent1">
+              <a:shade val="50000"/>
+            </a:schemeClr>
+          </a:lnRef>
+          <a:fillRef idx="1">
+            <a:schemeClr val="accent1"/>
+          </a:fillRef>
+          <a:effectRef idx="0">
+            <a:schemeClr val="accent1"/>
+          </a:effectRef>
+          <a:fontRef idx="minor">
+            <a:schemeClr val="lt1"/>
+          </a:fontRef>
+        </p:style>
+        <p:txBody>
+          <a:bodyPr rtlCol="0" anchor="ctr"/>
+          <a:lstStyle/>
+          <a:p>
+            <a:pPr algn="ctr"/>
+            <a:endParaRPr kumimoji="1" lang="ja-JP" altLang="en-US"/>
+          </a:p>
+        </p:txBody>
+      </p:sp>
+      <p:sp>
+        <p:nvSpPr>
+          <p:cNvPr id="9" name="四角形: 1 つの角を切り取り 1 つの角を丸める 8">
+            <a:extLst>
+              <a:ext uri="{FF2B5EF4-FFF2-40B4-BE49-F238E27FC236}">
+                <a16:creationId xmlns:a16="http://schemas.microsoft.com/office/drawing/2014/main" id="{BEE07FA1-8010-4732-ABD0-27AB828EBE06}"/>
+              </a:ext>
+            </a:extLst>
+          </p:cNvPr>
+          <p:cNvSpPr/>
+          <p:nvPr/>
+        </p:nvSpPr>
+        <p:spPr>
+          <a:xfrm>
+            <a:off x="1888654" y="5661248"/>
+            <a:ext cx="1656184" cy="360040"/>
+          </a:xfrm>
+          <a:prstGeom prst="snipRoundRect">
+            <a:avLst>
+              <a:gd name="adj1" fmla="val 16667"/>
+              <a:gd name="adj2" fmla="val 35924"/>
+            </a:avLst>
+          </a:prstGeom>
+          <a:solidFill>
+            <a:srgbClr val="FF99FF"/>
+          </a:solidFill>
+          <a:ln>
+            <a:solidFill>
+              <a:schemeClr val="tx1"/>
+            </a:solidFill>
+          </a:ln>
+        </p:spPr>
+        <p:style>
+          <a:lnRef idx="2">
+            <a:schemeClr val="accent1">
+              <a:shade val="50000"/>
+            </a:schemeClr>
+          </a:lnRef>
+          <a:fillRef idx="1">
+            <a:schemeClr val="accent1"/>
+          </a:fillRef>
+          <a:effectRef idx="0">
+            <a:schemeClr val="accent1"/>
+          </a:effectRef>
+          <a:fontRef idx="minor">
+            <a:schemeClr val="lt1"/>
+          </a:fontRef>
+        </p:style>
+        <p:txBody>
+          <a:bodyPr rtlCol="0" anchor="ctr"/>
+          <a:lstStyle/>
+          <a:p>
+            <a:pPr algn="ctr"/>
+            <a:r>
+              <a:rPr kumimoji="1" lang="en-US" altLang="ja-JP">
+                <a:solidFill>
+                  <a:sysClr val="windowText" lastClr="000000"/>
+                </a:solidFill>
+                <a:latin typeface="Consolas" panose="020B0609020204030204" pitchFamily="49" charset="0"/>
+              </a:rPr>
+              <a:t>origin/main</a:t>
+            </a:r>
+            <a:endParaRPr kumimoji="1" lang="ja-JP" altLang="en-US">
+              <a:solidFill>
+                <a:sysClr val="windowText" lastClr="000000"/>
+              </a:solidFill>
+              <a:latin typeface="Consolas" panose="020B0609020204030204" pitchFamily="49" charset="0"/>
+            </a:endParaRPr>
+          </a:p>
+        </p:txBody>
+      </p:sp>
+      <p:cxnSp>
+        <p:nvCxnSpPr>
+          <p:cNvPr id="10" name="直線矢印コネクタ 9">
+            <a:extLst>
+              <a:ext uri="{FF2B5EF4-FFF2-40B4-BE49-F238E27FC236}">
+                <a16:creationId xmlns:a16="http://schemas.microsoft.com/office/drawing/2014/main" id="{917E5C27-5E34-4F59-B15E-A94A86C59705}"/>
+              </a:ext>
+            </a:extLst>
+          </p:cNvPr>
+          <p:cNvCxnSpPr>
+            <a:cxnSpLocks/>
+            <a:stCxn id="9" idx="3"/>
+          </p:cNvCxnSpPr>
+          <p:nvPr/>
+        </p:nvCxnSpPr>
+        <p:spPr>
+          <a:xfrm flipV="1">
+            <a:off x="2716746" y="5301208"/>
+            <a:ext cx="2096" cy="360040"/>
+          </a:xfrm>
+          <a:prstGeom prst="straightConnector1">
+            <a:avLst/>
+          </a:prstGeom>
+          <a:ln w="12700">
+            <a:solidFill>
+              <a:schemeClr val="tx1"/>
+            </a:solidFill>
+            <a:tailEnd type="triangle"/>
+          </a:ln>
+        </p:spPr>
+        <p:style>
+          <a:lnRef idx="1">
+            <a:schemeClr val="accent1"/>
+          </a:lnRef>
+          <a:fillRef idx="0">
+            <a:schemeClr val="accent1"/>
+          </a:fillRef>
+          <a:effectRef idx="0">
+            <a:schemeClr val="accent1"/>
+          </a:effectRef>
+          <a:fontRef idx="minor">
+            <a:schemeClr val="tx1"/>
+          </a:fontRef>
+        </p:style>
+      </p:cxnSp>
+      <p:sp>
+        <p:nvSpPr>
+          <p:cNvPr id="11" name="楕円 4">
+            <a:extLst>
+              <a:ext uri="{FF2B5EF4-FFF2-40B4-BE49-F238E27FC236}">
+                <a16:creationId xmlns:a16="http://schemas.microsoft.com/office/drawing/2014/main" id="{B7D3248A-AAFC-4D32-9E7F-CB8A57FCDEBB}"/>
+              </a:ext>
+            </a:extLst>
+          </p:cNvPr>
+          <p:cNvSpPr/>
+          <p:nvPr/>
+        </p:nvSpPr>
+        <p:spPr>
+          <a:xfrm>
+            <a:off x="3203848" y="5013176"/>
+            <a:ext cx="288032" cy="288032"/>
+          </a:xfrm>
+          <a:prstGeom prst="ellipse">
+            <a:avLst/>
+          </a:prstGeom>
+          <a:solidFill>
+            <a:srgbClr val="FF0000"/>
+          </a:solidFill>
+          <a:ln>
+            <a:solidFill>
+              <a:schemeClr val="tx1"/>
+            </a:solidFill>
+          </a:ln>
+        </p:spPr>
+        <p:style>
+          <a:lnRef idx="2">
+            <a:schemeClr val="accent1">
+              <a:shade val="50000"/>
+            </a:schemeClr>
+          </a:lnRef>
+          <a:fillRef idx="1">
+            <a:schemeClr val="accent1"/>
+          </a:fillRef>
+          <a:effectRef idx="0">
+            <a:schemeClr val="accent1"/>
+          </a:effectRef>
+          <a:fontRef idx="minor">
+            <a:schemeClr val="lt1"/>
+          </a:fontRef>
+        </p:style>
+        <p:txBody>
+          <a:bodyPr rtlCol="0" anchor="ctr"/>
+          <a:lstStyle/>
+          <a:p>
+            <a:pPr algn="ctr"/>
+            <a:endParaRPr kumimoji="1" lang="ja-JP" altLang="en-US"/>
+          </a:p>
+        </p:txBody>
+      </p:sp>
+      <p:cxnSp>
+        <p:nvCxnSpPr>
+          <p:cNvPr id="12" name="直線コネクタ 11">
+            <a:extLst>
+              <a:ext uri="{FF2B5EF4-FFF2-40B4-BE49-F238E27FC236}">
+                <a16:creationId xmlns:a16="http://schemas.microsoft.com/office/drawing/2014/main" id="{D6BC64FA-F8C8-4B22-9CDB-2D091046A340}"/>
+              </a:ext>
+            </a:extLst>
+          </p:cNvPr>
+          <p:cNvCxnSpPr>
+            <a:cxnSpLocks/>
+            <a:stCxn id="13" idx="6"/>
+          </p:cNvCxnSpPr>
+          <p:nvPr/>
+        </p:nvCxnSpPr>
+        <p:spPr>
+          <a:xfrm>
+            <a:off x="2843808" y="5157192"/>
+            <a:ext cx="404758" cy="0"/>
+          </a:xfrm>
+          <a:prstGeom prst="line">
+            <a:avLst/>
+          </a:prstGeom>
+          <a:ln w="57150">
+            <a:solidFill>
+              <a:srgbClr val="FF0000"/>
+            </a:solidFill>
+            <a:headEnd type="none" w="med" len="med"/>
+            <a:tailEnd type="none" w="med" len="med"/>
+          </a:ln>
+        </p:spPr>
+        <p:style>
+          <a:lnRef idx="1">
+            <a:schemeClr val="accent1"/>
+          </a:lnRef>
+          <a:fillRef idx="0">
+            <a:schemeClr val="accent1"/>
+          </a:fillRef>
+          <a:effectRef idx="0">
+            <a:schemeClr val="accent1"/>
+          </a:effectRef>
+          <a:fontRef idx="minor">
+            <a:schemeClr val="tx1"/>
+          </a:fontRef>
+        </p:style>
+      </p:cxnSp>
+      <p:sp>
+        <p:nvSpPr>
+          <p:cNvPr id="13" name="楕円 4">
+            <a:extLst>
+              <a:ext uri="{FF2B5EF4-FFF2-40B4-BE49-F238E27FC236}">
+                <a16:creationId xmlns:a16="http://schemas.microsoft.com/office/drawing/2014/main" id="{46FE8235-A4CE-4A55-B302-A5C923987B9C}"/>
+              </a:ext>
+            </a:extLst>
+          </p:cNvPr>
+          <p:cNvSpPr/>
+          <p:nvPr/>
+        </p:nvSpPr>
+        <p:spPr>
+          <a:xfrm>
+            <a:off x="2555776" y="5013176"/>
+            <a:ext cx="288032" cy="288032"/>
+          </a:xfrm>
+          <a:prstGeom prst="ellipse">
+            <a:avLst/>
+          </a:prstGeom>
+          <a:solidFill>
+            <a:srgbClr val="011893"/>
+          </a:solidFill>
+          <a:ln>
+            <a:solidFill>
+              <a:schemeClr val="tx1"/>
+            </a:solidFill>
+          </a:ln>
+        </p:spPr>
+        <p:style>
+          <a:lnRef idx="2">
+            <a:schemeClr val="accent1">
+              <a:shade val="50000"/>
+            </a:schemeClr>
+          </a:lnRef>
+          <a:fillRef idx="1">
+            <a:schemeClr val="accent1"/>
+          </a:fillRef>
+          <a:effectRef idx="0">
+            <a:schemeClr val="accent1"/>
+          </a:effectRef>
+          <a:fontRef idx="minor">
+            <a:schemeClr val="lt1"/>
+          </a:fontRef>
+        </p:style>
+        <p:txBody>
+          <a:bodyPr rtlCol="0" anchor="ctr"/>
+          <a:lstStyle/>
+          <a:p>
+            <a:pPr algn="ctr"/>
+            <a:endParaRPr kumimoji="1" lang="ja-JP" altLang="en-US"/>
+          </a:p>
+        </p:txBody>
+      </p:sp>
+      <p:pic>
+        <p:nvPicPr>
+          <p:cNvPr id="14" name="Picture 8" descr="パソコンを使う会社員のイラスト（男性・笑顔）">
+            <a:extLst>
+              <a:ext uri="{FF2B5EF4-FFF2-40B4-BE49-F238E27FC236}">
+                <a16:creationId xmlns:a16="http://schemas.microsoft.com/office/drawing/2014/main" id="{8139F9A4-F220-4D56-96C6-3DE18225E8A4}"/>
+              </a:ext>
+            </a:extLst>
+          </p:cNvPr>
+          <p:cNvPicPr>
+            <a:picLocks noChangeAspect="1" noChangeArrowheads="1"/>
+          </p:cNvPicPr>
+          <p:nvPr/>
+        </p:nvPicPr>
+        <p:blipFill>
+          <a:blip r:embed="rId2" cstate="print">
+            <a:extLst>
+              <a:ext uri="{28A0092B-C50C-407E-A947-70E740481C1C}">
+                <a14:useLocalDpi xmlns:a14="http://schemas.microsoft.com/office/drawing/2010/main" val="0"/>
+              </a:ext>
+            </a:extLst>
+          </a:blip>
+          <a:srcRect/>
+          <a:stretch>
+            <a:fillRect/>
+          </a:stretch>
+        </p:blipFill>
+        <p:spPr bwMode="auto">
+          <a:xfrm>
+            <a:off x="179512" y="4509120"/>
+            <a:ext cx="576064" cy="836607"/>
+          </a:xfrm>
+          <a:prstGeom prst="rect">
+            <a:avLst/>
+          </a:prstGeom>
+          <a:noFill/>
+          <a:extLst>
+            <a:ext uri="{909E8E84-426E-40DD-AFC4-6F175D3DCCD1}">
+              <a14:hiddenFill xmlns:a14="http://schemas.microsoft.com/office/drawing/2010/main">
+                <a:solidFill>
+                  <a:srgbClr val="FFFFFF"/>
+                </a:solidFill>
+              </a14:hiddenFill>
+            </a:ext>
+          </a:extLst>
+        </p:spPr>
+      </p:pic>
+      <p:sp>
+        <p:nvSpPr>
+          <p:cNvPr id="25" name="テキスト ボックス 24">
+            <a:extLst>
+              <a:ext uri="{FF2B5EF4-FFF2-40B4-BE49-F238E27FC236}">
+                <a16:creationId xmlns:a16="http://schemas.microsoft.com/office/drawing/2014/main" id="{3DA13295-775A-40E9-8ECD-FDAEFDEDA3B9}"/>
+              </a:ext>
+            </a:extLst>
+          </p:cNvPr>
+          <p:cNvSpPr txBox="1"/>
+          <p:nvPr/>
+        </p:nvSpPr>
+        <p:spPr>
+          <a:xfrm>
+            <a:off x="1043608" y="3645024"/>
+            <a:ext cx="2262158" cy="369332"/>
+          </a:xfrm>
+          <a:prstGeom prst="rect">
+            <a:avLst/>
+          </a:prstGeom>
+          <a:noFill/>
+        </p:spPr>
+        <p:txBody>
+          <a:bodyPr wrap="none" rtlCol="0">
+            <a:spAutoFit/>
+          </a:bodyPr>
+          <a:lstStyle/>
+          <a:p>
+            <a:pPr algn="ctr"/>
+            <a:r>
+              <a:rPr lang="ja-JP" altLang="en-US"/>
+              <a:t>ローカルリポジトリ</a:t>
+            </a:r>
+            <a:endParaRPr kumimoji="1" lang="en-US" altLang="ja-JP" dirty="0"/>
+          </a:p>
+        </p:txBody>
+      </p:sp>
+      <p:sp>
+        <p:nvSpPr>
+          <p:cNvPr id="38" name="楕円 4">
+            <a:extLst>
+              <a:ext uri="{FF2B5EF4-FFF2-40B4-BE49-F238E27FC236}">
+                <a16:creationId xmlns:a16="http://schemas.microsoft.com/office/drawing/2014/main" id="{AC8734A9-2A9C-4694-932F-C7B856609B68}"/>
+              </a:ext>
+            </a:extLst>
+          </p:cNvPr>
+          <p:cNvSpPr/>
+          <p:nvPr/>
+        </p:nvSpPr>
+        <p:spPr>
+          <a:xfrm>
+            <a:off x="1835696" y="2204864"/>
+            <a:ext cx="288032" cy="288032"/>
+          </a:xfrm>
+          <a:prstGeom prst="ellipse">
+            <a:avLst/>
+          </a:prstGeom>
+          <a:solidFill>
+            <a:srgbClr val="011893"/>
+          </a:solidFill>
+          <a:ln>
+            <a:solidFill>
+              <a:schemeClr val="tx1"/>
+            </a:solidFill>
+          </a:ln>
+        </p:spPr>
+        <p:style>
+          <a:lnRef idx="2">
+            <a:schemeClr val="accent1">
+              <a:shade val="50000"/>
+            </a:schemeClr>
+          </a:lnRef>
+          <a:fillRef idx="1">
+            <a:schemeClr val="accent1"/>
+          </a:fillRef>
+          <a:effectRef idx="0">
+            <a:schemeClr val="accent1"/>
+          </a:effectRef>
+          <a:fontRef idx="minor">
+            <a:schemeClr val="lt1"/>
+          </a:fontRef>
+        </p:style>
+        <p:txBody>
+          <a:bodyPr rtlCol="0" anchor="ctr"/>
+          <a:lstStyle/>
+          <a:p>
+            <a:pPr algn="ctr"/>
+            <a:endParaRPr kumimoji="1" lang="ja-JP" altLang="en-US"/>
+          </a:p>
+        </p:txBody>
+      </p:sp>
+      <p:sp>
+        <p:nvSpPr>
+          <p:cNvPr id="39" name="四角形: 1 つの角を切り取り 1 つの角を丸める 38">
+            <a:extLst>
+              <a:ext uri="{FF2B5EF4-FFF2-40B4-BE49-F238E27FC236}">
+                <a16:creationId xmlns:a16="http://schemas.microsoft.com/office/drawing/2014/main" id="{BF136F99-A7C4-49DE-8CA2-6184EDEA91EA}"/>
+              </a:ext>
+            </a:extLst>
+          </p:cNvPr>
+          <p:cNvSpPr/>
+          <p:nvPr/>
+        </p:nvSpPr>
+        <p:spPr>
+          <a:xfrm>
+            <a:off x="2123728" y="1484784"/>
+            <a:ext cx="1152128" cy="338336"/>
+          </a:xfrm>
+          <a:prstGeom prst="snipRoundRect">
+            <a:avLst>
+              <a:gd name="adj1" fmla="val 16667"/>
+              <a:gd name="adj2" fmla="val 35924"/>
+            </a:avLst>
+          </a:prstGeom>
+          <a:solidFill>
+            <a:schemeClr val="accent6">
+              <a:lumMod val="20000"/>
+              <a:lumOff val="80000"/>
+            </a:schemeClr>
+          </a:solidFill>
+          <a:ln>
+            <a:solidFill>
+              <a:schemeClr val="tx1"/>
+            </a:solidFill>
+          </a:ln>
+        </p:spPr>
+        <p:style>
+          <a:lnRef idx="2">
+            <a:schemeClr val="accent1">
+              <a:shade val="50000"/>
+            </a:schemeClr>
+          </a:lnRef>
+          <a:fillRef idx="1">
+            <a:schemeClr val="accent1"/>
+          </a:fillRef>
+          <a:effectRef idx="0">
+            <a:schemeClr val="accent1"/>
+          </a:effectRef>
+          <a:fontRef idx="minor">
+            <a:schemeClr val="lt1"/>
+          </a:fontRef>
+        </p:style>
+        <p:txBody>
+          <a:bodyPr rtlCol="0" anchor="ctr"/>
+          <a:lstStyle/>
+          <a:p>
+            <a:pPr algn="ctr"/>
+            <a:r>
+              <a:rPr kumimoji="1" lang="en-US" altLang="ja-JP">
+                <a:solidFill>
+                  <a:sysClr val="windowText" lastClr="000000"/>
+                </a:solidFill>
+                <a:latin typeface="Consolas" panose="020B0609020204030204" pitchFamily="49" charset="0"/>
+              </a:rPr>
+              <a:t>main</a:t>
+            </a:r>
+            <a:endParaRPr kumimoji="1" lang="ja-JP" altLang="en-US">
+              <a:solidFill>
+                <a:sysClr val="windowText" lastClr="000000"/>
+              </a:solidFill>
+              <a:latin typeface="Consolas" panose="020B0609020204030204" pitchFamily="49" charset="0"/>
+            </a:endParaRPr>
+          </a:p>
+        </p:txBody>
+      </p:sp>
+      <p:cxnSp>
+        <p:nvCxnSpPr>
+          <p:cNvPr id="40" name="直線矢印コネクタ 39">
+            <a:extLst>
+              <a:ext uri="{FF2B5EF4-FFF2-40B4-BE49-F238E27FC236}">
+                <a16:creationId xmlns:a16="http://schemas.microsoft.com/office/drawing/2014/main" id="{A2C449B6-DC52-4152-B77A-47A15C1CD4EB}"/>
+              </a:ext>
+            </a:extLst>
+          </p:cNvPr>
+          <p:cNvCxnSpPr>
+            <a:cxnSpLocks/>
+            <a:stCxn id="39" idx="1"/>
+          </p:cNvCxnSpPr>
+          <p:nvPr/>
+        </p:nvCxnSpPr>
+        <p:spPr>
+          <a:xfrm>
+            <a:off x="2699792" y="1823120"/>
+            <a:ext cx="0" cy="381744"/>
+          </a:xfrm>
+          <a:prstGeom prst="straightConnector1">
+            <a:avLst/>
+          </a:prstGeom>
+          <a:ln w="12700">
+            <a:solidFill>
+              <a:schemeClr val="tx1"/>
+            </a:solidFill>
+            <a:tailEnd type="triangle"/>
+          </a:ln>
+        </p:spPr>
+        <p:style>
+          <a:lnRef idx="1">
+            <a:schemeClr val="accent1"/>
+          </a:lnRef>
+          <a:fillRef idx="0">
+            <a:schemeClr val="accent1"/>
+          </a:fillRef>
+          <a:effectRef idx="0">
+            <a:schemeClr val="accent1"/>
+          </a:effectRef>
+          <a:fontRef idx="minor">
+            <a:schemeClr val="tx1"/>
+          </a:fontRef>
+        </p:style>
+      </p:cxnSp>
+      <p:sp>
+        <p:nvSpPr>
+          <p:cNvPr id="41" name="楕円 40">
+            <a:extLst>
+              <a:ext uri="{FF2B5EF4-FFF2-40B4-BE49-F238E27FC236}">
+                <a16:creationId xmlns:a16="http://schemas.microsoft.com/office/drawing/2014/main" id="{1C78F079-BC22-4765-823D-CB7371C2AF91}"/>
+              </a:ext>
+            </a:extLst>
+          </p:cNvPr>
+          <p:cNvSpPr/>
+          <p:nvPr/>
+        </p:nvSpPr>
+        <p:spPr>
+          <a:xfrm>
+            <a:off x="1115616" y="2204864"/>
+            <a:ext cx="288032" cy="288032"/>
+          </a:xfrm>
+          <a:prstGeom prst="ellipse">
+            <a:avLst/>
+          </a:prstGeom>
+          <a:solidFill>
+            <a:srgbClr val="011893"/>
+          </a:solidFill>
+          <a:ln>
+            <a:solidFill>
+              <a:schemeClr val="tx1"/>
+            </a:solidFill>
+          </a:ln>
+        </p:spPr>
+        <p:style>
+          <a:lnRef idx="2">
+            <a:schemeClr val="accent1">
+              <a:shade val="50000"/>
+            </a:schemeClr>
+          </a:lnRef>
+          <a:fillRef idx="1">
+            <a:schemeClr val="accent1"/>
+          </a:fillRef>
+          <a:effectRef idx="0">
+            <a:schemeClr val="accent1"/>
+          </a:effectRef>
+          <a:fontRef idx="minor">
+            <a:schemeClr val="lt1"/>
+          </a:fontRef>
+        </p:style>
+        <p:txBody>
+          <a:bodyPr rtlCol="0" anchor="ctr"/>
+          <a:lstStyle/>
+          <a:p>
+            <a:pPr algn="ctr"/>
+            <a:endParaRPr kumimoji="1" lang="ja-JP" altLang="en-US"/>
+          </a:p>
+        </p:txBody>
+      </p:sp>
+      <p:cxnSp>
+        <p:nvCxnSpPr>
+          <p:cNvPr id="42" name="直線コネクタ 41">
+            <a:extLst>
+              <a:ext uri="{FF2B5EF4-FFF2-40B4-BE49-F238E27FC236}">
+                <a16:creationId xmlns:a16="http://schemas.microsoft.com/office/drawing/2014/main" id="{4C350D91-3BCD-417E-8E3B-5403B2D35AAF}"/>
+              </a:ext>
+            </a:extLst>
+          </p:cNvPr>
+          <p:cNvCxnSpPr>
+            <a:cxnSpLocks/>
+            <a:stCxn id="41" idx="6"/>
+          </p:cNvCxnSpPr>
+          <p:nvPr/>
+        </p:nvCxnSpPr>
+        <p:spPr>
+          <a:xfrm>
+            <a:off x="1403648" y="2348880"/>
+            <a:ext cx="432048" cy="0"/>
+          </a:xfrm>
+          <a:prstGeom prst="line">
+            <a:avLst/>
+          </a:prstGeom>
+          <a:ln w="57150">
+            <a:solidFill>
+              <a:schemeClr val="tx1"/>
+            </a:solidFill>
+            <a:headEnd type="none" w="med" len="med"/>
+            <a:tailEnd type="none" w="med" len="med"/>
+          </a:ln>
+        </p:spPr>
+        <p:style>
+          <a:lnRef idx="1">
+            <a:schemeClr val="accent1"/>
+          </a:lnRef>
+          <a:fillRef idx="0">
+            <a:schemeClr val="accent1"/>
+          </a:fillRef>
+          <a:effectRef idx="0">
+            <a:schemeClr val="accent1"/>
+          </a:effectRef>
+          <a:fontRef idx="minor">
+            <a:schemeClr val="tx1"/>
+          </a:fontRef>
+        </p:style>
+      </p:cxnSp>
+      <p:cxnSp>
+        <p:nvCxnSpPr>
+          <p:cNvPr id="43" name="直線コネクタ 42">
+            <a:extLst>
+              <a:ext uri="{FF2B5EF4-FFF2-40B4-BE49-F238E27FC236}">
+                <a16:creationId xmlns:a16="http://schemas.microsoft.com/office/drawing/2014/main" id="{2869CE33-3CD2-4A44-ADBA-35B29F204352}"/>
+              </a:ext>
+            </a:extLst>
+          </p:cNvPr>
+          <p:cNvCxnSpPr>
+            <a:cxnSpLocks/>
+          </p:cNvCxnSpPr>
+          <p:nvPr/>
+        </p:nvCxnSpPr>
+        <p:spPr>
+          <a:xfrm>
+            <a:off x="2123728" y="2348880"/>
+            <a:ext cx="432048" cy="0"/>
+          </a:xfrm>
+          <a:prstGeom prst="line">
+            <a:avLst/>
+          </a:prstGeom>
+          <a:ln w="57150">
+            <a:solidFill>
+              <a:schemeClr val="tx1"/>
+            </a:solidFill>
+            <a:headEnd type="none" w="med" len="med"/>
+            <a:tailEnd type="none" w="med" len="med"/>
+          </a:ln>
+        </p:spPr>
+        <p:style>
+          <a:lnRef idx="1">
+            <a:schemeClr val="accent1"/>
+          </a:lnRef>
+          <a:fillRef idx="0">
+            <a:schemeClr val="accent1"/>
+          </a:fillRef>
+          <a:effectRef idx="0">
+            <a:schemeClr val="accent1"/>
+          </a:effectRef>
+          <a:fontRef idx="minor">
+            <a:schemeClr val="tx1"/>
+          </a:fontRef>
+        </p:style>
+      </p:cxnSp>
+      <p:sp>
+        <p:nvSpPr>
+          <p:cNvPr id="44" name="四角形: 角を丸くする 43">
+            <a:extLst>
+              <a:ext uri="{FF2B5EF4-FFF2-40B4-BE49-F238E27FC236}">
+                <a16:creationId xmlns:a16="http://schemas.microsoft.com/office/drawing/2014/main" id="{74F6C015-7202-4228-9673-1CAA5CAEA19F}"/>
+              </a:ext>
+            </a:extLst>
+          </p:cNvPr>
+          <p:cNvSpPr/>
+          <p:nvPr/>
+        </p:nvSpPr>
+        <p:spPr>
+          <a:xfrm>
+            <a:off x="971600" y="1268760"/>
+            <a:ext cx="3238450" cy="1440160"/>
+          </a:xfrm>
+          <a:prstGeom prst="roundRect">
+            <a:avLst/>
+          </a:prstGeom>
+          <a:noFill/>
+          <a:ln w="28575">
+            <a:solidFill>
+              <a:schemeClr val="tx1"/>
+            </a:solidFill>
+            <a:prstDash val="dash"/>
+          </a:ln>
+        </p:spPr>
+        <p:style>
+          <a:lnRef idx="2">
+            <a:schemeClr val="accent1">
+              <a:shade val="50000"/>
+            </a:schemeClr>
+          </a:lnRef>
+          <a:fillRef idx="1">
+            <a:schemeClr val="accent1"/>
+          </a:fillRef>
+          <a:effectRef idx="0">
+            <a:schemeClr val="accent1"/>
+          </a:effectRef>
+          <a:fontRef idx="minor">
+            <a:schemeClr val="lt1"/>
+          </a:fontRef>
+        </p:style>
+        <p:txBody>
+          <a:bodyPr rtlCol="0" anchor="ctr"/>
+          <a:lstStyle/>
+          <a:p>
+            <a:pPr algn="ctr"/>
+            <a:endParaRPr kumimoji="1" lang="ja-JP" altLang="en-US"/>
+          </a:p>
+        </p:txBody>
+      </p:sp>
+      <p:sp>
+        <p:nvSpPr>
+          <p:cNvPr id="45" name="テキスト ボックス 44">
+            <a:extLst>
+              <a:ext uri="{FF2B5EF4-FFF2-40B4-BE49-F238E27FC236}">
+                <a16:creationId xmlns:a16="http://schemas.microsoft.com/office/drawing/2014/main" id="{03BBDBFD-BF5A-4085-87C8-97761843342E}"/>
+              </a:ext>
+            </a:extLst>
+          </p:cNvPr>
+          <p:cNvSpPr txBox="1"/>
+          <p:nvPr/>
+        </p:nvSpPr>
+        <p:spPr>
+          <a:xfrm>
+            <a:off x="899592" y="764704"/>
+            <a:ext cx="2980304" cy="369332"/>
+          </a:xfrm>
+          <a:prstGeom prst="rect">
+            <a:avLst/>
+          </a:prstGeom>
+          <a:noFill/>
+        </p:spPr>
+        <p:txBody>
+          <a:bodyPr wrap="none" rtlCol="0">
+            <a:spAutoFit/>
+          </a:bodyPr>
+          <a:lstStyle/>
+          <a:p>
+            <a:pPr algn="ctr"/>
+            <a:r>
+              <a:rPr lang="ja-JP" altLang="en-US"/>
+              <a:t>リモートリポジトリ</a:t>
+            </a:r>
+            <a:r>
+              <a:rPr lang="en-US" altLang="ja-JP"/>
+              <a:t>(origin)</a:t>
+            </a:r>
+            <a:endParaRPr kumimoji="1" lang="en-US" altLang="ja-JP" dirty="0"/>
+          </a:p>
+        </p:txBody>
+      </p:sp>
+      <p:pic>
+        <p:nvPicPr>
+          <p:cNvPr id="46" name="図 45">
+            <a:extLst>
+              <a:ext uri="{FF2B5EF4-FFF2-40B4-BE49-F238E27FC236}">
+                <a16:creationId xmlns:a16="http://schemas.microsoft.com/office/drawing/2014/main" id="{2294F6D5-38A9-4C7B-B60B-7FDDFCE8E047}"/>
+              </a:ext>
+            </a:extLst>
+          </p:cNvPr>
+          <p:cNvPicPr>
+            <a:picLocks noChangeAspect="1"/>
+          </p:cNvPicPr>
+          <p:nvPr/>
+        </p:nvPicPr>
+        <p:blipFill>
+          <a:blip r:embed="rId3">
+            <a:extLst>
+              <a:ext uri="{28A0092B-C50C-407E-A947-70E740481C1C}">
+                <a14:useLocalDpi xmlns:a14="http://schemas.microsoft.com/office/drawing/2010/main" val="0"/>
+              </a:ext>
+            </a:extLst>
+          </a:blip>
+          <a:stretch>
+            <a:fillRect/>
+          </a:stretch>
+        </p:blipFill>
+        <p:spPr>
+          <a:xfrm>
+            <a:off x="179512" y="1628800"/>
+            <a:ext cx="609600" cy="609600"/>
+          </a:xfrm>
+          <a:prstGeom prst="rect">
+            <a:avLst/>
+          </a:prstGeom>
+        </p:spPr>
+      </p:pic>
+      <p:sp>
+        <p:nvSpPr>
+          <p:cNvPr id="49" name="楕円 4">
+            <a:extLst>
+              <a:ext uri="{FF2B5EF4-FFF2-40B4-BE49-F238E27FC236}">
+                <a16:creationId xmlns:a16="http://schemas.microsoft.com/office/drawing/2014/main" id="{9E89ED9E-B079-499C-BFBD-3386EF82401D}"/>
+              </a:ext>
+            </a:extLst>
+          </p:cNvPr>
+          <p:cNvSpPr/>
+          <p:nvPr/>
+        </p:nvSpPr>
+        <p:spPr>
+          <a:xfrm>
+            <a:off x="2555776" y="2204864"/>
+            <a:ext cx="288032" cy="288032"/>
+          </a:xfrm>
+          <a:prstGeom prst="ellipse">
+            <a:avLst/>
+          </a:prstGeom>
+          <a:solidFill>
+            <a:srgbClr val="011893"/>
+          </a:solidFill>
+          <a:ln>
+            <a:solidFill>
+              <a:schemeClr val="tx1"/>
+            </a:solidFill>
+          </a:ln>
+        </p:spPr>
+        <p:style>
+          <a:lnRef idx="2">
+            <a:schemeClr val="accent1">
+              <a:shade val="50000"/>
+            </a:schemeClr>
+          </a:lnRef>
+          <a:fillRef idx="1">
+            <a:schemeClr val="accent1"/>
+          </a:fillRef>
+          <a:effectRef idx="0">
+            <a:schemeClr val="accent1"/>
+          </a:effectRef>
+          <a:fontRef idx="minor">
+            <a:schemeClr val="lt1"/>
+          </a:fontRef>
+        </p:style>
+        <p:txBody>
+          <a:bodyPr rtlCol="0" anchor="ctr"/>
+          <a:lstStyle/>
+          <a:p>
+            <a:pPr algn="ctr"/>
+            <a:endParaRPr kumimoji="1" lang="ja-JP" altLang="en-US"/>
+          </a:p>
+        </p:txBody>
+      </p:sp>
+      <p:sp>
+        <p:nvSpPr>
+          <p:cNvPr id="50" name="テキスト ボックス 49">
+            <a:extLst>
+              <a:ext uri="{FF2B5EF4-FFF2-40B4-BE49-F238E27FC236}">
+                <a16:creationId xmlns:a16="http://schemas.microsoft.com/office/drawing/2014/main" id="{5BEF9E70-A86B-47E4-9EF0-171BA2E7B59A}"/>
+              </a:ext>
+            </a:extLst>
+          </p:cNvPr>
+          <p:cNvSpPr txBox="1"/>
+          <p:nvPr/>
+        </p:nvSpPr>
+        <p:spPr>
+          <a:xfrm>
+            <a:off x="2627784" y="3068960"/>
+            <a:ext cx="1800200" cy="400110"/>
+          </a:xfrm>
+          <a:prstGeom prst="rect">
+            <a:avLst/>
+          </a:prstGeom>
+          <a:solidFill>
+            <a:schemeClr val="tx1"/>
+          </a:solidFill>
+        </p:spPr>
+        <p:txBody>
+          <a:bodyPr wrap="square">
+            <a:spAutoFit/>
+          </a:bodyPr>
+          <a:lstStyle/>
+          <a:p>
+            <a:r>
+              <a:rPr lang="en-US" sz="2000" b="0">
+                <a:solidFill>
+                  <a:srgbClr val="D4D4D4"/>
+                </a:solidFill>
+                <a:effectLst/>
+                <a:latin typeface="Consolas" panose="020B0609020204030204" pitchFamily="49" charset="0"/>
+              </a:rPr>
+              <a:t>$ git fetch</a:t>
+            </a:r>
+          </a:p>
+        </p:txBody>
+      </p:sp>
+      <p:sp>
+        <p:nvSpPr>
+          <p:cNvPr id="51" name="右矢印 43">
+            <a:extLst>
+              <a:ext uri="{FF2B5EF4-FFF2-40B4-BE49-F238E27FC236}">
+                <a16:creationId xmlns:a16="http://schemas.microsoft.com/office/drawing/2014/main" id="{971B4A27-C925-4459-826D-9064461CB6E3}"/>
+              </a:ext>
+            </a:extLst>
+          </p:cNvPr>
+          <p:cNvSpPr/>
+          <p:nvPr/>
+        </p:nvSpPr>
+        <p:spPr>
+          <a:xfrm rot="18900000">
+            <a:off x="4617287" y="2970232"/>
+            <a:ext cx="566352" cy="566352"/>
+          </a:xfrm>
+          <a:prstGeom prst="rightArrow">
+            <a:avLst/>
+          </a:prstGeom>
+          <a:solidFill>
+            <a:srgbClr val="FF0000"/>
+          </a:solidFill>
+          <a:ln>
+            <a:solidFill>
+              <a:schemeClr val="tx1"/>
+            </a:solidFill>
+          </a:ln>
+        </p:spPr>
+        <p:style>
+          <a:lnRef idx="2">
+            <a:schemeClr val="accent1">
+              <a:shade val="50000"/>
+            </a:schemeClr>
+          </a:lnRef>
+          <a:fillRef idx="1">
+            <a:schemeClr val="accent1"/>
+          </a:fillRef>
+          <a:effectRef idx="0">
+            <a:schemeClr val="accent1"/>
+          </a:effectRef>
+          <a:fontRef idx="minor">
+            <a:schemeClr val="lt1"/>
+          </a:fontRef>
+        </p:style>
+        <p:txBody>
+          <a:bodyPr rtlCol="0" anchor="ctr"/>
+          <a:lstStyle/>
+          <a:p>
+            <a:pPr algn="ctr"/>
+            <a:endParaRPr kumimoji="1" lang="ja-JP" altLang="en-US"/>
+          </a:p>
+        </p:txBody>
+      </p:sp>
+      <p:sp>
+        <p:nvSpPr>
+          <p:cNvPr id="62" name="四角形: 角を丸くする 61">
+            <a:extLst>
+              <a:ext uri="{FF2B5EF4-FFF2-40B4-BE49-F238E27FC236}">
+                <a16:creationId xmlns:a16="http://schemas.microsoft.com/office/drawing/2014/main" id="{285989C1-E5F6-4B35-B3BF-E2AF6F7E1E90}"/>
+              </a:ext>
+            </a:extLst>
+          </p:cNvPr>
+          <p:cNvSpPr/>
+          <p:nvPr/>
+        </p:nvSpPr>
+        <p:spPr>
+          <a:xfrm>
+            <a:off x="5438006" y="1268760"/>
+            <a:ext cx="3238450" cy="1440160"/>
+          </a:xfrm>
+          <a:prstGeom prst="roundRect">
+            <a:avLst/>
+          </a:prstGeom>
+          <a:noFill/>
+          <a:ln w="28575">
+            <a:solidFill>
+              <a:schemeClr val="tx1"/>
+            </a:solidFill>
+            <a:prstDash val="dash"/>
+          </a:ln>
+        </p:spPr>
+        <p:style>
+          <a:lnRef idx="2">
+            <a:schemeClr val="accent1">
+              <a:shade val="50000"/>
+            </a:schemeClr>
+          </a:lnRef>
+          <a:fillRef idx="1">
+            <a:schemeClr val="accent1"/>
+          </a:fillRef>
+          <a:effectRef idx="0">
+            <a:schemeClr val="accent1"/>
+          </a:effectRef>
+          <a:fontRef idx="minor">
+            <a:schemeClr val="lt1"/>
+          </a:fontRef>
+        </p:style>
+        <p:txBody>
+          <a:bodyPr rtlCol="0" anchor="ctr"/>
+          <a:lstStyle/>
+          <a:p>
+            <a:pPr algn="ctr"/>
+            <a:endParaRPr kumimoji="1" lang="ja-JP" altLang="en-US"/>
+          </a:p>
+        </p:txBody>
+      </p:sp>
+      <p:sp>
+        <p:nvSpPr>
+          <p:cNvPr id="66" name="楕円 4">
+            <a:extLst>
+              <a:ext uri="{FF2B5EF4-FFF2-40B4-BE49-F238E27FC236}">
+                <a16:creationId xmlns:a16="http://schemas.microsoft.com/office/drawing/2014/main" id="{6DF32EC5-C33B-41DF-B146-6E9A8C8E3D9A}"/>
+              </a:ext>
+            </a:extLst>
+          </p:cNvPr>
+          <p:cNvSpPr/>
+          <p:nvPr/>
+        </p:nvSpPr>
+        <p:spPr>
+          <a:xfrm>
+            <a:off x="6300192" y="2183160"/>
+            <a:ext cx="288032" cy="288032"/>
+          </a:xfrm>
+          <a:prstGeom prst="ellipse">
+            <a:avLst/>
+          </a:prstGeom>
+          <a:solidFill>
+            <a:srgbClr val="011893"/>
+          </a:solidFill>
+          <a:ln>
+            <a:solidFill>
+              <a:schemeClr val="tx1"/>
+            </a:solidFill>
+          </a:ln>
+        </p:spPr>
+        <p:style>
+          <a:lnRef idx="2">
+            <a:schemeClr val="accent1">
+              <a:shade val="50000"/>
+            </a:schemeClr>
+          </a:lnRef>
+          <a:fillRef idx="1">
+            <a:schemeClr val="accent1"/>
+          </a:fillRef>
+          <a:effectRef idx="0">
+            <a:schemeClr val="accent1"/>
+          </a:effectRef>
+          <a:fontRef idx="minor">
+            <a:schemeClr val="lt1"/>
+          </a:fontRef>
+        </p:style>
+        <p:txBody>
+          <a:bodyPr rtlCol="0" anchor="ctr"/>
+          <a:lstStyle/>
+          <a:p>
+            <a:pPr algn="ctr"/>
+            <a:endParaRPr kumimoji="1" lang="ja-JP" altLang="en-US"/>
+          </a:p>
+        </p:txBody>
+      </p:sp>
+      <p:sp>
+        <p:nvSpPr>
+          <p:cNvPr id="67" name="四角形: 1 つの角を切り取り 1 つの角を丸める 66">
+            <a:extLst>
+              <a:ext uri="{FF2B5EF4-FFF2-40B4-BE49-F238E27FC236}">
+                <a16:creationId xmlns:a16="http://schemas.microsoft.com/office/drawing/2014/main" id="{C52C5256-B39D-485B-874D-F184436772F3}"/>
+              </a:ext>
+            </a:extLst>
+          </p:cNvPr>
+          <p:cNvSpPr/>
+          <p:nvPr/>
+        </p:nvSpPr>
+        <p:spPr>
+          <a:xfrm>
+            <a:off x="7236296" y="1484784"/>
+            <a:ext cx="1152128" cy="338336"/>
+          </a:xfrm>
+          <a:prstGeom prst="snipRoundRect">
+            <a:avLst>
+              <a:gd name="adj1" fmla="val 16667"/>
+              <a:gd name="adj2" fmla="val 35924"/>
+            </a:avLst>
+          </a:prstGeom>
+          <a:solidFill>
+            <a:schemeClr val="accent6">
+              <a:lumMod val="20000"/>
+              <a:lumOff val="80000"/>
+            </a:schemeClr>
+          </a:solidFill>
+          <a:ln>
+            <a:solidFill>
+              <a:schemeClr val="tx1"/>
+            </a:solidFill>
+          </a:ln>
+        </p:spPr>
+        <p:style>
+          <a:lnRef idx="2">
+            <a:schemeClr val="accent1">
+              <a:shade val="50000"/>
+            </a:schemeClr>
+          </a:lnRef>
+          <a:fillRef idx="1">
+            <a:schemeClr val="accent1"/>
+          </a:fillRef>
+          <a:effectRef idx="0">
+            <a:schemeClr val="accent1"/>
+          </a:effectRef>
+          <a:fontRef idx="minor">
+            <a:schemeClr val="lt1"/>
+          </a:fontRef>
+        </p:style>
+        <p:txBody>
+          <a:bodyPr rtlCol="0" anchor="ctr"/>
+          <a:lstStyle/>
+          <a:p>
+            <a:pPr algn="ctr"/>
+            <a:r>
+              <a:rPr kumimoji="1" lang="en-US" altLang="ja-JP">
+                <a:solidFill>
+                  <a:sysClr val="windowText" lastClr="000000"/>
+                </a:solidFill>
+                <a:latin typeface="Consolas" panose="020B0609020204030204" pitchFamily="49" charset="0"/>
+              </a:rPr>
+              <a:t>main</a:t>
+            </a:r>
+            <a:endParaRPr kumimoji="1" lang="ja-JP" altLang="en-US">
+              <a:solidFill>
+                <a:sysClr val="windowText" lastClr="000000"/>
+              </a:solidFill>
+              <a:latin typeface="Consolas" panose="020B0609020204030204" pitchFamily="49" charset="0"/>
+            </a:endParaRPr>
+          </a:p>
+        </p:txBody>
+      </p:sp>
+      <p:cxnSp>
+        <p:nvCxnSpPr>
+          <p:cNvPr id="68" name="直線矢印コネクタ 67">
+            <a:extLst>
+              <a:ext uri="{FF2B5EF4-FFF2-40B4-BE49-F238E27FC236}">
+                <a16:creationId xmlns:a16="http://schemas.microsoft.com/office/drawing/2014/main" id="{DC8DC879-B653-4FE2-A836-2F2BEC3F3158}"/>
+              </a:ext>
+            </a:extLst>
+          </p:cNvPr>
+          <p:cNvCxnSpPr>
+            <a:cxnSpLocks/>
+            <a:stCxn id="67" idx="1"/>
+          </p:cNvCxnSpPr>
+          <p:nvPr/>
+        </p:nvCxnSpPr>
+        <p:spPr>
+          <a:xfrm>
+            <a:off x="7812360" y="1823120"/>
+            <a:ext cx="0" cy="381744"/>
+          </a:xfrm>
+          <a:prstGeom prst="straightConnector1">
+            <a:avLst/>
+          </a:prstGeom>
+          <a:ln w="12700">
+            <a:solidFill>
+              <a:schemeClr val="tx1"/>
+            </a:solidFill>
+            <a:tailEnd type="triangle"/>
+          </a:ln>
+        </p:spPr>
+        <p:style>
+          <a:lnRef idx="1">
+            <a:schemeClr val="accent1"/>
+          </a:lnRef>
+          <a:fillRef idx="0">
+            <a:schemeClr val="accent1"/>
+          </a:fillRef>
+          <a:effectRef idx="0">
+            <a:schemeClr val="accent1"/>
+          </a:effectRef>
+          <a:fontRef idx="minor">
+            <a:schemeClr val="tx1"/>
+          </a:fontRef>
+        </p:style>
+      </p:cxnSp>
+      <p:sp>
+        <p:nvSpPr>
+          <p:cNvPr id="69" name="楕円 68">
+            <a:extLst>
+              <a:ext uri="{FF2B5EF4-FFF2-40B4-BE49-F238E27FC236}">
+                <a16:creationId xmlns:a16="http://schemas.microsoft.com/office/drawing/2014/main" id="{7577468F-20A1-4BCE-A0DD-46DDAD0FD6BE}"/>
+              </a:ext>
+            </a:extLst>
+          </p:cNvPr>
+          <p:cNvSpPr/>
+          <p:nvPr/>
+        </p:nvSpPr>
+        <p:spPr>
+          <a:xfrm>
+            <a:off x="5580112" y="2183160"/>
+            <a:ext cx="288032" cy="288032"/>
+          </a:xfrm>
+          <a:prstGeom prst="ellipse">
+            <a:avLst/>
+          </a:prstGeom>
+          <a:solidFill>
+            <a:srgbClr val="011893"/>
+          </a:solidFill>
+          <a:ln>
+            <a:solidFill>
+              <a:schemeClr val="tx1"/>
+            </a:solidFill>
+          </a:ln>
+        </p:spPr>
+        <p:style>
+          <a:lnRef idx="2">
+            <a:schemeClr val="accent1">
+              <a:shade val="50000"/>
+            </a:schemeClr>
+          </a:lnRef>
+          <a:fillRef idx="1">
+            <a:schemeClr val="accent1"/>
+          </a:fillRef>
+          <a:effectRef idx="0">
+            <a:schemeClr val="accent1"/>
+          </a:effectRef>
+          <a:fontRef idx="minor">
+            <a:schemeClr val="lt1"/>
+          </a:fontRef>
+        </p:style>
+        <p:txBody>
+          <a:bodyPr rtlCol="0" anchor="ctr"/>
+          <a:lstStyle/>
+          <a:p>
+            <a:pPr algn="ctr"/>
+            <a:endParaRPr kumimoji="1" lang="ja-JP" altLang="en-US"/>
+          </a:p>
+        </p:txBody>
+      </p:sp>
+      <p:cxnSp>
+        <p:nvCxnSpPr>
+          <p:cNvPr id="70" name="直線コネクタ 69">
+            <a:extLst>
+              <a:ext uri="{FF2B5EF4-FFF2-40B4-BE49-F238E27FC236}">
+                <a16:creationId xmlns:a16="http://schemas.microsoft.com/office/drawing/2014/main" id="{D452063E-3591-41DB-85AA-355EE570DE63}"/>
+              </a:ext>
+            </a:extLst>
+          </p:cNvPr>
+          <p:cNvCxnSpPr>
+            <a:cxnSpLocks/>
+            <a:stCxn id="69" idx="6"/>
+          </p:cNvCxnSpPr>
+          <p:nvPr/>
+        </p:nvCxnSpPr>
+        <p:spPr>
+          <a:xfrm>
+            <a:off x="5868144" y="2327176"/>
+            <a:ext cx="432048" cy="0"/>
+          </a:xfrm>
+          <a:prstGeom prst="line">
+            <a:avLst/>
+          </a:prstGeom>
+          <a:ln w="57150">
+            <a:solidFill>
+              <a:schemeClr val="tx1"/>
+            </a:solidFill>
+            <a:headEnd type="none" w="med" len="med"/>
+            <a:tailEnd type="none" w="med" len="med"/>
+          </a:ln>
+        </p:spPr>
+        <p:style>
+          <a:lnRef idx="1">
+            <a:schemeClr val="accent1"/>
+          </a:lnRef>
+          <a:fillRef idx="0">
+            <a:schemeClr val="accent1"/>
+          </a:fillRef>
+          <a:effectRef idx="0">
+            <a:schemeClr val="accent1"/>
+          </a:effectRef>
+          <a:fontRef idx="minor">
+            <a:schemeClr val="tx1"/>
+          </a:fontRef>
+        </p:style>
+      </p:cxnSp>
+      <p:cxnSp>
+        <p:nvCxnSpPr>
+          <p:cNvPr id="71" name="直線コネクタ 70">
+            <a:extLst>
+              <a:ext uri="{FF2B5EF4-FFF2-40B4-BE49-F238E27FC236}">
+                <a16:creationId xmlns:a16="http://schemas.microsoft.com/office/drawing/2014/main" id="{B4270147-6415-4994-8617-C24BF704D7DC}"/>
+              </a:ext>
+            </a:extLst>
+          </p:cNvPr>
+          <p:cNvCxnSpPr>
+            <a:cxnSpLocks/>
+          </p:cNvCxnSpPr>
+          <p:nvPr/>
+        </p:nvCxnSpPr>
+        <p:spPr>
+          <a:xfrm>
+            <a:off x="6588224" y="2327176"/>
+            <a:ext cx="432048" cy="0"/>
+          </a:xfrm>
+          <a:prstGeom prst="line">
+            <a:avLst/>
+          </a:prstGeom>
+          <a:ln w="57150">
+            <a:solidFill>
+              <a:schemeClr val="tx1"/>
+            </a:solidFill>
+            <a:headEnd type="none" w="med" len="med"/>
+            <a:tailEnd type="none" w="med" len="med"/>
+          </a:ln>
+        </p:spPr>
+        <p:style>
+          <a:lnRef idx="1">
+            <a:schemeClr val="accent1"/>
+          </a:lnRef>
+          <a:fillRef idx="0">
+            <a:schemeClr val="accent1"/>
+          </a:fillRef>
+          <a:effectRef idx="0">
+            <a:schemeClr val="accent1"/>
+          </a:effectRef>
+          <a:fontRef idx="minor">
+            <a:schemeClr val="tx1"/>
+          </a:fontRef>
+        </p:style>
+      </p:cxnSp>
+      <p:sp>
+        <p:nvSpPr>
+          <p:cNvPr id="72" name="楕円 4">
+            <a:extLst>
+              <a:ext uri="{FF2B5EF4-FFF2-40B4-BE49-F238E27FC236}">
+                <a16:creationId xmlns:a16="http://schemas.microsoft.com/office/drawing/2014/main" id="{85285322-DE0E-4C00-A70F-FCC26A598807}"/>
+              </a:ext>
+            </a:extLst>
+          </p:cNvPr>
+          <p:cNvSpPr/>
+          <p:nvPr/>
+        </p:nvSpPr>
+        <p:spPr>
+          <a:xfrm>
+            <a:off x="7668344" y="2183160"/>
+            <a:ext cx="288032" cy="288032"/>
+          </a:xfrm>
+          <a:prstGeom prst="ellipse">
+            <a:avLst/>
+          </a:prstGeom>
+          <a:solidFill>
+            <a:srgbClr val="FF0000"/>
+          </a:solidFill>
+          <a:ln>
+            <a:solidFill>
+              <a:schemeClr val="tx1"/>
+            </a:solidFill>
+          </a:ln>
+        </p:spPr>
+        <p:style>
+          <a:lnRef idx="2">
+            <a:schemeClr val="accent1">
+              <a:shade val="50000"/>
+            </a:schemeClr>
+          </a:lnRef>
+          <a:fillRef idx="1">
+            <a:schemeClr val="accent1"/>
+          </a:fillRef>
+          <a:effectRef idx="0">
+            <a:schemeClr val="accent1"/>
+          </a:effectRef>
+          <a:fontRef idx="minor">
+            <a:schemeClr val="lt1"/>
+          </a:fontRef>
+        </p:style>
+        <p:txBody>
+          <a:bodyPr rtlCol="0" anchor="ctr"/>
+          <a:lstStyle/>
+          <a:p>
+            <a:pPr algn="ctr"/>
+            <a:endParaRPr kumimoji="1" lang="ja-JP" altLang="en-US"/>
+          </a:p>
+        </p:txBody>
+      </p:sp>
+      <p:cxnSp>
+        <p:nvCxnSpPr>
+          <p:cNvPr id="73" name="直線コネクタ 72">
+            <a:extLst>
+              <a:ext uri="{FF2B5EF4-FFF2-40B4-BE49-F238E27FC236}">
+                <a16:creationId xmlns:a16="http://schemas.microsoft.com/office/drawing/2014/main" id="{F9588CC5-E7CF-4A98-AAEF-1ED8D8435D4B}"/>
+              </a:ext>
+            </a:extLst>
+          </p:cNvPr>
+          <p:cNvCxnSpPr>
+            <a:cxnSpLocks/>
+            <a:stCxn id="74" idx="6"/>
+          </p:cNvCxnSpPr>
+          <p:nvPr/>
+        </p:nvCxnSpPr>
+        <p:spPr>
+          <a:xfrm>
+            <a:off x="7308304" y="2327176"/>
+            <a:ext cx="404758" cy="0"/>
+          </a:xfrm>
+          <a:prstGeom prst="line">
+            <a:avLst/>
+          </a:prstGeom>
+          <a:ln w="57150">
+            <a:solidFill>
+              <a:srgbClr val="FF0000"/>
+            </a:solidFill>
+            <a:headEnd type="none" w="med" len="med"/>
+            <a:tailEnd type="none" w="med" len="med"/>
+          </a:ln>
+        </p:spPr>
+        <p:style>
+          <a:lnRef idx="1">
+            <a:schemeClr val="accent1"/>
+          </a:lnRef>
+          <a:fillRef idx="0">
+            <a:schemeClr val="accent1"/>
+          </a:fillRef>
+          <a:effectRef idx="0">
+            <a:schemeClr val="accent1"/>
+          </a:effectRef>
+          <a:fontRef idx="minor">
+            <a:schemeClr val="tx1"/>
+          </a:fontRef>
+        </p:style>
+      </p:cxnSp>
+      <p:sp>
+        <p:nvSpPr>
+          <p:cNvPr id="74" name="楕円 4">
+            <a:extLst>
+              <a:ext uri="{FF2B5EF4-FFF2-40B4-BE49-F238E27FC236}">
+                <a16:creationId xmlns:a16="http://schemas.microsoft.com/office/drawing/2014/main" id="{0EA0D481-F4C2-4D7E-B540-5F727D38E895}"/>
+              </a:ext>
+            </a:extLst>
+          </p:cNvPr>
+          <p:cNvSpPr/>
+          <p:nvPr/>
+        </p:nvSpPr>
+        <p:spPr>
+          <a:xfrm>
+            <a:off x="7020272" y="2183160"/>
+            <a:ext cx="288032" cy="288032"/>
+          </a:xfrm>
+          <a:prstGeom prst="ellipse">
+            <a:avLst/>
+          </a:prstGeom>
+          <a:solidFill>
+            <a:srgbClr val="011893"/>
+          </a:solidFill>
+          <a:ln>
+            <a:solidFill>
+              <a:schemeClr val="tx1"/>
+            </a:solidFill>
+          </a:ln>
+        </p:spPr>
+        <p:style>
+          <a:lnRef idx="2">
+            <a:schemeClr val="accent1">
+              <a:shade val="50000"/>
+            </a:schemeClr>
+          </a:lnRef>
+          <a:fillRef idx="1">
+            <a:schemeClr val="accent1"/>
+          </a:fillRef>
+          <a:effectRef idx="0">
+            <a:schemeClr val="accent1"/>
+          </a:effectRef>
+          <a:fontRef idx="minor">
+            <a:schemeClr val="lt1"/>
+          </a:fontRef>
+        </p:style>
+        <p:txBody>
+          <a:bodyPr rtlCol="0" anchor="ctr"/>
+          <a:lstStyle/>
+          <a:p>
+            <a:pPr algn="ctr"/>
+            <a:endParaRPr kumimoji="1" lang="ja-JP" altLang="en-US"/>
+          </a:p>
+        </p:txBody>
+      </p:sp>
+      <p:sp>
+        <p:nvSpPr>
+          <p:cNvPr id="75" name="楕円 4">
+            <a:extLst>
+              <a:ext uri="{FF2B5EF4-FFF2-40B4-BE49-F238E27FC236}">
+                <a16:creationId xmlns:a16="http://schemas.microsoft.com/office/drawing/2014/main" id="{EFC41EDA-5E09-4AA0-85A9-B81B88C6D65F}"/>
+              </a:ext>
+            </a:extLst>
+          </p:cNvPr>
+          <p:cNvSpPr/>
+          <p:nvPr/>
+        </p:nvSpPr>
+        <p:spPr>
+          <a:xfrm>
+            <a:off x="6228184" y="5013176"/>
+            <a:ext cx="288032" cy="288032"/>
+          </a:xfrm>
+          <a:prstGeom prst="ellipse">
+            <a:avLst/>
+          </a:prstGeom>
+          <a:solidFill>
+            <a:srgbClr val="011893"/>
+          </a:solidFill>
+          <a:ln>
+            <a:solidFill>
+              <a:schemeClr val="tx1"/>
+            </a:solidFill>
+          </a:ln>
+        </p:spPr>
+        <p:style>
+          <a:lnRef idx="2">
+            <a:schemeClr val="accent1">
+              <a:shade val="50000"/>
+            </a:schemeClr>
+          </a:lnRef>
+          <a:fillRef idx="1">
+            <a:schemeClr val="accent1"/>
+          </a:fillRef>
+          <a:effectRef idx="0">
+            <a:schemeClr val="accent1"/>
+          </a:effectRef>
+          <a:fontRef idx="minor">
+            <a:schemeClr val="lt1"/>
+          </a:fontRef>
+        </p:style>
+        <p:txBody>
+          <a:bodyPr rtlCol="0" anchor="ctr"/>
+          <a:lstStyle/>
+          <a:p>
+            <a:pPr algn="ctr"/>
+            <a:endParaRPr kumimoji="1" lang="ja-JP" altLang="en-US"/>
+          </a:p>
+        </p:txBody>
+      </p:sp>
+      <p:sp>
+        <p:nvSpPr>
+          <p:cNvPr id="76" name="四角形: 1 つの角を切り取り 1 つの角を丸める 75">
+            <a:extLst>
+              <a:ext uri="{FF2B5EF4-FFF2-40B4-BE49-F238E27FC236}">
+                <a16:creationId xmlns:a16="http://schemas.microsoft.com/office/drawing/2014/main" id="{539783FD-3C0A-4714-879B-24FEDDCF2275}"/>
+              </a:ext>
+            </a:extLst>
+          </p:cNvPr>
+          <p:cNvSpPr/>
+          <p:nvPr/>
+        </p:nvSpPr>
+        <p:spPr>
+          <a:xfrm>
+            <a:off x="7164288" y="4314800"/>
+            <a:ext cx="1152128" cy="338336"/>
+          </a:xfrm>
+          <a:prstGeom prst="snipRoundRect">
+            <a:avLst>
+              <a:gd name="adj1" fmla="val 16667"/>
+              <a:gd name="adj2" fmla="val 35924"/>
+            </a:avLst>
+          </a:prstGeom>
+          <a:solidFill>
+            <a:schemeClr val="accent6">
+              <a:lumMod val="20000"/>
+              <a:lumOff val="80000"/>
+            </a:schemeClr>
+          </a:solidFill>
+          <a:ln>
+            <a:solidFill>
+              <a:schemeClr val="tx1"/>
+            </a:solidFill>
+          </a:ln>
+        </p:spPr>
+        <p:style>
+          <a:lnRef idx="2">
+            <a:schemeClr val="accent1">
+              <a:shade val="50000"/>
+            </a:schemeClr>
+          </a:lnRef>
+          <a:fillRef idx="1">
+            <a:schemeClr val="accent1"/>
+          </a:fillRef>
+          <a:effectRef idx="0">
+            <a:schemeClr val="accent1"/>
+          </a:effectRef>
+          <a:fontRef idx="minor">
+            <a:schemeClr val="lt1"/>
+          </a:fontRef>
+        </p:style>
+        <p:txBody>
+          <a:bodyPr rtlCol="0" anchor="ctr"/>
+          <a:lstStyle/>
+          <a:p>
+            <a:pPr algn="ctr"/>
+            <a:r>
+              <a:rPr kumimoji="1" lang="en-US" altLang="ja-JP">
+                <a:solidFill>
+                  <a:sysClr val="windowText" lastClr="000000"/>
+                </a:solidFill>
+                <a:latin typeface="Consolas" panose="020B0609020204030204" pitchFamily="49" charset="0"/>
+              </a:rPr>
+              <a:t>main</a:t>
+            </a:r>
+            <a:endParaRPr kumimoji="1" lang="ja-JP" altLang="en-US">
+              <a:solidFill>
+                <a:sysClr val="windowText" lastClr="000000"/>
+              </a:solidFill>
+              <a:latin typeface="Consolas" panose="020B0609020204030204" pitchFamily="49" charset="0"/>
+            </a:endParaRPr>
+          </a:p>
+        </p:txBody>
+      </p:sp>
+      <p:cxnSp>
+        <p:nvCxnSpPr>
+          <p:cNvPr id="77" name="直線矢印コネクタ 76">
+            <a:extLst>
+              <a:ext uri="{FF2B5EF4-FFF2-40B4-BE49-F238E27FC236}">
+                <a16:creationId xmlns:a16="http://schemas.microsoft.com/office/drawing/2014/main" id="{89FEB5F0-633B-4D68-80A5-E7437ABDE8D6}"/>
+              </a:ext>
+            </a:extLst>
+          </p:cNvPr>
+          <p:cNvCxnSpPr>
+            <a:cxnSpLocks/>
+            <a:stCxn id="76" idx="1"/>
+          </p:cNvCxnSpPr>
+          <p:nvPr/>
+        </p:nvCxnSpPr>
+        <p:spPr>
+          <a:xfrm>
+            <a:off x="7740352" y="4653136"/>
+            <a:ext cx="0" cy="381744"/>
+          </a:xfrm>
+          <a:prstGeom prst="straightConnector1">
+            <a:avLst/>
+          </a:prstGeom>
+          <a:ln w="12700">
+            <a:solidFill>
+              <a:schemeClr val="tx1"/>
+            </a:solidFill>
+            <a:tailEnd type="triangle"/>
+          </a:ln>
+        </p:spPr>
+        <p:style>
+          <a:lnRef idx="1">
+            <a:schemeClr val="accent1"/>
+          </a:lnRef>
+          <a:fillRef idx="0">
+            <a:schemeClr val="accent1"/>
+          </a:fillRef>
+          <a:effectRef idx="0">
+            <a:schemeClr val="accent1"/>
+          </a:effectRef>
+          <a:fontRef idx="minor">
+            <a:schemeClr val="tx1"/>
+          </a:fontRef>
+        </p:style>
+      </p:cxnSp>
+      <p:sp>
+        <p:nvSpPr>
+          <p:cNvPr id="78" name="楕円 77">
+            <a:extLst>
+              <a:ext uri="{FF2B5EF4-FFF2-40B4-BE49-F238E27FC236}">
+                <a16:creationId xmlns:a16="http://schemas.microsoft.com/office/drawing/2014/main" id="{2B374B2F-DB0D-4164-BA0E-BAA7A21492D4}"/>
+              </a:ext>
+            </a:extLst>
+          </p:cNvPr>
+          <p:cNvSpPr/>
+          <p:nvPr/>
+        </p:nvSpPr>
+        <p:spPr>
+          <a:xfrm>
+            <a:off x="5508104" y="5013176"/>
+            <a:ext cx="288032" cy="288032"/>
+          </a:xfrm>
+          <a:prstGeom prst="ellipse">
+            <a:avLst/>
+          </a:prstGeom>
+          <a:solidFill>
+            <a:srgbClr val="011893"/>
+          </a:solidFill>
+          <a:ln>
+            <a:solidFill>
+              <a:schemeClr val="tx1"/>
+            </a:solidFill>
+          </a:ln>
+        </p:spPr>
+        <p:style>
+          <a:lnRef idx="2">
+            <a:schemeClr val="accent1">
+              <a:shade val="50000"/>
+            </a:schemeClr>
+          </a:lnRef>
+          <a:fillRef idx="1">
+            <a:schemeClr val="accent1"/>
+          </a:fillRef>
+          <a:effectRef idx="0">
+            <a:schemeClr val="accent1"/>
+          </a:effectRef>
+          <a:fontRef idx="minor">
+            <a:schemeClr val="lt1"/>
+          </a:fontRef>
+        </p:style>
+        <p:txBody>
+          <a:bodyPr rtlCol="0" anchor="ctr"/>
+          <a:lstStyle/>
+          <a:p>
+            <a:pPr algn="ctr"/>
+            <a:endParaRPr kumimoji="1" lang="ja-JP" altLang="en-US"/>
+          </a:p>
+        </p:txBody>
+      </p:sp>
+      <p:cxnSp>
+        <p:nvCxnSpPr>
+          <p:cNvPr id="79" name="直線コネクタ 78">
+            <a:extLst>
+              <a:ext uri="{FF2B5EF4-FFF2-40B4-BE49-F238E27FC236}">
+                <a16:creationId xmlns:a16="http://schemas.microsoft.com/office/drawing/2014/main" id="{956449EA-6A07-4C38-8DB6-8A622A8AF769}"/>
+              </a:ext>
+            </a:extLst>
+          </p:cNvPr>
+          <p:cNvCxnSpPr>
+            <a:cxnSpLocks/>
+            <a:stCxn id="78" idx="6"/>
+          </p:cNvCxnSpPr>
+          <p:nvPr/>
+        </p:nvCxnSpPr>
+        <p:spPr>
+          <a:xfrm>
+            <a:off x="5796136" y="5157192"/>
+            <a:ext cx="432048" cy="0"/>
+          </a:xfrm>
+          <a:prstGeom prst="line">
+            <a:avLst/>
+          </a:prstGeom>
+          <a:ln w="57150">
+            <a:solidFill>
+              <a:schemeClr val="tx1"/>
+            </a:solidFill>
+            <a:headEnd type="none" w="med" len="med"/>
+            <a:tailEnd type="none" w="med" len="med"/>
+          </a:ln>
+        </p:spPr>
+        <p:style>
+          <a:lnRef idx="1">
+            <a:schemeClr val="accent1"/>
+          </a:lnRef>
+          <a:fillRef idx="0">
+            <a:schemeClr val="accent1"/>
+          </a:fillRef>
+          <a:effectRef idx="0">
+            <a:schemeClr val="accent1"/>
+          </a:effectRef>
+          <a:fontRef idx="minor">
+            <a:schemeClr val="tx1"/>
+          </a:fontRef>
+        </p:style>
+      </p:cxnSp>
+      <p:cxnSp>
+        <p:nvCxnSpPr>
+          <p:cNvPr id="80" name="直線コネクタ 79">
+            <a:extLst>
+              <a:ext uri="{FF2B5EF4-FFF2-40B4-BE49-F238E27FC236}">
+                <a16:creationId xmlns:a16="http://schemas.microsoft.com/office/drawing/2014/main" id="{F0506047-752E-4B02-A4B4-7572D4694021}"/>
+              </a:ext>
+            </a:extLst>
+          </p:cNvPr>
+          <p:cNvCxnSpPr>
+            <a:cxnSpLocks/>
+          </p:cNvCxnSpPr>
+          <p:nvPr/>
+        </p:nvCxnSpPr>
+        <p:spPr>
+          <a:xfrm>
+            <a:off x="6516216" y="5157192"/>
+            <a:ext cx="432048" cy="0"/>
+          </a:xfrm>
+          <a:prstGeom prst="line">
+            <a:avLst/>
+          </a:prstGeom>
+          <a:ln w="57150">
+            <a:solidFill>
+              <a:schemeClr val="tx1"/>
+            </a:solidFill>
+            <a:headEnd type="none" w="med" len="med"/>
+            <a:tailEnd type="none" w="med" len="med"/>
+          </a:ln>
+        </p:spPr>
+        <p:style>
+          <a:lnRef idx="1">
+            <a:schemeClr val="accent1"/>
+          </a:lnRef>
+          <a:fillRef idx="0">
+            <a:schemeClr val="accent1"/>
+          </a:fillRef>
+          <a:effectRef idx="0">
+            <a:schemeClr val="accent1"/>
+          </a:effectRef>
+          <a:fontRef idx="minor">
+            <a:schemeClr val="tx1"/>
+          </a:fontRef>
+        </p:style>
+      </p:cxnSp>
+      <p:sp>
+        <p:nvSpPr>
+          <p:cNvPr id="81" name="四角形: 角を丸くする 80">
+            <a:extLst>
+              <a:ext uri="{FF2B5EF4-FFF2-40B4-BE49-F238E27FC236}">
+                <a16:creationId xmlns:a16="http://schemas.microsoft.com/office/drawing/2014/main" id="{221202AF-F25C-454D-B817-EA01C7AB1CE2}"/>
+              </a:ext>
+            </a:extLst>
+          </p:cNvPr>
+          <p:cNvSpPr/>
+          <p:nvPr/>
+        </p:nvSpPr>
+        <p:spPr>
+          <a:xfrm>
+            <a:off x="5364088" y="4077072"/>
+            <a:ext cx="3456384" cy="2088232"/>
+          </a:xfrm>
+          <a:prstGeom prst="roundRect">
+            <a:avLst/>
+          </a:prstGeom>
+          <a:noFill/>
+          <a:ln w="28575">
+            <a:solidFill>
+              <a:schemeClr val="tx1"/>
+            </a:solidFill>
+            <a:prstDash val="dash"/>
+          </a:ln>
+        </p:spPr>
+        <p:style>
+          <a:lnRef idx="2">
+            <a:schemeClr val="accent1">
+              <a:shade val="50000"/>
+            </a:schemeClr>
+          </a:lnRef>
+          <a:fillRef idx="1">
+            <a:schemeClr val="accent1"/>
+          </a:fillRef>
+          <a:effectRef idx="0">
+            <a:schemeClr val="accent1"/>
+          </a:effectRef>
+          <a:fontRef idx="minor">
+            <a:schemeClr val="lt1"/>
+          </a:fontRef>
+        </p:style>
+        <p:txBody>
+          <a:bodyPr rtlCol="0" anchor="ctr"/>
+          <a:lstStyle/>
+          <a:p>
+            <a:pPr algn="ctr"/>
+            <a:endParaRPr kumimoji="1" lang="ja-JP" altLang="en-US"/>
+          </a:p>
+        </p:txBody>
+      </p:sp>
+      <p:sp>
+        <p:nvSpPr>
+          <p:cNvPr id="82" name="四角形: 1 つの角を切り取り 1 つの角を丸める 81">
+            <a:extLst>
+              <a:ext uri="{FF2B5EF4-FFF2-40B4-BE49-F238E27FC236}">
+                <a16:creationId xmlns:a16="http://schemas.microsoft.com/office/drawing/2014/main" id="{2997EB55-343B-459E-9528-4CC5AE99B568}"/>
+              </a:ext>
+            </a:extLst>
+          </p:cNvPr>
+          <p:cNvSpPr/>
+          <p:nvPr/>
+        </p:nvSpPr>
+        <p:spPr>
+          <a:xfrm>
+            <a:off x="6923881" y="5661248"/>
+            <a:ext cx="1656184" cy="360040"/>
+          </a:xfrm>
+          <a:prstGeom prst="snipRoundRect">
+            <a:avLst>
+              <a:gd name="adj1" fmla="val 16667"/>
+              <a:gd name="adj2" fmla="val 35924"/>
+            </a:avLst>
+          </a:prstGeom>
+          <a:solidFill>
+            <a:srgbClr val="FF99FF"/>
+          </a:solidFill>
+          <a:ln>
+            <a:solidFill>
+              <a:schemeClr val="tx1"/>
+            </a:solidFill>
+          </a:ln>
+        </p:spPr>
+        <p:style>
+          <a:lnRef idx="2">
+            <a:schemeClr val="accent1">
+              <a:shade val="50000"/>
+            </a:schemeClr>
+          </a:lnRef>
+          <a:fillRef idx="1">
+            <a:schemeClr val="accent1"/>
+          </a:fillRef>
+          <a:effectRef idx="0">
+            <a:schemeClr val="accent1"/>
+          </a:effectRef>
+          <a:fontRef idx="minor">
+            <a:schemeClr val="lt1"/>
+          </a:fontRef>
+        </p:style>
+        <p:txBody>
+          <a:bodyPr rtlCol="0" anchor="ctr"/>
+          <a:lstStyle/>
+          <a:p>
+            <a:pPr algn="ctr"/>
+            <a:r>
+              <a:rPr kumimoji="1" lang="en-US" altLang="ja-JP">
+                <a:solidFill>
+                  <a:sysClr val="windowText" lastClr="000000"/>
+                </a:solidFill>
+                <a:latin typeface="Consolas" panose="020B0609020204030204" pitchFamily="49" charset="0"/>
+              </a:rPr>
+              <a:t>origin/main</a:t>
+            </a:r>
+            <a:endParaRPr kumimoji="1" lang="ja-JP" altLang="en-US">
+              <a:solidFill>
+                <a:sysClr val="windowText" lastClr="000000"/>
+              </a:solidFill>
+              <a:latin typeface="Consolas" panose="020B0609020204030204" pitchFamily="49" charset="0"/>
+            </a:endParaRPr>
+          </a:p>
+        </p:txBody>
+      </p:sp>
+      <p:cxnSp>
+        <p:nvCxnSpPr>
+          <p:cNvPr id="83" name="直線矢印コネクタ 82">
+            <a:extLst>
+              <a:ext uri="{FF2B5EF4-FFF2-40B4-BE49-F238E27FC236}">
+                <a16:creationId xmlns:a16="http://schemas.microsoft.com/office/drawing/2014/main" id="{F4320BFC-05E1-4CAF-BF8C-55BA7AD43189}"/>
+              </a:ext>
+            </a:extLst>
+          </p:cNvPr>
+          <p:cNvCxnSpPr>
+            <a:cxnSpLocks/>
+            <a:stCxn id="82" idx="3"/>
+          </p:cNvCxnSpPr>
+          <p:nvPr/>
+        </p:nvCxnSpPr>
+        <p:spPr>
+          <a:xfrm flipV="1">
+            <a:off x="7751973" y="5301208"/>
+            <a:ext cx="2096" cy="360040"/>
+          </a:xfrm>
+          <a:prstGeom prst="straightConnector1">
+            <a:avLst/>
+          </a:prstGeom>
+          <a:ln w="12700">
+            <a:solidFill>
+              <a:schemeClr val="tx1"/>
+            </a:solidFill>
+            <a:tailEnd type="triangle"/>
+          </a:ln>
+        </p:spPr>
+        <p:style>
+          <a:lnRef idx="1">
+            <a:schemeClr val="accent1"/>
+          </a:lnRef>
+          <a:fillRef idx="0">
+            <a:schemeClr val="accent1"/>
+          </a:fillRef>
+          <a:effectRef idx="0">
+            <a:schemeClr val="accent1"/>
+          </a:effectRef>
+          <a:fontRef idx="minor">
+            <a:schemeClr val="tx1"/>
+          </a:fontRef>
+        </p:style>
+      </p:cxnSp>
+      <p:sp>
+        <p:nvSpPr>
+          <p:cNvPr id="84" name="楕円 4">
+            <a:extLst>
+              <a:ext uri="{FF2B5EF4-FFF2-40B4-BE49-F238E27FC236}">
+                <a16:creationId xmlns:a16="http://schemas.microsoft.com/office/drawing/2014/main" id="{9EF0ADEA-CB87-4C13-8C61-9ABF6494214C}"/>
+              </a:ext>
+            </a:extLst>
+          </p:cNvPr>
+          <p:cNvSpPr/>
+          <p:nvPr/>
+        </p:nvSpPr>
+        <p:spPr>
+          <a:xfrm>
+            <a:off x="7596336" y="5013176"/>
+            <a:ext cx="288032" cy="288032"/>
+          </a:xfrm>
+          <a:prstGeom prst="ellipse">
+            <a:avLst/>
+          </a:prstGeom>
+          <a:solidFill>
+            <a:srgbClr val="FF0000"/>
+          </a:solidFill>
+          <a:ln>
+            <a:solidFill>
+              <a:schemeClr val="tx1"/>
+            </a:solidFill>
+          </a:ln>
+        </p:spPr>
+        <p:style>
+          <a:lnRef idx="2">
+            <a:schemeClr val="accent1">
+              <a:shade val="50000"/>
+            </a:schemeClr>
+          </a:lnRef>
+          <a:fillRef idx="1">
+            <a:schemeClr val="accent1"/>
+          </a:fillRef>
+          <a:effectRef idx="0">
+            <a:schemeClr val="accent1"/>
+          </a:effectRef>
+          <a:fontRef idx="minor">
+            <a:schemeClr val="lt1"/>
+          </a:fontRef>
+        </p:style>
+        <p:txBody>
+          <a:bodyPr rtlCol="0" anchor="ctr"/>
+          <a:lstStyle/>
+          <a:p>
+            <a:pPr algn="ctr"/>
+            <a:endParaRPr kumimoji="1" lang="ja-JP" altLang="en-US"/>
+          </a:p>
+        </p:txBody>
+      </p:sp>
+      <p:cxnSp>
+        <p:nvCxnSpPr>
+          <p:cNvPr id="85" name="直線コネクタ 84">
+            <a:extLst>
+              <a:ext uri="{FF2B5EF4-FFF2-40B4-BE49-F238E27FC236}">
+                <a16:creationId xmlns:a16="http://schemas.microsoft.com/office/drawing/2014/main" id="{D27A12D0-F76C-473F-8AD1-EDE61610CE11}"/>
+              </a:ext>
+            </a:extLst>
+          </p:cNvPr>
+          <p:cNvCxnSpPr>
+            <a:cxnSpLocks/>
+            <a:stCxn id="86" idx="6"/>
+          </p:cNvCxnSpPr>
+          <p:nvPr/>
+        </p:nvCxnSpPr>
+        <p:spPr>
+          <a:xfrm>
+            <a:off x="7236296" y="5157192"/>
+            <a:ext cx="404758" cy="0"/>
+          </a:xfrm>
+          <a:prstGeom prst="line">
+            <a:avLst/>
+          </a:prstGeom>
+          <a:ln w="57150">
+            <a:solidFill>
+              <a:srgbClr val="FF0000"/>
+            </a:solidFill>
+            <a:headEnd type="none" w="med" len="med"/>
+            <a:tailEnd type="none" w="med" len="med"/>
+          </a:ln>
+        </p:spPr>
+        <p:style>
+          <a:lnRef idx="1">
+            <a:schemeClr val="accent1"/>
+          </a:lnRef>
+          <a:fillRef idx="0">
+            <a:schemeClr val="accent1"/>
+          </a:fillRef>
+          <a:effectRef idx="0">
+            <a:schemeClr val="accent1"/>
+          </a:effectRef>
+          <a:fontRef idx="minor">
+            <a:schemeClr val="tx1"/>
+          </a:fontRef>
+        </p:style>
+      </p:cxnSp>
+      <p:sp>
+        <p:nvSpPr>
+          <p:cNvPr id="86" name="楕円 4">
+            <a:extLst>
+              <a:ext uri="{FF2B5EF4-FFF2-40B4-BE49-F238E27FC236}">
+                <a16:creationId xmlns:a16="http://schemas.microsoft.com/office/drawing/2014/main" id="{7326DBB5-5C29-4A94-A070-934B6A1DDEEA}"/>
+              </a:ext>
+            </a:extLst>
+          </p:cNvPr>
+          <p:cNvSpPr/>
+          <p:nvPr/>
+        </p:nvSpPr>
+        <p:spPr>
+          <a:xfrm>
+            <a:off x="6948264" y="5013176"/>
+            <a:ext cx="288032" cy="288032"/>
+          </a:xfrm>
+          <a:prstGeom prst="ellipse">
+            <a:avLst/>
+          </a:prstGeom>
+          <a:solidFill>
+            <a:srgbClr val="011893"/>
+          </a:solidFill>
+          <a:ln>
+            <a:solidFill>
+              <a:schemeClr val="tx1"/>
+            </a:solidFill>
+          </a:ln>
+        </p:spPr>
+        <p:style>
+          <a:lnRef idx="2">
+            <a:schemeClr val="accent1">
+              <a:shade val="50000"/>
+            </a:schemeClr>
+          </a:lnRef>
+          <a:fillRef idx="1">
+            <a:schemeClr val="accent1"/>
+          </a:fillRef>
+          <a:effectRef idx="0">
+            <a:schemeClr val="accent1"/>
+          </a:effectRef>
+          <a:fontRef idx="minor">
+            <a:schemeClr val="lt1"/>
+          </a:fontRef>
+        </p:style>
+        <p:txBody>
+          <a:bodyPr rtlCol="0" anchor="ctr"/>
+          <a:lstStyle/>
+          <a:p>
+            <a:pPr algn="ctr"/>
+            <a:endParaRPr kumimoji="1" lang="ja-JP" altLang="en-US"/>
+          </a:p>
+        </p:txBody>
+      </p:sp>
+      <p:sp>
+        <p:nvSpPr>
+          <p:cNvPr id="87" name="右矢印 43">
+            <a:extLst>
+              <a:ext uri="{FF2B5EF4-FFF2-40B4-BE49-F238E27FC236}">
+                <a16:creationId xmlns:a16="http://schemas.microsoft.com/office/drawing/2014/main" id="{FAC0A50E-B934-4AB1-B0FD-1EF765F41490}"/>
+              </a:ext>
+            </a:extLst>
+          </p:cNvPr>
+          <p:cNvSpPr/>
+          <p:nvPr/>
+        </p:nvSpPr>
+        <p:spPr>
+          <a:xfrm>
+            <a:off x="4572000" y="1700808"/>
+            <a:ext cx="566352" cy="566352"/>
+          </a:xfrm>
+          <a:prstGeom prst="rightArrow">
+            <a:avLst/>
+          </a:prstGeom>
+          <a:solidFill>
+            <a:srgbClr val="FF0000"/>
+          </a:solidFill>
+          <a:ln>
+            <a:solidFill>
+              <a:schemeClr val="tx1"/>
+            </a:solidFill>
+          </a:ln>
+        </p:spPr>
+        <p:style>
+          <a:lnRef idx="2">
+            <a:schemeClr val="accent1">
+              <a:shade val="50000"/>
+            </a:schemeClr>
+          </a:lnRef>
+          <a:fillRef idx="1">
+            <a:schemeClr val="accent1"/>
+          </a:fillRef>
+          <a:effectRef idx="0">
+            <a:schemeClr val="accent1"/>
+          </a:effectRef>
+          <a:fontRef idx="minor">
+            <a:schemeClr val="lt1"/>
+          </a:fontRef>
+        </p:style>
+        <p:txBody>
+          <a:bodyPr rtlCol="0" anchor="ctr"/>
+          <a:lstStyle/>
+          <a:p>
+            <a:pPr algn="ctr"/>
+            <a:endParaRPr kumimoji="1" lang="ja-JP" altLang="en-US"/>
+          </a:p>
+        </p:txBody>
+      </p:sp>
+      <p:sp>
+        <p:nvSpPr>
+          <p:cNvPr id="88" name="右矢印 43">
+            <a:extLst>
+              <a:ext uri="{FF2B5EF4-FFF2-40B4-BE49-F238E27FC236}">
+                <a16:creationId xmlns:a16="http://schemas.microsoft.com/office/drawing/2014/main" id="{6CE09BF5-785E-460C-80B1-F610318D78B4}"/>
+              </a:ext>
+            </a:extLst>
+          </p:cNvPr>
+          <p:cNvSpPr/>
+          <p:nvPr/>
+        </p:nvSpPr>
+        <p:spPr>
+          <a:xfrm>
+            <a:off x="4644008" y="4797152"/>
+            <a:ext cx="566352" cy="566352"/>
+          </a:xfrm>
+          <a:prstGeom prst="rightArrow">
+            <a:avLst/>
+          </a:prstGeom>
+          <a:solidFill>
+            <a:srgbClr val="FF0000"/>
+          </a:solidFill>
+          <a:ln>
+            <a:solidFill>
+              <a:schemeClr val="tx1"/>
+            </a:solidFill>
+          </a:ln>
+        </p:spPr>
+        <p:style>
+          <a:lnRef idx="2">
+            <a:schemeClr val="accent1">
+              <a:shade val="50000"/>
+            </a:schemeClr>
+          </a:lnRef>
+          <a:fillRef idx="1">
+            <a:schemeClr val="accent1"/>
+          </a:fillRef>
+          <a:effectRef idx="0">
+            <a:schemeClr val="accent1"/>
+          </a:effectRef>
+          <a:fontRef idx="minor">
+            <a:schemeClr val="lt1"/>
+          </a:fontRef>
+        </p:style>
+        <p:txBody>
+          <a:bodyPr rtlCol="0" anchor="ctr"/>
+          <a:lstStyle/>
+          <a:p>
+            <a:pPr algn="ctr"/>
+            <a:endParaRPr kumimoji="1" lang="ja-JP" altLang="en-US"/>
+          </a:p>
+        </p:txBody>
+      </p:sp>
+      <p:sp>
+        <p:nvSpPr>
+          <p:cNvPr id="89" name="楕円 4">
+            <a:extLst>
+              <a:ext uri="{FF2B5EF4-FFF2-40B4-BE49-F238E27FC236}">
+                <a16:creationId xmlns:a16="http://schemas.microsoft.com/office/drawing/2014/main" id="{D81708D4-6AD4-47C2-825E-81656D6AF986}"/>
+              </a:ext>
+            </a:extLst>
+          </p:cNvPr>
+          <p:cNvSpPr/>
+          <p:nvPr/>
+        </p:nvSpPr>
+        <p:spPr>
+          <a:xfrm>
+            <a:off x="6084168" y="3140968"/>
+            <a:ext cx="288032" cy="288032"/>
+          </a:xfrm>
+          <a:prstGeom prst="ellipse">
+            <a:avLst/>
+          </a:prstGeom>
+          <a:solidFill>
+            <a:srgbClr val="FF0000"/>
+          </a:solidFill>
+          <a:ln>
+            <a:solidFill>
+              <a:schemeClr val="tx1"/>
+            </a:solidFill>
+          </a:ln>
+        </p:spPr>
+        <p:style>
+          <a:lnRef idx="2">
+            <a:schemeClr val="accent1">
+              <a:shade val="50000"/>
+            </a:schemeClr>
+          </a:lnRef>
+          <a:fillRef idx="1">
+            <a:schemeClr val="accent1"/>
+          </a:fillRef>
+          <a:effectRef idx="0">
+            <a:schemeClr val="accent1"/>
+          </a:effectRef>
+          <a:fontRef idx="minor">
+            <a:schemeClr val="lt1"/>
+          </a:fontRef>
+        </p:style>
+        <p:txBody>
+          <a:bodyPr rtlCol="0" anchor="ctr"/>
+          <a:lstStyle/>
+          <a:p>
+            <a:pPr algn="ctr"/>
+            <a:endParaRPr kumimoji="1" lang="ja-JP" altLang="en-US"/>
+          </a:p>
+        </p:txBody>
+      </p:sp>
+      <p:cxnSp>
+        <p:nvCxnSpPr>
+          <p:cNvPr id="90" name="直線コネクタ 89">
+            <a:extLst>
+              <a:ext uri="{FF2B5EF4-FFF2-40B4-BE49-F238E27FC236}">
+                <a16:creationId xmlns:a16="http://schemas.microsoft.com/office/drawing/2014/main" id="{CE12AA6B-65B0-4FDE-89EF-B15AAB6850E2}"/>
+              </a:ext>
+            </a:extLst>
+          </p:cNvPr>
+          <p:cNvCxnSpPr>
+            <a:cxnSpLocks/>
+          </p:cNvCxnSpPr>
+          <p:nvPr/>
+        </p:nvCxnSpPr>
+        <p:spPr>
+          <a:xfrm>
+            <a:off x="5679410" y="3284984"/>
+            <a:ext cx="404758" cy="0"/>
+          </a:xfrm>
+          <a:prstGeom prst="line">
+            <a:avLst/>
+          </a:prstGeom>
+          <a:ln w="57150">
+            <a:solidFill>
+              <a:srgbClr val="FF0000"/>
+            </a:solidFill>
+            <a:headEnd type="none" w="med" len="med"/>
+            <a:tailEnd type="none" w="med" len="med"/>
+          </a:ln>
+        </p:spPr>
+        <p:style>
+          <a:lnRef idx="1">
+            <a:schemeClr val="accent1"/>
+          </a:lnRef>
+          <a:fillRef idx="0">
+            <a:schemeClr val="accent1"/>
+          </a:fillRef>
+          <a:effectRef idx="0">
+            <a:schemeClr val="accent1"/>
+          </a:effectRef>
+          <a:fontRef idx="minor">
+            <a:schemeClr val="tx1"/>
+          </a:fontRef>
+        </p:style>
+      </p:cxnSp>
+      <p:sp>
+        <p:nvSpPr>
+          <p:cNvPr id="91" name="四角形: 角を丸くする 90">
+            <a:extLst>
+              <a:ext uri="{FF2B5EF4-FFF2-40B4-BE49-F238E27FC236}">
+                <a16:creationId xmlns:a16="http://schemas.microsoft.com/office/drawing/2014/main" id="{07BB9B84-B12B-42A2-9717-4690CB48F27A}"/>
+              </a:ext>
+            </a:extLst>
+          </p:cNvPr>
+          <p:cNvSpPr/>
+          <p:nvPr/>
+        </p:nvSpPr>
+        <p:spPr>
+          <a:xfrm>
+            <a:off x="5292080" y="2924944"/>
+            <a:ext cx="1224136" cy="648072"/>
+          </a:xfrm>
+          <a:prstGeom prst="roundRect">
+            <a:avLst/>
+          </a:prstGeom>
+          <a:noFill/>
+          <a:ln w="28575">
+            <a:solidFill>
+              <a:schemeClr val="tx1"/>
+            </a:solidFill>
+            <a:prstDash val="dash"/>
+          </a:ln>
+        </p:spPr>
+        <p:style>
+          <a:lnRef idx="2">
+            <a:schemeClr val="accent1">
+              <a:shade val="50000"/>
+            </a:schemeClr>
+          </a:lnRef>
+          <a:fillRef idx="1">
+            <a:schemeClr val="accent1"/>
+          </a:fillRef>
+          <a:effectRef idx="0">
+            <a:schemeClr val="accent1"/>
+          </a:effectRef>
+          <a:fontRef idx="minor">
+            <a:schemeClr val="lt1"/>
+          </a:fontRef>
+        </p:style>
+        <p:txBody>
+          <a:bodyPr rtlCol="0" anchor="ctr"/>
+          <a:lstStyle/>
+          <a:p>
+            <a:pPr algn="ctr"/>
+            <a:endParaRPr kumimoji="1" lang="ja-JP" altLang="en-US"/>
+          </a:p>
+        </p:txBody>
+      </p:sp>
+      <p:sp>
+        <p:nvSpPr>
+          <p:cNvPr id="92" name="テキスト ボックス 91">
+            <a:extLst>
+              <a:ext uri="{FF2B5EF4-FFF2-40B4-BE49-F238E27FC236}">
+                <a16:creationId xmlns:a16="http://schemas.microsoft.com/office/drawing/2014/main" id="{7D2FCEC7-0070-46AB-B540-33A2EF001820}"/>
+              </a:ext>
+            </a:extLst>
+          </p:cNvPr>
+          <p:cNvSpPr txBox="1"/>
+          <p:nvPr/>
+        </p:nvSpPr>
+        <p:spPr>
+          <a:xfrm>
+            <a:off x="5292080" y="2996952"/>
+            <a:ext cx="425116" cy="584775"/>
+          </a:xfrm>
+          <a:prstGeom prst="rect">
+            <a:avLst/>
+          </a:prstGeom>
+          <a:noFill/>
+        </p:spPr>
+        <p:txBody>
+          <a:bodyPr wrap="none" rtlCol="0">
+            <a:spAutoFit/>
+          </a:bodyPr>
+          <a:lstStyle/>
+          <a:p>
+            <a:pPr algn="ctr"/>
+            <a:r>
+              <a:rPr lang="en-US" altLang="ja-JP" sz="3200"/>
+              <a:t>+</a:t>
+            </a:r>
+            <a:endParaRPr kumimoji="1" lang="en-US" altLang="ja-JP" sz="3200" dirty="0"/>
+          </a:p>
+        </p:txBody>
+      </p:sp>
+    </p:spTree>
+    <p:extLst>
+      <p:ext uri="{BB962C8B-B14F-4D97-AF65-F5344CB8AC3E}">
+        <p14:creationId xmlns:p14="http://schemas.microsoft.com/office/powerpoint/2010/main" val="897920678"/>
+      </p:ext>
+    </p:extLst>
+  </p:cSld>
+  <p:clrMapOvr>
+    <a:masterClrMapping/>
+  </p:clrMapOvr>
+</p:sld>
+</file>
+
 <file path=ppt/slides/slide2.xml><?xml version="1.0" encoding="utf-8"?>
 <p:sld xmlns:a="http://schemas.openxmlformats.org/drawingml/2006/main" xmlns:r="http://schemas.openxmlformats.org/officeDocument/2006/relationships" xmlns:p="http://schemas.openxmlformats.org/presentationml/2006/main">
   <p:cSld>
@@ -15913,8 +20970,8 @@
         </p:nvSpPr>
         <p:spPr>
           <a:xfrm>
-            <a:off x="2511058" y="764704"/>
-            <a:ext cx="2262158" cy="369332"/>
+            <a:off x="1879728" y="764704"/>
+            <a:ext cx="2980304" cy="369332"/>
           </a:xfrm>
           <a:prstGeom prst="rect">
             <a:avLst/>
@@ -15929,8 +20986,12 @@
           <a:p>
             <a:pPr algn="ctr"/>
             <a:r>
-              <a:rPr lang="ja-JP" altLang="en-US" dirty="0"/>
+              <a:rPr lang="ja-JP" altLang="en-US"/>
               <a:t>リモートリポジトリ</a:t>
+            </a:r>
+            <a:r>
+              <a:rPr lang="en-US" altLang="ja-JP"/>
+              <a:t>(origin)</a:t>
             </a:r>
             <a:endParaRPr kumimoji="1" lang="en-US" altLang="ja-JP" dirty="0"/>
           </a:p>
@@ -16574,7 +21635,7 @@
         </p:nvSpPr>
         <p:spPr>
           <a:xfrm>
-            <a:off x="2511058" y="3717032"/>
+            <a:off x="2021810" y="3717032"/>
             <a:ext cx="2262158" cy="369332"/>
           </a:xfrm>
           <a:prstGeom prst="rect">
@@ -16653,8 +21714,8 @@
         </p:nvSpPr>
         <p:spPr>
           <a:xfrm>
-            <a:off x="4109750" y="5013176"/>
-            <a:ext cx="1569660" cy="369332"/>
+            <a:off x="4139952" y="4869160"/>
+            <a:ext cx="1300356" cy="646331"/>
           </a:xfrm>
           <a:prstGeom prst="rect">
             <a:avLst/>
@@ -16674,11 +21735,19 @@
           </a:bodyPr>
           <a:lstStyle/>
           <a:p>
+            <a:pPr algn="ctr"/>
             <a:r>
               <a:rPr lang="ja-JP" altLang="en-US"/>
-              <a:t>上流ブランチ</a:t>
+              <a:t>上流</a:t>
             </a:r>
-            <a:endParaRPr lang="en-US"/>
+            <a:endParaRPr lang="en-US" altLang="ja-JP"/>
+          </a:p>
+          <a:p>
+            <a:pPr algn="ctr"/>
+            <a:r>
+              <a:rPr lang="en-US"/>
+              <a:t>(upstream)</a:t>
+            </a:r>
           </a:p>
         </p:txBody>
       </p:sp>
@@ -16743,8 +21812,8 @@
         </p:nvSpPr>
         <p:spPr>
           <a:xfrm>
-            <a:off x="4743306" y="3068960"/>
-            <a:ext cx="2492990" cy="369332"/>
+            <a:off x="5078715" y="3068960"/>
+            <a:ext cx="1941557" cy="646331"/>
           </a:xfrm>
           <a:prstGeom prst="rect">
             <a:avLst/>
@@ -16764,11 +21833,19 @@
           </a:bodyPr>
           <a:lstStyle/>
           <a:p>
+            <a:pPr algn="ctr"/>
             <a:r>
               <a:rPr lang="ja-JP" altLang="en-US"/>
-              <a:t>リモート追跡ブランチ</a:t>
+              <a:t>リモート追跡</a:t>
             </a:r>
-            <a:endParaRPr lang="en-US"/>
+            <a:endParaRPr lang="en-US" altLang="ja-JP"/>
+          </a:p>
+          <a:p>
+            <a:pPr algn="ctr"/>
+            <a:r>
+              <a:rPr lang="en-US"/>
+              <a:t>(remote-tracking)</a:t>
+            </a:r>
           </a:p>
         </p:txBody>
       </p:sp>

--- a/remote/fig/fig.pptx
+++ b/remote/fig/fig.pptx
@@ -5516,7 +5516,7 @@
                 <a:effectLst/>
                 <a:latin typeface="Consolas" panose="020B0609020204030204" pitchFamily="49" charset="0"/>
               </a:rPr>
-              <a:t>$ git fetch</a:t>
+              <a:t>$ git push</a:t>
             </a:r>
           </a:p>
         </p:txBody>

--- a/remote/fig/fig.pptx
+++ b/remote/fig/fig.pptx
@@ -16,6 +16,8 @@
     <p:sldId id="276" r:id="rId10"/>
     <p:sldId id="277" r:id="rId11"/>
     <p:sldId id="278" r:id="rId12"/>
+    <p:sldId id="279" r:id="rId13"/>
+    <p:sldId id="280" r:id="rId14"/>
   </p:sldIdLst>
   <p:sldSz cx="9144000" cy="6858000" type="screen4x3"/>
   <p:notesSz cx="6858000" cy="9144000"/>
@@ -7051,6 +7053,4169 @@
 </p:sld>
 </file>
 
+<file path=ppt/slides/slide12.xml><?xml version="1.0" encoding="utf-8"?>
+<p:sld xmlns:a="http://schemas.openxmlformats.org/drawingml/2006/main" xmlns:r="http://schemas.openxmlformats.org/officeDocument/2006/relationships" xmlns:p="http://schemas.openxmlformats.org/presentationml/2006/main">
+  <p:cSld>
+    <p:spTree>
+      <p:nvGrpSpPr>
+        <p:cNvPr id="1" name=""/>
+        <p:cNvGrpSpPr/>
+        <p:nvPr/>
+      </p:nvGrpSpPr>
+      <p:grpSpPr>
+        <a:xfrm>
+          <a:off x="0" y="0"/>
+          <a:ext cx="0" cy="0"/>
+          <a:chOff x="0" y="0"/>
+          <a:chExt cx="0" cy="0"/>
+        </a:xfrm>
+      </p:grpSpPr>
+      <p:sp>
+        <p:nvSpPr>
+          <p:cNvPr id="2" name="楕円 4">
+            <a:extLst>
+              <a:ext uri="{FF2B5EF4-FFF2-40B4-BE49-F238E27FC236}">
+                <a16:creationId xmlns:a16="http://schemas.microsoft.com/office/drawing/2014/main" id="{A7B07BBA-47AE-4715-80E8-267353CD75AB}"/>
+              </a:ext>
+            </a:extLst>
+          </p:cNvPr>
+          <p:cNvSpPr/>
+          <p:nvPr/>
+        </p:nvSpPr>
+        <p:spPr>
+          <a:xfrm>
+            <a:off x="1979712" y="1844824"/>
+            <a:ext cx="288032" cy="288032"/>
+          </a:xfrm>
+          <a:prstGeom prst="ellipse">
+            <a:avLst/>
+          </a:prstGeom>
+          <a:solidFill>
+            <a:srgbClr val="011893"/>
+          </a:solidFill>
+          <a:ln>
+            <a:solidFill>
+              <a:schemeClr val="tx1"/>
+            </a:solidFill>
+          </a:ln>
+        </p:spPr>
+        <p:style>
+          <a:lnRef idx="2">
+            <a:schemeClr val="accent1">
+              <a:shade val="50000"/>
+            </a:schemeClr>
+          </a:lnRef>
+          <a:fillRef idx="1">
+            <a:schemeClr val="accent1"/>
+          </a:fillRef>
+          <a:effectRef idx="0">
+            <a:schemeClr val="accent1"/>
+          </a:effectRef>
+          <a:fontRef idx="minor">
+            <a:schemeClr val="lt1"/>
+          </a:fontRef>
+        </p:style>
+        <p:txBody>
+          <a:bodyPr rtlCol="0" anchor="ctr"/>
+          <a:lstStyle/>
+          <a:p>
+            <a:pPr algn="ctr"/>
+            <a:endParaRPr kumimoji="1" lang="ja-JP" altLang="en-US"/>
+          </a:p>
+        </p:txBody>
+      </p:sp>
+      <p:sp>
+        <p:nvSpPr>
+          <p:cNvPr id="3" name="楕円 2">
+            <a:extLst>
+              <a:ext uri="{FF2B5EF4-FFF2-40B4-BE49-F238E27FC236}">
+                <a16:creationId xmlns:a16="http://schemas.microsoft.com/office/drawing/2014/main" id="{B2E59633-DE51-4BA6-9000-8671F8BA7608}"/>
+              </a:ext>
+            </a:extLst>
+          </p:cNvPr>
+          <p:cNvSpPr/>
+          <p:nvPr/>
+        </p:nvSpPr>
+        <p:spPr>
+          <a:xfrm>
+            <a:off x="1259632" y="1844824"/>
+            <a:ext cx="288032" cy="288032"/>
+          </a:xfrm>
+          <a:prstGeom prst="ellipse">
+            <a:avLst/>
+          </a:prstGeom>
+          <a:solidFill>
+            <a:srgbClr val="011893"/>
+          </a:solidFill>
+          <a:ln>
+            <a:solidFill>
+              <a:schemeClr val="tx1"/>
+            </a:solidFill>
+          </a:ln>
+        </p:spPr>
+        <p:style>
+          <a:lnRef idx="2">
+            <a:schemeClr val="accent1">
+              <a:shade val="50000"/>
+            </a:schemeClr>
+          </a:lnRef>
+          <a:fillRef idx="1">
+            <a:schemeClr val="accent1"/>
+          </a:fillRef>
+          <a:effectRef idx="0">
+            <a:schemeClr val="accent1"/>
+          </a:effectRef>
+          <a:fontRef idx="minor">
+            <a:schemeClr val="lt1"/>
+          </a:fontRef>
+        </p:style>
+        <p:txBody>
+          <a:bodyPr rtlCol="0" anchor="ctr"/>
+          <a:lstStyle/>
+          <a:p>
+            <a:pPr algn="ctr"/>
+            <a:endParaRPr kumimoji="1" lang="ja-JP" altLang="en-US"/>
+          </a:p>
+        </p:txBody>
+      </p:sp>
+      <p:cxnSp>
+        <p:nvCxnSpPr>
+          <p:cNvPr id="4" name="直線コネクタ 3">
+            <a:extLst>
+              <a:ext uri="{FF2B5EF4-FFF2-40B4-BE49-F238E27FC236}">
+                <a16:creationId xmlns:a16="http://schemas.microsoft.com/office/drawing/2014/main" id="{F53E949C-28C0-4170-913B-59836D6579DD}"/>
+              </a:ext>
+            </a:extLst>
+          </p:cNvPr>
+          <p:cNvCxnSpPr>
+            <a:cxnSpLocks/>
+            <a:stCxn id="3" idx="6"/>
+            <a:endCxn id="2" idx="2"/>
+          </p:cNvCxnSpPr>
+          <p:nvPr/>
+        </p:nvCxnSpPr>
+        <p:spPr>
+          <a:xfrm>
+            <a:off x="1547664" y="1988840"/>
+            <a:ext cx="432048" cy="0"/>
+          </a:xfrm>
+          <a:prstGeom prst="line">
+            <a:avLst/>
+          </a:prstGeom>
+          <a:ln w="57150">
+            <a:solidFill>
+              <a:schemeClr val="tx1"/>
+            </a:solidFill>
+            <a:headEnd type="none" w="med" len="med"/>
+            <a:tailEnd type="none" w="med" len="med"/>
+          </a:ln>
+        </p:spPr>
+        <p:style>
+          <a:lnRef idx="1">
+            <a:schemeClr val="accent1"/>
+          </a:lnRef>
+          <a:fillRef idx="0">
+            <a:schemeClr val="accent1"/>
+          </a:fillRef>
+          <a:effectRef idx="0">
+            <a:schemeClr val="accent1"/>
+          </a:effectRef>
+          <a:fontRef idx="minor">
+            <a:schemeClr val="tx1"/>
+          </a:fontRef>
+        </p:style>
+      </p:cxnSp>
+      <p:cxnSp>
+        <p:nvCxnSpPr>
+          <p:cNvPr id="5" name="直線コネクタ 4">
+            <a:extLst>
+              <a:ext uri="{FF2B5EF4-FFF2-40B4-BE49-F238E27FC236}">
+                <a16:creationId xmlns:a16="http://schemas.microsoft.com/office/drawing/2014/main" id="{A506EF99-059F-4BF8-B553-9FFEA6AF287A}"/>
+              </a:ext>
+            </a:extLst>
+          </p:cNvPr>
+          <p:cNvCxnSpPr>
+            <a:cxnSpLocks/>
+            <a:stCxn id="2" idx="6"/>
+            <a:endCxn id="6" idx="2"/>
+          </p:cNvCxnSpPr>
+          <p:nvPr/>
+        </p:nvCxnSpPr>
+        <p:spPr>
+          <a:xfrm>
+            <a:off x="2267744" y="1988840"/>
+            <a:ext cx="432048" cy="0"/>
+          </a:xfrm>
+          <a:prstGeom prst="line">
+            <a:avLst/>
+          </a:prstGeom>
+          <a:ln w="57150">
+            <a:solidFill>
+              <a:schemeClr val="tx1"/>
+            </a:solidFill>
+            <a:headEnd type="none" w="med" len="med"/>
+            <a:tailEnd type="none" w="med" len="med"/>
+          </a:ln>
+        </p:spPr>
+        <p:style>
+          <a:lnRef idx="1">
+            <a:schemeClr val="accent1"/>
+          </a:lnRef>
+          <a:fillRef idx="0">
+            <a:schemeClr val="accent1"/>
+          </a:fillRef>
+          <a:effectRef idx="0">
+            <a:schemeClr val="accent1"/>
+          </a:effectRef>
+          <a:fontRef idx="minor">
+            <a:schemeClr val="tx1"/>
+          </a:fontRef>
+        </p:style>
+      </p:cxnSp>
+      <p:sp>
+        <p:nvSpPr>
+          <p:cNvPr id="6" name="楕円 4">
+            <a:extLst>
+              <a:ext uri="{FF2B5EF4-FFF2-40B4-BE49-F238E27FC236}">
+                <a16:creationId xmlns:a16="http://schemas.microsoft.com/office/drawing/2014/main" id="{509CD68F-9016-4E5F-910A-1E03D55C7742}"/>
+              </a:ext>
+            </a:extLst>
+          </p:cNvPr>
+          <p:cNvSpPr/>
+          <p:nvPr/>
+        </p:nvSpPr>
+        <p:spPr>
+          <a:xfrm>
+            <a:off x="2699792" y="1844824"/>
+            <a:ext cx="288032" cy="288032"/>
+          </a:xfrm>
+          <a:prstGeom prst="ellipse">
+            <a:avLst/>
+          </a:prstGeom>
+          <a:solidFill>
+            <a:srgbClr val="011893"/>
+          </a:solidFill>
+          <a:ln>
+            <a:solidFill>
+              <a:schemeClr val="tx1"/>
+            </a:solidFill>
+          </a:ln>
+        </p:spPr>
+        <p:style>
+          <a:lnRef idx="2">
+            <a:schemeClr val="accent1">
+              <a:shade val="50000"/>
+            </a:schemeClr>
+          </a:lnRef>
+          <a:fillRef idx="1">
+            <a:schemeClr val="accent1"/>
+          </a:fillRef>
+          <a:effectRef idx="0">
+            <a:schemeClr val="accent1"/>
+          </a:effectRef>
+          <a:fontRef idx="minor">
+            <a:schemeClr val="lt1"/>
+          </a:fontRef>
+        </p:style>
+        <p:txBody>
+          <a:bodyPr rtlCol="0" anchor="ctr"/>
+          <a:lstStyle/>
+          <a:p>
+            <a:pPr algn="ctr"/>
+            <a:endParaRPr kumimoji="1" lang="ja-JP" altLang="en-US"/>
+          </a:p>
+        </p:txBody>
+      </p:sp>
+      <p:sp>
+        <p:nvSpPr>
+          <p:cNvPr id="11" name="テキスト ボックス 10">
+            <a:extLst>
+              <a:ext uri="{FF2B5EF4-FFF2-40B4-BE49-F238E27FC236}">
+                <a16:creationId xmlns:a16="http://schemas.microsoft.com/office/drawing/2014/main" id="{8BE9F5B6-93E2-4D49-95A2-0EF518F08C7A}"/>
+              </a:ext>
+            </a:extLst>
+          </p:cNvPr>
+          <p:cNvSpPr txBox="1"/>
+          <p:nvPr/>
+        </p:nvSpPr>
+        <p:spPr>
+          <a:xfrm>
+            <a:off x="827584" y="2204864"/>
+            <a:ext cx="1080120" cy="369332"/>
+          </a:xfrm>
+          <a:prstGeom prst="rect">
+            <a:avLst/>
+          </a:prstGeom>
+          <a:noFill/>
+        </p:spPr>
+        <p:txBody>
+          <a:bodyPr wrap="square">
+            <a:spAutoFit/>
+          </a:bodyPr>
+          <a:lstStyle/>
+          <a:p>
+            <a:pPr algn="ctr"/>
+            <a:r>
+              <a:rPr lang="en-US">
+                <a:latin typeface="Consolas" panose="020B0609020204030204" pitchFamily="49" charset="0"/>
+              </a:rPr>
+              <a:t>c1</a:t>
+            </a:r>
+          </a:p>
+        </p:txBody>
+      </p:sp>
+      <p:sp>
+        <p:nvSpPr>
+          <p:cNvPr id="12" name="テキスト ボックス 11">
+            <a:extLst>
+              <a:ext uri="{FF2B5EF4-FFF2-40B4-BE49-F238E27FC236}">
+                <a16:creationId xmlns:a16="http://schemas.microsoft.com/office/drawing/2014/main" id="{ABAB6198-E0D2-4B89-B5C7-3C095C4BCC4C}"/>
+              </a:ext>
+            </a:extLst>
+          </p:cNvPr>
+          <p:cNvSpPr txBox="1"/>
+          <p:nvPr/>
+        </p:nvSpPr>
+        <p:spPr>
+          <a:xfrm>
+            <a:off x="1619672" y="2204864"/>
+            <a:ext cx="1080120" cy="369332"/>
+          </a:xfrm>
+          <a:prstGeom prst="rect">
+            <a:avLst/>
+          </a:prstGeom>
+          <a:noFill/>
+        </p:spPr>
+        <p:txBody>
+          <a:bodyPr wrap="square">
+            <a:spAutoFit/>
+          </a:bodyPr>
+          <a:lstStyle/>
+          <a:p>
+            <a:pPr algn="ctr"/>
+            <a:r>
+              <a:rPr lang="en-US">
+                <a:latin typeface="Consolas" panose="020B0609020204030204" pitchFamily="49" charset="0"/>
+              </a:rPr>
+              <a:t>c2</a:t>
+            </a:r>
+          </a:p>
+        </p:txBody>
+      </p:sp>
+      <p:sp>
+        <p:nvSpPr>
+          <p:cNvPr id="13" name="テキスト ボックス 12">
+            <a:extLst>
+              <a:ext uri="{FF2B5EF4-FFF2-40B4-BE49-F238E27FC236}">
+                <a16:creationId xmlns:a16="http://schemas.microsoft.com/office/drawing/2014/main" id="{57FCEC53-1131-4DD9-8C93-7F32B0BFC355}"/>
+              </a:ext>
+            </a:extLst>
+          </p:cNvPr>
+          <p:cNvSpPr txBox="1"/>
+          <p:nvPr/>
+        </p:nvSpPr>
+        <p:spPr>
+          <a:xfrm>
+            <a:off x="2339752" y="2204864"/>
+            <a:ext cx="1080120" cy="369332"/>
+          </a:xfrm>
+          <a:prstGeom prst="rect">
+            <a:avLst/>
+          </a:prstGeom>
+          <a:noFill/>
+        </p:spPr>
+        <p:txBody>
+          <a:bodyPr wrap="square">
+            <a:spAutoFit/>
+          </a:bodyPr>
+          <a:lstStyle/>
+          <a:p>
+            <a:pPr algn="ctr"/>
+            <a:r>
+              <a:rPr lang="en-US">
+                <a:latin typeface="Consolas" panose="020B0609020204030204" pitchFamily="49" charset="0"/>
+              </a:rPr>
+              <a:t>c3</a:t>
+            </a:r>
+          </a:p>
+        </p:txBody>
+      </p:sp>
+      <p:sp>
+        <p:nvSpPr>
+          <p:cNvPr id="16" name="四角形: 1 つの角を切り取り 1 つの角を丸める 15">
+            <a:extLst>
+              <a:ext uri="{FF2B5EF4-FFF2-40B4-BE49-F238E27FC236}">
+                <a16:creationId xmlns:a16="http://schemas.microsoft.com/office/drawing/2014/main" id="{51B271E0-0B32-497C-81D5-F5EF6BFCCF0A}"/>
+              </a:ext>
+            </a:extLst>
+          </p:cNvPr>
+          <p:cNvSpPr/>
+          <p:nvPr/>
+        </p:nvSpPr>
+        <p:spPr>
+          <a:xfrm>
+            <a:off x="2267744" y="1124744"/>
+            <a:ext cx="1152128" cy="338336"/>
+          </a:xfrm>
+          <a:prstGeom prst="snipRoundRect">
+            <a:avLst>
+              <a:gd name="adj1" fmla="val 16667"/>
+              <a:gd name="adj2" fmla="val 35924"/>
+            </a:avLst>
+          </a:prstGeom>
+          <a:solidFill>
+            <a:schemeClr val="accent6">
+              <a:lumMod val="20000"/>
+              <a:lumOff val="80000"/>
+            </a:schemeClr>
+          </a:solidFill>
+          <a:ln>
+            <a:solidFill>
+              <a:schemeClr val="tx1"/>
+            </a:solidFill>
+          </a:ln>
+        </p:spPr>
+        <p:style>
+          <a:lnRef idx="2">
+            <a:schemeClr val="accent1">
+              <a:shade val="50000"/>
+            </a:schemeClr>
+          </a:lnRef>
+          <a:fillRef idx="1">
+            <a:schemeClr val="accent1"/>
+          </a:fillRef>
+          <a:effectRef idx="0">
+            <a:schemeClr val="accent1"/>
+          </a:effectRef>
+          <a:fontRef idx="minor">
+            <a:schemeClr val="lt1"/>
+          </a:fontRef>
+        </p:style>
+        <p:txBody>
+          <a:bodyPr rtlCol="0" anchor="ctr"/>
+          <a:lstStyle/>
+          <a:p>
+            <a:pPr algn="ctr"/>
+            <a:r>
+              <a:rPr kumimoji="1" lang="en-US" altLang="ja-JP">
+                <a:solidFill>
+                  <a:sysClr val="windowText" lastClr="000000"/>
+                </a:solidFill>
+                <a:latin typeface="Consolas" panose="020B0609020204030204" pitchFamily="49" charset="0"/>
+              </a:rPr>
+              <a:t>main</a:t>
+            </a:r>
+            <a:endParaRPr kumimoji="1" lang="ja-JP" altLang="en-US">
+              <a:solidFill>
+                <a:sysClr val="windowText" lastClr="000000"/>
+              </a:solidFill>
+              <a:latin typeface="Consolas" panose="020B0609020204030204" pitchFamily="49" charset="0"/>
+            </a:endParaRPr>
+          </a:p>
+        </p:txBody>
+      </p:sp>
+      <p:cxnSp>
+        <p:nvCxnSpPr>
+          <p:cNvPr id="17" name="直線矢印コネクタ 16">
+            <a:extLst>
+              <a:ext uri="{FF2B5EF4-FFF2-40B4-BE49-F238E27FC236}">
+                <a16:creationId xmlns:a16="http://schemas.microsoft.com/office/drawing/2014/main" id="{D27B7A23-06A3-4F3E-B3DC-9DBB852CC4D6}"/>
+              </a:ext>
+            </a:extLst>
+          </p:cNvPr>
+          <p:cNvCxnSpPr>
+            <a:cxnSpLocks/>
+            <a:stCxn id="16" idx="1"/>
+          </p:cNvCxnSpPr>
+          <p:nvPr/>
+        </p:nvCxnSpPr>
+        <p:spPr>
+          <a:xfrm>
+            <a:off x="2843808" y="1463080"/>
+            <a:ext cx="0" cy="381744"/>
+          </a:xfrm>
+          <a:prstGeom prst="straightConnector1">
+            <a:avLst/>
+          </a:prstGeom>
+          <a:ln w="12700">
+            <a:solidFill>
+              <a:schemeClr val="tx1"/>
+            </a:solidFill>
+            <a:tailEnd type="triangle"/>
+          </a:ln>
+        </p:spPr>
+        <p:style>
+          <a:lnRef idx="1">
+            <a:schemeClr val="accent1"/>
+          </a:lnRef>
+          <a:fillRef idx="0">
+            <a:schemeClr val="accent1"/>
+          </a:fillRef>
+          <a:effectRef idx="0">
+            <a:schemeClr val="accent1"/>
+          </a:effectRef>
+          <a:fontRef idx="minor">
+            <a:schemeClr val="tx1"/>
+          </a:fontRef>
+        </p:style>
+      </p:cxnSp>
+      <p:sp>
+        <p:nvSpPr>
+          <p:cNvPr id="45" name="楕円 4">
+            <a:extLst>
+              <a:ext uri="{FF2B5EF4-FFF2-40B4-BE49-F238E27FC236}">
+                <a16:creationId xmlns:a16="http://schemas.microsoft.com/office/drawing/2014/main" id="{533B6DE0-A7A4-4864-ADFB-F15898461575}"/>
+              </a:ext>
+            </a:extLst>
+          </p:cNvPr>
+          <p:cNvSpPr/>
+          <p:nvPr/>
+        </p:nvSpPr>
+        <p:spPr>
+          <a:xfrm>
+            <a:off x="5868144" y="5013176"/>
+            <a:ext cx="288032" cy="288032"/>
+          </a:xfrm>
+          <a:prstGeom prst="ellipse">
+            <a:avLst/>
+          </a:prstGeom>
+          <a:solidFill>
+            <a:srgbClr val="011893"/>
+          </a:solidFill>
+          <a:ln>
+            <a:solidFill>
+              <a:schemeClr val="tx1"/>
+            </a:solidFill>
+          </a:ln>
+        </p:spPr>
+        <p:style>
+          <a:lnRef idx="2">
+            <a:schemeClr val="accent1">
+              <a:shade val="50000"/>
+            </a:schemeClr>
+          </a:lnRef>
+          <a:fillRef idx="1">
+            <a:schemeClr val="accent1"/>
+          </a:fillRef>
+          <a:effectRef idx="0">
+            <a:schemeClr val="accent1"/>
+          </a:effectRef>
+          <a:fontRef idx="minor">
+            <a:schemeClr val="lt1"/>
+          </a:fontRef>
+        </p:style>
+        <p:txBody>
+          <a:bodyPr rtlCol="0" anchor="ctr"/>
+          <a:lstStyle/>
+          <a:p>
+            <a:pPr algn="ctr"/>
+            <a:endParaRPr kumimoji="1" lang="ja-JP" altLang="en-US"/>
+          </a:p>
+        </p:txBody>
+      </p:sp>
+      <p:sp>
+        <p:nvSpPr>
+          <p:cNvPr id="46" name="楕円 45">
+            <a:extLst>
+              <a:ext uri="{FF2B5EF4-FFF2-40B4-BE49-F238E27FC236}">
+                <a16:creationId xmlns:a16="http://schemas.microsoft.com/office/drawing/2014/main" id="{3A2F0549-3936-4B3C-9BC7-5728028A095C}"/>
+              </a:ext>
+            </a:extLst>
+          </p:cNvPr>
+          <p:cNvSpPr/>
+          <p:nvPr/>
+        </p:nvSpPr>
+        <p:spPr>
+          <a:xfrm>
+            <a:off x="5148064" y="5013176"/>
+            <a:ext cx="288032" cy="288032"/>
+          </a:xfrm>
+          <a:prstGeom prst="ellipse">
+            <a:avLst/>
+          </a:prstGeom>
+          <a:solidFill>
+            <a:srgbClr val="011893"/>
+          </a:solidFill>
+          <a:ln>
+            <a:solidFill>
+              <a:schemeClr val="tx1"/>
+            </a:solidFill>
+          </a:ln>
+        </p:spPr>
+        <p:style>
+          <a:lnRef idx="2">
+            <a:schemeClr val="accent1">
+              <a:shade val="50000"/>
+            </a:schemeClr>
+          </a:lnRef>
+          <a:fillRef idx="1">
+            <a:schemeClr val="accent1"/>
+          </a:fillRef>
+          <a:effectRef idx="0">
+            <a:schemeClr val="accent1"/>
+          </a:effectRef>
+          <a:fontRef idx="minor">
+            <a:schemeClr val="lt1"/>
+          </a:fontRef>
+        </p:style>
+        <p:txBody>
+          <a:bodyPr rtlCol="0" anchor="ctr"/>
+          <a:lstStyle/>
+          <a:p>
+            <a:pPr algn="ctr"/>
+            <a:endParaRPr kumimoji="1" lang="ja-JP" altLang="en-US"/>
+          </a:p>
+        </p:txBody>
+      </p:sp>
+      <p:cxnSp>
+        <p:nvCxnSpPr>
+          <p:cNvPr id="47" name="直線コネクタ 46">
+            <a:extLst>
+              <a:ext uri="{FF2B5EF4-FFF2-40B4-BE49-F238E27FC236}">
+                <a16:creationId xmlns:a16="http://schemas.microsoft.com/office/drawing/2014/main" id="{CD99993F-B12E-4603-9F4E-C166EF0F1B4F}"/>
+              </a:ext>
+            </a:extLst>
+          </p:cNvPr>
+          <p:cNvCxnSpPr>
+            <a:cxnSpLocks/>
+            <a:stCxn id="46" idx="6"/>
+            <a:endCxn id="45" idx="2"/>
+          </p:cNvCxnSpPr>
+          <p:nvPr/>
+        </p:nvCxnSpPr>
+        <p:spPr>
+          <a:xfrm>
+            <a:off x="5436096" y="5157192"/>
+            <a:ext cx="432048" cy="0"/>
+          </a:xfrm>
+          <a:prstGeom prst="line">
+            <a:avLst/>
+          </a:prstGeom>
+          <a:ln w="57150">
+            <a:solidFill>
+              <a:schemeClr val="tx1"/>
+            </a:solidFill>
+            <a:headEnd type="none" w="med" len="med"/>
+            <a:tailEnd type="none" w="med" len="med"/>
+          </a:ln>
+        </p:spPr>
+        <p:style>
+          <a:lnRef idx="1">
+            <a:schemeClr val="accent1"/>
+          </a:lnRef>
+          <a:fillRef idx="0">
+            <a:schemeClr val="accent1"/>
+          </a:fillRef>
+          <a:effectRef idx="0">
+            <a:schemeClr val="accent1"/>
+          </a:effectRef>
+          <a:fontRef idx="minor">
+            <a:schemeClr val="tx1"/>
+          </a:fontRef>
+        </p:style>
+      </p:cxnSp>
+      <p:sp>
+        <p:nvSpPr>
+          <p:cNvPr id="50" name="テキスト ボックス 49">
+            <a:extLst>
+              <a:ext uri="{FF2B5EF4-FFF2-40B4-BE49-F238E27FC236}">
+                <a16:creationId xmlns:a16="http://schemas.microsoft.com/office/drawing/2014/main" id="{52C1C6AD-0B40-4D41-AF3C-AFE63EDCE00D}"/>
+              </a:ext>
+            </a:extLst>
+          </p:cNvPr>
+          <p:cNvSpPr txBox="1"/>
+          <p:nvPr/>
+        </p:nvSpPr>
+        <p:spPr>
+          <a:xfrm>
+            <a:off x="4716016" y="5373216"/>
+            <a:ext cx="1080120" cy="369332"/>
+          </a:xfrm>
+          <a:prstGeom prst="rect">
+            <a:avLst/>
+          </a:prstGeom>
+          <a:noFill/>
+        </p:spPr>
+        <p:txBody>
+          <a:bodyPr wrap="square">
+            <a:spAutoFit/>
+          </a:bodyPr>
+          <a:lstStyle/>
+          <a:p>
+            <a:pPr algn="ctr"/>
+            <a:r>
+              <a:rPr lang="en-US">
+                <a:latin typeface="Consolas" panose="020B0609020204030204" pitchFamily="49" charset="0"/>
+              </a:rPr>
+              <a:t>c1</a:t>
+            </a:r>
+          </a:p>
+        </p:txBody>
+      </p:sp>
+      <p:sp>
+        <p:nvSpPr>
+          <p:cNvPr id="51" name="テキスト ボックス 50">
+            <a:extLst>
+              <a:ext uri="{FF2B5EF4-FFF2-40B4-BE49-F238E27FC236}">
+                <a16:creationId xmlns:a16="http://schemas.microsoft.com/office/drawing/2014/main" id="{C0B0602A-1030-4CCD-AA36-3CA7C10E11E1}"/>
+              </a:ext>
+            </a:extLst>
+          </p:cNvPr>
+          <p:cNvSpPr txBox="1"/>
+          <p:nvPr/>
+        </p:nvSpPr>
+        <p:spPr>
+          <a:xfrm>
+            <a:off x="5489054" y="5373216"/>
+            <a:ext cx="1080120" cy="369332"/>
+          </a:xfrm>
+          <a:prstGeom prst="rect">
+            <a:avLst/>
+          </a:prstGeom>
+          <a:noFill/>
+        </p:spPr>
+        <p:txBody>
+          <a:bodyPr wrap="square">
+            <a:spAutoFit/>
+          </a:bodyPr>
+          <a:lstStyle/>
+          <a:p>
+            <a:pPr algn="ctr"/>
+            <a:r>
+              <a:rPr lang="en-US">
+                <a:latin typeface="Consolas" panose="020B0609020204030204" pitchFamily="49" charset="0"/>
+              </a:rPr>
+              <a:t>c2</a:t>
+            </a:r>
+          </a:p>
+        </p:txBody>
+      </p:sp>
+      <p:sp>
+        <p:nvSpPr>
+          <p:cNvPr id="53" name="四角形: 1 つの角を切り取り 1 つの角を丸める 52">
+            <a:extLst>
+              <a:ext uri="{FF2B5EF4-FFF2-40B4-BE49-F238E27FC236}">
+                <a16:creationId xmlns:a16="http://schemas.microsoft.com/office/drawing/2014/main" id="{6D8F675C-0153-4E88-8E21-B0CA0D1EC585}"/>
+              </a:ext>
+            </a:extLst>
+          </p:cNvPr>
+          <p:cNvSpPr/>
+          <p:nvPr/>
+        </p:nvSpPr>
+        <p:spPr>
+          <a:xfrm>
+            <a:off x="6084168" y="4293096"/>
+            <a:ext cx="1152128" cy="338336"/>
+          </a:xfrm>
+          <a:prstGeom prst="snipRoundRect">
+            <a:avLst>
+              <a:gd name="adj1" fmla="val 16667"/>
+              <a:gd name="adj2" fmla="val 35924"/>
+            </a:avLst>
+          </a:prstGeom>
+          <a:solidFill>
+            <a:schemeClr val="accent6">
+              <a:lumMod val="20000"/>
+              <a:lumOff val="80000"/>
+            </a:schemeClr>
+          </a:solidFill>
+          <a:ln>
+            <a:solidFill>
+              <a:schemeClr val="tx1"/>
+            </a:solidFill>
+          </a:ln>
+        </p:spPr>
+        <p:style>
+          <a:lnRef idx="2">
+            <a:schemeClr val="accent1">
+              <a:shade val="50000"/>
+            </a:schemeClr>
+          </a:lnRef>
+          <a:fillRef idx="1">
+            <a:schemeClr val="accent1"/>
+          </a:fillRef>
+          <a:effectRef idx="0">
+            <a:schemeClr val="accent1"/>
+          </a:effectRef>
+          <a:fontRef idx="minor">
+            <a:schemeClr val="lt1"/>
+          </a:fontRef>
+        </p:style>
+        <p:txBody>
+          <a:bodyPr rtlCol="0" anchor="ctr"/>
+          <a:lstStyle/>
+          <a:p>
+            <a:pPr algn="ctr"/>
+            <a:r>
+              <a:rPr kumimoji="1" lang="en-US" altLang="ja-JP">
+                <a:solidFill>
+                  <a:sysClr val="windowText" lastClr="000000"/>
+                </a:solidFill>
+                <a:latin typeface="Consolas" panose="020B0609020204030204" pitchFamily="49" charset="0"/>
+              </a:rPr>
+              <a:t>main</a:t>
+            </a:r>
+            <a:endParaRPr kumimoji="1" lang="ja-JP" altLang="en-US">
+              <a:solidFill>
+                <a:sysClr val="windowText" lastClr="000000"/>
+              </a:solidFill>
+              <a:latin typeface="Consolas" panose="020B0609020204030204" pitchFamily="49" charset="0"/>
+            </a:endParaRPr>
+          </a:p>
+        </p:txBody>
+      </p:sp>
+      <p:cxnSp>
+        <p:nvCxnSpPr>
+          <p:cNvPr id="54" name="直線矢印コネクタ 53">
+            <a:extLst>
+              <a:ext uri="{FF2B5EF4-FFF2-40B4-BE49-F238E27FC236}">
+                <a16:creationId xmlns:a16="http://schemas.microsoft.com/office/drawing/2014/main" id="{FBE2DE4B-4967-4DD2-9289-E814C8C74371}"/>
+              </a:ext>
+            </a:extLst>
+          </p:cNvPr>
+          <p:cNvCxnSpPr>
+            <a:cxnSpLocks/>
+            <a:stCxn id="53" idx="1"/>
+          </p:cNvCxnSpPr>
+          <p:nvPr/>
+        </p:nvCxnSpPr>
+        <p:spPr>
+          <a:xfrm>
+            <a:off x="6660232" y="4631432"/>
+            <a:ext cx="0" cy="381744"/>
+          </a:xfrm>
+          <a:prstGeom prst="straightConnector1">
+            <a:avLst/>
+          </a:prstGeom>
+          <a:ln w="12700">
+            <a:solidFill>
+              <a:schemeClr val="tx1"/>
+            </a:solidFill>
+            <a:tailEnd type="triangle"/>
+          </a:ln>
+        </p:spPr>
+        <p:style>
+          <a:lnRef idx="1">
+            <a:schemeClr val="accent1"/>
+          </a:lnRef>
+          <a:fillRef idx="0">
+            <a:schemeClr val="accent1"/>
+          </a:fillRef>
+          <a:effectRef idx="0">
+            <a:schemeClr val="accent1"/>
+          </a:effectRef>
+          <a:fontRef idx="minor">
+            <a:schemeClr val="tx1"/>
+          </a:fontRef>
+        </p:style>
+      </p:cxnSp>
+      <p:sp>
+        <p:nvSpPr>
+          <p:cNvPr id="55" name="楕円 4">
+            <a:extLst>
+              <a:ext uri="{FF2B5EF4-FFF2-40B4-BE49-F238E27FC236}">
+                <a16:creationId xmlns:a16="http://schemas.microsoft.com/office/drawing/2014/main" id="{1410D8A2-2D2C-486B-A100-9F0B0292C100}"/>
+              </a:ext>
+            </a:extLst>
+          </p:cNvPr>
+          <p:cNvSpPr/>
+          <p:nvPr/>
+        </p:nvSpPr>
+        <p:spPr>
+          <a:xfrm>
+            <a:off x="6516216" y="5013176"/>
+            <a:ext cx="288032" cy="288032"/>
+          </a:xfrm>
+          <a:prstGeom prst="ellipse">
+            <a:avLst/>
+          </a:prstGeom>
+          <a:solidFill>
+            <a:srgbClr val="FF0000"/>
+          </a:solidFill>
+          <a:ln>
+            <a:solidFill>
+              <a:schemeClr val="tx1"/>
+            </a:solidFill>
+          </a:ln>
+        </p:spPr>
+        <p:style>
+          <a:lnRef idx="2">
+            <a:schemeClr val="accent1">
+              <a:shade val="50000"/>
+            </a:schemeClr>
+          </a:lnRef>
+          <a:fillRef idx="1">
+            <a:schemeClr val="accent1"/>
+          </a:fillRef>
+          <a:effectRef idx="0">
+            <a:schemeClr val="accent1"/>
+          </a:effectRef>
+          <a:fontRef idx="minor">
+            <a:schemeClr val="lt1"/>
+          </a:fontRef>
+        </p:style>
+        <p:txBody>
+          <a:bodyPr rtlCol="0" anchor="ctr"/>
+          <a:lstStyle/>
+          <a:p>
+            <a:pPr algn="ctr"/>
+            <a:endParaRPr kumimoji="1" lang="ja-JP" altLang="en-US"/>
+          </a:p>
+        </p:txBody>
+      </p:sp>
+      <p:cxnSp>
+        <p:nvCxnSpPr>
+          <p:cNvPr id="56" name="直線コネクタ 55">
+            <a:extLst>
+              <a:ext uri="{FF2B5EF4-FFF2-40B4-BE49-F238E27FC236}">
+                <a16:creationId xmlns:a16="http://schemas.microsoft.com/office/drawing/2014/main" id="{55715160-FB25-44F6-9432-AB50ADEF27F7}"/>
+              </a:ext>
+            </a:extLst>
+          </p:cNvPr>
+          <p:cNvCxnSpPr>
+            <a:cxnSpLocks/>
+          </p:cNvCxnSpPr>
+          <p:nvPr/>
+        </p:nvCxnSpPr>
+        <p:spPr>
+          <a:xfrm>
+            <a:off x="6156176" y="5157192"/>
+            <a:ext cx="404758" cy="0"/>
+          </a:xfrm>
+          <a:prstGeom prst="line">
+            <a:avLst/>
+          </a:prstGeom>
+          <a:ln w="57150">
+            <a:solidFill>
+              <a:srgbClr val="FF0000"/>
+            </a:solidFill>
+            <a:headEnd type="none" w="med" len="med"/>
+            <a:tailEnd type="none" w="med" len="med"/>
+          </a:ln>
+        </p:spPr>
+        <p:style>
+          <a:lnRef idx="1">
+            <a:schemeClr val="accent1"/>
+          </a:lnRef>
+          <a:fillRef idx="0">
+            <a:schemeClr val="accent1"/>
+          </a:fillRef>
+          <a:effectRef idx="0">
+            <a:schemeClr val="accent1"/>
+          </a:effectRef>
+          <a:fontRef idx="minor">
+            <a:schemeClr val="tx1"/>
+          </a:fontRef>
+        </p:style>
+      </p:cxnSp>
+      <p:sp>
+        <p:nvSpPr>
+          <p:cNvPr id="57" name="テキスト ボックス 56">
+            <a:extLst>
+              <a:ext uri="{FF2B5EF4-FFF2-40B4-BE49-F238E27FC236}">
+                <a16:creationId xmlns:a16="http://schemas.microsoft.com/office/drawing/2014/main" id="{0949D002-8918-4FB6-B012-F7D1D75BBECD}"/>
+              </a:ext>
+            </a:extLst>
+          </p:cNvPr>
+          <p:cNvSpPr txBox="1"/>
+          <p:nvPr/>
+        </p:nvSpPr>
+        <p:spPr>
+          <a:xfrm>
+            <a:off x="6156176" y="5373216"/>
+            <a:ext cx="1080120" cy="369332"/>
+          </a:xfrm>
+          <a:prstGeom prst="rect">
+            <a:avLst/>
+          </a:prstGeom>
+          <a:noFill/>
+        </p:spPr>
+        <p:txBody>
+          <a:bodyPr wrap="square">
+            <a:spAutoFit/>
+          </a:bodyPr>
+          <a:lstStyle/>
+          <a:p>
+            <a:pPr algn="ctr"/>
+            <a:r>
+              <a:rPr lang="en-US">
+                <a:latin typeface="Consolas" panose="020B0609020204030204" pitchFamily="49" charset="0"/>
+              </a:rPr>
+              <a:t>c4</a:t>
+            </a:r>
+          </a:p>
+        </p:txBody>
+      </p:sp>
+      <p:sp>
+        <p:nvSpPr>
+          <p:cNvPr id="62" name="四角形: 角を丸くする 61">
+            <a:extLst>
+              <a:ext uri="{FF2B5EF4-FFF2-40B4-BE49-F238E27FC236}">
+                <a16:creationId xmlns:a16="http://schemas.microsoft.com/office/drawing/2014/main" id="{C5991E8C-BE10-4916-81A4-E441933DC718}"/>
+              </a:ext>
+            </a:extLst>
+          </p:cNvPr>
+          <p:cNvSpPr/>
+          <p:nvPr/>
+        </p:nvSpPr>
+        <p:spPr>
+          <a:xfrm>
+            <a:off x="971600" y="1052736"/>
+            <a:ext cx="2736304" cy="1656184"/>
+          </a:xfrm>
+          <a:prstGeom prst="roundRect">
+            <a:avLst/>
+          </a:prstGeom>
+          <a:noFill/>
+          <a:ln w="28575">
+            <a:solidFill>
+              <a:schemeClr val="tx1"/>
+            </a:solidFill>
+            <a:prstDash val="dash"/>
+          </a:ln>
+        </p:spPr>
+        <p:style>
+          <a:lnRef idx="2">
+            <a:schemeClr val="accent1">
+              <a:shade val="50000"/>
+            </a:schemeClr>
+          </a:lnRef>
+          <a:fillRef idx="1">
+            <a:schemeClr val="accent1"/>
+          </a:fillRef>
+          <a:effectRef idx="0">
+            <a:schemeClr val="accent1"/>
+          </a:effectRef>
+          <a:fontRef idx="minor">
+            <a:schemeClr val="lt1"/>
+          </a:fontRef>
+        </p:style>
+        <p:txBody>
+          <a:bodyPr rtlCol="0" anchor="ctr"/>
+          <a:lstStyle/>
+          <a:p>
+            <a:pPr algn="ctr"/>
+            <a:endParaRPr kumimoji="1" lang="ja-JP" altLang="en-US"/>
+          </a:p>
+        </p:txBody>
+      </p:sp>
+      <p:sp>
+        <p:nvSpPr>
+          <p:cNvPr id="63" name="テキスト ボックス 62">
+            <a:extLst>
+              <a:ext uri="{FF2B5EF4-FFF2-40B4-BE49-F238E27FC236}">
+                <a16:creationId xmlns:a16="http://schemas.microsoft.com/office/drawing/2014/main" id="{4FF8A9A2-0C93-46B0-9485-23E5E1441A17}"/>
+              </a:ext>
+            </a:extLst>
+          </p:cNvPr>
+          <p:cNvSpPr txBox="1"/>
+          <p:nvPr/>
+        </p:nvSpPr>
+        <p:spPr>
+          <a:xfrm>
+            <a:off x="971600" y="620688"/>
+            <a:ext cx="2980304" cy="369332"/>
+          </a:xfrm>
+          <a:prstGeom prst="rect">
+            <a:avLst/>
+          </a:prstGeom>
+          <a:noFill/>
+        </p:spPr>
+        <p:txBody>
+          <a:bodyPr wrap="none" rtlCol="0">
+            <a:spAutoFit/>
+          </a:bodyPr>
+          <a:lstStyle/>
+          <a:p>
+            <a:pPr algn="ctr"/>
+            <a:r>
+              <a:rPr lang="ja-JP" altLang="en-US"/>
+              <a:t>リモートリポジトリ</a:t>
+            </a:r>
+            <a:r>
+              <a:rPr lang="en-US" altLang="ja-JP"/>
+              <a:t>(origin)</a:t>
+            </a:r>
+            <a:endParaRPr kumimoji="1" lang="en-US" altLang="ja-JP" dirty="0"/>
+          </a:p>
+        </p:txBody>
+      </p:sp>
+      <p:pic>
+        <p:nvPicPr>
+          <p:cNvPr id="64" name="図 63">
+            <a:extLst>
+              <a:ext uri="{FF2B5EF4-FFF2-40B4-BE49-F238E27FC236}">
+                <a16:creationId xmlns:a16="http://schemas.microsoft.com/office/drawing/2014/main" id="{5936D601-6C7D-45E3-B59E-23769505717D}"/>
+              </a:ext>
+            </a:extLst>
+          </p:cNvPr>
+          <p:cNvPicPr>
+            <a:picLocks noChangeAspect="1"/>
+          </p:cNvPicPr>
+          <p:nvPr/>
+        </p:nvPicPr>
+        <p:blipFill>
+          <a:blip r:embed="rId2">
+            <a:extLst>
+              <a:ext uri="{28A0092B-C50C-407E-A947-70E740481C1C}">
+                <a14:useLocalDpi xmlns:a14="http://schemas.microsoft.com/office/drawing/2010/main" val="0"/>
+              </a:ext>
+            </a:extLst>
+          </a:blip>
+          <a:stretch>
+            <a:fillRect/>
+          </a:stretch>
+        </p:blipFill>
+        <p:spPr>
+          <a:xfrm>
+            <a:off x="179512" y="1628800"/>
+            <a:ext cx="609600" cy="609600"/>
+          </a:xfrm>
+          <a:prstGeom prst="rect">
+            <a:avLst/>
+          </a:prstGeom>
+        </p:spPr>
+      </p:pic>
+      <p:sp>
+        <p:nvSpPr>
+          <p:cNvPr id="65" name="楕円 4">
+            <a:extLst>
+              <a:ext uri="{FF2B5EF4-FFF2-40B4-BE49-F238E27FC236}">
+                <a16:creationId xmlns:a16="http://schemas.microsoft.com/office/drawing/2014/main" id="{B4D8EB80-CFEB-4881-B25A-8E23DB12CF2B}"/>
+              </a:ext>
+            </a:extLst>
+          </p:cNvPr>
+          <p:cNvSpPr/>
+          <p:nvPr/>
+        </p:nvSpPr>
+        <p:spPr>
+          <a:xfrm>
+            <a:off x="1835696" y="5013176"/>
+            <a:ext cx="288032" cy="288032"/>
+          </a:xfrm>
+          <a:prstGeom prst="ellipse">
+            <a:avLst/>
+          </a:prstGeom>
+          <a:solidFill>
+            <a:srgbClr val="011893"/>
+          </a:solidFill>
+          <a:ln>
+            <a:solidFill>
+              <a:schemeClr val="tx1"/>
+            </a:solidFill>
+          </a:ln>
+        </p:spPr>
+        <p:style>
+          <a:lnRef idx="2">
+            <a:schemeClr val="accent1">
+              <a:shade val="50000"/>
+            </a:schemeClr>
+          </a:lnRef>
+          <a:fillRef idx="1">
+            <a:schemeClr val="accent1"/>
+          </a:fillRef>
+          <a:effectRef idx="0">
+            <a:schemeClr val="accent1"/>
+          </a:effectRef>
+          <a:fontRef idx="minor">
+            <a:schemeClr val="lt1"/>
+          </a:fontRef>
+        </p:style>
+        <p:txBody>
+          <a:bodyPr rtlCol="0" anchor="ctr"/>
+          <a:lstStyle/>
+          <a:p>
+            <a:pPr algn="ctr"/>
+            <a:endParaRPr kumimoji="1" lang="ja-JP" altLang="en-US"/>
+          </a:p>
+        </p:txBody>
+      </p:sp>
+      <p:sp>
+        <p:nvSpPr>
+          <p:cNvPr id="66" name="四角形: 1 つの角を切り取り 1 つの角を丸める 65">
+            <a:extLst>
+              <a:ext uri="{FF2B5EF4-FFF2-40B4-BE49-F238E27FC236}">
+                <a16:creationId xmlns:a16="http://schemas.microsoft.com/office/drawing/2014/main" id="{DAC768C7-72F1-42D5-906C-C63EF069B48B}"/>
+              </a:ext>
+            </a:extLst>
+          </p:cNvPr>
+          <p:cNvSpPr/>
+          <p:nvPr/>
+        </p:nvSpPr>
+        <p:spPr>
+          <a:xfrm>
+            <a:off x="2123728" y="4293096"/>
+            <a:ext cx="1152128" cy="338336"/>
+          </a:xfrm>
+          <a:prstGeom prst="snipRoundRect">
+            <a:avLst>
+              <a:gd name="adj1" fmla="val 16667"/>
+              <a:gd name="adj2" fmla="val 35924"/>
+            </a:avLst>
+          </a:prstGeom>
+          <a:solidFill>
+            <a:schemeClr val="accent6">
+              <a:lumMod val="20000"/>
+              <a:lumOff val="80000"/>
+            </a:schemeClr>
+          </a:solidFill>
+          <a:ln>
+            <a:solidFill>
+              <a:schemeClr val="tx1"/>
+            </a:solidFill>
+          </a:ln>
+        </p:spPr>
+        <p:style>
+          <a:lnRef idx="2">
+            <a:schemeClr val="accent1">
+              <a:shade val="50000"/>
+            </a:schemeClr>
+          </a:lnRef>
+          <a:fillRef idx="1">
+            <a:schemeClr val="accent1"/>
+          </a:fillRef>
+          <a:effectRef idx="0">
+            <a:schemeClr val="accent1"/>
+          </a:effectRef>
+          <a:fontRef idx="minor">
+            <a:schemeClr val="lt1"/>
+          </a:fontRef>
+        </p:style>
+        <p:txBody>
+          <a:bodyPr rtlCol="0" anchor="ctr"/>
+          <a:lstStyle/>
+          <a:p>
+            <a:pPr algn="ctr"/>
+            <a:r>
+              <a:rPr kumimoji="1" lang="en-US" altLang="ja-JP">
+                <a:solidFill>
+                  <a:sysClr val="windowText" lastClr="000000"/>
+                </a:solidFill>
+                <a:latin typeface="Consolas" panose="020B0609020204030204" pitchFamily="49" charset="0"/>
+              </a:rPr>
+              <a:t>main</a:t>
+            </a:r>
+            <a:endParaRPr kumimoji="1" lang="ja-JP" altLang="en-US">
+              <a:solidFill>
+                <a:sysClr val="windowText" lastClr="000000"/>
+              </a:solidFill>
+              <a:latin typeface="Consolas" panose="020B0609020204030204" pitchFamily="49" charset="0"/>
+            </a:endParaRPr>
+          </a:p>
+        </p:txBody>
+      </p:sp>
+      <p:cxnSp>
+        <p:nvCxnSpPr>
+          <p:cNvPr id="67" name="直線矢印コネクタ 66">
+            <a:extLst>
+              <a:ext uri="{FF2B5EF4-FFF2-40B4-BE49-F238E27FC236}">
+                <a16:creationId xmlns:a16="http://schemas.microsoft.com/office/drawing/2014/main" id="{89284761-B7B1-4C7A-9137-2851129E3578}"/>
+              </a:ext>
+            </a:extLst>
+          </p:cNvPr>
+          <p:cNvCxnSpPr>
+            <a:cxnSpLocks/>
+            <a:stCxn id="66" idx="1"/>
+          </p:cNvCxnSpPr>
+          <p:nvPr/>
+        </p:nvCxnSpPr>
+        <p:spPr>
+          <a:xfrm>
+            <a:off x="2699792" y="4631432"/>
+            <a:ext cx="0" cy="381744"/>
+          </a:xfrm>
+          <a:prstGeom prst="straightConnector1">
+            <a:avLst/>
+          </a:prstGeom>
+          <a:ln w="12700">
+            <a:solidFill>
+              <a:schemeClr val="tx1"/>
+            </a:solidFill>
+            <a:tailEnd type="triangle"/>
+          </a:ln>
+        </p:spPr>
+        <p:style>
+          <a:lnRef idx="1">
+            <a:schemeClr val="accent1"/>
+          </a:lnRef>
+          <a:fillRef idx="0">
+            <a:schemeClr val="accent1"/>
+          </a:fillRef>
+          <a:effectRef idx="0">
+            <a:schemeClr val="accent1"/>
+          </a:effectRef>
+          <a:fontRef idx="minor">
+            <a:schemeClr val="tx1"/>
+          </a:fontRef>
+        </p:style>
+      </p:cxnSp>
+      <p:sp>
+        <p:nvSpPr>
+          <p:cNvPr id="68" name="楕円 67">
+            <a:extLst>
+              <a:ext uri="{FF2B5EF4-FFF2-40B4-BE49-F238E27FC236}">
+                <a16:creationId xmlns:a16="http://schemas.microsoft.com/office/drawing/2014/main" id="{8C2E495B-3BE2-4944-A9B5-9DEC8B86DDD8}"/>
+              </a:ext>
+            </a:extLst>
+          </p:cNvPr>
+          <p:cNvSpPr/>
+          <p:nvPr/>
+        </p:nvSpPr>
+        <p:spPr>
+          <a:xfrm>
+            <a:off x="1115616" y="5013176"/>
+            <a:ext cx="288032" cy="288032"/>
+          </a:xfrm>
+          <a:prstGeom prst="ellipse">
+            <a:avLst/>
+          </a:prstGeom>
+          <a:solidFill>
+            <a:srgbClr val="011893"/>
+          </a:solidFill>
+          <a:ln>
+            <a:solidFill>
+              <a:schemeClr val="tx1"/>
+            </a:solidFill>
+          </a:ln>
+        </p:spPr>
+        <p:style>
+          <a:lnRef idx="2">
+            <a:schemeClr val="accent1">
+              <a:shade val="50000"/>
+            </a:schemeClr>
+          </a:lnRef>
+          <a:fillRef idx="1">
+            <a:schemeClr val="accent1"/>
+          </a:fillRef>
+          <a:effectRef idx="0">
+            <a:schemeClr val="accent1"/>
+          </a:effectRef>
+          <a:fontRef idx="minor">
+            <a:schemeClr val="lt1"/>
+          </a:fontRef>
+        </p:style>
+        <p:txBody>
+          <a:bodyPr rtlCol="0" anchor="ctr"/>
+          <a:lstStyle/>
+          <a:p>
+            <a:pPr algn="ctr"/>
+            <a:endParaRPr kumimoji="1" lang="ja-JP" altLang="en-US"/>
+          </a:p>
+        </p:txBody>
+      </p:sp>
+      <p:cxnSp>
+        <p:nvCxnSpPr>
+          <p:cNvPr id="69" name="直線コネクタ 68">
+            <a:extLst>
+              <a:ext uri="{FF2B5EF4-FFF2-40B4-BE49-F238E27FC236}">
+                <a16:creationId xmlns:a16="http://schemas.microsoft.com/office/drawing/2014/main" id="{64E59C53-695B-48F5-AACF-F7BB6DABE2AC}"/>
+              </a:ext>
+            </a:extLst>
+          </p:cNvPr>
+          <p:cNvCxnSpPr>
+            <a:cxnSpLocks/>
+            <a:stCxn id="68" idx="6"/>
+          </p:cNvCxnSpPr>
+          <p:nvPr/>
+        </p:nvCxnSpPr>
+        <p:spPr>
+          <a:xfrm>
+            <a:off x="1403648" y="5157192"/>
+            <a:ext cx="432048" cy="0"/>
+          </a:xfrm>
+          <a:prstGeom prst="line">
+            <a:avLst/>
+          </a:prstGeom>
+          <a:ln w="57150">
+            <a:solidFill>
+              <a:schemeClr val="tx1"/>
+            </a:solidFill>
+            <a:headEnd type="none" w="med" len="med"/>
+            <a:tailEnd type="none" w="med" len="med"/>
+          </a:ln>
+        </p:spPr>
+        <p:style>
+          <a:lnRef idx="1">
+            <a:schemeClr val="accent1"/>
+          </a:lnRef>
+          <a:fillRef idx="0">
+            <a:schemeClr val="accent1"/>
+          </a:fillRef>
+          <a:effectRef idx="0">
+            <a:schemeClr val="accent1"/>
+          </a:effectRef>
+          <a:fontRef idx="minor">
+            <a:schemeClr val="tx1"/>
+          </a:fontRef>
+        </p:style>
+      </p:cxnSp>
+      <p:cxnSp>
+        <p:nvCxnSpPr>
+          <p:cNvPr id="70" name="直線コネクタ 69">
+            <a:extLst>
+              <a:ext uri="{FF2B5EF4-FFF2-40B4-BE49-F238E27FC236}">
+                <a16:creationId xmlns:a16="http://schemas.microsoft.com/office/drawing/2014/main" id="{D90BAFA1-8004-427C-AED5-220FE0EE93FC}"/>
+              </a:ext>
+            </a:extLst>
+          </p:cNvPr>
+          <p:cNvCxnSpPr>
+            <a:cxnSpLocks/>
+          </p:cNvCxnSpPr>
+          <p:nvPr/>
+        </p:nvCxnSpPr>
+        <p:spPr>
+          <a:xfrm>
+            <a:off x="2123728" y="5157192"/>
+            <a:ext cx="432048" cy="0"/>
+          </a:xfrm>
+          <a:prstGeom prst="line">
+            <a:avLst/>
+          </a:prstGeom>
+          <a:ln w="57150">
+            <a:solidFill>
+              <a:schemeClr val="tx1"/>
+            </a:solidFill>
+            <a:headEnd type="none" w="med" len="med"/>
+            <a:tailEnd type="none" w="med" len="med"/>
+          </a:ln>
+        </p:spPr>
+        <p:style>
+          <a:lnRef idx="1">
+            <a:schemeClr val="accent1"/>
+          </a:lnRef>
+          <a:fillRef idx="0">
+            <a:schemeClr val="accent1"/>
+          </a:fillRef>
+          <a:effectRef idx="0">
+            <a:schemeClr val="accent1"/>
+          </a:effectRef>
+          <a:fontRef idx="minor">
+            <a:schemeClr val="tx1"/>
+          </a:fontRef>
+        </p:style>
+      </p:cxnSp>
+      <p:sp>
+        <p:nvSpPr>
+          <p:cNvPr id="71" name="四角形: 角を丸くする 70">
+            <a:extLst>
+              <a:ext uri="{FF2B5EF4-FFF2-40B4-BE49-F238E27FC236}">
+                <a16:creationId xmlns:a16="http://schemas.microsoft.com/office/drawing/2014/main" id="{46CD5CC0-2CB8-4535-8B61-61DA73C801AA}"/>
+              </a:ext>
+            </a:extLst>
+          </p:cNvPr>
+          <p:cNvSpPr/>
+          <p:nvPr/>
+        </p:nvSpPr>
+        <p:spPr>
+          <a:xfrm>
+            <a:off x="971600" y="4077072"/>
+            <a:ext cx="2736304" cy="1800200"/>
+          </a:xfrm>
+          <a:prstGeom prst="roundRect">
+            <a:avLst/>
+          </a:prstGeom>
+          <a:noFill/>
+          <a:ln w="28575">
+            <a:solidFill>
+              <a:schemeClr val="tx1"/>
+            </a:solidFill>
+            <a:prstDash val="dash"/>
+          </a:ln>
+        </p:spPr>
+        <p:style>
+          <a:lnRef idx="2">
+            <a:schemeClr val="accent1">
+              <a:shade val="50000"/>
+            </a:schemeClr>
+          </a:lnRef>
+          <a:fillRef idx="1">
+            <a:schemeClr val="accent1"/>
+          </a:fillRef>
+          <a:effectRef idx="0">
+            <a:schemeClr val="accent1"/>
+          </a:effectRef>
+          <a:fontRef idx="minor">
+            <a:schemeClr val="lt1"/>
+          </a:fontRef>
+        </p:style>
+        <p:txBody>
+          <a:bodyPr rtlCol="0" anchor="ctr"/>
+          <a:lstStyle/>
+          <a:p>
+            <a:pPr algn="ctr"/>
+            <a:endParaRPr kumimoji="1" lang="ja-JP" altLang="en-US"/>
+          </a:p>
+        </p:txBody>
+      </p:sp>
+      <p:sp>
+        <p:nvSpPr>
+          <p:cNvPr id="76" name="楕円 4">
+            <a:extLst>
+              <a:ext uri="{FF2B5EF4-FFF2-40B4-BE49-F238E27FC236}">
+                <a16:creationId xmlns:a16="http://schemas.microsoft.com/office/drawing/2014/main" id="{779A5E79-2CDF-4E32-AC4B-F9C279208B40}"/>
+              </a:ext>
+            </a:extLst>
+          </p:cNvPr>
+          <p:cNvSpPr/>
+          <p:nvPr/>
+        </p:nvSpPr>
+        <p:spPr>
+          <a:xfrm>
+            <a:off x="2555776" y="5013176"/>
+            <a:ext cx="288032" cy="288032"/>
+          </a:xfrm>
+          <a:prstGeom prst="ellipse">
+            <a:avLst/>
+          </a:prstGeom>
+          <a:solidFill>
+            <a:srgbClr val="011893"/>
+          </a:solidFill>
+          <a:ln>
+            <a:solidFill>
+              <a:schemeClr val="tx1"/>
+            </a:solidFill>
+          </a:ln>
+        </p:spPr>
+        <p:style>
+          <a:lnRef idx="2">
+            <a:schemeClr val="accent1">
+              <a:shade val="50000"/>
+            </a:schemeClr>
+          </a:lnRef>
+          <a:fillRef idx="1">
+            <a:schemeClr val="accent1"/>
+          </a:fillRef>
+          <a:effectRef idx="0">
+            <a:schemeClr val="accent1"/>
+          </a:effectRef>
+          <a:fontRef idx="minor">
+            <a:schemeClr val="lt1"/>
+          </a:fontRef>
+        </p:style>
+        <p:txBody>
+          <a:bodyPr rtlCol="0" anchor="ctr"/>
+          <a:lstStyle/>
+          <a:p>
+            <a:pPr algn="ctr"/>
+            <a:endParaRPr kumimoji="1" lang="ja-JP" altLang="en-US"/>
+          </a:p>
+        </p:txBody>
+      </p:sp>
+      <p:sp>
+        <p:nvSpPr>
+          <p:cNvPr id="77" name="テキスト ボックス 76">
+            <a:extLst>
+              <a:ext uri="{FF2B5EF4-FFF2-40B4-BE49-F238E27FC236}">
+                <a16:creationId xmlns:a16="http://schemas.microsoft.com/office/drawing/2014/main" id="{9C7CEEEA-BEB5-45C7-92B3-1F70573CC787}"/>
+              </a:ext>
+            </a:extLst>
+          </p:cNvPr>
+          <p:cNvSpPr txBox="1"/>
+          <p:nvPr/>
+        </p:nvSpPr>
+        <p:spPr>
+          <a:xfrm>
+            <a:off x="1187624" y="3645024"/>
+            <a:ext cx="2262158" cy="369332"/>
+          </a:xfrm>
+          <a:prstGeom prst="rect">
+            <a:avLst/>
+          </a:prstGeom>
+          <a:noFill/>
+        </p:spPr>
+        <p:txBody>
+          <a:bodyPr wrap="none" rtlCol="0">
+            <a:spAutoFit/>
+          </a:bodyPr>
+          <a:lstStyle/>
+          <a:p>
+            <a:pPr algn="ctr"/>
+            <a:r>
+              <a:rPr lang="ja-JP" altLang="en-US"/>
+              <a:t>ローカルリポジトリ</a:t>
+            </a:r>
+            <a:endParaRPr kumimoji="1" lang="en-US" altLang="ja-JP" dirty="0"/>
+          </a:p>
+        </p:txBody>
+      </p:sp>
+      <p:sp>
+        <p:nvSpPr>
+          <p:cNvPr id="78" name="テキスト ボックス 77">
+            <a:extLst>
+              <a:ext uri="{FF2B5EF4-FFF2-40B4-BE49-F238E27FC236}">
+                <a16:creationId xmlns:a16="http://schemas.microsoft.com/office/drawing/2014/main" id="{3F990C65-DB55-4BD1-940A-138FB3CAA5AF}"/>
+              </a:ext>
+            </a:extLst>
+          </p:cNvPr>
+          <p:cNvSpPr txBox="1"/>
+          <p:nvPr/>
+        </p:nvSpPr>
+        <p:spPr>
+          <a:xfrm>
+            <a:off x="683568" y="5373216"/>
+            <a:ext cx="1080120" cy="369332"/>
+          </a:xfrm>
+          <a:prstGeom prst="rect">
+            <a:avLst/>
+          </a:prstGeom>
+          <a:noFill/>
+        </p:spPr>
+        <p:txBody>
+          <a:bodyPr wrap="square">
+            <a:spAutoFit/>
+          </a:bodyPr>
+          <a:lstStyle/>
+          <a:p>
+            <a:pPr algn="ctr"/>
+            <a:r>
+              <a:rPr lang="en-US">
+                <a:latin typeface="Consolas" panose="020B0609020204030204" pitchFamily="49" charset="0"/>
+              </a:rPr>
+              <a:t>c1</a:t>
+            </a:r>
+          </a:p>
+        </p:txBody>
+      </p:sp>
+      <p:sp>
+        <p:nvSpPr>
+          <p:cNvPr id="79" name="テキスト ボックス 78">
+            <a:extLst>
+              <a:ext uri="{FF2B5EF4-FFF2-40B4-BE49-F238E27FC236}">
+                <a16:creationId xmlns:a16="http://schemas.microsoft.com/office/drawing/2014/main" id="{CE2E1798-6811-44D1-A4AF-40355C61413B}"/>
+              </a:ext>
+            </a:extLst>
+          </p:cNvPr>
+          <p:cNvSpPr txBox="1"/>
+          <p:nvPr/>
+        </p:nvSpPr>
+        <p:spPr>
+          <a:xfrm>
+            <a:off x="1475656" y="5373216"/>
+            <a:ext cx="1080120" cy="369332"/>
+          </a:xfrm>
+          <a:prstGeom prst="rect">
+            <a:avLst/>
+          </a:prstGeom>
+          <a:noFill/>
+        </p:spPr>
+        <p:txBody>
+          <a:bodyPr wrap="square">
+            <a:spAutoFit/>
+          </a:bodyPr>
+          <a:lstStyle/>
+          <a:p>
+            <a:pPr algn="ctr"/>
+            <a:r>
+              <a:rPr lang="en-US">
+                <a:latin typeface="Consolas" panose="020B0609020204030204" pitchFamily="49" charset="0"/>
+              </a:rPr>
+              <a:t>c2</a:t>
+            </a:r>
+          </a:p>
+        </p:txBody>
+      </p:sp>
+      <p:sp>
+        <p:nvSpPr>
+          <p:cNvPr id="80" name="テキスト ボックス 79">
+            <a:extLst>
+              <a:ext uri="{FF2B5EF4-FFF2-40B4-BE49-F238E27FC236}">
+                <a16:creationId xmlns:a16="http://schemas.microsoft.com/office/drawing/2014/main" id="{8E0A324E-05BF-4A5D-907B-2DB74A8AEBED}"/>
+              </a:ext>
+            </a:extLst>
+          </p:cNvPr>
+          <p:cNvSpPr txBox="1"/>
+          <p:nvPr/>
+        </p:nvSpPr>
+        <p:spPr>
+          <a:xfrm>
+            <a:off x="2195736" y="5373216"/>
+            <a:ext cx="1080120" cy="369332"/>
+          </a:xfrm>
+          <a:prstGeom prst="rect">
+            <a:avLst/>
+          </a:prstGeom>
+          <a:noFill/>
+        </p:spPr>
+        <p:txBody>
+          <a:bodyPr wrap="square">
+            <a:spAutoFit/>
+          </a:bodyPr>
+          <a:lstStyle/>
+          <a:p>
+            <a:pPr algn="ctr"/>
+            <a:r>
+              <a:rPr lang="en-US">
+                <a:latin typeface="Consolas" panose="020B0609020204030204" pitchFamily="49" charset="0"/>
+              </a:rPr>
+              <a:t>c3</a:t>
+            </a:r>
+          </a:p>
+        </p:txBody>
+      </p:sp>
+      <p:sp>
+        <p:nvSpPr>
+          <p:cNvPr id="81" name="四角形: 角を丸くする 80">
+            <a:extLst>
+              <a:ext uri="{FF2B5EF4-FFF2-40B4-BE49-F238E27FC236}">
+                <a16:creationId xmlns:a16="http://schemas.microsoft.com/office/drawing/2014/main" id="{0FB99ACB-31DF-465D-9CE1-34E48AA7AED7}"/>
+              </a:ext>
+            </a:extLst>
+          </p:cNvPr>
+          <p:cNvSpPr/>
+          <p:nvPr/>
+        </p:nvSpPr>
+        <p:spPr>
+          <a:xfrm>
+            <a:off x="5004048" y="4077072"/>
+            <a:ext cx="2736304" cy="1800200"/>
+          </a:xfrm>
+          <a:prstGeom prst="roundRect">
+            <a:avLst/>
+          </a:prstGeom>
+          <a:noFill/>
+          <a:ln w="28575">
+            <a:solidFill>
+              <a:schemeClr val="tx1"/>
+            </a:solidFill>
+            <a:prstDash val="dash"/>
+          </a:ln>
+        </p:spPr>
+        <p:style>
+          <a:lnRef idx="2">
+            <a:schemeClr val="accent1">
+              <a:shade val="50000"/>
+            </a:schemeClr>
+          </a:lnRef>
+          <a:fillRef idx="1">
+            <a:schemeClr val="accent1"/>
+          </a:fillRef>
+          <a:effectRef idx="0">
+            <a:schemeClr val="accent1"/>
+          </a:effectRef>
+          <a:fontRef idx="minor">
+            <a:schemeClr val="lt1"/>
+          </a:fontRef>
+        </p:style>
+        <p:txBody>
+          <a:bodyPr rtlCol="0" anchor="ctr"/>
+          <a:lstStyle/>
+          <a:p>
+            <a:pPr algn="ctr"/>
+            <a:endParaRPr kumimoji="1" lang="ja-JP" altLang="en-US"/>
+          </a:p>
+        </p:txBody>
+      </p:sp>
+      <p:pic>
+        <p:nvPicPr>
+          <p:cNvPr id="82" name="Picture 8" descr="パソコンを使う会社員のイラスト（男性・笑顔）">
+            <a:extLst>
+              <a:ext uri="{FF2B5EF4-FFF2-40B4-BE49-F238E27FC236}">
+                <a16:creationId xmlns:a16="http://schemas.microsoft.com/office/drawing/2014/main" id="{76EEA2DC-E1B9-421A-8DBF-6F17EB2079B6}"/>
+              </a:ext>
+            </a:extLst>
+          </p:cNvPr>
+          <p:cNvPicPr>
+            <a:picLocks noChangeAspect="1" noChangeArrowheads="1"/>
+          </p:cNvPicPr>
+          <p:nvPr/>
+        </p:nvPicPr>
+        <p:blipFill>
+          <a:blip r:embed="rId3" cstate="print">
+            <a:extLst>
+              <a:ext uri="{28A0092B-C50C-407E-A947-70E740481C1C}">
+                <a14:useLocalDpi xmlns:a14="http://schemas.microsoft.com/office/drawing/2010/main" val="0"/>
+              </a:ext>
+            </a:extLst>
+          </a:blip>
+          <a:srcRect/>
+          <a:stretch>
+            <a:fillRect/>
+          </a:stretch>
+        </p:blipFill>
+        <p:spPr bwMode="auto">
+          <a:xfrm>
+            <a:off x="179512" y="4509120"/>
+            <a:ext cx="576064" cy="836607"/>
+          </a:xfrm>
+          <a:prstGeom prst="rect">
+            <a:avLst/>
+          </a:prstGeom>
+          <a:noFill/>
+          <a:extLst>
+            <a:ext uri="{909E8E84-426E-40DD-AFC4-6F175D3DCCD1}">
+              <a14:hiddenFill xmlns:a14="http://schemas.microsoft.com/office/drawing/2010/main">
+                <a:solidFill>
+                  <a:srgbClr val="FFFFFF"/>
+                </a:solidFill>
+              </a14:hiddenFill>
+            </a:ext>
+          </a:extLst>
+        </p:spPr>
+      </p:pic>
+      <p:sp>
+        <p:nvSpPr>
+          <p:cNvPr id="83" name="右矢印 43">
+            <a:extLst>
+              <a:ext uri="{FF2B5EF4-FFF2-40B4-BE49-F238E27FC236}">
+                <a16:creationId xmlns:a16="http://schemas.microsoft.com/office/drawing/2014/main" id="{A340EB1B-D076-4102-9723-05D43826B936}"/>
+              </a:ext>
+            </a:extLst>
+          </p:cNvPr>
+          <p:cNvSpPr/>
+          <p:nvPr/>
+        </p:nvSpPr>
+        <p:spPr>
+          <a:xfrm>
+            <a:off x="4139952" y="4653136"/>
+            <a:ext cx="566352" cy="566352"/>
+          </a:xfrm>
+          <a:prstGeom prst="rightArrow">
+            <a:avLst/>
+          </a:prstGeom>
+          <a:solidFill>
+            <a:srgbClr val="FF0000"/>
+          </a:solidFill>
+          <a:ln>
+            <a:solidFill>
+              <a:schemeClr val="tx1"/>
+            </a:solidFill>
+          </a:ln>
+        </p:spPr>
+        <p:style>
+          <a:lnRef idx="2">
+            <a:schemeClr val="accent1">
+              <a:shade val="50000"/>
+            </a:schemeClr>
+          </a:lnRef>
+          <a:fillRef idx="1">
+            <a:schemeClr val="accent1"/>
+          </a:fillRef>
+          <a:effectRef idx="0">
+            <a:schemeClr val="accent1"/>
+          </a:effectRef>
+          <a:fontRef idx="minor">
+            <a:schemeClr val="lt1"/>
+          </a:fontRef>
+        </p:style>
+        <p:txBody>
+          <a:bodyPr rtlCol="0" anchor="ctr"/>
+          <a:lstStyle/>
+          <a:p>
+            <a:pPr algn="ctr"/>
+            <a:endParaRPr kumimoji="1" lang="ja-JP" altLang="en-US"/>
+          </a:p>
+        </p:txBody>
+      </p:sp>
+      <p:sp>
+        <p:nvSpPr>
+          <p:cNvPr id="84" name="テキスト ボックス 83">
+            <a:extLst>
+              <a:ext uri="{FF2B5EF4-FFF2-40B4-BE49-F238E27FC236}">
+                <a16:creationId xmlns:a16="http://schemas.microsoft.com/office/drawing/2014/main" id="{8120861B-502E-4FB5-85B6-399E6B98BD04}"/>
+              </a:ext>
+            </a:extLst>
+          </p:cNvPr>
+          <p:cNvSpPr txBox="1"/>
+          <p:nvPr/>
+        </p:nvSpPr>
+        <p:spPr>
+          <a:xfrm>
+            <a:off x="3779912" y="3356992"/>
+            <a:ext cx="1582484" cy="646331"/>
+          </a:xfrm>
+          <a:prstGeom prst="rect">
+            <a:avLst/>
+          </a:prstGeom>
+          <a:noFill/>
+        </p:spPr>
+        <p:txBody>
+          <a:bodyPr wrap="none" rtlCol="0">
+            <a:spAutoFit/>
+          </a:bodyPr>
+          <a:lstStyle/>
+          <a:p>
+            <a:r>
+              <a:rPr lang="en-US"/>
+              <a:t>rebase</a:t>
+            </a:r>
+            <a:r>
+              <a:rPr lang="ja-JP" altLang="en-US"/>
+              <a:t>による</a:t>
+            </a:r>
+            <a:endParaRPr lang="en-US" altLang="ja-JP"/>
+          </a:p>
+          <a:p>
+            <a:r>
+              <a:rPr lang="ja-JP" altLang="en-US"/>
+              <a:t>歴史改変</a:t>
+            </a:r>
+            <a:endParaRPr lang="en-US"/>
+          </a:p>
+        </p:txBody>
+      </p:sp>
+      <p:sp>
+        <p:nvSpPr>
+          <p:cNvPr id="85" name="右矢印 43">
+            <a:extLst>
+              <a:ext uri="{FF2B5EF4-FFF2-40B4-BE49-F238E27FC236}">
+                <a16:creationId xmlns:a16="http://schemas.microsoft.com/office/drawing/2014/main" id="{412ED545-1A94-42AE-894A-5A687A9A1B11}"/>
+              </a:ext>
+            </a:extLst>
+          </p:cNvPr>
+          <p:cNvSpPr/>
+          <p:nvPr/>
+        </p:nvSpPr>
+        <p:spPr>
+          <a:xfrm rot="16200000">
+            <a:off x="6012160" y="2924944"/>
+            <a:ext cx="566352" cy="566352"/>
+          </a:xfrm>
+          <a:prstGeom prst="rightArrow">
+            <a:avLst/>
+          </a:prstGeom>
+          <a:solidFill>
+            <a:srgbClr val="FF0000"/>
+          </a:solidFill>
+          <a:ln>
+            <a:solidFill>
+              <a:schemeClr val="tx1"/>
+            </a:solidFill>
+          </a:ln>
+        </p:spPr>
+        <p:style>
+          <a:lnRef idx="2">
+            <a:schemeClr val="accent1">
+              <a:shade val="50000"/>
+            </a:schemeClr>
+          </a:lnRef>
+          <a:fillRef idx="1">
+            <a:schemeClr val="accent1"/>
+          </a:fillRef>
+          <a:effectRef idx="0">
+            <a:schemeClr val="accent1"/>
+          </a:effectRef>
+          <a:fontRef idx="minor">
+            <a:schemeClr val="lt1"/>
+          </a:fontRef>
+        </p:style>
+        <p:txBody>
+          <a:bodyPr rtlCol="0" anchor="ctr"/>
+          <a:lstStyle/>
+          <a:p>
+            <a:pPr algn="ctr"/>
+            <a:endParaRPr kumimoji="1" lang="ja-JP" altLang="en-US"/>
+          </a:p>
+        </p:txBody>
+      </p:sp>
+      <p:sp>
+        <p:nvSpPr>
+          <p:cNvPr id="86" name="テキスト ボックス 85">
+            <a:extLst>
+              <a:ext uri="{FF2B5EF4-FFF2-40B4-BE49-F238E27FC236}">
+                <a16:creationId xmlns:a16="http://schemas.microsoft.com/office/drawing/2014/main" id="{A7CAA6AF-7606-4C02-9B36-4705CD8E8DE9}"/>
+              </a:ext>
+            </a:extLst>
+          </p:cNvPr>
+          <p:cNvSpPr txBox="1"/>
+          <p:nvPr/>
+        </p:nvSpPr>
+        <p:spPr>
+          <a:xfrm>
+            <a:off x="6804248" y="3244914"/>
+            <a:ext cx="2016224" cy="400110"/>
+          </a:xfrm>
+          <a:prstGeom prst="rect">
+            <a:avLst/>
+          </a:prstGeom>
+          <a:solidFill>
+            <a:schemeClr val="tx1"/>
+          </a:solidFill>
+        </p:spPr>
+        <p:txBody>
+          <a:bodyPr wrap="square">
+            <a:spAutoFit/>
+          </a:bodyPr>
+          <a:lstStyle/>
+          <a:p>
+            <a:r>
+              <a:rPr lang="en-US" sz="2000" b="0">
+                <a:solidFill>
+                  <a:srgbClr val="D4D4D4"/>
+                </a:solidFill>
+                <a:effectLst/>
+                <a:latin typeface="Consolas" panose="020B0609020204030204" pitchFamily="49" charset="0"/>
+              </a:rPr>
+              <a:t>$ git push -f</a:t>
+            </a:r>
+          </a:p>
+        </p:txBody>
+      </p:sp>
+      <p:sp>
+        <p:nvSpPr>
+          <p:cNvPr id="87" name="テキスト ボックス 86">
+            <a:extLst>
+              <a:ext uri="{FF2B5EF4-FFF2-40B4-BE49-F238E27FC236}">
+                <a16:creationId xmlns:a16="http://schemas.microsoft.com/office/drawing/2014/main" id="{1087A493-E656-4D15-A9A9-FAB11742F1F0}"/>
+              </a:ext>
+            </a:extLst>
+          </p:cNvPr>
+          <p:cNvSpPr txBox="1"/>
+          <p:nvPr/>
+        </p:nvSpPr>
+        <p:spPr>
+          <a:xfrm>
+            <a:off x="6948264" y="2812866"/>
+            <a:ext cx="1569660" cy="369332"/>
+          </a:xfrm>
+          <a:prstGeom prst="rect">
+            <a:avLst/>
+          </a:prstGeom>
+          <a:noFill/>
+        </p:spPr>
+        <p:txBody>
+          <a:bodyPr wrap="none" rtlCol="0">
+            <a:spAutoFit/>
+          </a:bodyPr>
+          <a:lstStyle/>
+          <a:p>
+            <a:r>
+              <a:rPr lang="ja-JP" altLang="en-US"/>
+              <a:t>強制プッシュ</a:t>
+            </a:r>
+            <a:endParaRPr lang="en-US"/>
+          </a:p>
+        </p:txBody>
+      </p:sp>
+      <p:sp>
+        <p:nvSpPr>
+          <p:cNvPr id="98" name="四角形: 角を丸くする 97">
+            <a:extLst>
+              <a:ext uri="{FF2B5EF4-FFF2-40B4-BE49-F238E27FC236}">
+                <a16:creationId xmlns:a16="http://schemas.microsoft.com/office/drawing/2014/main" id="{666654F7-E46D-4BF3-BA5D-14F1ADC1F130}"/>
+              </a:ext>
+            </a:extLst>
+          </p:cNvPr>
+          <p:cNvSpPr/>
+          <p:nvPr/>
+        </p:nvSpPr>
+        <p:spPr>
+          <a:xfrm>
+            <a:off x="5076056" y="1052736"/>
+            <a:ext cx="2736304" cy="1656184"/>
+          </a:xfrm>
+          <a:prstGeom prst="roundRect">
+            <a:avLst/>
+          </a:prstGeom>
+          <a:noFill/>
+          <a:ln w="28575">
+            <a:solidFill>
+              <a:schemeClr val="tx1"/>
+            </a:solidFill>
+            <a:prstDash val="dash"/>
+          </a:ln>
+        </p:spPr>
+        <p:style>
+          <a:lnRef idx="2">
+            <a:schemeClr val="accent1">
+              <a:shade val="50000"/>
+            </a:schemeClr>
+          </a:lnRef>
+          <a:fillRef idx="1">
+            <a:schemeClr val="accent1"/>
+          </a:fillRef>
+          <a:effectRef idx="0">
+            <a:schemeClr val="accent1"/>
+          </a:effectRef>
+          <a:fontRef idx="minor">
+            <a:schemeClr val="lt1"/>
+          </a:fontRef>
+        </p:style>
+        <p:txBody>
+          <a:bodyPr rtlCol="0" anchor="ctr"/>
+          <a:lstStyle/>
+          <a:p>
+            <a:pPr algn="ctr"/>
+            <a:endParaRPr kumimoji="1" lang="ja-JP" altLang="en-US"/>
+          </a:p>
+        </p:txBody>
+      </p:sp>
+      <p:sp>
+        <p:nvSpPr>
+          <p:cNvPr id="101" name="楕円 4">
+            <a:extLst>
+              <a:ext uri="{FF2B5EF4-FFF2-40B4-BE49-F238E27FC236}">
+                <a16:creationId xmlns:a16="http://schemas.microsoft.com/office/drawing/2014/main" id="{72B5A99D-9908-4791-8736-0F62FA9066C9}"/>
+              </a:ext>
+            </a:extLst>
+          </p:cNvPr>
+          <p:cNvSpPr/>
+          <p:nvPr/>
+        </p:nvSpPr>
+        <p:spPr>
+          <a:xfrm>
+            <a:off x="6084168" y="1844824"/>
+            <a:ext cx="288032" cy="288032"/>
+          </a:xfrm>
+          <a:prstGeom prst="ellipse">
+            <a:avLst/>
+          </a:prstGeom>
+          <a:solidFill>
+            <a:srgbClr val="011893"/>
+          </a:solidFill>
+          <a:ln>
+            <a:solidFill>
+              <a:schemeClr val="tx1"/>
+            </a:solidFill>
+          </a:ln>
+        </p:spPr>
+        <p:style>
+          <a:lnRef idx="2">
+            <a:schemeClr val="accent1">
+              <a:shade val="50000"/>
+            </a:schemeClr>
+          </a:lnRef>
+          <a:fillRef idx="1">
+            <a:schemeClr val="accent1"/>
+          </a:fillRef>
+          <a:effectRef idx="0">
+            <a:schemeClr val="accent1"/>
+          </a:effectRef>
+          <a:fontRef idx="minor">
+            <a:schemeClr val="lt1"/>
+          </a:fontRef>
+        </p:style>
+        <p:txBody>
+          <a:bodyPr rtlCol="0" anchor="ctr"/>
+          <a:lstStyle/>
+          <a:p>
+            <a:pPr algn="ctr"/>
+            <a:endParaRPr kumimoji="1" lang="ja-JP" altLang="en-US"/>
+          </a:p>
+        </p:txBody>
+      </p:sp>
+      <p:sp>
+        <p:nvSpPr>
+          <p:cNvPr id="102" name="楕円 101">
+            <a:extLst>
+              <a:ext uri="{FF2B5EF4-FFF2-40B4-BE49-F238E27FC236}">
+                <a16:creationId xmlns:a16="http://schemas.microsoft.com/office/drawing/2014/main" id="{8921B346-1265-4096-8FB1-84ADFF433ECC}"/>
+              </a:ext>
+            </a:extLst>
+          </p:cNvPr>
+          <p:cNvSpPr/>
+          <p:nvPr/>
+        </p:nvSpPr>
+        <p:spPr>
+          <a:xfrm>
+            <a:off x="5364088" y="1844824"/>
+            <a:ext cx="288032" cy="288032"/>
+          </a:xfrm>
+          <a:prstGeom prst="ellipse">
+            <a:avLst/>
+          </a:prstGeom>
+          <a:solidFill>
+            <a:srgbClr val="011893"/>
+          </a:solidFill>
+          <a:ln>
+            <a:solidFill>
+              <a:schemeClr val="tx1"/>
+            </a:solidFill>
+          </a:ln>
+        </p:spPr>
+        <p:style>
+          <a:lnRef idx="2">
+            <a:schemeClr val="accent1">
+              <a:shade val="50000"/>
+            </a:schemeClr>
+          </a:lnRef>
+          <a:fillRef idx="1">
+            <a:schemeClr val="accent1"/>
+          </a:fillRef>
+          <a:effectRef idx="0">
+            <a:schemeClr val="accent1"/>
+          </a:effectRef>
+          <a:fontRef idx="minor">
+            <a:schemeClr val="lt1"/>
+          </a:fontRef>
+        </p:style>
+        <p:txBody>
+          <a:bodyPr rtlCol="0" anchor="ctr"/>
+          <a:lstStyle/>
+          <a:p>
+            <a:pPr algn="ctr"/>
+            <a:endParaRPr kumimoji="1" lang="ja-JP" altLang="en-US"/>
+          </a:p>
+        </p:txBody>
+      </p:sp>
+      <p:cxnSp>
+        <p:nvCxnSpPr>
+          <p:cNvPr id="103" name="直線コネクタ 102">
+            <a:extLst>
+              <a:ext uri="{FF2B5EF4-FFF2-40B4-BE49-F238E27FC236}">
+                <a16:creationId xmlns:a16="http://schemas.microsoft.com/office/drawing/2014/main" id="{AE014AE5-DA08-40E1-A3B2-C0FC35C37B68}"/>
+              </a:ext>
+            </a:extLst>
+          </p:cNvPr>
+          <p:cNvCxnSpPr>
+            <a:cxnSpLocks/>
+            <a:stCxn id="102" idx="6"/>
+            <a:endCxn id="101" idx="2"/>
+          </p:cNvCxnSpPr>
+          <p:nvPr/>
+        </p:nvCxnSpPr>
+        <p:spPr>
+          <a:xfrm>
+            <a:off x="5652120" y="1988840"/>
+            <a:ext cx="432048" cy="0"/>
+          </a:xfrm>
+          <a:prstGeom prst="line">
+            <a:avLst/>
+          </a:prstGeom>
+          <a:ln w="57150">
+            <a:solidFill>
+              <a:schemeClr val="tx1"/>
+            </a:solidFill>
+            <a:headEnd type="none" w="med" len="med"/>
+            <a:tailEnd type="none" w="med" len="med"/>
+          </a:ln>
+        </p:spPr>
+        <p:style>
+          <a:lnRef idx="1">
+            <a:schemeClr val="accent1"/>
+          </a:lnRef>
+          <a:fillRef idx="0">
+            <a:schemeClr val="accent1"/>
+          </a:fillRef>
+          <a:effectRef idx="0">
+            <a:schemeClr val="accent1"/>
+          </a:effectRef>
+          <a:fontRef idx="minor">
+            <a:schemeClr val="tx1"/>
+          </a:fontRef>
+        </p:style>
+      </p:cxnSp>
+      <p:sp>
+        <p:nvSpPr>
+          <p:cNvPr id="104" name="テキスト ボックス 103">
+            <a:extLst>
+              <a:ext uri="{FF2B5EF4-FFF2-40B4-BE49-F238E27FC236}">
+                <a16:creationId xmlns:a16="http://schemas.microsoft.com/office/drawing/2014/main" id="{9D35AF4A-3272-4706-A363-39A16F204444}"/>
+              </a:ext>
+            </a:extLst>
+          </p:cNvPr>
+          <p:cNvSpPr txBox="1"/>
+          <p:nvPr/>
+        </p:nvSpPr>
+        <p:spPr>
+          <a:xfrm>
+            <a:off x="4932040" y="2204864"/>
+            <a:ext cx="1080120" cy="369332"/>
+          </a:xfrm>
+          <a:prstGeom prst="rect">
+            <a:avLst/>
+          </a:prstGeom>
+          <a:noFill/>
+        </p:spPr>
+        <p:txBody>
+          <a:bodyPr wrap="square">
+            <a:spAutoFit/>
+          </a:bodyPr>
+          <a:lstStyle/>
+          <a:p>
+            <a:pPr algn="ctr"/>
+            <a:r>
+              <a:rPr lang="en-US">
+                <a:latin typeface="Consolas" panose="020B0609020204030204" pitchFamily="49" charset="0"/>
+              </a:rPr>
+              <a:t>c1</a:t>
+            </a:r>
+          </a:p>
+        </p:txBody>
+      </p:sp>
+      <p:sp>
+        <p:nvSpPr>
+          <p:cNvPr id="105" name="テキスト ボックス 104">
+            <a:extLst>
+              <a:ext uri="{FF2B5EF4-FFF2-40B4-BE49-F238E27FC236}">
+                <a16:creationId xmlns:a16="http://schemas.microsoft.com/office/drawing/2014/main" id="{EB38FAE9-CC1A-4782-A085-610FD4CE61AB}"/>
+              </a:ext>
+            </a:extLst>
+          </p:cNvPr>
+          <p:cNvSpPr txBox="1"/>
+          <p:nvPr/>
+        </p:nvSpPr>
+        <p:spPr>
+          <a:xfrm>
+            <a:off x="5705078" y="2204864"/>
+            <a:ext cx="1080120" cy="369332"/>
+          </a:xfrm>
+          <a:prstGeom prst="rect">
+            <a:avLst/>
+          </a:prstGeom>
+          <a:noFill/>
+        </p:spPr>
+        <p:txBody>
+          <a:bodyPr wrap="square">
+            <a:spAutoFit/>
+          </a:bodyPr>
+          <a:lstStyle/>
+          <a:p>
+            <a:pPr algn="ctr"/>
+            <a:r>
+              <a:rPr lang="en-US">
+                <a:latin typeface="Consolas" panose="020B0609020204030204" pitchFamily="49" charset="0"/>
+              </a:rPr>
+              <a:t>c2</a:t>
+            </a:r>
+          </a:p>
+        </p:txBody>
+      </p:sp>
+      <p:sp>
+        <p:nvSpPr>
+          <p:cNvPr id="106" name="四角形: 1 つの角を切り取り 1 つの角を丸める 105">
+            <a:extLst>
+              <a:ext uri="{FF2B5EF4-FFF2-40B4-BE49-F238E27FC236}">
+                <a16:creationId xmlns:a16="http://schemas.microsoft.com/office/drawing/2014/main" id="{30859826-0769-4419-8664-805982966189}"/>
+              </a:ext>
+            </a:extLst>
+          </p:cNvPr>
+          <p:cNvSpPr/>
+          <p:nvPr/>
+        </p:nvSpPr>
+        <p:spPr>
+          <a:xfrm>
+            <a:off x="6300192" y="1124744"/>
+            <a:ext cx="1152128" cy="338336"/>
+          </a:xfrm>
+          <a:prstGeom prst="snipRoundRect">
+            <a:avLst>
+              <a:gd name="adj1" fmla="val 16667"/>
+              <a:gd name="adj2" fmla="val 35924"/>
+            </a:avLst>
+          </a:prstGeom>
+          <a:solidFill>
+            <a:schemeClr val="accent6">
+              <a:lumMod val="20000"/>
+              <a:lumOff val="80000"/>
+            </a:schemeClr>
+          </a:solidFill>
+          <a:ln>
+            <a:solidFill>
+              <a:schemeClr val="tx1"/>
+            </a:solidFill>
+          </a:ln>
+        </p:spPr>
+        <p:style>
+          <a:lnRef idx="2">
+            <a:schemeClr val="accent1">
+              <a:shade val="50000"/>
+            </a:schemeClr>
+          </a:lnRef>
+          <a:fillRef idx="1">
+            <a:schemeClr val="accent1"/>
+          </a:fillRef>
+          <a:effectRef idx="0">
+            <a:schemeClr val="accent1"/>
+          </a:effectRef>
+          <a:fontRef idx="minor">
+            <a:schemeClr val="lt1"/>
+          </a:fontRef>
+        </p:style>
+        <p:txBody>
+          <a:bodyPr rtlCol="0" anchor="ctr"/>
+          <a:lstStyle/>
+          <a:p>
+            <a:pPr algn="ctr"/>
+            <a:r>
+              <a:rPr kumimoji="1" lang="en-US" altLang="ja-JP">
+                <a:solidFill>
+                  <a:sysClr val="windowText" lastClr="000000"/>
+                </a:solidFill>
+                <a:latin typeface="Consolas" panose="020B0609020204030204" pitchFamily="49" charset="0"/>
+              </a:rPr>
+              <a:t>main</a:t>
+            </a:r>
+            <a:endParaRPr kumimoji="1" lang="ja-JP" altLang="en-US">
+              <a:solidFill>
+                <a:sysClr val="windowText" lastClr="000000"/>
+              </a:solidFill>
+              <a:latin typeface="Consolas" panose="020B0609020204030204" pitchFamily="49" charset="0"/>
+            </a:endParaRPr>
+          </a:p>
+        </p:txBody>
+      </p:sp>
+      <p:cxnSp>
+        <p:nvCxnSpPr>
+          <p:cNvPr id="107" name="直線矢印コネクタ 106">
+            <a:extLst>
+              <a:ext uri="{FF2B5EF4-FFF2-40B4-BE49-F238E27FC236}">
+                <a16:creationId xmlns:a16="http://schemas.microsoft.com/office/drawing/2014/main" id="{190E598E-DF31-4244-8EE1-73E40F8AB4B4}"/>
+              </a:ext>
+            </a:extLst>
+          </p:cNvPr>
+          <p:cNvCxnSpPr>
+            <a:cxnSpLocks/>
+            <a:stCxn id="106" idx="1"/>
+          </p:cNvCxnSpPr>
+          <p:nvPr/>
+        </p:nvCxnSpPr>
+        <p:spPr>
+          <a:xfrm>
+            <a:off x="6876256" y="1463080"/>
+            <a:ext cx="0" cy="381744"/>
+          </a:xfrm>
+          <a:prstGeom prst="straightConnector1">
+            <a:avLst/>
+          </a:prstGeom>
+          <a:ln w="12700">
+            <a:solidFill>
+              <a:schemeClr val="tx1"/>
+            </a:solidFill>
+            <a:tailEnd type="triangle"/>
+          </a:ln>
+        </p:spPr>
+        <p:style>
+          <a:lnRef idx="1">
+            <a:schemeClr val="accent1"/>
+          </a:lnRef>
+          <a:fillRef idx="0">
+            <a:schemeClr val="accent1"/>
+          </a:fillRef>
+          <a:effectRef idx="0">
+            <a:schemeClr val="accent1"/>
+          </a:effectRef>
+          <a:fontRef idx="minor">
+            <a:schemeClr val="tx1"/>
+          </a:fontRef>
+        </p:style>
+      </p:cxnSp>
+      <p:sp>
+        <p:nvSpPr>
+          <p:cNvPr id="108" name="楕円 4">
+            <a:extLst>
+              <a:ext uri="{FF2B5EF4-FFF2-40B4-BE49-F238E27FC236}">
+                <a16:creationId xmlns:a16="http://schemas.microsoft.com/office/drawing/2014/main" id="{9D65CF18-00FF-456E-9873-FCBDEF52176F}"/>
+              </a:ext>
+            </a:extLst>
+          </p:cNvPr>
+          <p:cNvSpPr/>
+          <p:nvPr/>
+        </p:nvSpPr>
+        <p:spPr>
+          <a:xfrm>
+            <a:off x="6732240" y="1844824"/>
+            <a:ext cx="288032" cy="288032"/>
+          </a:xfrm>
+          <a:prstGeom prst="ellipse">
+            <a:avLst/>
+          </a:prstGeom>
+          <a:solidFill>
+            <a:srgbClr val="FF0000"/>
+          </a:solidFill>
+          <a:ln>
+            <a:solidFill>
+              <a:schemeClr val="tx1"/>
+            </a:solidFill>
+          </a:ln>
+        </p:spPr>
+        <p:style>
+          <a:lnRef idx="2">
+            <a:schemeClr val="accent1">
+              <a:shade val="50000"/>
+            </a:schemeClr>
+          </a:lnRef>
+          <a:fillRef idx="1">
+            <a:schemeClr val="accent1"/>
+          </a:fillRef>
+          <a:effectRef idx="0">
+            <a:schemeClr val="accent1"/>
+          </a:effectRef>
+          <a:fontRef idx="minor">
+            <a:schemeClr val="lt1"/>
+          </a:fontRef>
+        </p:style>
+        <p:txBody>
+          <a:bodyPr rtlCol="0" anchor="ctr"/>
+          <a:lstStyle/>
+          <a:p>
+            <a:pPr algn="ctr"/>
+            <a:endParaRPr kumimoji="1" lang="ja-JP" altLang="en-US"/>
+          </a:p>
+        </p:txBody>
+      </p:sp>
+      <p:cxnSp>
+        <p:nvCxnSpPr>
+          <p:cNvPr id="109" name="直線コネクタ 108">
+            <a:extLst>
+              <a:ext uri="{FF2B5EF4-FFF2-40B4-BE49-F238E27FC236}">
+                <a16:creationId xmlns:a16="http://schemas.microsoft.com/office/drawing/2014/main" id="{6B45043C-A198-4F87-8F2B-19CA369780A0}"/>
+              </a:ext>
+            </a:extLst>
+          </p:cNvPr>
+          <p:cNvCxnSpPr>
+            <a:cxnSpLocks/>
+          </p:cNvCxnSpPr>
+          <p:nvPr/>
+        </p:nvCxnSpPr>
+        <p:spPr>
+          <a:xfrm>
+            <a:off x="6372200" y="1988840"/>
+            <a:ext cx="404758" cy="0"/>
+          </a:xfrm>
+          <a:prstGeom prst="line">
+            <a:avLst/>
+          </a:prstGeom>
+          <a:ln w="57150">
+            <a:solidFill>
+              <a:srgbClr val="FF0000"/>
+            </a:solidFill>
+            <a:headEnd type="none" w="med" len="med"/>
+            <a:tailEnd type="none" w="med" len="med"/>
+          </a:ln>
+        </p:spPr>
+        <p:style>
+          <a:lnRef idx="1">
+            <a:schemeClr val="accent1"/>
+          </a:lnRef>
+          <a:fillRef idx="0">
+            <a:schemeClr val="accent1"/>
+          </a:fillRef>
+          <a:effectRef idx="0">
+            <a:schemeClr val="accent1"/>
+          </a:effectRef>
+          <a:fontRef idx="minor">
+            <a:schemeClr val="tx1"/>
+          </a:fontRef>
+        </p:style>
+      </p:cxnSp>
+      <p:sp>
+        <p:nvSpPr>
+          <p:cNvPr id="110" name="テキスト ボックス 109">
+            <a:extLst>
+              <a:ext uri="{FF2B5EF4-FFF2-40B4-BE49-F238E27FC236}">
+                <a16:creationId xmlns:a16="http://schemas.microsoft.com/office/drawing/2014/main" id="{9E6F8C96-23CD-4A7E-8AC0-5110815EA559}"/>
+              </a:ext>
+            </a:extLst>
+          </p:cNvPr>
+          <p:cNvSpPr txBox="1"/>
+          <p:nvPr/>
+        </p:nvSpPr>
+        <p:spPr>
+          <a:xfrm>
+            <a:off x="6372200" y="2204864"/>
+            <a:ext cx="1080120" cy="369332"/>
+          </a:xfrm>
+          <a:prstGeom prst="rect">
+            <a:avLst/>
+          </a:prstGeom>
+          <a:noFill/>
+        </p:spPr>
+        <p:txBody>
+          <a:bodyPr wrap="square">
+            <a:spAutoFit/>
+          </a:bodyPr>
+          <a:lstStyle/>
+          <a:p>
+            <a:pPr algn="ctr"/>
+            <a:r>
+              <a:rPr lang="en-US">
+                <a:latin typeface="Consolas" panose="020B0609020204030204" pitchFamily="49" charset="0"/>
+              </a:rPr>
+              <a:t>c4</a:t>
+            </a:r>
+          </a:p>
+        </p:txBody>
+      </p:sp>
+    </p:spTree>
+    <p:extLst>
+      <p:ext uri="{BB962C8B-B14F-4D97-AF65-F5344CB8AC3E}">
+        <p14:creationId xmlns:p14="http://schemas.microsoft.com/office/powerpoint/2010/main" val="3969790001"/>
+      </p:ext>
+    </p:extLst>
+  </p:cSld>
+  <p:clrMapOvr>
+    <a:masterClrMapping/>
+  </p:clrMapOvr>
+</p:sld>
+</file>
+
+<file path=ppt/slides/slide13.xml><?xml version="1.0" encoding="utf-8"?>
+<p:sld xmlns:a="http://schemas.openxmlformats.org/drawingml/2006/main" xmlns:r="http://schemas.openxmlformats.org/officeDocument/2006/relationships" xmlns:p="http://schemas.openxmlformats.org/presentationml/2006/main">
+  <p:cSld>
+    <p:spTree>
+      <p:nvGrpSpPr>
+        <p:cNvPr id="1" name=""/>
+        <p:cNvGrpSpPr/>
+        <p:nvPr/>
+      </p:nvGrpSpPr>
+      <p:grpSpPr>
+        <a:xfrm>
+          <a:off x="0" y="0"/>
+          <a:ext cx="0" cy="0"/>
+          <a:chOff x="0" y="0"/>
+          <a:chExt cx="0" cy="0"/>
+        </a:xfrm>
+      </p:grpSpPr>
+      <p:sp>
+        <p:nvSpPr>
+          <p:cNvPr id="13" name="テキスト ボックス 12">
+            <a:extLst>
+              <a:ext uri="{FF2B5EF4-FFF2-40B4-BE49-F238E27FC236}">
+                <a16:creationId xmlns:a16="http://schemas.microsoft.com/office/drawing/2014/main" id="{C672CE8E-D329-47A4-9E32-EB17F6E7CDC1}"/>
+              </a:ext>
+            </a:extLst>
+          </p:cNvPr>
+          <p:cNvSpPr txBox="1"/>
+          <p:nvPr/>
+        </p:nvSpPr>
+        <p:spPr>
+          <a:xfrm>
+            <a:off x="1043608" y="332656"/>
+            <a:ext cx="2980304" cy="369332"/>
+          </a:xfrm>
+          <a:prstGeom prst="rect">
+            <a:avLst/>
+          </a:prstGeom>
+          <a:noFill/>
+        </p:spPr>
+        <p:txBody>
+          <a:bodyPr wrap="none" rtlCol="0">
+            <a:spAutoFit/>
+          </a:bodyPr>
+          <a:lstStyle/>
+          <a:p>
+            <a:pPr algn="ctr"/>
+            <a:r>
+              <a:rPr lang="ja-JP" altLang="en-US"/>
+              <a:t>リモートリポジトリ</a:t>
+            </a:r>
+            <a:r>
+              <a:rPr lang="en-US" altLang="ja-JP"/>
+              <a:t>(origin)</a:t>
+            </a:r>
+            <a:endParaRPr kumimoji="1" lang="en-US" altLang="ja-JP" dirty="0"/>
+          </a:p>
+        </p:txBody>
+      </p:sp>
+      <p:pic>
+        <p:nvPicPr>
+          <p:cNvPr id="14" name="図 13">
+            <a:extLst>
+              <a:ext uri="{FF2B5EF4-FFF2-40B4-BE49-F238E27FC236}">
+                <a16:creationId xmlns:a16="http://schemas.microsoft.com/office/drawing/2014/main" id="{73FE308D-96D5-47FB-9B0F-D44F33DE5C35}"/>
+              </a:ext>
+            </a:extLst>
+          </p:cNvPr>
+          <p:cNvPicPr>
+            <a:picLocks noChangeAspect="1"/>
+          </p:cNvPicPr>
+          <p:nvPr/>
+        </p:nvPicPr>
+        <p:blipFill>
+          <a:blip r:embed="rId2">
+            <a:extLst>
+              <a:ext uri="{28A0092B-C50C-407E-A947-70E740481C1C}">
+                <a14:useLocalDpi xmlns:a14="http://schemas.microsoft.com/office/drawing/2010/main" val="0"/>
+              </a:ext>
+            </a:extLst>
+          </a:blip>
+          <a:stretch>
+            <a:fillRect/>
+          </a:stretch>
+        </p:blipFill>
+        <p:spPr>
+          <a:xfrm>
+            <a:off x="179512" y="1628800"/>
+            <a:ext cx="609600" cy="609600"/>
+          </a:xfrm>
+          <a:prstGeom prst="rect">
+            <a:avLst/>
+          </a:prstGeom>
+        </p:spPr>
+      </p:pic>
+      <p:sp>
+        <p:nvSpPr>
+          <p:cNvPr id="15" name="四角形: 角を丸くする 14">
+            <a:extLst>
+              <a:ext uri="{FF2B5EF4-FFF2-40B4-BE49-F238E27FC236}">
+                <a16:creationId xmlns:a16="http://schemas.microsoft.com/office/drawing/2014/main" id="{34C0DB5B-6E3A-4F89-8DF8-B3B41138C09C}"/>
+              </a:ext>
+            </a:extLst>
+          </p:cNvPr>
+          <p:cNvSpPr/>
+          <p:nvPr/>
+        </p:nvSpPr>
+        <p:spPr>
+          <a:xfrm>
+            <a:off x="1115938" y="705644"/>
+            <a:ext cx="3312368" cy="2592288"/>
+          </a:xfrm>
+          <a:prstGeom prst="roundRect">
+            <a:avLst/>
+          </a:prstGeom>
+          <a:noFill/>
+          <a:ln w="28575">
+            <a:solidFill>
+              <a:schemeClr val="tx1"/>
+            </a:solidFill>
+            <a:prstDash val="dash"/>
+          </a:ln>
+        </p:spPr>
+        <p:style>
+          <a:lnRef idx="2">
+            <a:schemeClr val="accent1">
+              <a:shade val="50000"/>
+            </a:schemeClr>
+          </a:lnRef>
+          <a:fillRef idx="1">
+            <a:schemeClr val="accent1"/>
+          </a:fillRef>
+          <a:effectRef idx="0">
+            <a:schemeClr val="accent1"/>
+          </a:effectRef>
+          <a:fontRef idx="minor">
+            <a:schemeClr val="lt1"/>
+          </a:fontRef>
+        </p:style>
+        <p:txBody>
+          <a:bodyPr rtlCol="0" anchor="ctr"/>
+          <a:lstStyle/>
+          <a:p>
+            <a:pPr algn="ctr"/>
+            <a:r>
+              <a:rPr kumimoji="1" lang="en-US" altLang="ja-JP"/>
+              <a:t>z</a:t>
+            </a:r>
+            <a:endParaRPr kumimoji="1" lang="ja-JP" altLang="en-US"/>
+          </a:p>
+        </p:txBody>
+      </p:sp>
+      <p:sp>
+        <p:nvSpPr>
+          <p:cNvPr id="17" name="楕円 16">
+            <a:extLst>
+              <a:ext uri="{FF2B5EF4-FFF2-40B4-BE49-F238E27FC236}">
+                <a16:creationId xmlns:a16="http://schemas.microsoft.com/office/drawing/2014/main" id="{A1F5A633-2E47-434C-8318-86833790E456}"/>
+              </a:ext>
+            </a:extLst>
+          </p:cNvPr>
+          <p:cNvSpPr/>
+          <p:nvPr/>
+        </p:nvSpPr>
+        <p:spPr>
+          <a:xfrm>
+            <a:off x="1331640" y="1916832"/>
+            <a:ext cx="288032" cy="288032"/>
+          </a:xfrm>
+          <a:prstGeom prst="ellipse">
+            <a:avLst/>
+          </a:prstGeom>
+          <a:solidFill>
+            <a:srgbClr val="011893"/>
+          </a:solidFill>
+          <a:ln>
+            <a:solidFill>
+              <a:schemeClr val="tx1"/>
+            </a:solidFill>
+          </a:ln>
+        </p:spPr>
+        <p:style>
+          <a:lnRef idx="2">
+            <a:schemeClr val="accent1">
+              <a:shade val="50000"/>
+            </a:schemeClr>
+          </a:lnRef>
+          <a:fillRef idx="1">
+            <a:schemeClr val="accent1"/>
+          </a:fillRef>
+          <a:effectRef idx="0">
+            <a:schemeClr val="accent1"/>
+          </a:effectRef>
+          <a:fontRef idx="minor">
+            <a:schemeClr val="lt1"/>
+          </a:fontRef>
+        </p:style>
+        <p:txBody>
+          <a:bodyPr rtlCol="0" anchor="ctr"/>
+          <a:lstStyle/>
+          <a:p>
+            <a:pPr algn="ctr"/>
+            <a:endParaRPr kumimoji="1" lang="ja-JP" altLang="en-US"/>
+          </a:p>
+        </p:txBody>
+      </p:sp>
+      <p:cxnSp>
+        <p:nvCxnSpPr>
+          <p:cNvPr id="18" name="直線コネクタ 17">
+            <a:extLst>
+              <a:ext uri="{FF2B5EF4-FFF2-40B4-BE49-F238E27FC236}">
+                <a16:creationId xmlns:a16="http://schemas.microsoft.com/office/drawing/2014/main" id="{CD8B0DC2-625A-44AE-9640-60F198C2403A}"/>
+              </a:ext>
+            </a:extLst>
+          </p:cNvPr>
+          <p:cNvCxnSpPr>
+            <a:cxnSpLocks/>
+            <a:stCxn id="17" idx="6"/>
+          </p:cNvCxnSpPr>
+          <p:nvPr/>
+        </p:nvCxnSpPr>
+        <p:spPr>
+          <a:xfrm>
+            <a:off x="1619672" y="2060848"/>
+            <a:ext cx="432048" cy="0"/>
+          </a:xfrm>
+          <a:prstGeom prst="line">
+            <a:avLst/>
+          </a:prstGeom>
+          <a:ln w="57150">
+            <a:solidFill>
+              <a:schemeClr val="tx1"/>
+            </a:solidFill>
+            <a:headEnd type="none" w="med" len="med"/>
+            <a:tailEnd type="none" w="med" len="med"/>
+          </a:ln>
+        </p:spPr>
+        <p:style>
+          <a:lnRef idx="1">
+            <a:schemeClr val="accent1"/>
+          </a:lnRef>
+          <a:fillRef idx="0">
+            <a:schemeClr val="accent1"/>
+          </a:fillRef>
+          <a:effectRef idx="0">
+            <a:schemeClr val="accent1"/>
+          </a:effectRef>
+          <a:fontRef idx="minor">
+            <a:schemeClr val="tx1"/>
+          </a:fontRef>
+        </p:style>
+      </p:cxnSp>
+      <p:sp>
+        <p:nvSpPr>
+          <p:cNvPr id="19" name="テキスト ボックス 18">
+            <a:extLst>
+              <a:ext uri="{FF2B5EF4-FFF2-40B4-BE49-F238E27FC236}">
+                <a16:creationId xmlns:a16="http://schemas.microsoft.com/office/drawing/2014/main" id="{C6232F38-C720-470E-B8C7-0F89338B25E3}"/>
+              </a:ext>
+            </a:extLst>
+          </p:cNvPr>
+          <p:cNvSpPr txBox="1"/>
+          <p:nvPr/>
+        </p:nvSpPr>
+        <p:spPr>
+          <a:xfrm>
+            <a:off x="899592" y="2276872"/>
+            <a:ext cx="1080120" cy="369332"/>
+          </a:xfrm>
+          <a:prstGeom prst="rect">
+            <a:avLst/>
+          </a:prstGeom>
+          <a:noFill/>
+        </p:spPr>
+        <p:txBody>
+          <a:bodyPr wrap="square">
+            <a:spAutoFit/>
+          </a:bodyPr>
+          <a:lstStyle/>
+          <a:p>
+            <a:pPr algn="ctr"/>
+            <a:r>
+              <a:rPr lang="en-US">
+                <a:latin typeface="Consolas" panose="020B0609020204030204" pitchFamily="49" charset="0"/>
+              </a:rPr>
+              <a:t>c1</a:t>
+            </a:r>
+          </a:p>
+        </p:txBody>
+      </p:sp>
+      <p:sp>
+        <p:nvSpPr>
+          <p:cNvPr id="20" name="テキスト ボックス 19">
+            <a:extLst>
+              <a:ext uri="{FF2B5EF4-FFF2-40B4-BE49-F238E27FC236}">
+                <a16:creationId xmlns:a16="http://schemas.microsoft.com/office/drawing/2014/main" id="{54082AEA-F32A-4AC6-9040-B69504639A57}"/>
+              </a:ext>
+            </a:extLst>
+          </p:cNvPr>
+          <p:cNvSpPr txBox="1"/>
+          <p:nvPr/>
+        </p:nvSpPr>
+        <p:spPr>
+          <a:xfrm>
+            <a:off x="1672630" y="2276872"/>
+            <a:ext cx="1080120" cy="369332"/>
+          </a:xfrm>
+          <a:prstGeom prst="rect">
+            <a:avLst/>
+          </a:prstGeom>
+          <a:noFill/>
+        </p:spPr>
+        <p:txBody>
+          <a:bodyPr wrap="square">
+            <a:spAutoFit/>
+          </a:bodyPr>
+          <a:lstStyle/>
+          <a:p>
+            <a:pPr algn="ctr"/>
+            <a:r>
+              <a:rPr lang="en-US">
+                <a:latin typeface="Consolas" panose="020B0609020204030204" pitchFamily="49" charset="0"/>
+              </a:rPr>
+              <a:t>c2</a:t>
+            </a:r>
+          </a:p>
+        </p:txBody>
+      </p:sp>
+      <p:sp>
+        <p:nvSpPr>
+          <p:cNvPr id="21" name="四角形: 1 つの角を切り取り 1 つの角を丸める 20">
+            <a:extLst>
+              <a:ext uri="{FF2B5EF4-FFF2-40B4-BE49-F238E27FC236}">
+                <a16:creationId xmlns:a16="http://schemas.microsoft.com/office/drawing/2014/main" id="{FDA7CAB5-6A89-4AA4-BDA9-B9944C26D083}"/>
+              </a:ext>
+            </a:extLst>
+          </p:cNvPr>
+          <p:cNvSpPr/>
+          <p:nvPr/>
+        </p:nvSpPr>
+        <p:spPr>
+          <a:xfrm>
+            <a:off x="2430810" y="798612"/>
+            <a:ext cx="1152128" cy="338336"/>
+          </a:xfrm>
+          <a:prstGeom prst="snipRoundRect">
+            <a:avLst>
+              <a:gd name="adj1" fmla="val 16667"/>
+              <a:gd name="adj2" fmla="val 35924"/>
+            </a:avLst>
+          </a:prstGeom>
+          <a:solidFill>
+            <a:schemeClr val="accent6">
+              <a:lumMod val="20000"/>
+              <a:lumOff val="80000"/>
+            </a:schemeClr>
+          </a:solidFill>
+          <a:ln>
+            <a:solidFill>
+              <a:schemeClr val="tx1"/>
+            </a:solidFill>
+          </a:ln>
+        </p:spPr>
+        <p:style>
+          <a:lnRef idx="2">
+            <a:schemeClr val="accent1">
+              <a:shade val="50000"/>
+            </a:schemeClr>
+          </a:lnRef>
+          <a:fillRef idx="1">
+            <a:schemeClr val="accent1"/>
+          </a:fillRef>
+          <a:effectRef idx="0">
+            <a:schemeClr val="accent1"/>
+          </a:effectRef>
+          <a:fontRef idx="minor">
+            <a:schemeClr val="lt1"/>
+          </a:fontRef>
+        </p:style>
+        <p:txBody>
+          <a:bodyPr rtlCol="0" anchor="ctr"/>
+          <a:lstStyle/>
+          <a:p>
+            <a:pPr algn="ctr"/>
+            <a:r>
+              <a:rPr kumimoji="1" lang="en-US" altLang="ja-JP">
+                <a:solidFill>
+                  <a:sysClr val="windowText" lastClr="000000"/>
+                </a:solidFill>
+                <a:latin typeface="Consolas" panose="020B0609020204030204" pitchFamily="49" charset="0"/>
+              </a:rPr>
+              <a:t>main</a:t>
+            </a:r>
+            <a:endParaRPr kumimoji="1" lang="ja-JP" altLang="en-US">
+              <a:solidFill>
+                <a:sysClr val="windowText" lastClr="000000"/>
+              </a:solidFill>
+              <a:latin typeface="Consolas" panose="020B0609020204030204" pitchFamily="49" charset="0"/>
+            </a:endParaRPr>
+          </a:p>
+        </p:txBody>
+      </p:sp>
+      <p:cxnSp>
+        <p:nvCxnSpPr>
+          <p:cNvPr id="22" name="直線矢印コネクタ 21">
+            <a:extLst>
+              <a:ext uri="{FF2B5EF4-FFF2-40B4-BE49-F238E27FC236}">
+                <a16:creationId xmlns:a16="http://schemas.microsoft.com/office/drawing/2014/main" id="{E7DB802E-B43F-4146-ABED-E1424DF71B5D}"/>
+              </a:ext>
+            </a:extLst>
+          </p:cNvPr>
+          <p:cNvCxnSpPr>
+            <a:cxnSpLocks/>
+            <a:stCxn id="21" idx="1"/>
+          </p:cNvCxnSpPr>
+          <p:nvPr/>
+        </p:nvCxnSpPr>
+        <p:spPr>
+          <a:xfrm>
+            <a:off x="3006874" y="1136948"/>
+            <a:ext cx="0" cy="381744"/>
+          </a:xfrm>
+          <a:prstGeom prst="straightConnector1">
+            <a:avLst/>
+          </a:prstGeom>
+          <a:ln w="12700">
+            <a:solidFill>
+              <a:schemeClr val="tx1"/>
+            </a:solidFill>
+            <a:tailEnd type="triangle"/>
+          </a:ln>
+        </p:spPr>
+        <p:style>
+          <a:lnRef idx="1">
+            <a:schemeClr val="accent1"/>
+          </a:lnRef>
+          <a:fillRef idx="0">
+            <a:schemeClr val="accent1"/>
+          </a:fillRef>
+          <a:effectRef idx="0">
+            <a:schemeClr val="accent1"/>
+          </a:effectRef>
+          <a:fontRef idx="minor">
+            <a:schemeClr val="tx1"/>
+          </a:fontRef>
+        </p:style>
+      </p:cxnSp>
+      <p:sp>
+        <p:nvSpPr>
+          <p:cNvPr id="23" name="楕円 4">
+            <a:extLst>
+              <a:ext uri="{FF2B5EF4-FFF2-40B4-BE49-F238E27FC236}">
+                <a16:creationId xmlns:a16="http://schemas.microsoft.com/office/drawing/2014/main" id="{DA0C49BC-DA34-4BC4-B32A-61BD4B1DD3C7}"/>
+              </a:ext>
+            </a:extLst>
+          </p:cNvPr>
+          <p:cNvSpPr/>
+          <p:nvPr/>
+        </p:nvSpPr>
+        <p:spPr>
+          <a:xfrm>
+            <a:off x="2885989" y="1514611"/>
+            <a:ext cx="288032" cy="288032"/>
+          </a:xfrm>
+          <a:prstGeom prst="ellipse">
+            <a:avLst/>
+          </a:prstGeom>
+          <a:solidFill>
+            <a:srgbClr val="FF0000"/>
+          </a:solidFill>
+          <a:ln>
+            <a:solidFill>
+              <a:schemeClr val="tx1"/>
+            </a:solidFill>
+          </a:ln>
+        </p:spPr>
+        <p:style>
+          <a:lnRef idx="2">
+            <a:schemeClr val="accent1">
+              <a:shade val="50000"/>
+            </a:schemeClr>
+          </a:lnRef>
+          <a:fillRef idx="1">
+            <a:schemeClr val="accent1"/>
+          </a:fillRef>
+          <a:effectRef idx="0">
+            <a:schemeClr val="accent1"/>
+          </a:effectRef>
+          <a:fontRef idx="minor">
+            <a:schemeClr val="lt1"/>
+          </a:fontRef>
+        </p:style>
+        <p:txBody>
+          <a:bodyPr rtlCol="0" anchor="ctr"/>
+          <a:lstStyle/>
+          <a:p>
+            <a:pPr algn="ctr"/>
+            <a:endParaRPr kumimoji="1" lang="ja-JP" altLang="en-US"/>
+          </a:p>
+        </p:txBody>
+      </p:sp>
+      <p:cxnSp>
+        <p:nvCxnSpPr>
+          <p:cNvPr id="24" name="直線コネクタ 23">
+            <a:extLst>
+              <a:ext uri="{FF2B5EF4-FFF2-40B4-BE49-F238E27FC236}">
+                <a16:creationId xmlns:a16="http://schemas.microsoft.com/office/drawing/2014/main" id="{217FEF37-A14B-42FA-9053-4D36E2F3D1F9}"/>
+              </a:ext>
+            </a:extLst>
+          </p:cNvPr>
+          <p:cNvCxnSpPr>
+            <a:cxnSpLocks/>
+            <a:endCxn id="23" idx="3"/>
+          </p:cNvCxnSpPr>
+          <p:nvPr/>
+        </p:nvCxnSpPr>
+        <p:spPr>
+          <a:xfrm flipV="1">
+            <a:off x="2339752" y="1760462"/>
+            <a:ext cx="588418" cy="300386"/>
+          </a:xfrm>
+          <a:prstGeom prst="line">
+            <a:avLst/>
+          </a:prstGeom>
+          <a:ln w="57150">
+            <a:solidFill>
+              <a:srgbClr val="FF0000"/>
+            </a:solidFill>
+            <a:headEnd type="none" w="med" len="med"/>
+            <a:tailEnd type="none" w="med" len="med"/>
+          </a:ln>
+        </p:spPr>
+        <p:style>
+          <a:lnRef idx="1">
+            <a:schemeClr val="accent1"/>
+          </a:lnRef>
+          <a:fillRef idx="0">
+            <a:schemeClr val="accent1"/>
+          </a:fillRef>
+          <a:effectRef idx="0">
+            <a:schemeClr val="accent1"/>
+          </a:effectRef>
+          <a:fontRef idx="minor">
+            <a:schemeClr val="tx1"/>
+          </a:fontRef>
+        </p:style>
+      </p:cxnSp>
+      <p:sp>
+        <p:nvSpPr>
+          <p:cNvPr id="25" name="テキスト ボックス 24">
+            <a:extLst>
+              <a:ext uri="{FF2B5EF4-FFF2-40B4-BE49-F238E27FC236}">
+                <a16:creationId xmlns:a16="http://schemas.microsoft.com/office/drawing/2014/main" id="{A26C8098-0026-4147-B1BB-4E608C6EB251}"/>
+              </a:ext>
+            </a:extLst>
+          </p:cNvPr>
+          <p:cNvSpPr txBox="1"/>
+          <p:nvPr/>
+        </p:nvSpPr>
+        <p:spPr>
+          <a:xfrm>
+            <a:off x="2843808" y="1465734"/>
+            <a:ext cx="1080120" cy="369332"/>
+          </a:xfrm>
+          <a:prstGeom prst="rect">
+            <a:avLst/>
+          </a:prstGeom>
+          <a:noFill/>
+        </p:spPr>
+        <p:txBody>
+          <a:bodyPr wrap="square">
+            <a:spAutoFit/>
+          </a:bodyPr>
+          <a:lstStyle/>
+          <a:p>
+            <a:pPr algn="ctr"/>
+            <a:r>
+              <a:rPr lang="en-US">
+                <a:latin typeface="Consolas" panose="020B0609020204030204" pitchFamily="49" charset="0"/>
+              </a:rPr>
+              <a:t>c4</a:t>
+            </a:r>
+          </a:p>
+        </p:txBody>
+      </p:sp>
+      <p:sp>
+        <p:nvSpPr>
+          <p:cNvPr id="27" name="楕円 4">
+            <a:extLst>
+              <a:ext uri="{FF2B5EF4-FFF2-40B4-BE49-F238E27FC236}">
+                <a16:creationId xmlns:a16="http://schemas.microsoft.com/office/drawing/2014/main" id="{9D999879-756F-4AA5-9AF4-9458CC94D442}"/>
+              </a:ext>
+            </a:extLst>
+          </p:cNvPr>
+          <p:cNvSpPr/>
+          <p:nvPr/>
+        </p:nvSpPr>
+        <p:spPr>
+          <a:xfrm>
+            <a:off x="1893168" y="5373216"/>
+            <a:ext cx="288032" cy="288032"/>
+          </a:xfrm>
+          <a:prstGeom prst="ellipse">
+            <a:avLst/>
+          </a:prstGeom>
+          <a:solidFill>
+            <a:srgbClr val="011893"/>
+          </a:solidFill>
+          <a:ln>
+            <a:solidFill>
+              <a:schemeClr val="tx1"/>
+            </a:solidFill>
+          </a:ln>
+        </p:spPr>
+        <p:style>
+          <a:lnRef idx="2">
+            <a:schemeClr val="accent1">
+              <a:shade val="50000"/>
+            </a:schemeClr>
+          </a:lnRef>
+          <a:fillRef idx="1">
+            <a:schemeClr val="accent1"/>
+          </a:fillRef>
+          <a:effectRef idx="0">
+            <a:schemeClr val="accent1"/>
+          </a:effectRef>
+          <a:fontRef idx="minor">
+            <a:schemeClr val="lt1"/>
+          </a:fontRef>
+        </p:style>
+        <p:txBody>
+          <a:bodyPr rtlCol="0" anchor="ctr"/>
+          <a:lstStyle/>
+          <a:p>
+            <a:pPr algn="ctr"/>
+            <a:endParaRPr kumimoji="1" lang="ja-JP" altLang="en-US"/>
+          </a:p>
+        </p:txBody>
+      </p:sp>
+      <p:sp>
+        <p:nvSpPr>
+          <p:cNvPr id="28" name="四角形: 1 つの角を切り取り 1 つの角を丸める 27">
+            <a:extLst>
+              <a:ext uri="{FF2B5EF4-FFF2-40B4-BE49-F238E27FC236}">
+                <a16:creationId xmlns:a16="http://schemas.microsoft.com/office/drawing/2014/main" id="{FA45CC3B-BB81-4B81-A235-5ED786451BAC}"/>
+              </a:ext>
+            </a:extLst>
+          </p:cNvPr>
+          <p:cNvSpPr/>
+          <p:nvPr/>
+        </p:nvSpPr>
+        <p:spPr>
+          <a:xfrm>
+            <a:off x="2195736" y="4653136"/>
+            <a:ext cx="1152128" cy="338336"/>
+          </a:xfrm>
+          <a:prstGeom prst="snipRoundRect">
+            <a:avLst>
+              <a:gd name="adj1" fmla="val 16667"/>
+              <a:gd name="adj2" fmla="val 35924"/>
+            </a:avLst>
+          </a:prstGeom>
+          <a:solidFill>
+            <a:schemeClr val="accent6">
+              <a:lumMod val="20000"/>
+              <a:lumOff val="80000"/>
+            </a:schemeClr>
+          </a:solidFill>
+          <a:ln>
+            <a:solidFill>
+              <a:schemeClr val="tx1"/>
+            </a:solidFill>
+          </a:ln>
+        </p:spPr>
+        <p:style>
+          <a:lnRef idx="2">
+            <a:schemeClr val="accent1">
+              <a:shade val="50000"/>
+            </a:schemeClr>
+          </a:lnRef>
+          <a:fillRef idx="1">
+            <a:schemeClr val="accent1"/>
+          </a:fillRef>
+          <a:effectRef idx="0">
+            <a:schemeClr val="accent1"/>
+          </a:effectRef>
+          <a:fontRef idx="minor">
+            <a:schemeClr val="lt1"/>
+          </a:fontRef>
+        </p:style>
+        <p:txBody>
+          <a:bodyPr rtlCol="0" anchor="ctr"/>
+          <a:lstStyle/>
+          <a:p>
+            <a:pPr algn="ctr"/>
+            <a:r>
+              <a:rPr kumimoji="1" lang="en-US" altLang="ja-JP">
+                <a:solidFill>
+                  <a:sysClr val="windowText" lastClr="000000"/>
+                </a:solidFill>
+                <a:latin typeface="Consolas" panose="020B0609020204030204" pitchFamily="49" charset="0"/>
+              </a:rPr>
+              <a:t>main</a:t>
+            </a:r>
+            <a:endParaRPr kumimoji="1" lang="ja-JP" altLang="en-US">
+              <a:solidFill>
+                <a:sysClr val="windowText" lastClr="000000"/>
+              </a:solidFill>
+              <a:latin typeface="Consolas" panose="020B0609020204030204" pitchFamily="49" charset="0"/>
+            </a:endParaRPr>
+          </a:p>
+        </p:txBody>
+      </p:sp>
+      <p:cxnSp>
+        <p:nvCxnSpPr>
+          <p:cNvPr id="29" name="直線矢印コネクタ 28">
+            <a:extLst>
+              <a:ext uri="{FF2B5EF4-FFF2-40B4-BE49-F238E27FC236}">
+                <a16:creationId xmlns:a16="http://schemas.microsoft.com/office/drawing/2014/main" id="{F4F20A82-1312-4A04-945B-03D99E458D94}"/>
+              </a:ext>
+            </a:extLst>
+          </p:cNvPr>
+          <p:cNvCxnSpPr>
+            <a:cxnSpLocks/>
+            <a:stCxn id="28" idx="1"/>
+          </p:cNvCxnSpPr>
+          <p:nvPr/>
+        </p:nvCxnSpPr>
+        <p:spPr>
+          <a:xfrm>
+            <a:off x="2771800" y="4991472"/>
+            <a:ext cx="0" cy="381744"/>
+          </a:xfrm>
+          <a:prstGeom prst="straightConnector1">
+            <a:avLst/>
+          </a:prstGeom>
+          <a:ln w="12700">
+            <a:solidFill>
+              <a:schemeClr val="tx1"/>
+            </a:solidFill>
+            <a:tailEnd type="triangle"/>
+          </a:ln>
+        </p:spPr>
+        <p:style>
+          <a:lnRef idx="1">
+            <a:schemeClr val="accent1"/>
+          </a:lnRef>
+          <a:fillRef idx="0">
+            <a:schemeClr val="accent1"/>
+          </a:fillRef>
+          <a:effectRef idx="0">
+            <a:schemeClr val="accent1"/>
+          </a:effectRef>
+          <a:fontRef idx="minor">
+            <a:schemeClr val="tx1"/>
+          </a:fontRef>
+        </p:style>
+      </p:cxnSp>
+      <p:sp>
+        <p:nvSpPr>
+          <p:cNvPr id="30" name="楕円 29">
+            <a:extLst>
+              <a:ext uri="{FF2B5EF4-FFF2-40B4-BE49-F238E27FC236}">
+                <a16:creationId xmlns:a16="http://schemas.microsoft.com/office/drawing/2014/main" id="{85B1786C-2C01-46F8-B2D3-CDA52E618458}"/>
+              </a:ext>
+            </a:extLst>
+          </p:cNvPr>
+          <p:cNvSpPr/>
+          <p:nvPr/>
+        </p:nvSpPr>
+        <p:spPr>
+          <a:xfrm>
+            <a:off x="1173088" y="5373216"/>
+            <a:ext cx="288032" cy="288032"/>
+          </a:xfrm>
+          <a:prstGeom prst="ellipse">
+            <a:avLst/>
+          </a:prstGeom>
+          <a:solidFill>
+            <a:srgbClr val="011893"/>
+          </a:solidFill>
+          <a:ln>
+            <a:solidFill>
+              <a:schemeClr val="tx1"/>
+            </a:solidFill>
+          </a:ln>
+        </p:spPr>
+        <p:style>
+          <a:lnRef idx="2">
+            <a:schemeClr val="accent1">
+              <a:shade val="50000"/>
+            </a:schemeClr>
+          </a:lnRef>
+          <a:fillRef idx="1">
+            <a:schemeClr val="accent1"/>
+          </a:fillRef>
+          <a:effectRef idx="0">
+            <a:schemeClr val="accent1"/>
+          </a:effectRef>
+          <a:fontRef idx="minor">
+            <a:schemeClr val="lt1"/>
+          </a:fontRef>
+        </p:style>
+        <p:txBody>
+          <a:bodyPr rtlCol="0" anchor="ctr"/>
+          <a:lstStyle/>
+          <a:p>
+            <a:pPr algn="ctr"/>
+            <a:endParaRPr kumimoji="1" lang="ja-JP" altLang="en-US"/>
+          </a:p>
+        </p:txBody>
+      </p:sp>
+      <p:cxnSp>
+        <p:nvCxnSpPr>
+          <p:cNvPr id="31" name="直線コネクタ 30">
+            <a:extLst>
+              <a:ext uri="{FF2B5EF4-FFF2-40B4-BE49-F238E27FC236}">
+                <a16:creationId xmlns:a16="http://schemas.microsoft.com/office/drawing/2014/main" id="{C4CF4D5A-2DEE-475A-98EF-AF0C7DA8136E}"/>
+              </a:ext>
+            </a:extLst>
+          </p:cNvPr>
+          <p:cNvCxnSpPr>
+            <a:cxnSpLocks/>
+            <a:stCxn id="30" idx="6"/>
+          </p:cNvCxnSpPr>
+          <p:nvPr/>
+        </p:nvCxnSpPr>
+        <p:spPr>
+          <a:xfrm>
+            <a:off x="1461120" y="5517232"/>
+            <a:ext cx="432048" cy="0"/>
+          </a:xfrm>
+          <a:prstGeom prst="line">
+            <a:avLst/>
+          </a:prstGeom>
+          <a:ln w="57150">
+            <a:solidFill>
+              <a:schemeClr val="tx1"/>
+            </a:solidFill>
+            <a:headEnd type="none" w="med" len="med"/>
+            <a:tailEnd type="none" w="med" len="med"/>
+          </a:ln>
+        </p:spPr>
+        <p:style>
+          <a:lnRef idx="1">
+            <a:schemeClr val="accent1"/>
+          </a:lnRef>
+          <a:fillRef idx="0">
+            <a:schemeClr val="accent1"/>
+          </a:fillRef>
+          <a:effectRef idx="0">
+            <a:schemeClr val="accent1"/>
+          </a:effectRef>
+          <a:fontRef idx="minor">
+            <a:schemeClr val="tx1"/>
+          </a:fontRef>
+        </p:style>
+      </p:cxnSp>
+      <p:sp>
+        <p:nvSpPr>
+          <p:cNvPr id="32" name="楕円 4">
+            <a:extLst>
+              <a:ext uri="{FF2B5EF4-FFF2-40B4-BE49-F238E27FC236}">
+                <a16:creationId xmlns:a16="http://schemas.microsoft.com/office/drawing/2014/main" id="{8C4BE553-C8C4-4499-A461-6BE906B87FE3}"/>
+              </a:ext>
+            </a:extLst>
+          </p:cNvPr>
+          <p:cNvSpPr/>
+          <p:nvPr/>
+        </p:nvSpPr>
+        <p:spPr>
+          <a:xfrm>
+            <a:off x="2613248" y="5373216"/>
+            <a:ext cx="288032" cy="288032"/>
+          </a:xfrm>
+          <a:prstGeom prst="ellipse">
+            <a:avLst/>
+          </a:prstGeom>
+          <a:solidFill>
+            <a:srgbClr val="011893"/>
+          </a:solidFill>
+          <a:ln>
+            <a:solidFill>
+              <a:schemeClr val="tx1"/>
+            </a:solidFill>
+          </a:ln>
+        </p:spPr>
+        <p:style>
+          <a:lnRef idx="2">
+            <a:schemeClr val="accent1">
+              <a:shade val="50000"/>
+            </a:schemeClr>
+          </a:lnRef>
+          <a:fillRef idx="1">
+            <a:schemeClr val="accent1"/>
+          </a:fillRef>
+          <a:effectRef idx="0">
+            <a:schemeClr val="accent1"/>
+          </a:effectRef>
+          <a:fontRef idx="minor">
+            <a:schemeClr val="lt1"/>
+          </a:fontRef>
+        </p:style>
+        <p:txBody>
+          <a:bodyPr rtlCol="0" anchor="ctr"/>
+          <a:lstStyle/>
+          <a:p>
+            <a:pPr algn="ctr"/>
+            <a:endParaRPr kumimoji="1" lang="ja-JP" altLang="en-US"/>
+          </a:p>
+        </p:txBody>
+      </p:sp>
+      <p:cxnSp>
+        <p:nvCxnSpPr>
+          <p:cNvPr id="33" name="直線コネクタ 32">
+            <a:extLst>
+              <a:ext uri="{FF2B5EF4-FFF2-40B4-BE49-F238E27FC236}">
+                <a16:creationId xmlns:a16="http://schemas.microsoft.com/office/drawing/2014/main" id="{5762A9FE-F6D0-41CC-83AF-BE9CD7F61C30}"/>
+              </a:ext>
+            </a:extLst>
+          </p:cNvPr>
+          <p:cNvCxnSpPr>
+            <a:cxnSpLocks/>
+          </p:cNvCxnSpPr>
+          <p:nvPr/>
+        </p:nvCxnSpPr>
+        <p:spPr>
+          <a:xfrm>
+            <a:off x="2181200" y="5517232"/>
+            <a:ext cx="432048" cy="0"/>
+          </a:xfrm>
+          <a:prstGeom prst="line">
+            <a:avLst/>
+          </a:prstGeom>
+          <a:ln w="57150">
+            <a:solidFill>
+              <a:schemeClr val="tx1"/>
+            </a:solidFill>
+            <a:headEnd type="none" w="med" len="med"/>
+            <a:tailEnd type="none" w="med" len="med"/>
+          </a:ln>
+        </p:spPr>
+        <p:style>
+          <a:lnRef idx="1">
+            <a:schemeClr val="accent1"/>
+          </a:lnRef>
+          <a:fillRef idx="0">
+            <a:schemeClr val="accent1"/>
+          </a:fillRef>
+          <a:effectRef idx="0">
+            <a:schemeClr val="accent1"/>
+          </a:effectRef>
+          <a:fontRef idx="minor">
+            <a:schemeClr val="tx1"/>
+          </a:fontRef>
+        </p:style>
+      </p:cxnSp>
+      <p:sp>
+        <p:nvSpPr>
+          <p:cNvPr id="34" name="四角形: 角を丸くする 33">
+            <a:extLst>
+              <a:ext uri="{FF2B5EF4-FFF2-40B4-BE49-F238E27FC236}">
+                <a16:creationId xmlns:a16="http://schemas.microsoft.com/office/drawing/2014/main" id="{BE8F8058-F7AD-403B-92E9-EF7F5BC0A01C}"/>
+              </a:ext>
+            </a:extLst>
+          </p:cNvPr>
+          <p:cNvSpPr/>
+          <p:nvPr/>
+        </p:nvSpPr>
+        <p:spPr>
+          <a:xfrm>
+            <a:off x="1043608" y="4149080"/>
+            <a:ext cx="4176464" cy="2304256"/>
+          </a:xfrm>
+          <a:prstGeom prst="roundRect">
+            <a:avLst/>
+          </a:prstGeom>
+          <a:noFill/>
+          <a:ln w="28575">
+            <a:solidFill>
+              <a:schemeClr val="tx1"/>
+            </a:solidFill>
+            <a:prstDash val="dash"/>
+          </a:ln>
+        </p:spPr>
+        <p:style>
+          <a:lnRef idx="2">
+            <a:schemeClr val="accent1">
+              <a:shade val="50000"/>
+            </a:schemeClr>
+          </a:lnRef>
+          <a:fillRef idx="1">
+            <a:schemeClr val="accent1"/>
+          </a:fillRef>
+          <a:effectRef idx="0">
+            <a:schemeClr val="accent1"/>
+          </a:effectRef>
+          <a:fontRef idx="minor">
+            <a:schemeClr val="lt1"/>
+          </a:fontRef>
+        </p:style>
+        <p:txBody>
+          <a:bodyPr rtlCol="0" anchor="ctr"/>
+          <a:lstStyle/>
+          <a:p>
+            <a:pPr algn="ctr"/>
+            <a:endParaRPr kumimoji="1" lang="ja-JP" altLang="en-US"/>
+          </a:p>
+        </p:txBody>
+      </p:sp>
+      <p:sp>
+        <p:nvSpPr>
+          <p:cNvPr id="35" name="四角形: 1 つの角を切り取り 1 つの角を丸める 34">
+            <a:extLst>
+              <a:ext uri="{FF2B5EF4-FFF2-40B4-BE49-F238E27FC236}">
+                <a16:creationId xmlns:a16="http://schemas.microsoft.com/office/drawing/2014/main" id="{4A4A25A9-A7CC-4376-BA64-6948BBF09380}"/>
+              </a:ext>
+            </a:extLst>
+          </p:cNvPr>
+          <p:cNvSpPr/>
+          <p:nvPr/>
+        </p:nvSpPr>
+        <p:spPr>
+          <a:xfrm>
+            <a:off x="3275856" y="5339308"/>
+            <a:ext cx="1656184" cy="360040"/>
+          </a:xfrm>
+          <a:prstGeom prst="snipRoundRect">
+            <a:avLst>
+              <a:gd name="adj1" fmla="val 16667"/>
+              <a:gd name="adj2" fmla="val 35924"/>
+            </a:avLst>
+          </a:prstGeom>
+          <a:solidFill>
+            <a:srgbClr val="FF99FF"/>
+          </a:solidFill>
+          <a:ln>
+            <a:solidFill>
+              <a:schemeClr val="tx1"/>
+            </a:solidFill>
+          </a:ln>
+        </p:spPr>
+        <p:style>
+          <a:lnRef idx="2">
+            <a:schemeClr val="accent1">
+              <a:shade val="50000"/>
+            </a:schemeClr>
+          </a:lnRef>
+          <a:fillRef idx="1">
+            <a:schemeClr val="accent1"/>
+          </a:fillRef>
+          <a:effectRef idx="0">
+            <a:schemeClr val="accent1"/>
+          </a:effectRef>
+          <a:fontRef idx="minor">
+            <a:schemeClr val="lt1"/>
+          </a:fontRef>
+        </p:style>
+        <p:txBody>
+          <a:bodyPr rtlCol="0" anchor="ctr"/>
+          <a:lstStyle/>
+          <a:p>
+            <a:pPr algn="ctr"/>
+            <a:r>
+              <a:rPr kumimoji="1" lang="en-US" altLang="ja-JP">
+                <a:solidFill>
+                  <a:sysClr val="windowText" lastClr="000000"/>
+                </a:solidFill>
+                <a:latin typeface="Consolas" panose="020B0609020204030204" pitchFamily="49" charset="0"/>
+              </a:rPr>
+              <a:t>origin/main</a:t>
+            </a:r>
+            <a:endParaRPr kumimoji="1" lang="ja-JP" altLang="en-US">
+              <a:solidFill>
+                <a:sysClr val="windowText" lastClr="000000"/>
+              </a:solidFill>
+              <a:latin typeface="Consolas" panose="020B0609020204030204" pitchFamily="49" charset="0"/>
+            </a:endParaRPr>
+          </a:p>
+        </p:txBody>
+      </p:sp>
+      <p:sp>
+        <p:nvSpPr>
+          <p:cNvPr id="37" name="テキスト ボックス 36">
+            <a:extLst>
+              <a:ext uri="{FF2B5EF4-FFF2-40B4-BE49-F238E27FC236}">
+                <a16:creationId xmlns:a16="http://schemas.microsoft.com/office/drawing/2014/main" id="{EEE34A0D-5E19-405B-A39E-55AE4C61D579}"/>
+              </a:ext>
+            </a:extLst>
+          </p:cNvPr>
+          <p:cNvSpPr txBox="1"/>
+          <p:nvPr/>
+        </p:nvSpPr>
+        <p:spPr>
+          <a:xfrm>
+            <a:off x="1115616" y="3645024"/>
+            <a:ext cx="2262158" cy="369332"/>
+          </a:xfrm>
+          <a:prstGeom prst="rect">
+            <a:avLst/>
+          </a:prstGeom>
+          <a:noFill/>
+        </p:spPr>
+        <p:txBody>
+          <a:bodyPr wrap="none" rtlCol="0">
+            <a:spAutoFit/>
+          </a:bodyPr>
+          <a:lstStyle/>
+          <a:p>
+            <a:pPr algn="ctr"/>
+            <a:r>
+              <a:rPr lang="ja-JP" altLang="en-US"/>
+              <a:t>ローカルリポジトリ</a:t>
+            </a:r>
+            <a:endParaRPr kumimoji="1" lang="en-US" altLang="ja-JP" dirty="0"/>
+          </a:p>
+        </p:txBody>
+      </p:sp>
+      <p:pic>
+        <p:nvPicPr>
+          <p:cNvPr id="1026" name="Picture 2" descr="頭にクエスチョンマークを浮かべた人のイラスト（男性）">
+            <a:extLst>
+              <a:ext uri="{FF2B5EF4-FFF2-40B4-BE49-F238E27FC236}">
+                <a16:creationId xmlns:a16="http://schemas.microsoft.com/office/drawing/2014/main" id="{745A00E1-082D-427D-82A7-476B6ABE933F}"/>
+              </a:ext>
+            </a:extLst>
+          </p:cNvPr>
+          <p:cNvPicPr>
+            <a:picLocks noChangeAspect="1" noChangeArrowheads="1"/>
+          </p:cNvPicPr>
+          <p:nvPr/>
+        </p:nvPicPr>
+        <p:blipFill>
+          <a:blip r:embed="rId3" cstate="print">
+            <a:extLst>
+              <a:ext uri="{28A0092B-C50C-407E-A947-70E740481C1C}">
+                <a14:useLocalDpi xmlns:a14="http://schemas.microsoft.com/office/drawing/2010/main" val="0"/>
+              </a:ext>
+            </a:extLst>
+          </a:blip>
+          <a:srcRect/>
+          <a:stretch>
+            <a:fillRect/>
+          </a:stretch>
+        </p:blipFill>
+        <p:spPr bwMode="auto">
+          <a:xfrm>
+            <a:off x="-1141" y="4725144"/>
+            <a:ext cx="1035115" cy="1273988"/>
+          </a:xfrm>
+          <a:prstGeom prst="rect">
+            <a:avLst/>
+          </a:prstGeom>
+          <a:noFill/>
+          <a:extLst>
+            <a:ext uri="{909E8E84-426E-40DD-AFC4-6F175D3DCCD1}">
+              <a14:hiddenFill xmlns:a14="http://schemas.microsoft.com/office/drawing/2010/main">
+                <a:solidFill>
+                  <a:srgbClr val="FFFFFF"/>
+                </a:solidFill>
+              </a14:hiddenFill>
+            </a:ext>
+          </a:extLst>
+        </p:spPr>
+      </p:pic>
+      <p:sp>
+        <p:nvSpPr>
+          <p:cNvPr id="49" name="テキスト ボックス 48">
+            <a:extLst>
+              <a:ext uri="{FF2B5EF4-FFF2-40B4-BE49-F238E27FC236}">
+                <a16:creationId xmlns:a16="http://schemas.microsoft.com/office/drawing/2014/main" id="{EEF7B622-AE9E-4B6C-A56C-8E68481C5550}"/>
+              </a:ext>
+            </a:extLst>
+          </p:cNvPr>
+          <p:cNvSpPr txBox="1"/>
+          <p:nvPr/>
+        </p:nvSpPr>
+        <p:spPr>
+          <a:xfrm>
+            <a:off x="755576" y="5733256"/>
+            <a:ext cx="1080120" cy="369332"/>
+          </a:xfrm>
+          <a:prstGeom prst="rect">
+            <a:avLst/>
+          </a:prstGeom>
+          <a:noFill/>
+        </p:spPr>
+        <p:txBody>
+          <a:bodyPr wrap="square">
+            <a:spAutoFit/>
+          </a:bodyPr>
+          <a:lstStyle/>
+          <a:p>
+            <a:pPr algn="ctr"/>
+            <a:r>
+              <a:rPr lang="en-US">
+                <a:latin typeface="Consolas" panose="020B0609020204030204" pitchFamily="49" charset="0"/>
+              </a:rPr>
+              <a:t>c1</a:t>
+            </a:r>
+          </a:p>
+        </p:txBody>
+      </p:sp>
+      <p:sp>
+        <p:nvSpPr>
+          <p:cNvPr id="50" name="テキスト ボックス 49">
+            <a:extLst>
+              <a:ext uri="{FF2B5EF4-FFF2-40B4-BE49-F238E27FC236}">
+                <a16:creationId xmlns:a16="http://schemas.microsoft.com/office/drawing/2014/main" id="{21793DA8-DB05-4A6A-8DF2-4B2320FD7577}"/>
+              </a:ext>
+            </a:extLst>
+          </p:cNvPr>
+          <p:cNvSpPr txBox="1"/>
+          <p:nvPr/>
+        </p:nvSpPr>
+        <p:spPr>
+          <a:xfrm>
+            <a:off x="1547664" y="5733256"/>
+            <a:ext cx="1080120" cy="369332"/>
+          </a:xfrm>
+          <a:prstGeom prst="rect">
+            <a:avLst/>
+          </a:prstGeom>
+          <a:noFill/>
+        </p:spPr>
+        <p:txBody>
+          <a:bodyPr wrap="square">
+            <a:spAutoFit/>
+          </a:bodyPr>
+          <a:lstStyle/>
+          <a:p>
+            <a:pPr algn="ctr"/>
+            <a:r>
+              <a:rPr lang="en-US">
+                <a:latin typeface="Consolas" panose="020B0609020204030204" pitchFamily="49" charset="0"/>
+              </a:rPr>
+              <a:t>c2</a:t>
+            </a:r>
+          </a:p>
+        </p:txBody>
+      </p:sp>
+      <p:sp>
+        <p:nvSpPr>
+          <p:cNvPr id="51" name="テキスト ボックス 50">
+            <a:extLst>
+              <a:ext uri="{FF2B5EF4-FFF2-40B4-BE49-F238E27FC236}">
+                <a16:creationId xmlns:a16="http://schemas.microsoft.com/office/drawing/2014/main" id="{F952409D-0A17-4D7D-BCCD-F6142167A69A}"/>
+              </a:ext>
+            </a:extLst>
+          </p:cNvPr>
+          <p:cNvSpPr txBox="1"/>
+          <p:nvPr/>
+        </p:nvSpPr>
+        <p:spPr>
+          <a:xfrm>
+            <a:off x="2267744" y="5733256"/>
+            <a:ext cx="1080120" cy="369332"/>
+          </a:xfrm>
+          <a:prstGeom prst="rect">
+            <a:avLst/>
+          </a:prstGeom>
+          <a:noFill/>
+        </p:spPr>
+        <p:txBody>
+          <a:bodyPr wrap="square">
+            <a:spAutoFit/>
+          </a:bodyPr>
+          <a:lstStyle/>
+          <a:p>
+            <a:pPr algn="ctr"/>
+            <a:r>
+              <a:rPr lang="en-US">
+                <a:latin typeface="Consolas" panose="020B0609020204030204" pitchFamily="49" charset="0"/>
+              </a:rPr>
+              <a:t>c3</a:t>
+            </a:r>
+          </a:p>
+        </p:txBody>
+      </p:sp>
+      <p:cxnSp>
+        <p:nvCxnSpPr>
+          <p:cNvPr id="52" name="直線矢印コネクタ 51">
+            <a:extLst>
+              <a:ext uri="{FF2B5EF4-FFF2-40B4-BE49-F238E27FC236}">
+                <a16:creationId xmlns:a16="http://schemas.microsoft.com/office/drawing/2014/main" id="{52488B73-7F0B-4FC1-BCDB-AE007C3C0368}"/>
+              </a:ext>
+            </a:extLst>
+          </p:cNvPr>
+          <p:cNvCxnSpPr>
+            <a:stCxn id="35" idx="2"/>
+            <a:endCxn id="32" idx="6"/>
+          </p:cNvCxnSpPr>
+          <p:nvPr/>
+        </p:nvCxnSpPr>
+        <p:spPr>
+          <a:xfrm flipH="1" flipV="1">
+            <a:off x="2901280" y="5517232"/>
+            <a:ext cx="374576" cy="2096"/>
+          </a:xfrm>
+          <a:prstGeom prst="straightConnector1">
+            <a:avLst/>
+          </a:prstGeom>
+          <a:ln w="12700">
+            <a:solidFill>
+              <a:schemeClr val="tx1"/>
+            </a:solidFill>
+            <a:tailEnd type="triangle"/>
+          </a:ln>
+        </p:spPr>
+        <p:style>
+          <a:lnRef idx="1">
+            <a:schemeClr val="accent1"/>
+          </a:lnRef>
+          <a:fillRef idx="0">
+            <a:schemeClr val="accent1"/>
+          </a:fillRef>
+          <a:effectRef idx="0">
+            <a:schemeClr val="accent1"/>
+          </a:effectRef>
+          <a:fontRef idx="minor">
+            <a:schemeClr val="tx1"/>
+          </a:fontRef>
+        </p:style>
+      </p:cxnSp>
+      <p:sp>
+        <p:nvSpPr>
+          <p:cNvPr id="58" name="楕円 4">
+            <a:extLst>
+              <a:ext uri="{FF2B5EF4-FFF2-40B4-BE49-F238E27FC236}">
+                <a16:creationId xmlns:a16="http://schemas.microsoft.com/office/drawing/2014/main" id="{4214971D-65EC-4B7D-A142-1A3E587C64F3}"/>
+              </a:ext>
+            </a:extLst>
+          </p:cNvPr>
+          <p:cNvSpPr/>
+          <p:nvPr/>
+        </p:nvSpPr>
+        <p:spPr>
+          <a:xfrm>
+            <a:off x="2051720" y="1916832"/>
+            <a:ext cx="288032" cy="288032"/>
+          </a:xfrm>
+          <a:prstGeom prst="ellipse">
+            <a:avLst/>
+          </a:prstGeom>
+          <a:solidFill>
+            <a:srgbClr val="011893"/>
+          </a:solidFill>
+          <a:ln>
+            <a:solidFill>
+              <a:schemeClr val="tx1"/>
+            </a:solidFill>
+          </a:ln>
+        </p:spPr>
+        <p:style>
+          <a:lnRef idx="2">
+            <a:schemeClr val="accent1">
+              <a:shade val="50000"/>
+            </a:schemeClr>
+          </a:lnRef>
+          <a:fillRef idx="1">
+            <a:schemeClr val="accent1"/>
+          </a:fillRef>
+          <a:effectRef idx="0">
+            <a:schemeClr val="accent1"/>
+          </a:effectRef>
+          <a:fontRef idx="minor">
+            <a:schemeClr val="lt1"/>
+          </a:fontRef>
+        </p:style>
+        <p:txBody>
+          <a:bodyPr rtlCol="0" anchor="ctr"/>
+          <a:lstStyle/>
+          <a:p>
+            <a:pPr algn="ctr"/>
+            <a:endParaRPr kumimoji="1" lang="ja-JP" altLang="en-US"/>
+          </a:p>
+        </p:txBody>
+      </p:sp>
+      <p:sp>
+        <p:nvSpPr>
+          <p:cNvPr id="59" name="楕円 4">
+            <a:extLst>
+              <a:ext uri="{FF2B5EF4-FFF2-40B4-BE49-F238E27FC236}">
+                <a16:creationId xmlns:a16="http://schemas.microsoft.com/office/drawing/2014/main" id="{E08A4223-6FB6-4AEB-93CF-22DEA54426BC}"/>
+              </a:ext>
+            </a:extLst>
+          </p:cNvPr>
+          <p:cNvSpPr/>
+          <p:nvPr/>
+        </p:nvSpPr>
+        <p:spPr>
+          <a:xfrm>
+            <a:off x="2915816" y="2348880"/>
+            <a:ext cx="288032" cy="288032"/>
+          </a:xfrm>
+          <a:prstGeom prst="ellipse">
+            <a:avLst/>
+          </a:prstGeom>
+          <a:solidFill>
+            <a:schemeClr val="bg1"/>
+          </a:solidFill>
+          <a:ln w="28575">
+            <a:solidFill>
+              <a:schemeClr val="tx1">
+                <a:lumMod val="95000"/>
+                <a:lumOff val="5000"/>
+              </a:schemeClr>
+            </a:solidFill>
+            <a:prstDash val="sysDash"/>
+          </a:ln>
+        </p:spPr>
+        <p:style>
+          <a:lnRef idx="2">
+            <a:schemeClr val="accent1">
+              <a:shade val="50000"/>
+            </a:schemeClr>
+          </a:lnRef>
+          <a:fillRef idx="1">
+            <a:schemeClr val="accent1"/>
+          </a:fillRef>
+          <a:effectRef idx="0">
+            <a:schemeClr val="accent1"/>
+          </a:effectRef>
+          <a:fontRef idx="minor">
+            <a:schemeClr val="lt1"/>
+          </a:fontRef>
+        </p:style>
+        <p:txBody>
+          <a:bodyPr rtlCol="0" anchor="ctr"/>
+          <a:lstStyle/>
+          <a:p>
+            <a:pPr algn="ctr"/>
+            <a:endParaRPr kumimoji="1" lang="ja-JP" altLang="en-US"/>
+          </a:p>
+        </p:txBody>
+      </p:sp>
+      <p:cxnSp>
+        <p:nvCxnSpPr>
+          <p:cNvPr id="60" name="直線コネクタ 59">
+            <a:extLst>
+              <a:ext uri="{FF2B5EF4-FFF2-40B4-BE49-F238E27FC236}">
+                <a16:creationId xmlns:a16="http://schemas.microsoft.com/office/drawing/2014/main" id="{67256EBA-8EBC-4072-BD26-BF9426D2A920}"/>
+              </a:ext>
+            </a:extLst>
+          </p:cNvPr>
+          <p:cNvCxnSpPr>
+            <a:cxnSpLocks/>
+            <a:stCxn id="58" idx="6"/>
+            <a:endCxn id="59" idx="1"/>
+          </p:cNvCxnSpPr>
+          <p:nvPr/>
+        </p:nvCxnSpPr>
+        <p:spPr>
+          <a:xfrm>
+            <a:off x="2339752" y="2060848"/>
+            <a:ext cx="618245" cy="330213"/>
+          </a:xfrm>
+          <a:prstGeom prst="line">
+            <a:avLst/>
+          </a:prstGeom>
+          <a:ln w="57150">
+            <a:solidFill>
+              <a:schemeClr val="tx1"/>
+            </a:solidFill>
+            <a:prstDash val="sysDot"/>
+          </a:ln>
+        </p:spPr>
+        <p:style>
+          <a:lnRef idx="1">
+            <a:schemeClr val="accent1"/>
+          </a:lnRef>
+          <a:fillRef idx="0">
+            <a:schemeClr val="accent1"/>
+          </a:fillRef>
+          <a:effectRef idx="0">
+            <a:schemeClr val="accent1"/>
+          </a:effectRef>
+          <a:fontRef idx="minor">
+            <a:schemeClr val="tx1"/>
+          </a:fontRef>
+        </p:style>
+      </p:cxnSp>
+      <p:sp>
+        <p:nvSpPr>
+          <p:cNvPr id="63" name="テキスト ボックス 62">
+            <a:extLst>
+              <a:ext uri="{FF2B5EF4-FFF2-40B4-BE49-F238E27FC236}">
+                <a16:creationId xmlns:a16="http://schemas.microsoft.com/office/drawing/2014/main" id="{A415E7F3-7F67-4115-941F-7DCB22C028E3}"/>
+              </a:ext>
+            </a:extLst>
+          </p:cNvPr>
+          <p:cNvSpPr txBox="1"/>
+          <p:nvPr/>
+        </p:nvSpPr>
+        <p:spPr>
+          <a:xfrm>
+            <a:off x="2483768" y="2636912"/>
+            <a:ext cx="1080120" cy="369332"/>
+          </a:xfrm>
+          <a:prstGeom prst="rect">
+            <a:avLst/>
+          </a:prstGeom>
+          <a:noFill/>
+        </p:spPr>
+        <p:txBody>
+          <a:bodyPr wrap="square">
+            <a:spAutoFit/>
+          </a:bodyPr>
+          <a:lstStyle/>
+          <a:p>
+            <a:pPr algn="ctr"/>
+            <a:r>
+              <a:rPr lang="en-US">
+                <a:latin typeface="Consolas" panose="020B0609020204030204" pitchFamily="49" charset="0"/>
+              </a:rPr>
+              <a:t>c3</a:t>
+            </a:r>
+          </a:p>
+        </p:txBody>
+      </p:sp>
+      <p:cxnSp>
+        <p:nvCxnSpPr>
+          <p:cNvPr id="1024" name="コネクタ: カギ線 1023">
+            <a:extLst>
+              <a:ext uri="{FF2B5EF4-FFF2-40B4-BE49-F238E27FC236}">
+                <a16:creationId xmlns:a16="http://schemas.microsoft.com/office/drawing/2014/main" id="{AEBFEDB5-A63C-44D1-9B68-B13F8F58B217}"/>
+              </a:ext>
+            </a:extLst>
+          </p:cNvPr>
+          <p:cNvCxnSpPr>
+            <a:stCxn id="35" idx="3"/>
+            <a:endCxn id="59" idx="6"/>
+          </p:cNvCxnSpPr>
+          <p:nvPr/>
+        </p:nvCxnSpPr>
+        <p:spPr>
+          <a:xfrm rot="16200000" flipV="1">
+            <a:off x="2230692" y="3466052"/>
+            <a:ext cx="2846412" cy="900100"/>
+          </a:xfrm>
+          <a:prstGeom prst="bentConnector2">
+            <a:avLst/>
+          </a:prstGeom>
+          <a:ln w="12700">
+            <a:solidFill>
+              <a:schemeClr val="tx1"/>
+            </a:solidFill>
+            <a:tailEnd type="triangle"/>
+          </a:ln>
+        </p:spPr>
+        <p:style>
+          <a:lnRef idx="1">
+            <a:schemeClr val="accent1"/>
+          </a:lnRef>
+          <a:fillRef idx="0">
+            <a:schemeClr val="accent1"/>
+          </a:fillRef>
+          <a:effectRef idx="0">
+            <a:schemeClr val="accent1"/>
+          </a:effectRef>
+          <a:fontRef idx="minor">
+            <a:schemeClr val="tx1"/>
+          </a:fontRef>
+        </p:style>
+      </p:cxnSp>
+    </p:spTree>
+    <p:extLst>
+      <p:ext uri="{BB962C8B-B14F-4D97-AF65-F5344CB8AC3E}">
+        <p14:creationId xmlns:p14="http://schemas.microsoft.com/office/powerpoint/2010/main" val="3676556194"/>
+      </p:ext>
+    </p:extLst>
+  </p:cSld>
+  <p:clrMapOvr>
+    <a:masterClrMapping/>
+  </p:clrMapOvr>
+</p:sld>
+</file>
+
 <file path=ppt/slides/slide2.xml><?xml version="1.0" encoding="utf-8"?>
 <p:sld xmlns:a="http://schemas.openxmlformats.org/drawingml/2006/main" xmlns:r="http://schemas.openxmlformats.org/officeDocument/2006/relationships" xmlns:p="http://schemas.openxmlformats.org/presentationml/2006/main">
   <p:cSld>
